--- a/GAN.pptx
+++ b/GAN.pptx
@@ -7,7 +7,7 @@
   <p:sldIdLst>
     <p:sldId id="256" r:id="rId2"/>
     <p:sldId id="257" r:id="rId3"/>
-    <p:sldId id="258" r:id="rId4"/>
+    <p:sldId id="266" r:id="rId4"/>
     <p:sldId id="259" r:id="rId5"/>
     <p:sldId id="260" r:id="rId6"/>
     <p:sldId id="261" r:id="rId7"/>
@@ -113,6 +113,11 @@
       </a:defRPr>
     </a:lvl9pPr>
   </p:defaultTextStyle>
+  <p:extLst>
+    <p:ext uri="{EFAFB233-063F-42B5-8137-9DF3F51BA10A}">
+      <p15:sldGuideLst xmlns:p15="http://schemas.microsoft.com/office/powerpoint/2012/main"/>
+    </p:ext>
+  </p:extLst>
 </p:presentation>
 </file>
 
@@ -308,7 +313,7 @@
             <a:fld id="{B61BEF0D-F0BB-DE4B-95CE-6DB70DBA9567}" type="datetimeFigureOut">
               <a:rPr lang="en-US" dirty="0"/>
               <a:pPr/>
-              <a:t>4/21/2021</a:t>
+              <a:t>4/26/2021</a:t>
             </a:fld>
             <a:endParaRPr lang="en-US" dirty="0"/>
           </a:p>
@@ -741,7 +746,7 @@
             <a:fld id="{B61BEF0D-F0BB-DE4B-95CE-6DB70DBA9567}" type="datetimeFigureOut">
               <a:rPr lang="en-US" dirty="0"/>
               <a:pPr/>
-              <a:t>4/21/2021</a:t>
+              <a:t>4/26/2021</a:t>
             </a:fld>
             <a:endParaRPr lang="en-US" dirty="0"/>
           </a:p>
@@ -988,7 +993,7 @@
             <a:fld id="{B61BEF0D-F0BB-DE4B-95CE-6DB70DBA9567}" type="datetimeFigureOut">
               <a:rPr lang="en-US" dirty="0"/>
               <a:pPr/>
-              <a:t>4/21/2021</a:t>
+              <a:t>4/26/2021</a:t>
             </a:fld>
             <a:endParaRPr lang="en-US" dirty="0"/>
           </a:p>
@@ -1293,7 +1298,7 @@
             <a:fld id="{B61BEF0D-F0BB-DE4B-95CE-6DB70DBA9567}" type="datetimeFigureOut">
               <a:rPr lang="en-US" dirty="0"/>
               <a:pPr/>
-              <a:t>4/21/2021</a:t>
+              <a:t>4/26/2021</a:t>
             </a:fld>
             <a:endParaRPr lang="en-US" dirty="0"/>
           </a:p>
@@ -1608,7 +1613,7 @@
             <a:fld id="{B61BEF0D-F0BB-DE4B-95CE-6DB70DBA9567}" type="datetimeFigureOut">
               <a:rPr lang="en-US" dirty="0"/>
               <a:pPr/>
-              <a:t>4/21/2021</a:t>
+              <a:t>4/26/2021</a:t>
             </a:fld>
             <a:endParaRPr lang="en-US" dirty="0"/>
           </a:p>
@@ -1907,7 +1912,7 @@
             <a:fld id="{B61BEF0D-F0BB-DE4B-95CE-6DB70DBA9567}" type="datetimeFigureOut">
               <a:rPr lang="en-US" dirty="0"/>
               <a:pPr/>
-              <a:t>4/21/2021</a:t>
+              <a:t>4/26/2021</a:t>
             </a:fld>
             <a:endParaRPr lang="en-US" dirty="0"/>
           </a:p>
@@ -2271,7 +2276,7 @@
             <a:fld id="{B61BEF0D-F0BB-DE4B-95CE-6DB70DBA9567}" type="datetimeFigureOut">
               <a:rPr lang="en-US" dirty="0"/>
               <a:pPr/>
-              <a:t>4/21/2021</a:t>
+              <a:t>4/26/2021</a:t>
             </a:fld>
             <a:endParaRPr lang="en-US" dirty="0"/>
           </a:p>
@@ -2442,7 +2447,7 @@
             <a:fld id="{B61BEF0D-F0BB-DE4B-95CE-6DB70DBA9567}" type="datetimeFigureOut">
               <a:rPr lang="en-US" dirty="0"/>
               <a:pPr/>
-              <a:t>4/21/2021</a:t>
+              <a:t>4/26/2021</a:t>
             </a:fld>
             <a:endParaRPr lang="en-US" dirty="0"/>
           </a:p>
@@ -2619,7 +2624,7 @@
             <a:fld id="{B61BEF0D-F0BB-DE4B-95CE-6DB70DBA9567}" type="datetimeFigureOut">
               <a:rPr lang="en-US" dirty="0"/>
               <a:pPr/>
-              <a:t>4/21/2021</a:t>
+              <a:t>4/26/2021</a:t>
             </a:fld>
             <a:endParaRPr lang="en-US" dirty="0"/>
           </a:p>
@@ -2786,7 +2791,7 @@
             <a:fld id="{B61BEF0D-F0BB-DE4B-95CE-6DB70DBA9567}" type="datetimeFigureOut">
               <a:rPr lang="en-US" dirty="0"/>
               <a:pPr/>
-              <a:t>4/21/2021</a:t>
+              <a:t>4/26/2021</a:t>
             </a:fld>
             <a:endParaRPr lang="en-US" dirty="0"/>
           </a:p>
@@ -3033,7 +3038,7 @@
             <a:fld id="{B61BEF0D-F0BB-DE4B-95CE-6DB70DBA9567}" type="datetimeFigureOut">
               <a:rPr lang="en-US" dirty="0"/>
               <a:pPr/>
-              <a:t>4/21/2021</a:t>
+              <a:t>4/26/2021</a:t>
             </a:fld>
             <a:endParaRPr lang="en-US" dirty="0"/>
           </a:p>
@@ -3266,7 +3271,7 @@
             <a:fld id="{B61BEF0D-F0BB-DE4B-95CE-6DB70DBA9567}" type="datetimeFigureOut">
               <a:rPr lang="en-US" dirty="0"/>
               <a:pPr/>
-              <a:t>4/21/2021</a:t>
+              <a:t>4/26/2021</a:t>
             </a:fld>
             <a:endParaRPr lang="en-US" dirty="0"/>
           </a:p>
@@ -3645,7 +3650,7 @@
             <a:fld id="{B61BEF0D-F0BB-DE4B-95CE-6DB70DBA9567}" type="datetimeFigureOut">
               <a:rPr lang="en-US" dirty="0"/>
               <a:pPr/>
-              <a:t>4/21/2021</a:t>
+              <a:t>4/26/2021</a:t>
             </a:fld>
             <a:endParaRPr lang="en-US" dirty="0"/>
           </a:p>
@@ -3760,7 +3765,7 @@
             <a:fld id="{B61BEF0D-F0BB-DE4B-95CE-6DB70DBA9567}" type="datetimeFigureOut">
               <a:rPr lang="en-US" dirty="0"/>
               <a:pPr/>
-              <a:t>4/21/2021</a:t>
+              <a:t>4/26/2021</a:t>
             </a:fld>
             <a:endParaRPr lang="en-US" dirty="0"/>
           </a:p>
@@ -3852,7 +3857,7 @@
             <a:fld id="{B61BEF0D-F0BB-DE4B-95CE-6DB70DBA9567}" type="datetimeFigureOut">
               <a:rPr lang="en-US" dirty="0"/>
               <a:pPr/>
-              <a:t>4/21/2021</a:t>
+              <a:t>4/26/2021</a:t>
             </a:fld>
             <a:endParaRPr lang="en-US" dirty="0"/>
           </a:p>
@@ -4104,7 +4109,7 @@
             <a:fld id="{B61BEF0D-F0BB-DE4B-95CE-6DB70DBA9567}" type="datetimeFigureOut">
               <a:rPr lang="en-US" dirty="0"/>
               <a:pPr/>
-              <a:t>4/21/2021</a:t>
+              <a:t>4/26/2021</a:t>
             </a:fld>
             <a:endParaRPr lang="en-US" dirty="0"/>
           </a:p>
@@ -4384,7 +4389,7 @@
             <a:fld id="{B61BEF0D-F0BB-DE4B-95CE-6DB70DBA9567}" type="datetimeFigureOut">
               <a:rPr lang="en-US" dirty="0"/>
               <a:pPr/>
-              <a:t>4/21/2021</a:t>
+              <a:t>4/26/2021</a:t>
             </a:fld>
             <a:endParaRPr lang="en-US" dirty="0"/>
           </a:p>
@@ -4787,7 +4792,7 @@
             <a:fld id="{B61BEF0D-F0BB-DE4B-95CE-6DB70DBA9567}" type="datetimeFigureOut">
               <a:rPr lang="en-US" dirty="0"/>
               <a:pPr/>
-              <a:t>4/21/2021</a:t>
+              <a:t>4/26/2021</a:t>
             </a:fld>
             <a:endParaRPr lang="en-US" dirty="0"/>
           </a:p>
@@ -5638,7 +5643,7 @@
           <p:cNvPr id="2" name="Titel 1">
             <a:extLst>
               <a:ext uri="{FF2B5EF4-FFF2-40B4-BE49-F238E27FC236}">
-                <a16:creationId xmlns:a16="http://schemas.microsoft.com/office/drawing/2014/main" id="{C5BD4E1A-E7A6-4006-8309-99EC4C8D0791}"/>
+                <a16:creationId xmlns:a16="http://schemas.microsoft.com/office/drawing/2014/main" id="{A5DEF2B5-F2B0-46CA-BE12-D2C53C9C4010}"/>
               </a:ext>
             </a:extLst>
           </p:cNvPr>
@@ -5655,27 +5660,70 @@
           <a:lstStyle/>
           <a:p>
             <a:r>
-              <a:rPr lang="de-CH" dirty="0"/>
+              <a:rPr lang="de-DE" dirty="0"/>
               <a:t>GAN</a:t>
             </a:r>
+            <a:endParaRPr lang="de-CH" dirty="0"/>
+          </a:p>
+        </p:txBody>
+      </p:sp>
+      <p:sp>
+        <p:nvSpPr>
+          <p:cNvPr id="3" name="Inhaltsplatzhalter 2">
+            <a:extLst>
+              <a:ext uri="{FF2B5EF4-FFF2-40B4-BE49-F238E27FC236}">
+                <a16:creationId xmlns:a16="http://schemas.microsoft.com/office/drawing/2014/main" id="{9BBAEAB6-8382-470E-A3A7-B0A632E13DC6}"/>
+              </a:ext>
+            </a:extLst>
+          </p:cNvPr>
+          <p:cNvSpPr>
+            <a:spLocks noGrp="1"/>
+          </p:cNvSpPr>
+          <p:nvPr>
+            <p:ph idx="1"/>
+          </p:nvPr>
+        </p:nvSpPr>
+        <p:spPr/>
+        <p:txBody>
+          <a:bodyPr/>
+          <a:lstStyle/>
+          <a:p>
+            <a:r>
+              <a:rPr lang="de-DE" dirty="0"/>
+              <a:t>Generator</a:t>
+            </a:r>
+          </a:p>
+          <a:p>
+            <a:endParaRPr lang="de-DE" dirty="0"/>
+          </a:p>
+          <a:p>
+            <a:endParaRPr lang="de-DE" dirty="0"/>
+          </a:p>
+          <a:p>
+            <a:endParaRPr lang="de-DE" dirty="0"/>
+          </a:p>
+          <a:p>
+            <a:r>
+              <a:rPr lang="de-DE" dirty="0"/>
+              <a:t>Diskriminator</a:t>
+            </a:r>
+            <a:endParaRPr lang="de-CH" dirty="0"/>
           </a:p>
         </p:txBody>
       </p:sp>
       <p:pic>
         <p:nvPicPr>
-          <p:cNvPr id="5" name="Inhaltsplatzhalter 4">
+          <p:cNvPr id="4" name="Inhaltsplatzhalter 4">
             <a:extLst>
               <a:ext uri="{FF2B5EF4-FFF2-40B4-BE49-F238E27FC236}">
-                <a16:creationId xmlns:a16="http://schemas.microsoft.com/office/drawing/2014/main" id="{EDA44C71-9DC7-4C97-95A2-550D20A96797}"/>
+                <a16:creationId xmlns:a16="http://schemas.microsoft.com/office/drawing/2014/main" id="{B253AC1C-2211-4F7A-972D-47C0F3C866EC}"/>
               </a:ext>
             </a:extLst>
           </p:cNvPr>
           <p:cNvPicPr>
-            <a:picLocks noGrp="1" noChangeAspect="1"/>
+            <a:picLocks noChangeAspect="1"/>
           </p:cNvPicPr>
-          <p:nvPr>
-            <p:ph idx="1"/>
-          </p:nvPr>
+          <p:nvPr/>
         </p:nvPicPr>
         <p:blipFill>
           <a:blip r:embed="rId2"/>
@@ -5685,15 +5733,553 @@
         </p:blipFill>
         <p:spPr>
           <a:xfrm>
-            <a:off x="684212" y="1959090"/>
+            <a:off x="2246682" y="4829287"/>
             <a:ext cx="9497954" cy="823156"/>
           </a:xfrm>
+          <a:prstGeom prst="rect">
+            <a:avLst/>
+          </a:prstGeom>
         </p:spPr>
       </p:pic>
+      <p:pic>
+        <p:nvPicPr>
+          <p:cNvPr id="6" name="Grafik 5">
+            <a:extLst>
+              <a:ext uri="{FF2B5EF4-FFF2-40B4-BE49-F238E27FC236}">
+                <a16:creationId xmlns:a16="http://schemas.microsoft.com/office/drawing/2014/main" id="{47EBF0A5-B8DD-4983-8CB4-C64BEC9A4116}"/>
+              </a:ext>
+            </a:extLst>
+          </p:cNvPr>
+          <p:cNvPicPr>
+            <a:picLocks noChangeAspect="1"/>
+          </p:cNvPicPr>
+          <p:nvPr/>
+        </p:nvPicPr>
+        <p:blipFill>
+          <a:blip r:embed="rId3"/>
+          <a:stretch>
+            <a:fillRect/>
+          </a:stretch>
+        </p:blipFill>
+        <p:spPr>
+          <a:xfrm>
+            <a:off x="3322043" y="685800"/>
+            <a:ext cx="1631698" cy="1608635"/>
+          </a:xfrm>
+          <a:prstGeom prst="rect">
+            <a:avLst/>
+          </a:prstGeom>
+        </p:spPr>
+      </p:pic>
+      <mc:AlternateContent xmlns:mc="http://schemas.openxmlformats.org/markup-compatibility/2006">
+        <mc:Choice xmlns:a14="http://schemas.microsoft.com/office/drawing/2010/main" Requires="a14">
+          <p:sp>
+            <p:nvSpPr>
+              <p:cNvPr id="7" name="Textfeld 6">
+                <a:extLst>
+                  <a:ext uri="{FF2B5EF4-FFF2-40B4-BE49-F238E27FC236}">
+                    <a16:creationId xmlns:a16="http://schemas.microsoft.com/office/drawing/2014/main" id="{35E6C9FF-D6E4-4FA7-9493-7EC7CE99C622}"/>
+                  </a:ext>
+                </a:extLst>
+              </p:cNvPr>
+              <p:cNvSpPr txBox="1"/>
+              <p:nvPr/>
+            </p:nvSpPr>
+            <p:spPr>
+              <a:xfrm>
+                <a:off x="3744265" y="316468"/>
+                <a:ext cx="911019" cy="369332"/>
+              </a:xfrm>
+              <a:prstGeom prst="rect">
+                <a:avLst/>
+              </a:prstGeom>
+              <a:noFill/>
+            </p:spPr>
+            <p:txBody>
+              <a:bodyPr wrap="none" rtlCol="0">
+                <a:spAutoFit/>
+              </a:bodyPr>
+              <a:lstStyle/>
+              <a:p>
+                <a14:m>
+                  <m:oMathPara xmlns:m="http://schemas.openxmlformats.org/officeDocument/2006/math">
+                    <m:oMathParaPr>
+                      <m:jc m:val="centerGroup"/>
+                    </m:oMathParaPr>
+                    <m:oMath xmlns:m="http://schemas.openxmlformats.org/officeDocument/2006/math">
+                      <m:r>
+                        <a:rPr lang="de-DE" b="0" i="1" smtClean="0">
+                          <a:latin typeface="Cambria Math" panose="02040503050406030204" pitchFamily="18" charset="0"/>
+                        </a:rPr>
+                        <m:t>𝑧</m:t>
+                      </m:r>
+                      <m:r>
+                        <a:rPr lang="de-DE" b="0" i="1" smtClean="0">
+                          <a:latin typeface="Cambria Math" panose="02040503050406030204" pitchFamily="18" charset="0"/>
+                        </a:rPr>
+                        <m:t> ∈</m:t>
+                      </m:r>
+                      <m:sSub>
+                        <m:sSubPr>
+                          <m:ctrlPr>
+                            <a:rPr lang="de-DE" b="0" i="1" smtClean="0">
+                              <a:latin typeface="Cambria Math" panose="02040503050406030204" pitchFamily="18" charset="0"/>
+                              <a:ea typeface="Cambria Math" panose="02040503050406030204" pitchFamily="18" charset="0"/>
+                            </a:rPr>
+                          </m:ctrlPr>
+                        </m:sSubPr>
+                        <m:e>
+                          <m:r>
+                            <a:rPr lang="de-DE" b="0" i="1" smtClean="0">
+                              <a:latin typeface="Cambria Math" panose="02040503050406030204" pitchFamily="18" charset="0"/>
+                              <a:ea typeface="Cambria Math" panose="02040503050406030204" pitchFamily="18" charset="0"/>
+                            </a:rPr>
+                            <m:t>𝑝</m:t>
+                          </m:r>
+                        </m:e>
+                        <m:sub>
+                          <m:r>
+                            <a:rPr lang="de-DE" b="0" i="1" smtClean="0">
+                              <a:latin typeface="Cambria Math" panose="02040503050406030204" pitchFamily="18" charset="0"/>
+                              <a:ea typeface="Cambria Math" panose="02040503050406030204" pitchFamily="18" charset="0"/>
+                            </a:rPr>
+                            <m:t>𝑧</m:t>
+                          </m:r>
+                        </m:sub>
+                      </m:sSub>
+                    </m:oMath>
+                  </m:oMathPara>
+                </a14:m>
+                <a:endParaRPr lang="de-CH" dirty="0"/>
+              </a:p>
+            </p:txBody>
+          </p:sp>
+        </mc:Choice>
+        <mc:Fallback>
+          <p:sp>
+            <p:nvSpPr>
+              <p:cNvPr id="7" name="Textfeld 6">
+                <a:extLst>
+                  <a:ext uri="{FF2B5EF4-FFF2-40B4-BE49-F238E27FC236}">
+                    <a16:creationId xmlns:a16="http://schemas.microsoft.com/office/drawing/2014/main" id="{35E6C9FF-D6E4-4FA7-9493-7EC7CE99C622}"/>
+                  </a:ext>
+                </a:extLst>
+              </p:cNvPr>
+              <p:cNvSpPr txBox="1">
+                <a:spLocks noRot="1" noChangeAspect="1" noMove="1" noResize="1" noEditPoints="1" noAdjustHandles="1" noChangeArrowheads="1" noChangeShapeType="1" noTextEdit="1"/>
+              </p:cNvSpPr>
+              <p:nvPr/>
+            </p:nvSpPr>
+            <p:spPr>
+              <a:xfrm>
+                <a:off x="3744265" y="316468"/>
+                <a:ext cx="911019" cy="369332"/>
+              </a:xfrm>
+              <a:prstGeom prst="rect">
+                <a:avLst/>
+              </a:prstGeom>
+              <a:blipFill>
+                <a:blip r:embed="rId4"/>
+                <a:stretch>
+                  <a:fillRect b="-8197"/>
+                </a:stretch>
+              </a:blipFill>
+            </p:spPr>
+            <p:txBody>
+              <a:bodyPr/>
+              <a:lstStyle/>
+              <a:p>
+                <a:r>
+                  <a:rPr lang="de-CH">
+                    <a:noFill/>
+                  </a:rPr>
+                  <a:t> </a:t>
+                </a:r>
+              </a:p>
+            </p:txBody>
+          </p:sp>
+        </mc:Fallback>
+      </mc:AlternateContent>
+      <p:sp>
+        <p:nvSpPr>
+          <p:cNvPr id="8" name="Pfeil: nach rechts 7">
+            <a:extLst>
+              <a:ext uri="{FF2B5EF4-FFF2-40B4-BE49-F238E27FC236}">
+                <a16:creationId xmlns:a16="http://schemas.microsoft.com/office/drawing/2014/main" id="{8EF8EB51-7BFE-4FFB-84D0-BBE66CE78129}"/>
+              </a:ext>
+            </a:extLst>
+          </p:cNvPr>
+          <p:cNvSpPr/>
+          <p:nvPr/>
+        </p:nvSpPr>
+        <p:spPr>
+          <a:xfrm>
+            <a:off x="5227783" y="1306319"/>
+            <a:ext cx="2363789" cy="488271"/>
+          </a:xfrm>
+          <a:prstGeom prst="rightArrow">
+            <a:avLst/>
+          </a:prstGeom>
+        </p:spPr>
+        <p:style>
+          <a:lnRef idx="2">
+            <a:schemeClr val="accent1">
+              <a:shade val="50000"/>
+            </a:schemeClr>
+          </a:lnRef>
+          <a:fillRef idx="1">
+            <a:schemeClr val="accent1"/>
+          </a:fillRef>
+          <a:effectRef idx="0">
+            <a:schemeClr val="accent1"/>
+          </a:effectRef>
+          <a:fontRef idx="minor">
+            <a:schemeClr val="lt1"/>
+          </a:fontRef>
+        </p:style>
+        <p:txBody>
+          <a:bodyPr rtlCol="0" anchor="ctr"/>
+          <a:lstStyle/>
+          <a:p>
+            <a:pPr algn="ctr"/>
+            <a:endParaRPr lang="de-CH"/>
+          </a:p>
+        </p:txBody>
+      </p:sp>
+      <p:pic>
+        <p:nvPicPr>
+          <p:cNvPr id="10" name="Grafik 9">
+            <a:extLst>
+              <a:ext uri="{FF2B5EF4-FFF2-40B4-BE49-F238E27FC236}">
+                <a16:creationId xmlns:a16="http://schemas.microsoft.com/office/drawing/2014/main" id="{757E3230-C807-4791-B192-48B4D4731BC2}"/>
+              </a:ext>
+            </a:extLst>
+          </p:cNvPr>
+          <p:cNvPicPr>
+            <a:picLocks noChangeAspect="1"/>
+          </p:cNvPicPr>
+          <p:nvPr/>
+        </p:nvPicPr>
+        <p:blipFill>
+          <a:blip r:embed="rId5"/>
+          <a:stretch>
+            <a:fillRect/>
+          </a:stretch>
+        </p:blipFill>
+        <p:spPr>
+          <a:xfrm>
+            <a:off x="7888130" y="685235"/>
+            <a:ext cx="1609200" cy="1609200"/>
+          </a:xfrm>
+          <a:prstGeom prst="rect">
+            <a:avLst/>
+          </a:prstGeom>
+        </p:spPr>
+      </p:pic>
+      <mc:AlternateContent xmlns:mc="http://schemas.openxmlformats.org/markup-compatibility/2006">
+        <mc:Choice xmlns:a14="http://schemas.microsoft.com/office/drawing/2010/main" Requires="a14">
+          <p:sp>
+            <p:nvSpPr>
+              <p:cNvPr id="11" name="Textfeld 10">
+                <a:extLst>
+                  <a:ext uri="{FF2B5EF4-FFF2-40B4-BE49-F238E27FC236}">
+                    <a16:creationId xmlns:a16="http://schemas.microsoft.com/office/drawing/2014/main" id="{BE0F18C0-7EC2-430C-A583-5A2A5E6AEDCD}"/>
+                  </a:ext>
+                </a:extLst>
+              </p:cNvPr>
+              <p:cNvSpPr txBox="1"/>
+              <p:nvPr/>
+            </p:nvSpPr>
+            <p:spPr>
+              <a:xfrm>
+                <a:off x="8186587" y="312775"/>
+                <a:ext cx="1082284" cy="369332"/>
+              </a:xfrm>
+              <a:prstGeom prst="rect">
+                <a:avLst/>
+              </a:prstGeom>
+              <a:noFill/>
+            </p:spPr>
+            <p:txBody>
+              <a:bodyPr wrap="none" rtlCol="0">
+                <a:spAutoFit/>
+              </a:bodyPr>
+              <a:lstStyle/>
+              <a:p>
+                <a:r>
+                  <a:rPr lang="de-DE" b="0" dirty="0"/>
+                  <a:t>x</a:t>
+                </a:r>
+                <a14:m>
+                  <m:oMath xmlns:m="http://schemas.openxmlformats.org/officeDocument/2006/math">
+                    <m:r>
+                      <a:rPr lang="de-DE" b="0" i="1" smtClean="0">
+                        <a:latin typeface="Cambria Math" panose="02040503050406030204" pitchFamily="18" charset="0"/>
+                      </a:rPr>
+                      <m:t> </m:t>
+                    </m:r>
+                    <m:r>
+                      <a:rPr lang="de-DE" b="0" i="1" smtClean="0">
+                        <a:latin typeface="Cambria Math" panose="02040503050406030204" pitchFamily="18" charset="0"/>
+                        <a:ea typeface="Cambria Math" panose="02040503050406030204" pitchFamily="18" charset="0"/>
+                      </a:rPr>
+                      <m:t>∈</m:t>
+                    </m:r>
+                    <m:sSub>
+                      <m:sSubPr>
+                        <m:ctrlPr>
+                          <a:rPr lang="de-DE" b="0" i="1" smtClean="0">
+                            <a:latin typeface="Cambria Math" panose="02040503050406030204" pitchFamily="18" charset="0"/>
+                            <a:ea typeface="Cambria Math" panose="02040503050406030204" pitchFamily="18" charset="0"/>
+                          </a:rPr>
+                        </m:ctrlPr>
+                      </m:sSubPr>
+                      <m:e>
+                        <m:r>
+                          <a:rPr lang="de-DE" b="0" i="1" smtClean="0">
+                            <a:latin typeface="Cambria Math" panose="02040503050406030204" pitchFamily="18" charset="0"/>
+                            <a:ea typeface="Cambria Math" panose="02040503050406030204" pitchFamily="18" charset="0"/>
+                          </a:rPr>
+                          <m:t>𝑝</m:t>
+                        </m:r>
+                      </m:e>
+                      <m:sub>
+                        <m:r>
+                          <a:rPr lang="de-DE" b="0" i="1" smtClean="0">
+                            <a:latin typeface="Cambria Math" panose="02040503050406030204" pitchFamily="18" charset="0"/>
+                            <a:ea typeface="Cambria Math" panose="02040503050406030204" pitchFamily="18" charset="0"/>
+                          </a:rPr>
+                          <m:t>𝑑𝑎𝑡𝑎</m:t>
+                        </m:r>
+                      </m:sub>
+                    </m:sSub>
+                  </m:oMath>
+                </a14:m>
+                <a:endParaRPr lang="de-CH" dirty="0"/>
+              </a:p>
+            </p:txBody>
+          </p:sp>
+        </mc:Choice>
+        <mc:Fallback>
+          <p:sp>
+            <p:nvSpPr>
+              <p:cNvPr id="11" name="Textfeld 10">
+                <a:extLst>
+                  <a:ext uri="{FF2B5EF4-FFF2-40B4-BE49-F238E27FC236}">
+                    <a16:creationId xmlns:a16="http://schemas.microsoft.com/office/drawing/2014/main" id="{BE0F18C0-7EC2-430C-A583-5A2A5E6AEDCD}"/>
+                  </a:ext>
+                </a:extLst>
+              </p:cNvPr>
+              <p:cNvSpPr txBox="1">
+                <a:spLocks noRot="1" noChangeAspect="1" noMove="1" noResize="1" noEditPoints="1" noAdjustHandles="1" noChangeArrowheads="1" noChangeShapeType="1" noTextEdit="1"/>
+              </p:cNvSpPr>
+              <p:nvPr/>
+            </p:nvSpPr>
+            <p:spPr>
+              <a:xfrm>
+                <a:off x="8186587" y="312775"/>
+                <a:ext cx="1082284" cy="369332"/>
+              </a:xfrm>
+              <a:prstGeom prst="rect">
+                <a:avLst/>
+              </a:prstGeom>
+              <a:blipFill>
+                <a:blip r:embed="rId6"/>
+                <a:stretch>
+                  <a:fillRect l="-5085" t="-8197" b="-24590"/>
+                </a:stretch>
+              </a:blipFill>
+            </p:spPr>
+            <p:txBody>
+              <a:bodyPr/>
+              <a:lstStyle/>
+              <a:p>
+                <a:r>
+                  <a:rPr lang="de-CH">
+                    <a:noFill/>
+                  </a:rPr>
+                  <a:t> </a:t>
+                </a:r>
+              </a:p>
+            </p:txBody>
+          </p:sp>
+        </mc:Fallback>
+      </mc:AlternateContent>
+      <p:pic>
+        <p:nvPicPr>
+          <p:cNvPr id="12" name="Grafik 11">
+            <a:extLst>
+              <a:ext uri="{FF2B5EF4-FFF2-40B4-BE49-F238E27FC236}">
+                <a16:creationId xmlns:a16="http://schemas.microsoft.com/office/drawing/2014/main" id="{DC4E0A49-EF1E-4EA4-A4D2-AFB3DB66E320}"/>
+              </a:ext>
+            </a:extLst>
+          </p:cNvPr>
+          <p:cNvPicPr>
+            <a:picLocks noChangeAspect="1"/>
+          </p:cNvPicPr>
+          <p:nvPr/>
+        </p:nvPicPr>
+        <p:blipFill>
+          <a:blip r:embed="rId5"/>
+          <a:stretch>
+            <a:fillRect/>
+          </a:stretch>
+        </p:blipFill>
+        <p:spPr>
+          <a:xfrm>
+            <a:off x="3307337" y="2778038"/>
+            <a:ext cx="1609200" cy="1609200"/>
+          </a:xfrm>
+          <a:prstGeom prst="rect">
+            <a:avLst/>
+          </a:prstGeom>
+        </p:spPr>
+      </p:pic>
+      <p:sp>
+        <p:nvSpPr>
+          <p:cNvPr id="13" name="Pfeil: nach rechts 12">
+            <a:extLst>
+              <a:ext uri="{FF2B5EF4-FFF2-40B4-BE49-F238E27FC236}">
+                <a16:creationId xmlns:a16="http://schemas.microsoft.com/office/drawing/2014/main" id="{8E11CFBA-AA50-4379-802A-839ACB7EBF89}"/>
+              </a:ext>
+            </a:extLst>
+          </p:cNvPr>
+          <p:cNvSpPr/>
+          <p:nvPr/>
+        </p:nvSpPr>
+        <p:spPr>
+          <a:xfrm>
+            <a:off x="5175873" y="3184864"/>
+            <a:ext cx="2363789" cy="488271"/>
+          </a:xfrm>
+          <a:prstGeom prst="rightArrow">
+            <a:avLst/>
+          </a:prstGeom>
+        </p:spPr>
+        <p:style>
+          <a:lnRef idx="2">
+            <a:schemeClr val="accent1">
+              <a:shade val="50000"/>
+            </a:schemeClr>
+          </a:lnRef>
+          <a:fillRef idx="1">
+            <a:schemeClr val="accent1"/>
+          </a:fillRef>
+          <a:effectRef idx="0">
+            <a:schemeClr val="accent1"/>
+          </a:effectRef>
+          <a:fontRef idx="minor">
+            <a:schemeClr val="lt1"/>
+          </a:fontRef>
+        </p:style>
+        <p:txBody>
+          <a:bodyPr rtlCol="0" anchor="ctr"/>
+          <a:lstStyle/>
+          <a:p>
+            <a:pPr algn="ctr"/>
+            <a:endParaRPr lang="de-CH"/>
+          </a:p>
+        </p:txBody>
+      </p:sp>
+      <mc:AlternateContent xmlns:mc="http://schemas.openxmlformats.org/markup-compatibility/2006">
+        <mc:Choice xmlns:a14="http://schemas.microsoft.com/office/drawing/2010/main" Requires="a14">
+          <p:sp>
+            <p:nvSpPr>
+              <p:cNvPr id="14" name="Textfeld 13">
+                <a:extLst>
+                  <a:ext uri="{FF2B5EF4-FFF2-40B4-BE49-F238E27FC236}">
+                    <a16:creationId xmlns:a16="http://schemas.microsoft.com/office/drawing/2014/main" id="{4B488162-E7B3-47F3-BE80-1ED5BC13974C}"/>
+                  </a:ext>
+                </a:extLst>
+              </p:cNvPr>
+              <p:cNvSpPr txBox="1"/>
+              <p:nvPr/>
+            </p:nvSpPr>
+            <p:spPr>
+              <a:xfrm>
+                <a:off x="8324039" y="3308796"/>
+                <a:ext cx="368691" cy="276999"/>
+              </a:xfrm>
+              <a:prstGeom prst="rect">
+                <a:avLst/>
+              </a:prstGeom>
+              <a:noFill/>
+            </p:spPr>
+            <p:txBody>
+              <a:bodyPr wrap="none" lIns="0" tIns="0" rIns="0" bIns="0" rtlCol="0">
+                <a:spAutoFit/>
+              </a:bodyPr>
+              <a:lstStyle/>
+              <a:p>
+                <a14:m>
+                  <m:oMathPara xmlns:m="http://schemas.openxmlformats.org/officeDocument/2006/math">
+                    <m:oMathParaPr>
+                      <m:jc m:val="centerGroup"/>
+                    </m:oMathParaPr>
+                    <m:oMath xmlns:m="http://schemas.openxmlformats.org/officeDocument/2006/math">
+                      <m:r>
+                        <a:rPr lang="de-DE" b="0" i="1" smtClean="0">
+                          <a:latin typeface="Cambria Math" panose="02040503050406030204" pitchFamily="18" charset="0"/>
+                        </a:rPr>
+                        <m:t>0.8</m:t>
+                      </m:r>
+                    </m:oMath>
+                  </m:oMathPara>
+                </a14:m>
+                <a:endParaRPr lang="de-CH" dirty="0"/>
+              </a:p>
+            </p:txBody>
+          </p:sp>
+        </mc:Choice>
+        <mc:Fallback>
+          <p:sp>
+            <p:nvSpPr>
+              <p:cNvPr id="14" name="Textfeld 13">
+                <a:extLst>
+                  <a:ext uri="{FF2B5EF4-FFF2-40B4-BE49-F238E27FC236}">
+                    <a16:creationId xmlns:a16="http://schemas.microsoft.com/office/drawing/2014/main" id="{4B488162-E7B3-47F3-BE80-1ED5BC13974C}"/>
+                  </a:ext>
+                </a:extLst>
+              </p:cNvPr>
+              <p:cNvSpPr txBox="1">
+                <a:spLocks noRot="1" noChangeAspect="1" noMove="1" noResize="1" noEditPoints="1" noAdjustHandles="1" noChangeArrowheads="1" noChangeShapeType="1" noTextEdit="1"/>
+              </p:cNvSpPr>
+              <p:nvPr/>
+            </p:nvSpPr>
+            <p:spPr>
+              <a:xfrm>
+                <a:off x="8324039" y="3308796"/>
+                <a:ext cx="368691" cy="276999"/>
+              </a:xfrm>
+              <a:prstGeom prst="rect">
+                <a:avLst/>
+              </a:prstGeom>
+              <a:blipFill>
+                <a:blip r:embed="rId7"/>
+                <a:stretch>
+                  <a:fillRect l="-13115" r="-13115" b="-11111"/>
+                </a:stretch>
+              </a:blipFill>
+            </p:spPr>
+            <p:txBody>
+              <a:bodyPr/>
+              <a:lstStyle/>
+              <a:p>
+                <a:r>
+                  <a:rPr lang="de-CH">
+                    <a:noFill/>
+                  </a:rPr>
+                  <a:t> </a:t>
+                </a:r>
+              </a:p>
+            </p:txBody>
+          </p:sp>
+        </mc:Fallback>
+      </mc:AlternateContent>
     </p:spTree>
     <p:extLst>
       <p:ext uri="{BB962C8B-B14F-4D97-AF65-F5344CB8AC3E}">
-        <p14:creationId xmlns:p14="http://schemas.microsoft.com/office/powerpoint/2010/main" val="712963996"/>
+        <p14:creationId xmlns:p14="http://schemas.microsoft.com/office/powerpoint/2010/main" val="2992695250"/>
       </p:ext>
     </p:extLst>
   </p:cSld>
@@ -5939,10 +6525,10 @@
       </p:pic>
       <p:pic>
         <p:nvPicPr>
-          <p:cNvPr id="6" name="Grafik 5">
+          <p:cNvPr id="8" name="Grafik 7">
             <a:extLst>
               <a:ext uri="{FF2B5EF4-FFF2-40B4-BE49-F238E27FC236}">
-                <a16:creationId xmlns:a16="http://schemas.microsoft.com/office/drawing/2014/main" id="{E6F77421-9240-4F63-AE9F-75F711F00FAB}"/>
+                <a16:creationId xmlns:a16="http://schemas.microsoft.com/office/drawing/2014/main" id="{DE815AB4-1E36-4C91-8655-E9651BE44453}"/>
               </a:ext>
             </a:extLst>
           </p:cNvPr>
@@ -5959,8 +6545,8 @@
         </p:blipFill>
         <p:spPr>
           <a:xfrm>
-            <a:off x="684212" y="3536421"/>
-            <a:ext cx="6391275" cy="657225"/>
+            <a:off x="5076546" y="1663434"/>
+            <a:ext cx="2362200" cy="476250"/>
           </a:xfrm>
           <a:prstGeom prst="rect">
             <a:avLst/>
@@ -5969,10 +6555,10 @@
       </p:pic>
       <p:pic>
         <p:nvPicPr>
-          <p:cNvPr id="8" name="Grafik 7">
+          <p:cNvPr id="7" name="Grafik 6">
             <a:extLst>
               <a:ext uri="{FF2B5EF4-FFF2-40B4-BE49-F238E27FC236}">
-                <a16:creationId xmlns:a16="http://schemas.microsoft.com/office/drawing/2014/main" id="{DE815AB4-1E36-4C91-8655-E9651BE44453}"/>
+                <a16:creationId xmlns:a16="http://schemas.microsoft.com/office/drawing/2014/main" id="{09FD331D-3CA4-4C51-94CD-9EBBB2A0497F}"/>
               </a:ext>
             </a:extLst>
           </p:cNvPr>
@@ -5989,8 +6575,8 @@
         </p:blipFill>
         <p:spPr>
           <a:xfrm>
-            <a:off x="5076546" y="1663434"/>
-            <a:ext cx="2362200" cy="476250"/>
+            <a:off x="684212" y="3699522"/>
+            <a:ext cx="10150136" cy="945246"/>
           </a:xfrm>
           <a:prstGeom prst="rect">
             <a:avLst/>
@@ -6809,10 +7395,10 @@
       </p:sp>
       <p:pic>
         <p:nvPicPr>
-          <p:cNvPr id="5" name="Grafik 4">
+          <p:cNvPr id="4" name="Grafik 3">
             <a:extLst>
               <a:ext uri="{FF2B5EF4-FFF2-40B4-BE49-F238E27FC236}">
-                <a16:creationId xmlns:a16="http://schemas.microsoft.com/office/drawing/2014/main" id="{AAEEC150-43CB-4B27-92E2-CC1366A897A8}"/>
+                <a16:creationId xmlns:a16="http://schemas.microsoft.com/office/drawing/2014/main" id="{28F76173-CBD0-4F6D-9EA8-F5E381B179E5}"/>
               </a:ext>
             </a:extLst>
           </p:cNvPr>
@@ -6829,8 +7415,8 @@
         </p:blipFill>
         <p:spPr>
           <a:xfrm>
-            <a:off x="3581400" y="2119312"/>
-            <a:ext cx="4267200" cy="962025"/>
+            <a:off x="2628900" y="2370668"/>
+            <a:ext cx="6934200" cy="1485900"/>
           </a:xfrm>
           <a:prstGeom prst="rect">
             <a:avLst/>

--- a/GAN.pptx
+++ b/GAN.pptx
@@ -7,14 +7,22 @@
   <p:sldIdLst>
     <p:sldId id="256" r:id="rId2"/>
     <p:sldId id="257" r:id="rId3"/>
-    <p:sldId id="266" r:id="rId4"/>
-    <p:sldId id="259" r:id="rId5"/>
-    <p:sldId id="260" r:id="rId6"/>
-    <p:sldId id="261" r:id="rId7"/>
-    <p:sldId id="262" r:id="rId8"/>
-    <p:sldId id="263" r:id="rId9"/>
-    <p:sldId id="264" r:id="rId10"/>
-    <p:sldId id="265" r:id="rId11"/>
+    <p:sldId id="267" r:id="rId4"/>
+    <p:sldId id="266" r:id="rId5"/>
+    <p:sldId id="268" r:id="rId6"/>
+    <p:sldId id="269" r:id="rId7"/>
+    <p:sldId id="270" r:id="rId8"/>
+    <p:sldId id="271" r:id="rId9"/>
+    <p:sldId id="272" r:id="rId10"/>
+    <p:sldId id="273" r:id="rId11"/>
+    <p:sldId id="259" r:id="rId12"/>
+    <p:sldId id="260" r:id="rId13"/>
+    <p:sldId id="261" r:id="rId14"/>
+    <p:sldId id="274" r:id="rId15"/>
+    <p:sldId id="262" r:id="rId16"/>
+    <p:sldId id="263" r:id="rId17"/>
+    <p:sldId id="264" r:id="rId18"/>
+    <p:sldId id="265" r:id="rId19"/>
   </p:sldIdLst>
   <p:sldSz cx="12192000" cy="6858000"/>
   <p:notesSz cx="6858000" cy="9144000"/>
@@ -313,7 +321,7 @@
             <a:fld id="{B61BEF0D-F0BB-DE4B-95CE-6DB70DBA9567}" type="datetimeFigureOut">
               <a:rPr lang="en-US" dirty="0"/>
               <a:pPr/>
-              <a:t>4/26/2021</a:t>
+              <a:t>4/27/2021</a:t>
             </a:fld>
             <a:endParaRPr lang="en-US" dirty="0"/>
           </a:p>
@@ -746,7 +754,7 @@
             <a:fld id="{B61BEF0D-F0BB-DE4B-95CE-6DB70DBA9567}" type="datetimeFigureOut">
               <a:rPr lang="en-US" dirty="0"/>
               <a:pPr/>
-              <a:t>4/26/2021</a:t>
+              <a:t>4/27/2021</a:t>
             </a:fld>
             <a:endParaRPr lang="en-US" dirty="0"/>
           </a:p>
@@ -993,7 +1001,7 @@
             <a:fld id="{B61BEF0D-F0BB-DE4B-95CE-6DB70DBA9567}" type="datetimeFigureOut">
               <a:rPr lang="en-US" dirty="0"/>
               <a:pPr/>
-              <a:t>4/26/2021</a:t>
+              <a:t>4/27/2021</a:t>
             </a:fld>
             <a:endParaRPr lang="en-US" dirty="0"/>
           </a:p>
@@ -1298,7 +1306,7 @@
             <a:fld id="{B61BEF0D-F0BB-DE4B-95CE-6DB70DBA9567}" type="datetimeFigureOut">
               <a:rPr lang="en-US" dirty="0"/>
               <a:pPr/>
-              <a:t>4/26/2021</a:t>
+              <a:t>4/27/2021</a:t>
             </a:fld>
             <a:endParaRPr lang="en-US" dirty="0"/>
           </a:p>
@@ -1613,7 +1621,7 @@
             <a:fld id="{B61BEF0D-F0BB-DE4B-95CE-6DB70DBA9567}" type="datetimeFigureOut">
               <a:rPr lang="en-US" dirty="0"/>
               <a:pPr/>
-              <a:t>4/26/2021</a:t>
+              <a:t>4/27/2021</a:t>
             </a:fld>
             <a:endParaRPr lang="en-US" dirty="0"/>
           </a:p>
@@ -1912,7 +1920,7 @@
             <a:fld id="{B61BEF0D-F0BB-DE4B-95CE-6DB70DBA9567}" type="datetimeFigureOut">
               <a:rPr lang="en-US" dirty="0"/>
               <a:pPr/>
-              <a:t>4/26/2021</a:t>
+              <a:t>4/27/2021</a:t>
             </a:fld>
             <a:endParaRPr lang="en-US" dirty="0"/>
           </a:p>
@@ -2276,7 +2284,7 @@
             <a:fld id="{B61BEF0D-F0BB-DE4B-95CE-6DB70DBA9567}" type="datetimeFigureOut">
               <a:rPr lang="en-US" dirty="0"/>
               <a:pPr/>
-              <a:t>4/26/2021</a:t>
+              <a:t>4/27/2021</a:t>
             </a:fld>
             <a:endParaRPr lang="en-US" dirty="0"/>
           </a:p>
@@ -2447,7 +2455,7 @@
             <a:fld id="{B61BEF0D-F0BB-DE4B-95CE-6DB70DBA9567}" type="datetimeFigureOut">
               <a:rPr lang="en-US" dirty="0"/>
               <a:pPr/>
-              <a:t>4/26/2021</a:t>
+              <a:t>4/27/2021</a:t>
             </a:fld>
             <a:endParaRPr lang="en-US" dirty="0"/>
           </a:p>
@@ -2624,7 +2632,7 @@
             <a:fld id="{B61BEF0D-F0BB-DE4B-95CE-6DB70DBA9567}" type="datetimeFigureOut">
               <a:rPr lang="en-US" dirty="0"/>
               <a:pPr/>
-              <a:t>4/26/2021</a:t>
+              <a:t>4/27/2021</a:t>
             </a:fld>
             <a:endParaRPr lang="en-US" dirty="0"/>
           </a:p>
@@ -2791,7 +2799,7 @@
             <a:fld id="{B61BEF0D-F0BB-DE4B-95CE-6DB70DBA9567}" type="datetimeFigureOut">
               <a:rPr lang="en-US" dirty="0"/>
               <a:pPr/>
-              <a:t>4/26/2021</a:t>
+              <a:t>4/27/2021</a:t>
             </a:fld>
             <a:endParaRPr lang="en-US" dirty="0"/>
           </a:p>
@@ -3038,7 +3046,7 @@
             <a:fld id="{B61BEF0D-F0BB-DE4B-95CE-6DB70DBA9567}" type="datetimeFigureOut">
               <a:rPr lang="en-US" dirty="0"/>
               <a:pPr/>
-              <a:t>4/26/2021</a:t>
+              <a:t>4/27/2021</a:t>
             </a:fld>
             <a:endParaRPr lang="en-US" dirty="0"/>
           </a:p>
@@ -3271,7 +3279,7 @@
             <a:fld id="{B61BEF0D-F0BB-DE4B-95CE-6DB70DBA9567}" type="datetimeFigureOut">
               <a:rPr lang="en-US" dirty="0"/>
               <a:pPr/>
-              <a:t>4/26/2021</a:t>
+              <a:t>4/27/2021</a:t>
             </a:fld>
             <a:endParaRPr lang="en-US" dirty="0"/>
           </a:p>
@@ -3650,7 +3658,7 @@
             <a:fld id="{B61BEF0D-F0BB-DE4B-95CE-6DB70DBA9567}" type="datetimeFigureOut">
               <a:rPr lang="en-US" dirty="0"/>
               <a:pPr/>
-              <a:t>4/26/2021</a:t>
+              <a:t>4/27/2021</a:t>
             </a:fld>
             <a:endParaRPr lang="en-US" dirty="0"/>
           </a:p>
@@ -3765,7 +3773,7 @@
             <a:fld id="{B61BEF0D-F0BB-DE4B-95CE-6DB70DBA9567}" type="datetimeFigureOut">
               <a:rPr lang="en-US" dirty="0"/>
               <a:pPr/>
-              <a:t>4/26/2021</a:t>
+              <a:t>4/27/2021</a:t>
             </a:fld>
             <a:endParaRPr lang="en-US" dirty="0"/>
           </a:p>
@@ -3857,7 +3865,7 @@
             <a:fld id="{B61BEF0D-F0BB-DE4B-95CE-6DB70DBA9567}" type="datetimeFigureOut">
               <a:rPr lang="en-US" dirty="0"/>
               <a:pPr/>
-              <a:t>4/26/2021</a:t>
+              <a:t>4/27/2021</a:t>
             </a:fld>
             <a:endParaRPr lang="en-US" dirty="0"/>
           </a:p>
@@ -4109,7 +4117,7 @@
             <a:fld id="{B61BEF0D-F0BB-DE4B-95CE-6DB70DBA9567}" type="datetimeFigureOut">
               <a:rPr lang="en-US" dirty="0"/>
               <a:pPr/>
-              <a:t>4/26/2021</a:t>
+              <a:t>4/27/2021</a:t>
             </a:fld>
             <a:endParaRPr lang="en-US" dirty="0"/>
           </a:p>
@@ -4389,7 +4397,7 @@
             <a:fld id="{B61BEF0D-F0BB-DE4B-95CE-6DB70DBA9567}" type="datetimeFigureOut">
               <a:rPr lang="en-US" dirty="0"/>
               <a:pPr/>
-              <a:t>4/26/2021</a:t>
+              <a:t>4/27/2021</a:t>
             </a:fld>
             <a:endParaRPr lang="en-US" dirty="0"/>
           </a:p>
@@ -4792,7 +4800,7 @@
             <a:fld id="{B61BEF0D-F0BB-DE4B-95CE-6DB70DBA9567}" type="datetimeFigureOut">
               <a:rPr lang="en-US" dirty="0"/>
               <a:pPr/>
-              <a:t>4/26/2021</a:t>
+              <a:t>4/27/2021</a:t>
             </a:fld>
             <a:endParaRPr lang="en-US" dirty="0"/>
           </a:p>
@@ -5422,7 +5430,7 @@
           <p:cNvPr id="2" name="Titel 1">
             <a:extLst>
               <a:ext uri="{FF2B5EF4-FFF2-40B4-BE49-F238E27FC236}">
-                <a16:creationId xmlns:a16="http://schemas.microsoft.com/office/drawing/2014/main" id="{D5F87995-9ABA-4794-AF72-45F2C38EBC16}"/>
+                <a16:creationId xmlns:a16="http://schemas.microsoft.com/office/drawing/2014/main" id="{27C7F61E-5705-45F5-8805-F012C2950C83}"/>
               </a:ext>
             </a:extLst>
           </p:cNvPr>
@@ -5439,9 +5447,10 @@
           <a:lstStyle/>
           <a:p>
             <a:r>
-              <a:rPr lang="de-CH" dirty="0"/>
-              <a:t>Fazit</a:t>
-            </a:r>
+              <a:rPr lang="de-DE" dirty="0"/>
+              <a:t>GAN</a:t>
+            </a:r>
+            <a:endParaRPr lang="de-CH" dirty="0"/>
           </a:p>
         </p:txBody>
       </p:sp>
@@ -5450,7 +5459,7 @@
           <p:cNvPr id="3" name="Inhaltsplatzhalter 2">
             <a:extLst>
               <a:ext uri="{FF2B5EF4-FFF2-40B4-BE49-F238E27FC236}">
-                <a16:creationId xmlns:a16="http://schemas.microsoft.com/office/drawing/2014/main" id="{9DD16787-4832-47CA-9264-E5ACE4723F74}"/>
+                <a16:creationId xmlns:a16="http://schemas.microsoft.com/office/drawing/2014/main" id="{46E506AA-3A16-4B8A-9A76-8F68F553D9E3}"/>
               </a:ext>
             </a:extLst>
           </p:cNvPr>
@@ -5466,248 +5475,7 @@
           <a:bodyPr/>
           <a:lstStyle/>
           <a:p>
-            <a:r>
-              <a:rPr lang="de-CH" dirty="0"/>
-              <a:t>Gute Möglichkeit für </a:t>
-            </a:r>
-            <a:r>
-              <a:rPr lang="de-CH" dirty="0" err="1"/>
-              <a:t>Datenaugmentierung</a:t>
-            </a:r>
-            <a:endParaRPr lang="de-CH" dirty="0"/>
-          </a:p>
-          <a:p>
-            <a:r>
-              <a:rPr lang="de-CH" dirty="0"/>
-              <a:t>Wohl eher weniger geeignet als «Künstler»</a:t>
-            </a:r>
-          </a:p>
-        </p:txBody>
-      </p:sp>
-    </p:spTree>
-    <p:extLst>
-      <p:ext uri="{BB962C8B-B14F-4D97-AF65-F5344CB8AC3E}">
-        <p14:creationId xmlns:p14="http://schemas.microsoft.com/office/powerpoint/2010/main" val="1776713520"/>
-      </p:ext>
-    </p:extLst>
-  </p:cSld>
-  <p:clrMapOvr>
-    <a:masterClrMapping/>
-  </p:clrMapOvr>
-</p:sld>
-</file>
-
-<file path=ppt/slides/slide2.xml><?xml version="1.0" encoding="utf-8"?>
-<p:sld xmlns:a="http://schemas.openxmlformats.org/drawingml/2006/main" xmlns:r="http://schemas.openxmlformats.org/officeDocument/2006/relationships" xmlns:p="http://schemas.openxmlformats.org/presentationml/2006/main">
-  <p:cSld>
-    <p:spTree>
-      <p:nvGrpSpPr>
-        <p:cNvPr id="1" name=""/>
-        <p:cNvGrpSpPr/>
-        <p:nvPr/>
-      </p:nvGrpSpPr>
-      <p:grpSpPr>
-        <a:xfrm>
-          <a:off x="0" y="0"/>
-          <a:ext cx="0" cy="0"/>
-          <a:chOff x="0" y="0"/>
-          <a:chExt cx="0" cy="0"/>
-        </a:xfrm>
-      </p:grpSpPr>
-      <p:sp>
-        <p:nvSpPr>
-          <p:cNvPr id="2" name="Titel 1">
-            <a:extLst>
-              <a:ext uri="{FF2B5EF4-FFF2-40B4-BE49-F238E27FC236}">
-                <a16:creationId xmlns:a16="http://schemas.microsoft.com/office/drawing/2014/main" id="{AD42702C-2E3B-447E-9F7B-A49B8F35E331}"/>
-              </a:ext>
-            </a:extLst>
-          </p:cNvPr>
-          <p:cNvSpPr>
-            <a:spLocks noGrp="1"/>
-          </p:cNvSpPr>
-          <p:nvPr>
-            <p:ph type="title"/>
-          </p:nvPr>
-        </p:nvSpPr>
-        <p:spPr/>
-        <p:txBody>
-          <a:bodyPr/>
-          <a:lstStyle/>
-          <a:p>
-            <a:r>
-              <a:rPr lang="de-CH" dirty="0"/>
-              <a:t>Inhalt</a:t>
-            </a:r>
-          </a:p>
-        </p:txBody>
-      </p:sp>
-      <p:sp>
-        <p:nvSpPr>
-          <p:cNvPr id="3" name="Inhaltsplatzhalter 2">
-            <a:extLst>
-              <a:ext uri="{FF2B5EF4-FFF2-40B4-BE49-F238E27FC236}">
-                <a16:creationId xmlns:a16="http://schemas.microsoft.com/office/drawing/2014/main" id="{BF6D63E5-396A-4E40-8720-F8D138EDBA50}"/>
-              </a:ext>
-            </a:extLst>
-          </p:cNvPr>
-          <p:cNvSpPr>
-            <a:spLocks noGrp="1"/>
-          </p:cNvSpPr>
-          <p:nvPr>
-            <p:ph idx="1"/>
-          </p:nvPr>
-        </p:nvSpPr>
-        <p:spPr/>
-        <p:txBody>
-          <a:bodyPr/>
-          <a:lstStyle/>
-          <a:p>
-            <a:r>
-              <a:rPr lang="de-CH" dirty="0"/>
-              <a:t>GAN</a:t>
-            </a:r>
-          </a:p>
-          <a:p>
-            <a:r>
-              <a:rPr lang="de-CH" dirty="0"/>
-              <a:t>Loss-</a:t>
-            </a:r>
-            <a:r>
-              <a:rPr lang="de-CH" dirty="0" err="1"/>
-              <a:t>Function</a:t>
-            </a:r>
-            <a:endParaRPr lang="de-CH" dirty="0"/>
-          </a:p>
-          <a:p>
-            <a:r>
-              <a:rPr lang="de-CH" dirty="0"/>
-              <a:t>Entropie</a:t>
-            </a:r>
-          </a:p>
-          <a:p>
-            <a:r>
-              <a:rPr lang="de-CH" dirty="0"/>
-              <a:t>Kreuzentropie</a:t>
-            </a:r>
-          </a:p>
-          <a:p>
-            <a:r>
-              <a:rPr lang="de-CH" dirty="0"/>
-              <a:t>Herleitung GAN-Formel</a:t>
-            </a:r>
-          </a:p>
-          <a:p>
-            <a:r>
-              <a:rPr lang="de-CH" dirty="0"/>
-              <a:t>Fazit</a:t>
-            </a:r>
-          </a:p>
-          <a:p>
-            <a:endParaRPr lang="de-CH" dirty="0"/>
-          </a:p>
-        </p:txBody>
-      </p:sp>
-    </p:spTree>
-    <p:extLst>
-      <p:ext uri="{BB962C8B-B14F-4D97-AF65-F5344CB8AC3E}">
-        <p14:creationId xmlns:p14="http://schemas.microsoft.com/office/powerpoint/2010/main" val="3463662472"/>
-      </p:ext>
-    </p:extLst>
-  </p:cSld>
-  <p:clrMapOvr>
-    <a:masterClrMapping/>
-  </p:clrMapOvr>
-</p:sld>
-</file>
-
-<file path=ppt/slides/slide3.xml><?xml version="1.0" encoding="utf-8"?>
-<p:sld xmlns:a="http://schemas.openxmlformats.org/drawingml/2006/main" xmlns:r="http://schemas.openxmlformats.org/officeDocument/2006/relationships" xmlns:p="http://schemas.openxmlformats.org/presentationml/2006/main">
-  <p:cSld>
-    <p:spTree>
-      <p:nvGrpSpPr>
-        <p:cNvPr id="1" name=""/>
-        <p:cNvGrpSpPr/>
-        <p:nvPr/>
-      </p:nvGrpSpPr>
-      <p:grpSpPr>
-        <a:xfrm>
-          <a:off x="0" y="0"/>
-          <a:ext cx="0" cy="0"/>
-          <a:chOff x="0" y="0"/>
-          <a:chExt cx="0" cy="0"/>
-        </a:xfrm>
-      </p:grpSpPr>
-      <p:sp>
-        <p:nvSpPr>
-          <p:cNvPr id="2" name="Titel 1">
-            <a:extLst>
-              <a:ext uri="{FF2B5EF4-FFF2-40B4-BE49-F238E27FC236}">
-                <a16:creationId xmlns:a16="http://schemas.microsoft.com/office/drawing/2014/main" id="{A5DEF2B5-F2B0-46CA-BE12-D2C53C9C4010}"/>
-              </a:ext>
-            </a:extLst>
-          </p:cNvPr>
-          <p:cNvSpPr>
-            <a:spLocks noGrp="1"/>
-          </p:cNvSpPr>
-          <p:nvPr>
-            <p:ph type="title"/>
-          </p:nvPr>
-        </p:nvSpPr>
-        <p:spPr/>
-        <p:txBody>
-          <a:bodyPr/>
-          <a:lstStyle/>
-          <a:p>
-            <a:r>
-              <a:rPr lang="de-DE" dirty="0"/>
-              <a:t>GAN</a:t>
-            </a:r>
-            <a:endParaRPr lang="de-CH" dirty="0"/>
-          </a:p>
-        </p:txBody>
-      </p:sp>
-      <p:sp>
-        <p:nvSpPr>
-          <p:cNvPr id="3" name="Inhaltsplatzhalter 2">
-            <a:extLst>
-              <a:ext uri="{FF2B5EF4-FFF2-40B4-BE49-F238E27FC236}">
-                <a16:creationId xmlns:a16="http://schemas.microsoft.com/office/drawing/2014/main" id="{9BBAEAB6-8382-470E-A3A7-B0A632E13DC6}"/>
-              </a:ext>
-            </a:extLst>
-          </p:cNvPr>
-          <p:cNvSpPr>
-            <a:spLocks noGrp="1"/>
-          </p:cNvSpPr>
-          <p:nvPr>
-            <p:ph idx="1"/>
-          </p:nvPr>
-        </p:nvSpPr>
-        <p:spPr/>
-        <p:txBody>
-          <a:bodyPr/>
-          <a:lstStyle/>
-          <a:p>
-            <a:r>
-              <a:rPr lang="de-DE" dirty="0"/>
-              <a:t>Generator</a:t>
-            </a:r>
-          </a:p>
-          <a:p>
-            <a:endParaRPr lang="de-DE" dirty="0"/>
-          </a:p>
-          <a:p>
-            <a:endParaRPr lang="de-DE" dirty="0"/>
-          </a:p>
-          <a:p>
-            <a:endParaRPr lang="de-DE" dirty="0"/>
-          </a:p>
-          <a:p>
-            <a:r>
-              <a:rPr lang="de-DE" dirty="0"/>
-              <a:t>Diskriminator</a:t>
-            </a:r>
-            <a:endParaRPr lang="de-CH" dirty="0"/>
+            <a:endParaRPr lang="de-CH"/>
           </a:p>
         </p:txBody>
       </p:sp>
@@ -5716,7 +5484,7 @@
           <p:cNvPr id="4" name="Inhaltsplatzhalter 4">
             <a:extLst>
               <a:ext uri="{FF2B5EF4-FFF2-40B4-BE49-F238E27FC236}">
-                <a16:creationId xmlns:a16="http://schemas.microsoft.com/office/drawing/2014/main" id="{B253AC1C-2211-4F7A-972D-47C0F3C866EC}"/>
+                <a16:creationId xmlns:a16="http://schemas.microsoft.com/office/drawing/2014/main" id="{58A0B8FA-7A9F-48C1-A418-20B9DB979A81}"/>
               </a:ext>
             </a:extLst>
           </p:cNvPr>
@@ -5733,7 +5501,7 @@
         </p:blipFill>
         <p:spPr>
           <a:xfrm>
-            <a:off x="2246682" y="4829287"/>
+            <a:off x="684212" y="2148230"/>
             <a:ext cx="9497954" cy="823156"/>
           </a:xfrm>
           <a:prstGeom prst="rect">
@@ -5741,545 +5509,10 @@
           </a:prstGeom>
         </p:spPr>
       </p:pic>
-      <p:pic>
-        <p:nvPicPr>
-          <p:cNvPr id="6" name="Grafik 5">
-            <a:extLst>
-              <a:ext uri="{FF2B5EF4-FFF2-40B4-BE49-F238E27FC236}">
-                <a16:creationId xmlns:a16="http://schemas.microsoft.com/office/drawing/2014/main" id="{47EBF0A5-B8DD-4983-8CB4-C64BEC9A4116}"/>
-              </a:ext>
-            </a:extLst>
-          </p:cNvPr>
-          <p:cNvPicPr>
-            <a:picLocks noChangeAspect="1"/>
-          </p:cNvPicPr>
-          <p:nvPr/>
-        </p:nvPicPr>
-        <p:blipFill>
-          <a:blip r:embed="rId3"/>
-          <a:stretch>
-            <a:fillRect/>
-          </a:stretch>
-        </p:blipFill>
-        <p:spPr>
-          <a:xfrm>
-            <a:off x="3322043" y="685800"/>
-            <a:ext cx="1631698" cy="1608635"/>
-          </a:xfrm>
-          <a:prstGeom prst="rect">
-            <a:avLst/>
-          </a:prstGeom>
-        </p:spPr>
-      </p:pic>
-      <mc:AlternateContent xmlns:mc="http://schemas.openxmlformats.org/markup-compatibility/2006">
-        <mc:Choice xmlns:a14="http://schemas.microsoft.com/office/drawing/2010/main" Requires="a14">
-          <p:sp>
-            <p:nvSpPr>
-              <p:cNvPr id="7" name="Textfeld 6">
-                <a:extLst>
-                  <a:ext uri="{FF2B5EF4-FFF2-40B4-BE49-F238E27FC236}">
-                    <a16:creationId xmlns:a16="http://schemas.microsoft.com/office/drawing/2014/main" id="{35E6C9FF-D6E4-4FA7-9493-7EC7CE99C622}"/>
-                  </a:ext>
-                </a:extLst>
-              </p:cNvPr>
-              <p:cNvSpPr txBox="1"/>
-              <p:nvPr/>
-            </p:nvSpPr>
-            <p:spPr>
-              <a:xfrm>
-                <a:off x="3744265" y="316468"/>
-                <a:ext cx="911019" cy="369332"/>
-              </a:xfrm>
-              <a:prstGeom prst="rect">
-                <a:avLst/>
-              </a:prstGeom>
-              <a:noFill/>
-            </p:spPr>
-            <p:txBody>
-              <a:bodyPr wrap="none" rtlCol="0">
-                <a:spAutoFit/>
-              </a:bodyPr>
-              <a:lstStyle/>
-              <a:p>
-                <a14:m>
-                  <m:oMathPara xmlns:m="http://schemas.openxmlformats.org/officeDocument/2006/math">
-                    <m:oMathParaPr>
-                      <m:jc m:val="centerGroup"/>
-                    </m:oMathParaPr>
-                    <m:oMath xmlns:m="http://schemas.openxmlformats.org/officeDocument/2006/math">
-                      <m:r>
-                        <a:rPr lang="de-DE" b="0" i="1" smtClean="0">
-                          <a:latin typeface="Cambria Math" panose="02040503050406030204" pitchFamily="18" charset="0"/>
-                        </a:rPr>
-                        <m:t>𝑧</m:t>
-                      </m:r>
-                      <m:r>
-                        <a:rPr lang="de-DE" b="0" i="1" smtClean="0">
-                          <a:latin typeface="Cambria Math" panose="02040503050406030204" pitchFamily="18" charset="0"/>
-                        </a:rPr>
-                        <m:t> ∈</m:t>
-                      </m:r>
-                      <m:sSub>
-                        <m:sSubPr>
-                          <m:ctrlPr>
-                            <a:rPr lang="de-DE" b="0" i="1" smtClean="0">
-                              <a:latin typeface="Cambria Math" panose="02040503050406030204" pitchFamily="18" charset="0"/>
-                              <a:ea typeface="Cambria Math" panose="02040503050406030204" pitchFamily="18" charset="0"/>
-                            </a:rPr>
-                          </m:ctrlPr>
-                        </m:sSubPr>
-                        <m:e>
-                          <m:r>
-                            <a:rPr lang="de-DE" b="0" i="1" smtClean="0">
-                              <a:latin typeface="Cambria Math" panose="02040503050406030204" pitchFamily="18" charset="0"/>
-                              <a:ea typeface="Cambria Math" panose="02040503050406030204" pitchFamily="18" charset="0"/>
-                            </a:rPr>
-                            <m:t>𝑝</m:t>
-                          </m:r>
-                        </m:e>
-                        <m:sub>
-                          <m:r>
-                            <a:rPr lang="de-DE" b="0" i="1" smtClean="0">
-                              <a:latin typeface="Cambria Math" panose="02040503050406030204" pitchFamily="18" charset="0"/>
-                              <a:ea typeface="Cambria Math" panose="02040503050406030204" pitchFamily="18" charset="0"/>
-                            </a:rPr>
-                            <m:t>𝑧</m:t>
-                          </m:r>
-                        </m:sub>
-                      </m:sSub>
-                    </m:oMath>
-                  </m:oMathPara>
-                </a14:m>
-                <a:endParaRPr lang="de-CH" dirty="0"/>
-              </a:p>
-            </p:txBody>
-          </p:sp>
-        </mc:Choice>
-        <mc:Fallback>
-          <p:sp>
-            <p:nvSpPr>
-              <p:cNvPr id="7" name="Textfeld 6">
-                <a:extLst>
-                  <a:ext uri="{FF2B5EF4-FFF2-40B4-BE49-F238E27FC236}">
-                    <a16:creationId xmlns:a16="http://schemas.microsoft.com/office/drawing/2014/main" id="{35E6C9FF-D6E4-4FA7-9493-7EC7CE99C622}"/>
-                  </a:ext>
-                </a:extLst>
-              </p:cNvPr>
-              <p:cNvSpPr txBox="1">
-                <a:spLocks noRot="1" noChangeAspect="1" noMove="1" noResize="1" noEditPoints="1" noAdjustHandles="1" noChangeArrowheads="1" noChangeShapeType="1" noTextEdit="1"/>
-              </p:cNvSpPr>
-              <p:nvPr/>
-            </p:nvSpPr>
-            <p:spPr>
-              <a:xfrm>
-                <a:off x="3744265" y="316468"/>
-                <a:ext cx="911019" cy="369332"/>
-              </a:xfrm>
-              <a:prstGeom prst="rect">
-                <a:avLst/>
-              </a:prstGeom>
-              <a:blipFill>
-                <a:blip r:embed="rId4"/>
-                <a:stretch>
-                  <a:fillRect b="-8197"/>
-                </a:stretch>
-              </a:blipFill>
-            </p:spPr>
-            <p:txBody>
-              <a:bodyPr/>
-              <a:lstStyle/>
-              <a:p>
-                <a:r>
-                  <a:rPr lang="de-CH">
-                    <a:noFill/>
-                  </a:rPr>
-                  <a:t> </a:t>
-                </a:r>
-              </a:p>
-            </p:txBody>
-          </p:sp>
-        </mc:Fallback>
-      </mc:AlternateContent>
-      <p:sp>
-        <p:nvSpPr>
-          <p:cNvPr id="8" name="Pfeil: nach rechts 7">
-            <a:extLst>
-              <a:ext uri="{FF2B5EF4-FFF2-40B4-BE49-F238E27FC236}">
-                <a16:creationId xmlns:a16="http://schemas.microsoft.com/office/drawing/2014/main" id="{8EF8EB51-7BFE-4FFB-84D0-BBE66CE78129}"/>
-              </a:ext>
-            </a:extLst>
-          </p:cNvPr>
-          <p:cNvSpPr/>
-          <p:nvPr/>
-        </p:nvSpPr>
-        <p:spPr>
-          <a:xfrm>
-            <a:off x="5227783" y="1306319"/>
-            <a:ext cx="2363789" cy="488271"/>
-          </a:xfrm>
-          <a:prstGeom prst="rightArrow">
-            <a:avLst/>
-          </a:prstGeom>
-        </p:spPr>
-        <p:style>
-          <a:lnRef idx="2">
-            <a:schemeClr val="accent1">
-              <a:shade val="50000"/>
-            </a:schemeClr>
-          </a:lnRef>
-          <a:fillRef idx="1">
-            <a:schemeClr val="accent1"/>
-          </a:fillRef>
-          <a:effectRef idx="0">
-            <a:schemeClr val="accent1"/>
-          </a:effectRef>
-          <a:fontRef idx="minor">
-            <a:schemeClr val="lt1"/>
-          </a:fontRef>
-        </p:style>
-        <p:txBody>
-          <a:bodyPr rtlCol="0" anchor="ctr"/>
-          <a:lstStyle/>
-          <a:p>
-            <a:pPr algn="ctr"/>
-            <a:endParaRPr lang="de-CH"/>
-          </a:p>
-        </p:txBody>
-      </p:sp>
-      <p:pic>
-        <p:nvPicPr>
-          <p:cNvPr id="10" name="Grafik 9">
-            <a:extLst>
-              <a:ext uri="{FF2B5EF4-FFF2-40B4-BE49-F238E27FC236}">
-                <a16:creationId xmlns:a16="http://schemas.microsoft.com/office/drawing/2014/main" id="{757E3230-C807-4791-B192-48B4D4731BC2}"/>
-              </a:ext>
-            </a:extLst>
-          </p:cNvPr>
-          <p:cNvPicPr>
-            <a:picLocks noChangeAspect="1"/>
-          </p:cNvPicPr>
-          <p:nvPr/>
-        </p:nvPicPr>
-        <p:blipFill>
-          <a:blip r:embed="rId5"/>
-          <a:stretch>
-            <a:fillRect/>
-          </a:stretch>
-        </p:blipFill>
-        <p:spPr>
-          <a:xfrm>
-            <a:off x="7888130" y="685235"/>
-            <a:ext cx="1609200" cy="1609200"/>
-          </a:xfrm>
-          <a:prstGeom prst="rect">
-            <a:avLst/>
-          </a:prstGeom>
-        </p:spPr>
-      </p:pic>
-      <mc:AlternateContent xmlns:mc="http://schemas.openxmlformats.org/markup-compatibility/2006">
-        <mc:Choice xmlns:a14="http://schemas.microsoft.com/office/drawing/2010/main" Requires="a14">
-          <p:sp>
-            <p:nvSpPr>
-              <p:cNvPr id="11" name="Textfeld 10">
-                <a:extLst>
-                  <a:ext uri="{FF2B5EF4-FFF2-40B4-BE49-F238E27FC236}">
-                    <a16:creationId xmlns:a16="http://schemas.microsoft.com/office/drawing/2014/main" id="{BE0F18C0-7EC2-430C-A583-5A2A5E6AEDCD}"/>
-                  </a:ext>
-                </a:extLst>
-              </p:cNvPr>
-              <p:cNvSpPr txBox="1"/>
-              <p:nvPr/>
-            </p:nvSpPr>
-            <p:spPr>
-              <a:xfrm>
-                <a:off x="8186587" y="312775"/>
-                <a:ext cx="1082284" cy="369332"/>
-              </a:xfrm>
-              <a:prstGeom prst="rect">
-                <a:avLst/>
-              </a:prstGeom>
-              <a:noFill/>
-            </p:spPr>
-            <p:txBody>
-              <a:bodyPr wrap="none" rtlCol="0">
-                <a:spAutoFit/>
-              </a:bodyPr>
-              <a:lstStyle/>
-              <a:p>
-                <a:r>
-                  <a:rPr lang="de-DE" b="0" dirty="0"/>
-                  <a:t>x</a:t>
-                </a:r>
-                <a14:m>
-                  <m:oMath xmlns:m="http://schemas.openxmlformats.org/officeDocument/2006/math">
-                    <m:r>
-                      <a:rPr lang="de-DE" b="0" i="1" smtClean="0">
-                        <a:latin typeface="Cambria Math" panose="02040503050406030204" pitchFamily="18" charset="0"/>
-                      </a:rPr>
-                      <m:t> </m:t>
-                    </m:r>
-                    <m:r>
-                      <a:rPr lang="de-DE" b="0" i="1" smtClean="0">
-                        <a:latin typeface="Cambria Math" panose="02040503050406030204" pitchFamily="18" charset="0"/>
-                        <a:ea typeface="Cambria Math" panose="02040503050406030204" pitchFamily="18" charset="0"/>
-                      </a:rPr>
-                      <m:t>∈</m:t>
-                    </m:r>
-                    <m:sSub>
-                      <m:sSubPr>
-                        <m:ctrlPr>
-                          <a:rPr lang="de-DE" b="0" i="1" smtClean="0">
-                            <a:latin typeface="Cambria Math" panose="02040503050406030204" pitchFamily="18" charset="0"/>
-                            <a:ea typeface="Cambria Math" panose="02040503050406030204" pitchFamily="18" charset="0"/>
-                          </a:rPr>
-                        </m:ctrlPr>
-                      </m:sSubPr>
-                      <m:e>
-                        <m:r>
-                          <a:rPr lang="de-DE" b="0" i="1" smtClean="0">
-                            <a:latin typeface="Cambria Math" panose="02040503050406030204" pitchFamily="18" charset="0"/>
-                            <a:ea typeface="Cambria Math" panose="02040503050406030204" pitchFamily="18" charset="0"/>
-                          </a:rPr>
-                          <m:t>𝑝</m:t>
-                        </m:r>
-                      </m:e>
-                      <m:sub>
-                        <m:r>
-                          <a:rPr lang="de-DE" b="0" i="1" smtClean="0">
-                            <a:latin typeface="Cambria Math" panose="02040503050406030204" pitchFamily="18" charset="0"/>
-                            <a:ea typeface="Cambria Math" panose="02040503050406030204" pitchFamily="18" charset="0"/>
-                          </a:rPr>
-                          <m:t>𝑑𝑎𝑡𝑎</m:t>
-                        </m:r>
-                      </m:sub>
-                    </m:sSub>
-                  </m:oMath>
-                </a14:m>
-                <a:endParaRPr lang="de-CH" dirty="0"/>
-              </a:p>
-            </p:txBody>
-          </p:sp>
-        </mc:Choice>
-        <mc:Fallback>
-          <p:sp>
-            <p:nvSpPr>
-              <p:cNvPr id="11" name="Textfeld 10">
-                <a:extLst>
-                  <a:ext uri="{FF2B5EF4-FFF2-40B4-BE49-F238E27FC236}">
-                    <a16:creationId xmlns:a16="http://schemas.microsoft.com/office/drawing/2014/main" id="{BE0F18C0-7EC2-430C-A583-5A2A5E6AEDCD}"/>
-                  </a:ext>
-                </a:extLst>
-              </p:cNvPr>
-              <p:cNvSpPr txBox="1">
-                <a:spLocks noRot="1" noChangeAspect="1" noMove="1" noResize="1" noEditPoints="1" noAdjustHandles="1" noChangeArrowheads="1" noChangeShapeType="1" noTextEdit="1"/>
-              </p:cNvSpPr>
-              <p:nvPr/>
-            </p:nvSpPr>
-            <p:spPr>
-              <a:xfrm>
-                <a:off x="8186587" y="312775"/>
-                <a:ext cx="1082284" cy="369332"/>
-              </a:xfrm>
-              <a:prstGeom prst="rect">
-                <a:avLst/>
-              </a:prstGeom>
-              <a:blipFill>
-                <a:blip r:embed="rId6"/>
-                <a:stretch>
-                  <a:fillRect l="-5085" t="-8197" b="-24590"/>
-                </a:stretch>
-              </a:blipFill>
-            </p:spPr>
-            <p:txBody>
-              <a:bodyPr/>
-              <a:lstStyle/>
-              <a:p>
-                <a:r>
-                  <a:rPr lang="de-CH">
-                    <a:noFill/>
-                  </a:rPr>
-                  <a:t> </a:t>
-                </a:r>
-              </a:p>
-            </p:txBody>
-          </p:sp>
-        </mc:Fallback>
-      </mc:AlternateContent>
-      <p:pic>
-        <p:nvPicPr>
-          <p:cNvPr id="12" name="Grafik 11">
-            <a:extLst>
-              <a:ext uri="{FF2B5EF4-FFF2-40B4-BE49-F238E27FC236}">
-                <a16:creationId xmlns:a16="http://schemas.microsoft.com/office/drawing/2014/main" id="{DC4E0A49-EF1E-4EA4-A4D2-AFB3DB66E320}"/>
-              </a:ext>
-            </a:extLst>
-          </p:cNvPr>
-          <p:cNvPicPr>
-            <a:picLocks noChangeAspect="1"/>
-          </p:cNvPicPr>
-          <p:nvPr/>
-        </p:nvPicPr>
-        <p:blipFill>
-          <a:blip r:embed="rId5"/>
-          <a:stretch>
-            <a:fillRect/>
-          </a:stretch>
-        </p:blipFill>
-        <p:spPr>
-          <a:xfrm>
-            <a:off x="3307337" y="2778038"/>
-            <a:ext cx="1609200" cy="1609200"/>
-          </a:xfrm>
-          <a:prstGeom prst="rect">
-            <a:avLst/>
-          </a:prstGeom>
-        </p:spPr>
-      </p:pic>
-      <p:sp>
-        <p:nvSpPr>
-          <p:cNvPr id="13" name="Pfeil: nach rechts 12">
-            <a:extLst>
-              <a:ext uri="{FF2B5EF4-FFF2-40B4-BE49-F238E27FC236}">
-                <a16:creationId xmlns:a16="http://schemas.microsoft.com/office/drawing/2014/main" id="{8E11CFBA-AA50-4379-802A-839ACB7EBF89}"/>
-              </a:ext>
-            </a:extLst>
-          </p:cNvPr>
-          <p:cNvSpPr/>
-          <p:nvPr/>
-        </p:nvSpPr>
-        <p:spPr>
-          <a:xfrm>
-            <a:off x="5175873" y="3184864"/>
-            <a:ext cx="2363789" cy="488271"/>
-          </a:xfrm>
-          <a:prstGeom prst="rightArrow">
-            <a:avLst/>
-          </a:prstGeom>
-        </p:spPr>
-        <p:style>
-          <a:lnRef idx="2">
-            <a:schemeClr val="accent1">
-              <a:shade val="50000"/>
-            </a:schemeClr>
-          </a:lnRef>
-          <a:fillRef idx="1">
-            <a:schemeClr val="accent1"/>
-          </a:fillRef>
-          <a:effectRef idx="0">
-            <a:schemeClr val="accent1"/>
-          </a:effectRef>
-          <a:fontRef idx="minor">
-            <a:schemeClr val="lt1"/>
-          </a:fontRef>
-        </p:style>
-        <p:txBody>
-          <a:bodyPr rtlCol="0" anchor="ctr"/>
-          <a:lstStyle/>
-          <a:p>
-            <a:pPr algn="ctr"/>
-            <a:endParaRPr lang="de-CH"/>
-          </a:p>
-        </p:txBody>
-      </p:sp>
-      <mc:AlternateContent xmlns:mc="http://schemas.openxmlformats.org/markup-compatibility/2006">
-        <mc:Choice xmlns:a14="http://schemas.microsoft.com/office/drawing/2010/main" Requires="a14">
-          <p:sp>
-            <p:nvSpPr>
-              <p:cNvPr id="14" name="Textfeld 13">
-                <a:extLst>
-                  <a:ext uri="{FF2B5EF4-FFF2-40B4-BE49-F238E27FC236}">
-                    <a16:creationId xmlns:a16="http://schemas.microsoft.com/office/drawing/2014/main" id="{4B488162-E7B3-47F3-BE80-1ED5BC13974C}"/>
-                  </a:ext>
-                </a:extLst>
-              </p:cNvPr>
-              <p:cNvSpPr txBox="1"/>
-              <p:nvPr/>
-            </p:nvSpPr>
-            <p:spPr>
-              <a:xfrm>
-                <a:off x="8324039" y="3308796"/>
-                <a:ext cx="368691" cy="276999"/>
-              </a:xfrm>
-              <a:prstGeom prst="rect">
-                <a:avLst/>
-              </a:prstGeom>
-              <a:noFill/>
-            </p:spPr>
-            <p:txBody>
-              <a:bodyPr wrap="none" lIns="0" tIns="0" rIns="0" bIns="0" rtlCol="0">
-                <a:spAutoFit/>
-              </a:bodyPr>
-              <a:lstStyle/>
-              <a:p>
-                <a14:m>
-                  <m:oMathPara xmlns:m="http://schemas.openxmlformats.org/officeDocument/2006/math">
-                    <m:oMathParaPr>
-                      <m:jc m:val="centerGroup"/>
-                    </m:oMathParaPr>
-                    <m:oMath xmlns:m="http://schemas.openxmlformats.org/officeDocument/2006/math">
-                      <m:r>
-                        <a:rPr lang="de-DE" b="0" i="1" smtClean="0">
-                          <a:latin typeface="Cambria Math" panose="02040503050406030204" pitchFamily="18" charset="0"/>
-                        </a:rPr>
-                        <m:t>0.8</m:t>
-                      </m:r>
-                    </m:oMath>
-                  </m:oMathPara>
-                </a14:m>
-                <a:endParaRPr lang="de-CH" dirty="0"/>
-              </a:p>
-            </p:txBody>
-          </p:sp>
-        </mc:Choice>
-        <mc:Fallback>
-          <p:sp>
-            <p:nvSpPr>
-              <p:cNvPr id="14" name="Textfeld 13">
-                <a:extLst>
-                  <a:ext uri="{FF2B5EF4-FFF2-40B4-BE49-F238E27FC236}">
-                    <a16:creationId xmlns:a16="http://schemas.microsoft.com/office/drawing/2014/main" id="{4B488162-E7B3-47F3-BE80-1ED5BC13974C}"/>
-                  </a:ext>
-                </a:extLst>
-              </p:cNvPr>
-              <p:cNvSpPr txBox="1">
-                <a:spLocks noRot="1" noChangeAspect="1" noMove="1" noResize="1" noEditPoints="1" noAdjustHandles="1" noChangeArrowheads="1" noChangeShapeType="1" noTextEdit="1"/>
-              </p:cNvSpPr>
-              <p:nvPr/>
-            </p:nvSpPr>
-            <p:spPr>
-              <a:xfrm>
-                <a:off x="8324039" y="3308796"/>
-                <a:ext cx="368691" cy="276999"/>
-              </a:xfrm>
-              <a:prstGeom prst="rect">
-                <a:avLst/>
-              </a:prstGeom>
-              <a:blipFill>
-                <a:blip r:embed="rId7"/>
-                <a:stretch>
-                  <a:fillRect l="-13115" r="-13115" b="-11111"/>
-                </a:stretch>
-              </a:blipFill>
-            </p:spPr>
-            <p:txBody>
-              <a:bodyPr/>
-              <a:lstStyle/>
-              <a:p>
-                <a:r>
-                  <a:rPr lang="de-CH">
-                    <a:noFill/>
-                  </a:rPr>
-                  <a:t> </a:t>
-                </a:r>
-              </a:p>
-            </p:txBody>
-          </p:sp>
-        </mc:Fallback>
-      </mc:AlternateContent>
     </p:spTree>
     <p:extLst>
       <p:ext uri="{BB962C8B-B14F-4D97-AF65-F5344CB8AC3E}">
-        <p14:creationId xmlns:p14="http://schemas.microsoft.com/office/powerpoint/2010/main" val="2992695250"/>
+        <p14:creationId xmlns:p14="http://schemas.microsoft.com/office/powerpoint/2010/main" val="1962382904"/>
       </p:ext>
     </p:extLst>
   </p:cSld>
@@ -6289,7 +5522,7 @@
 </p:sld>
 </file>
 
-<file path=ppt/slides/slide4.xml><?xml version="1.0" encoding="utf-8"?>
+<file path=ppt/slides/slide11.xml><?xml version="1.0" encoding="utf-8"?>
 <p:sld xmlns:a="http://schemas.openxmlformats.org/drawingml/2006/main" xmlns:r="http://schemas.openxmlformats.org/officeDocument/2006/relationships" xmlns:p="http://schemas.openxmlformats.org/presentationml/2006/main">
   <p:cSld>
     <p:spTree>
@@ -6409,7 +5642,7 @@
 </p:sld>
 </file>
 
-<file path=ppt/slides/slide5.xml><?xml version="1.0" encoding="utf-8"?>
+<file path=ppt/slides/slide12.xml><?xml version="1.0" encoding="utf-8"?>
 <p:sld xmlns:a="http://schemas.openxmlformats.org/drawingml/2006/main" xmlns:r="http://schemas.openxmlformats.org/officeDocument/2006/relationships" xmlns:p="http://schemas.openxmlformats.org/presentationml/2006/main">
   <p:cSld>
     <p:spTree>
@@ -6596,7 +5829,7 @@
 </p:sld>
 </file>
 
-<file path=ppt/slides/slide6.xml><?xml version="1.0" encoding="utf-8"?>
+<file path=ppt/slides/slide13.xml><?xml version="1.0" encoding="utf-8"?>
 <p:sld xmlns:a="http://schemas.openxmlformats.org/drawingml/2006/main" xmlns:r="http://schemas.openxmlformats.org/officeDocument/2006/relationships" xmlns:p="http://schemas.openxmlformats.org/presentationml/2006/main">
   <p:cSld>
     <p:spTree>
@@ -6746,7 +5979,91 @@
 </p:sld>
 </file>
 
-<file path=ppt/slides/slide7.xml><?xml version="1.0" encoding="utf-8"?>
+<file path=ppt/slides/slide14.xml><?xml version="1.0" encoding="utf-8"?>
+<p:sld xmlns:a="http://schemas.openxmlformats.org/drawingml/2006/main" xmlns:r="http://schemas.openxmlformats.org/officeDocument/2006/relationships" xmlns:p="http://schemas.openxmlformats.org/presentationml/2006/main">
+  <p:cSld>
+    <p:spTree>
+      <p:nvGrpSpPr>
+        <p:cNvPr id="1" name=""/>
+        <p:cNvGrpSpPr/>
+        <p:nvPr/>
+      </p:nvGrpSpPr>
+      <p:grpSpPr>
+        <a:xfrm>
+          <a:off x="0" y="0"/>
+          <a:ext cx="0" cy="0"/>
+          <a:chOff x="0" y="0"/>
+          <a:chExt cx="0" cy="0"/>
+        </a:xfrm>
+      </p:grpSpPr>
+      <p:sp>
+        <p:nvSpPr>
+          <p:cNvPr id="2" name="Titel 1">
+            <a:extLst>
+              <a:ext uri="{FF2B5EF4-FFF2-40B4-BE49-F238E27FC236}">
+                <a16:creationId xmlns:a16="http://schemas.microsoft.com/office/drawing/2014/main" id="{D8098305-3088-49C7-988F-14F848277FE0}"/>
+              </a:ext>
+            </a:extLst>
+          </p:cNvPr>
+          <p:cNvSpPr>
+            <a:spLocks noGrp="1"/>
+          </p:cNvSpPr>
+          <p:nvPr>
+            <p:ph type="title"/>
+          </p:nvPr>
+        </p:nvSpPr>
+        <p:spPr/>
+        <p:txBody>
+          <a:bodyPr/>
+          <a:lstStyle/>
+          <a:p>
+            <a:r>
+              <a:rPr lang="de-DE" dirty="0"/>
+              <a:t>Binäre Kreuzentropie</a:t>
+            </a:r>
+            <a:endParaRPr lang="de-CH" dirty="0"/>
+          </a:p>
+        </p:txBody>
+      </p:sp>
+      <p:sp>
+        <p:nvSpPr>
+          <p:cNvPr id="3" name="Inhaltsplatzhalter 2">
+            <a:extLst>
+              <a:ext uri="{FF2B5EF4-FFF2-40B4-BE49-F238E27FC236}">
+                <a16:creationId xmlns:a16="http://schemas.microsoft.com/office/drawing/2014/main" id="{8099113B-9E6C-48FF-8BBD-7240D951205B}"/>
+              </a:ext>
+            </a:extLst>
+          </p:cNvPr>
+          <p:cNvSpPr>
+            <a:spLocks noGrp="1"/>
+          </p:cNvSpPr>
+          <p:nvPr>
+            <p:ph idx="1"/>
+          </p:nvPr>
+        </p:nvSpPr>
+        <p:spPr/>
+        <p:txBody>
+          <a:bodyPr/>
+          <a:lstStyle/>
+          <a:p>
+            <a:endParaRPr lang="de-CH"/>
+          </a:p>
+        </p:txBody>
+      </p:sp>
+    </p:spTree>
+    <p:extLst>
+      <p:ext uri="{BB962C8B-B14F-4D97-AF65-F5344CB8AC3E}">
+        <p14:creationId xmlns:p14="http://schemas.microsoft.com/office/powerpoint/2010/main" val="846830305"/>
+      </p:ext>
+    </p:extLst>
+  </p:cSld>
+  <p:clrMapOvr>
+    <a:masterClrMapping/>
+  </p:clrMapOvr>
+</p:sld>
+</file>
+
+<file path=ppt/slides/slide15.xml><?xml version="1.0" encoding="utf-8"?>
 <p:sld xmlns:a="http://schemas.openxmlformats.org/drawingml/2006/main" xmlns:r="http://schemas.openxmlformats.org/officeDocument/2006/relationships" xmlns:p="http://schemas.openxmlformats.org/presentationml/2006/main">
   <p:cSld>
     <p:spTree>
@@ -6889,7 +6206,7 @@
 </p:sld>
 </file>
 
-<file path=ppt/slides/slide8.xml><?xml version="1.0" encoding="utf-8"?>
+<file path=ppt/slides/slide16.xml><?xml version="1.0" encoding="utf-8"?>
 <p:sld xmlns:a="http://schemas.openxmlformats.org/drawingml/2006/main" xmlns:r="http://schemas.openxmlformats.org/officeDocument/2006/relationships" xmlns:p="http://schemas.openxmlformats.org/presentationml/2006/main">
   <p:cSld>
     <p:spTree>
@@ -7348,7 +6665,7 @@
 </p:sld>
 </file>
 
-<file path=ppt/slides/slide9.xml><?xml version="1.0" encoding="utf-8"?>
+<file path=ppt/slides/slide17.xml><?xml version="1.0" encoding="utf-8"?>
 <p:sld xmlns:a="http://schemas.openxmlformats.org/drawingml/2006/main" xmlns:r="http://schemas.openxmlformats.org/officeDocument/2006/relationships" xmlns:p="http://schemas.openxmlformats.org/presentationml/2006/main">
   <p:cSld>
     <p:spTree>
@@ -7427,6 +6744,1541 @@
     <p:extLst>
       <p:ext uri="{BB962C8B-B14F-4D97-AF65-F5344CB8AC3E}">
         <p14:creationId xmlns:p14="http://schemas.microsoft.com/office/powerpoint/2010/main" val="2029645165"/>
+      </p:ext>
+    </p:extLst>
+  </p:cSld>
+  <p:clrMapOvr>
+    <a:masterClrMapping/>
+  </p:clrMapOvr>
+</p:sld>
+</file>
+
+<file path=ppt/slides/slide18.xml><?xml version="1.0" encoding="utf-8"?>
+<p:sld xmlns:a="http://schemas.openxmlformats.org/drawingml/2006/main" xmlns:r="http://schemas.openxmlformats.org/officeDocument/2006/relationships" xmlns:p="http://schemas.openxmlformats.org/presentationml/2006/main">
+  <p:cSld>
+    <p:spTree>
+      <p:nvGrpSpPr>
+        <p:cNvPr id="1" name=""/>
+        <p:cNvGrpSpPr/>
+        <p:nvPr/>
+      </p:nvGrpSpPr>
+      <p:grpSpPr>
+        <a:xfrm>
+          <a:off x="0" y="0"/>
+          <a:ext cx="0" cy="0"/>
+          <a:chOff x="0" y="0"/>
+          <a:chExt cx="0" cy="0"/>
+        </a:xfrm>
+      </p:grpSpPr>
+      <p:sp>
+        <p:nvSpPr>
+          <p:cNvPr id="2" name="Titel 1">
+            <a:extLst>
+              <a:ext uri="{FF2B5EF4-FFF2-40B4-BE49-F238E27FC236}">
+                <a16:creationId xmlns:a16="http://schemas.microsoft.com/office/drawing/2014/main" id="{D5F87995-9ABA-4794-AF72-45F2C38EBC16}"/>
+              </a:ext>
+            </a:extLst>
+          </p:cNvPr>
+          <p:cNvSpPr>
+            <a:spLocks noGrp="1"/>
+          </p:cNvSpPr>
+          <p:nvPr>
+            <p:ph type="title"/>
+          </p:nvPr>
+        </p:nvSpPr>
+        <p:spPr/>
+        <p:txBody>
+          <a:bodyPr/>
+          <a:lstStyle/>
+          <a:p>
+            <a:r>
+              <a:rPr lang="de-CH" dirty="0"/>
+              <a:t>Fazit</a:t>
+            </a:r>
+          </a:p>
+        </p:txBody>
+      </p:sp>
+      <p:sp>
+        <p:nvSpPr>
+          <p:cNvPr id="3" name="Inhaltsplatzhalter 2">
+            <a:extLst>
+              <a:ext uri="{FF2B5EF4-FFF2-40B4-BE49-F238E27FC236}">
+                <a16:creationId xmlns:a16="http://schemas.microsoft.com/office/drawing/2014/main" id="{9DD16787-4832-47CA-9264-E5ACE4723F74}"/>
+              </a:ext>
+            </a:extLst>
+          </p:cNvPr>
+          <p:cNvSpPr>
+            <a:spLocks noGrp="1"/>
+          </p:cNvSpPr>
+          <p:nvPr>
+            <p:ph idx="1"/>
+          </p:nvPr>
+        </p:nvSpPr>
+        <p:spPr/>
+        <p:txBody>
+          <a:bodyPr/>
+          <a:lstStyle/>
+          <a:p>
+            <a:r>
+              <a:rPr lang="de-CH" dirty="0"/>
+              <a:t>Gute Möglichkeit für </a:t>
+            </a:r>
+            <a:r>
+              <a:rPr lang="de-CH" dirty="0" err="1"/>
+              <a:t>Datenaugmentierung</a:t>
+            </a:r>
+            <a:endParaRPr lang="de-CH" dirty="0"/>
+          </a:p>
+          <a:p>
+            <a:r>
+              <a:rPr lang="de-CH" dirty="0"/>
+              <a:t>Wohl eher weniger geeignet als «Künstler»</a:t>
+            </a:r>
+          </a:p>
+        </p:txBody>
+      </p:sp>
+    </p:spTree>
+    <p:extLst>
+      <p:ext uri="{BB962C8B-B14F-4D97-AF65-F5344CB8AC3E}">
+        <p14:creationId xmlns:p14="http://schemas.microsoft.com/office/powerpoint/2010/main" val="1776713520"/>
+      </p:ext>
+    </p:extLst>
+  </p:cSld>
+  <p:clrMapOvr>
+    <a:masterClrMapping/>
+  </p:clrMapOvr>
+</p:sld>
+</file>
+
+<file path=ppt/slides/slide2.xml><?xml version="1.0" encoding="utf-8"?>
+<p:sld xmlns:a="http://schemas.openxmlformats.org/drawingml/2006/main" xmlns:r="http://schemas.openxmlformats.org/officeDocument/2006/relationships" xmlns:p="http://schemas.openxmlformats.org/presentationml/2006/main">
+  <p:cSld>
+    <p:spTree>
+      <p:nvGrpSpPr>
+        <p:cNvPr id="1" name=""/>
+        <p:cNvGrpSpPr/>
+        <p:nvPr/>
+      </p:nvGrpSpPr>
+      <p:grpSpPr>
+        <a:xfrm>
+          <a:off x="0" y="0"/>
+          <a:ext cx="0" cy="0"/>
+          <a:chOff x="0" y="0"/>
+          <a:chExt cx="0" cy="0"/>
+        </a:xfrm>
+      </p:grpSpPr>
+      <p:sp>
+        <p:nvSpPr>
+          <p:cNvPr id="2" name="Titel 1">
+            <a:extLst>
+              <a:ext uri="{FF2B5EF4-FFF2-40B4-BE49-F238E27FC236}">
+                <a16:creationId xmlns:a16="http://schemas.microsoft.com/office/drawing/2014/main" id="{AD42702C-2E3B-447E-9F7B-A49B8F35E331}"/>
+              </a:ext>
+            </a:extLst>
+          </p:cNvPr>
+          <p:cNvSpPr>
+            <a:spLocks noGrp="1"/>
+          </p:cNvSpPr>
+          <p:nvPr>
+            <p:ph type="title"/>
+          </p:nvPr>
+        </p:nvSpPr>
+        <p:spPr/>
+        <p:txBody>
+          <a:bodyPr/>
+          <a:lstStyle/>
+          <a:p>
+            <a:r>
+              <a:rPr lang="de-CH" dirty="0"/>
+              <a:t>Inhalt</a:t>
+            </a:r>
+          </a:p>
+        </p:txBody>
+      </p:sp>
+      <p:sp>
+        <p:nvSpPr>
+          <p:cNvPr id="3" name="Inhaltsplatzhalter 2">
+            <a:extLst>
+              <a:ext uri="{FF2B5EF4-FFF2-40B4-BE49-F238E27FC236}">
+                <a16:creationId xmlns:a16="http://schemas.microsoft.com/office/drawing/2014/main" id="{BF6D63E5-396A-4E40-8720-F8D138EDBA50}"/>
+              </a:ext>
+            </a:extLst>
+          </p:cNvPr>
+          <p:cNvSpPr>
+            <a:spLocks noGrp="1"/>
+          </p:cNvSpPr>
+          <p:nvPr>
+            <p:ph idx="1"/>
+          </p:nvPr>
+        </p:nvSpPr>
+        <p:spPr/>
+        <p:txBody>
+          <a:bodyPr/>
+          <a:lstStyle/>
+          <a:p>
+            <a:r>
+              <a:rPr lang="de-CH" dirty="0"/>
+              <a:t>Ziel</a:t>
+            </a:r>
+          </a:p>
+          <a:p>
+            <a:r>
+              <a:rPr lang="de-CH" dirty="0"/>
+              <a:t>GAN</a:t>
+            </a:r>
+          </a:p>
+          <a:p>
+            <a:r>
+              <a:rPr lang="de-CH" dirty="0"/>
+              <a:t>Loss-</a:t>
+            </a:r>
+            <a:r>
+              <a:rPr lang="de-CH" dirty="0" err="1"/>
+              <a:t>Function</a:t>
+            </a:r>
+            <a:endParaRPr lang="de-CH" dirty="0"/>
+          </a:p>
+          <a:p>
+            <a:r>
+              <a:rPr lang="de-CH" dirty="0"/>
+              <a:t>Entropie</a:t>
+            </a:r>
+          </a:p>
+          <a:p>
+            <a:r>
+              <a:rPr lang="de-CH" dirty="0"/>
+              <a:t>Kreuzentropie</a:t>
+            </a:r>
+          </a:p>
+          <a:p>
+            <a:r>
+              <a:rPr lang="de-CH" dirty="0"/>
+              <a:t>Herleitung GAN-Formel</a:t>
+            </a:r>
+          </a:p>
+          <a:p>
+            <a:r>
+              <a:rPr lang="de-CH" dirty="0"/>
+              <a:t>Fazit</a:t>
+            </a:r>
+          </a:p>
+          <a:p>
+            <a:endParaRPr lang="de-CH" dirty="0"/>
+          </a:p>
+        </p:txBody>
+      </p:sp>
+    </p:spTree>
+    <p:extLst>
+      <p:ext uri="{BB962C8B-B14F-4D97-AF65-F5344CB8AC3E}">
+        <p14:creationId xmlns:p14="http://schemas.microsoft.com/office/powerpoint/2010/main" val="3463662472"/>
+      </p:ext>
+    </p:extLst>
+  </p:cSld>
+  <p:clrMapOvr>
+    <a:masterClrMapping/>
+  </p:clrMapOvr>
+</p:sld>
+</file>
+
+<file path=ppt/slides/slide3.xml><?xml version="1.0" encoding="utf-8"?>
+<p:sld xmlns:a="http://schemas.openxmlformats.org/drawingml/2006/main" xmlns:r="http://schemas.openxmlformats.org/officeDocument/2006/relationships" xmlns:p="http://schemas.openxmlformats.org/presentationml/2006/main">
+  <p:cSld>
+    <p:spTree>
+      <p:nvGrpSpPr>
+        <p:cNvPr id="1" name=""/>
+        <p:cNvGrpSpPr/>
+        <p:nvPr/>
+      </p:nvGrpSpPr>
+      <p:grpSpPr>
+        <a:xfrm>
+          <a:off x="0" y="0"/>
+          <a:ext cx="0" cy="0"/>
+          <a:chOff x="0" y="0"/>
+          <a:chExt cx="0" cy="0"/>
+        </a:xfrm>
+      </p:grpSpPr>
+      <p:sp>
+        <p:nvSpPr>
+          <p:cNvPr id="2" name="Titel 1">
+            <a:extLst>
+              <a:ext uri="{FF2B5EF4-FFF2-40B4-BE49-F238E27FC236}">
+                <a16:creationId xmlns:a16="http://schemas.microsoft.com/office/drawing/2014/main" id="{FD899923-166A-458F-869C-A9144D88DB5A}"/>
+              </a:ext>
+            </a:extLst>
+          </p:cNvPr>
+          <p:cNvSpPr>
+            <a:spLocks noGrp="1"/>
+          </p:cNvSpPr>
+          <p:nvPr>
+            <p:ph type="title"/>
+          </p:nvPr>
+        </p:nvSpPr>
+        <p:spPr/>
+        <p:txBody>
+          <a:bodyPr/>
+          <a:lstStyle/>
+          <a:p>
+            <a:r>
+              <a:rPr lang="de-DE" dirty="0"/>
+              <a:t>Ziel</a:t>
+            </a:r>
+            <a:endParaRPr lang="de-CH" dirty="0"/>
+          </a:p>
+        </p:txBody>
+      </p:sp>
+      <p:sp>
+        <p:nvSpPr>
+          <p:cNvPr id="3" name="Inhaltsplatzhalter 2">
+            <a:extLst>
+              <a:ext uri="{FF2B5EF4-FFF2-40B4-BE49-F238E27FC236}">
+                <a16:creationId xmlns:a16="http://schemas.microsoft.com/office/drawing/2014/main" id="{C8678394-6B48-4BFE-B0B2-32CD8CC2BD86}"/>
+              </a:ext>
+            </a:extLst>
+          </p:cNvPr>
+          <p:cNvSpPr>
+            <a:spLocks noGrp="1"/>
+          </p:cNvSpPr>
+          <p:nvPr>
+            <p:ph idx="1"/>
+          </p:nvPr>
+        </p:nvSpPr>
+        <p:spPr/>
+        <p:txBody>
+          <a:bodyPr/>
+          <a:lstStyle/>
+          <a:p>
+            <a:r>
+              <a:rPr lang="de-DE" dirty="0"/>
+              <a:t>Generiere Bilder anhand von Vorlagen</a:t>
+            </a:r>
+            <a:endParaRPr lang="de-CH" dirty="0"/>
+          </a:p>
+        </p:txBody>
+      </p:sp>
+      <p:pic>
+        <p:nvPicPr>
+          <p:cNvPr id="5" name="Grafik 4">
+            <a:extLst>
+              <a:ext uri="{FF2B5EF4-FFF2-40B4-BE49-F238E27FC236}">
+                <a16:creationId xmlns:a16="http://schemas.microsoft.com/office/drawing/2014/main" id="{0127DDC0-FEA6-4D13-8C8E-0FB9FACDFEF5}"/>
+              </a:ext>
+            </a:extLst>
+          </p:cNvPr>
+          <p:cNvPicPr>
+            <a:picLocks noChangeAspect="1"/>
+          </p:cNvPicPr>
+          <p:nvPr/>
+        </p:nvPicPr>
+        <p:blipFill>
+          <a:blip r:embed="rId2"/>
+          <a:stretch>
+            <a:fillRect/>
+          </a:stretch>
+        </p:blipFill>
+        <p:spPr>
+          <a:xfrm>
+            <a:off x="6523891" y="763479"/>
+            <a:ext cx="4070491" cy="4043778"/>
+          </a:xfrm>
+          <a:prstGeom prst="rect">
+            <a:avLst/>
+          </a:prstGeom>
+        </p:spPr>
+      </p:pic>
+    </p:spTree>
+    <p:extLst>
+      <p:ext uri="{BB962C8B-B14F-4D97-AF65-F5344CB8AC3E}">
+        <p14:creationId xmlns:p14="http://schemas.microsoft.com/office/powerpoint/2010/main" val="2682312026"/>
+      </p:ext>
+    </p:extLst>
+  </p:cSld>
+  <p:clrMapOvr>
+    <a:masterClrMapping/>
+  </p:clrMapOvr>
+</p:sld>
+</file>
+
+<file path=ppt/slides/slide4.xml><?xml version="1.0" encoding="utf-8"?>
+<p:sld xmlns:a="http://schemas.openxmlformats.org/drawingml/2006/main" xmlns:r="http://schemas.openxmlformats.org/officeDocument/2006/relationships" xmlns:p="http://schemas.openxmlformats.org/presentationml/2006/main">
+  <p:cSld>
+    <p:spTree>
+      <p:nvGrpSpPr>
+        <p:cNvPr id="1" name=""/>
+        <p:cNvGrpSpPr/>
+        <p:nvPr/>
+      </p:nvGrpSpPr>
+      <p:grpSpPr>
+        <a:xfrm>
+          <a:off x="0" y="0"/>
+          <a:ext cx="0" cy="0"/>
+          <a:chOff x="0" y="0"/>
+          <a:chExt cx="0" cy="0"/>
+        </a:xfrm>
+      </p:grpSpPr>
+      <p:sp>
+        <p:nvSpPr>
+          <p:cNvPr id="2" name="Titel 1">
+            <a:extLst>
+              <a:ext uri="{FF2B5EF4-FFF2-40B4-BE49-F238E27FC236}">
+                <a16:creationId xmlns:a16="http://schemas.microsoft.com/office/drawing/2014/main" id="{A5DEF2B5-F2B0-46CA-BE12-D2C53C9C4010}"/>
+              </a:ext>
+            </a:extLst>
+          </p:cNvPr>
+          <p:cNvSpPr>
+            <a:spLocks noGrp="1"/>
+          </p:cNvSpPr>
+          <p:nvPr>
+            <p:ph type="title"/>
+          </p:nvPr>
+        </p:nvSpPr>
+        <p:spPr/>
+        <p:txBody>
+          <a:bodyPr/>
+          <a:lstStyle/>
+          <a:p>
+            <a:r>
+              <a:rPr lang="de-DE" dirty="0"/>
+              <a:t>GAN</a:t>
+            </a:r>
+            <a:endParaRPr lang="de-CH" dirty="0"/>
+          </a:p>
+        </p:txBody>
+      </p:sp>
+      <p:sp>
+        <p:nvSpPr>
+          <p:cNvPr id="3" name="Inhaltsplatzhalter 2">
+            <a:extLst>
+              <a:ext uri="{FF2B5EF4-FFF2-40B4-BE49-F238E27FC236}">
+                <a16:creationId xmlns:a16="http://schemas.microsoft.com/office/drawing/2014/main" id="{9BBAEAB6-8382-470E-A3A7-B0A632E13DC6}"/>
+              </a:ext>
+            </a:extLst>
+          </p:cNvPr>
+          <p:cNvSpPr>
+            <a:spLocks noGrp="1"/>
+          </p:cNvSpPr>
+          <p:nvPr>
+            <p:ph idx="1"/>
+          </p:nvPr>
+        </p:nvSpPr>
+        <p:spPr/>
+        <p:txBody>
+          <a:bodyPr/>
+          <a:lstStyle/>
+          <a:p>
+            <a:r>
+              <a:rPr lang="de-DE" dirty="0"/>
+              <a:t>Generator</a:t>
+            </a:r>
+          </a:p>
+          <a:p>
+            <a:endParaRPr lang="de-DE" dirty="0"/>
+          </a:p>
+          <a:p>
+            <a:endParaRPr lang="de-DE" dirty="0"/>
+          </a:p>
+          <a:p>
+            <a:endParaRPr lang="de-DE" dirty="0"/>
+          </a:p>
+          <a:p>
+            <a:r>
+              <a:rPr lang="de-DE" dirty="0"/>
+              <a:t>Diskriminator</a:t>
+            </a:r>
+            <a:endParaRPr lang="de-CH" dirty="0"/>
+          </a:p>
+        </p:txBody>
+      </p:sp>
+      <p:pic>
+        <p:nvPicPr>
+          <p:cNvPr id="6" name="Grafik 5">
+            <a:extLst>
+              <a:ext uri="{FF2B5EF4-FFF2-40B4-BE49-F238E27FC236}">
+                <a16:creationId xmlns:a16="http://schemas.microsoft.com/office/drawing/2014/main" id="{47EBF0A5-B8DD-4983-8CB4-C64BEC9A4116}"/>
+              </a:ext>
+            </a:extLst>
+          </p:cNvPr>
+          <p:cNvPicPr>
+            <a:picLocks noChangeAspect="1"/>
+          </p:cNvPicPr>
+          <p:nvPr/>
+        </p:nvPicPr>
+        <p:blipFill>
+          <a:blip r:embed="rId2"/>
+          <a:stretch>
+            <a:fillRect/>
+          </a:stretch>
+        </p:blipFill>
+        <p:spPr>
+          <a:xfrm>
+            <a:off x="3322043" y="685800"/>
+            <a:ext cx="1631698" cy="1608635"/>
+          </a:xfrm>
+          <a:prstGeom prst="rect">
+            <a:avLst/>
+          </a:prstGeom>
+        </p:spPr>
+      </p:pic>
+      <mc:AlternateContent xmlns:mc="http://schemas.openxmlformats.org/markup-compatibility/2006" xmlns:a14="http://schemas.microsoft.com/office/drawing/2010/main">
+        <mc:Choice Requires="a14">
+          <p:sp>
+            <p:nvSpPr>
+              <p:cNvPr id="7" name="Textfeld 6">
+                <a:extLst>
+                  <a:ext uri="{FF2B5EF4-FFF2-40B4-BE49-F238E27FC236}">
+                    <a16:creationId xmlns:a16="http://schemas.microsoft.com/office/drawing/2014/main" id="{35E6C9FF-D6E4-4FA7-9493-7EC7CE99C622}"/>
+                  </a:ext>
+                </a:extLst>
+              </p:cNvPr>
+              <p:cNvSpPr txBox="1"/>
+              <p:nvPr/>
+            </p:nvSpPr>
+            <p:spPr>
+              <a:xfrm>
+                <a:off x="3744265" y="316468"/>
+                <a:ext cx="911019" cy="369332"/>
+              </a:xfrm>
+              <a:prstGeom prst="rect">
+                <a:avLst/>
+              </a:prstGeom>
+              <a:noFill/>
+            </p:spPr>
+            <p:txBody>
+              <a:bodyPr wrap="none" rtlCol="0">
+                <a:spAutoFit/>
+              </a:bodyPr>
+              <a:lstStyle/>
+              <a:p>
+                <a:pPr/>
+                <a14:m>
+                  <m:oMathPara xmlns:m="http://schemas.openxmlformats.org/officeDocument/2006/math">
+                    <m:oMathParaPr>
+                      <m:jc m:val="centerGroup"/>
+                    </m:oMathParaPr>
+                    <m:oMath xmlns:m="http://schemas.openxmlformats.org/officeDocument/2006/math">
+                      <m:r>
+                        <a:rPr lang="de-DE" b="0" i="1" smtClean="0">
+                          <a:latin typeface="Cambria Math" panose="02040503050406030204" pitchFamily="18" charset="0"/>
+                        </a:rPr>
+                        <m:t>𝑧</m:t>
+                      </m:r>
+                      <m:r>
+                        <a:rPr lang="de-DE" b="0" i="1" smtClean="0">
+                          <a:latin typeface="Cambria Math" panose="02040503050406030204" pitchFamily="18" charset="0"/>
+                        </a:rPr>
+                        <m:t> ∈</m:t>
+                      </m:r>
+                      <m:sSub>
+                        <m:sSubPr>
+                          <m:ctrlPr>
+                            <a:rPr lang="de-DE" b="0" i="1" smtClean="0">
+                              <a:latin typeface="Cambria Math" panose="02040503050406030204" pitchFamily="18" charset="0"/>
+                              <a:ea typeface="Cambria Math" panose="02040503050406030204" pitchFamily="18" charset="0"/>
+                            </a:rPr>
+                          </m:ctrlPr>
+                        </m:sSubPr>
+                        <m:e>
+                          <m:r>
+                            <a:rPr lang="de-DE" b="0" i="1" smtClean="0">
+                              <a:latin typeface="Cambria Math" panose="02040503050406030204" pitchFamily="18" charset="0"/>
+                              <a:ea typeface="Cambria Math" panose="02040503050406030204" pitchFamily="18" charset="0"/>
+                            </a:rPr>
+                            <m:t>𝑝</m:t>
+                          </m:r>
+                        </m:e>
+                        <m:sub>
+                          <m:r>
+                            <a:rPr lang="de-DE" b="0" i="1" smtClean="0">
+                              <a:latin typeface="Cambria Math" panose="02040503050406030204" pitchFamily="18" charset="0"/>
+                              <a:ea typeface="Cambria Math" panose="02040503050406030204" pitchFamily="18" charset="0"/>
+                            </a:rPr>
+                            <m:t>𝑧</m:t>
+                          </m:r>
+                        </m:sub>
+                      </m:sSub>
+                    </m:oMath>
+                  </m:oMathPara>
+                </a14:m>
+                <a:endParaRPr lang="de-CH" dirty="0"/>
+              </a:p>
+            </p:txBody>
+          </p:sp>
+        </mc:Choice>
+        <mc:Fallback xmlns="">
+          <p:sp>
+            <p:nvSpPr>
+              <p:cNvPr id="7" name="Textfeld 6">
+                <a:extLst>
+                  <a:ext uri="{FF2B5EF4-FFF2-40B4-BE49-F238E27FC236}">
+                    <a16:creationId xmlns:a16="http://schemas.microsoft.com/office/drawing/2014/main" id="{35E6C9FF-D6E4-4FA7-9493-7EC7CE99C622}"/>
+                  </a:ext>
+                </a:extLst>
+              </p:cNvPr>
+              <p:cNvSpPr txBox="1">
+                <a:spLocks noRot="1" noChangeAspect="1" noMove="1" noResize="1" noEditPoints="1" noAdjustHandles="1" noChangeArrowheads="1" noChangeShapeType="1" noTextEdit="1"/>
+              </p:cNvSpPr>
+              <p:nvPr/>
+            </p:nvSpPr>
+            <p:spPr>
+              <a:xfrm>
+                <a:off x="3744265" y="316468"/>
+                <a:ext cx="911019" cy="369332"/>
+              </a:xfrm>
+              <a:prstGeom prst="rect">
+                <a:avLst/>
+              </a:prstGeom>
+              <a:blipFill>
+                <a:blip r:embed="rId4"/>
+                <a:stretch>
+                  <a:fillRect b="-8197"/>
+                </a:stretch>
+              </a:blipFill>
+            </p:spPr>
+            <p:txBody>
+              <a:bodyPr/>
+              <a:lstStyle/>
+              <a:p>
+                <a:r>
+                  <a:rPr lang="de-CH">
+                    <a:noFill/>
+                  </a:rPr>
+                  <a:t> </a:t>
+                </a:r>
+              </a:p>
+            </p:txBody>
+          </p:sp>
+        </mc:Fallback>
+      </mc:AlternateContent>
+      <p:sp>
+        <p:nvSpPr>
+          <p:cNvPr id="8" name="Pfeil: nach rechts 7">
+            <a:extLst>
+              <a:ext uri="{FF2B5EF4-FFF2-40B4-BE49-F238E27FC236}">
+                <a16:creationId xmlns:a16="http://schemas.microsoft.com/office/drawing/2014/main" id="{8EF8EB51-7BFE-4FFB-84D0-BBE66CE78129}"/>
+              </a:ext>
+            </a:extLst>
+          </p:cNvPr>
+          <p:cNvSpPr/>
+          <p:nvPr/>
+        </p:nvSpPr>
+        <p:spPr>
+          <a:xfrm>
+            <a:off x="5227783" y="1306319"/>
+            <a:ext cx="2363789" cy="488271"/>
+          </a:xfrm>
+          <a:prstGeom prst="rightArrow">
+            <a:avLst/>
+          </a:prstGeom>
+        </p:spPr>
+        <p:style>
+          <a:lnRef idx="2">
+            <a:schemeClr val="accent1">
+              <a:shade val="50000"/>
+            </a:schemeClr>
+          </a:lnRef>
+          <a:fillRef idx="1">
+            <a:schemeClr val="accent1"/>
+          </a:fillRef>
+          <a:effectRef idx="0">
+            <a:schemeClr val="accent1"/>
+          </a:effectRef>
+          <a:fontRef idx="minor">
+            <a:schemeClr val="lt1"/>
+          </a:fontRef>
+        </p:style>
+        <p:txBody>
+          <a:bodyPr rtlCol="0" anchor="ctr"/>
+          <a:lstStyle/>
+          <a:p>
+            <a:pPr algn="ctr"/>
+            <a:endParaRPr lang="de-CH"/>
+          </a:p>
+        </p:txBody>
+      </p:sp>
+      <p:pic>
+        <p:nvPicPr>
+          <p:cNvPr id="10" name="Grafik 9">
+            <a:extLst>
+              <a:ext uri="{FF2B5EF4-FFF2-40B4-BE49-F238E27FC236}">
+                <a16:creationId xmlns:a16="http://schemas.microsoft.com/office/drawing/2014/main" id="{757E3230-C807-4791-B192-48B4D4731BC2}"/>
+              </a:ext>
+            </a:extLst>
+          </p:cNvPr>
+          <p:cNvPicPr>
+            <a:picLocks noChangeAspect="1"/>
+          </p:cNvPicPr>
+          <p:nvPr/>
+        </p:nvPicPr>
+        <p:blipFill>
+          <a:blip r:embed="rId5"/>
+          <a:stretch>
+            <a:fillRect/>
+          </a:stretch>
+        </p:blipFill>
+        <p:spPr>
+          <a:xfrm>
+            <a:off x="7888130" y="685235"/>
+            <a:ext cx="1609200" cy="1609200"/>
+          </a:xfrm>
+          <a:prstGeom prst="rect">
+            <a:avLst/>
+          </a:prstGeom>
+        </p:spPr>
+      </p:pic>
+      <mc:AlternateContent xmlns:mc="http://schemas.openxmlformats.org/markup-compatibility/2006" xmlns:a14="http://schemas.microsoft.com/office/drawing/2010/main">
+        <mc:Choice Requires="a14">
+          <p:sp>
+            <p:nvSpPr>
+              <p:cNvPr id="11" name="Textfeld 10">
+                <a:extLst>
+                  <a:ext uri="{FF2B5EF4-FFF2-40B4-BE49-F238E27FC236}">
+                    <a16:creationId xmlns:a16="http://schemas.microsoft.com/office/drawing/2014/main" id="{BE0F18C0-7EC2-430C-A583-5A2A5E6AEDCD}"/>
+                  </a:ext>
+                </a:extLst>
+              </p:cNvPr>
+              <p:cNvSpPr txBox="1"/>
+              <p:nvPr/>
+            </p:nvSpPr>
+            <p:spPr>
+              <a:xfrm>
+                <a:off x="8186587" y="312775"/>
+                <a:ext cx="1082284" cy="369332"/>
+              </a:xfrm>
+              <a:prstGeom prst="rect">
+                <a:avLst/>
+              </a:prstGeom>
+              <a:noFill/>
+            </p:spPr>
+            <p:txBody>
+              <a:bodyPr wrap="none" rtlCol="0">
+                <a:spAutoFit/>
+              </a:bodyPr>
+              <a:lstStyle/>
+              <a:p>
+                <a:r>
+                  <a:rPr lang="de-DE" b="0" dirty="0"/>
+                  <a:t>x</a:t>
+                </a:r>
+                <a14:m>
+                  <m:oMath xmlns:m="http://schemas.openxmlformats.org/officeDocument/2006/math">
+                    <m:r>
+                      <a:rPr lang="de-DE" b="0" i="1" smtClean="0">
+                        <a:latin typeface="Cambria Math" panose="02040503050406030204" pitchFamily="18" charset="0"/>
+                      </a:rPr>
+                      <m:t> </m:t>
+                    </m:r>
+                    <m:r>
+                      <a:rPr lang="de-DE" b="0" i="1" smtClean="0">
+                        <a:latin typeface="Cambria Math" panose="02040503050406030204" pitchFamily="18" charset="0"/>
+                        <a:ea typeface="Cambria Math" panose="02040503050406030204" pitchFamily="18" charset="0"/>
+                      </a:rPr>
+                      <m:t>∈</m:t>
+                    </m:r>
+                    <m:sSub>
+                      <m:sSubPr>
+                        <m:ctrlPr>
+                          <a:rPr lang="de-DE" b="0" i="1" smtClean="0">
+                            <a:latin typeface="Cambria Math" panose="02040503050406030204" pitchFamily="18" charset="0"/>
+                            <a:ea typeface="Cambria Math" panose="02040503050406030204" pitchFamily="18" charset="0"/>
+                          </a:rPr>
+                        </m:ctrlPr>
+                      </m:sSubPr>
+                      <m:e>
+                        <m:r>
+                          <a:rPr lang="de-DE" b="0" i="1" smtClean="0">
+                            <a:latin typeface="Cambria Math" panose="02040503050406030204" pitchFamily="18" charset="0"/>
+                            <a:ea typeface="Cambria Math" panose="02040503050406030204" pitchFamily="18" charset="0"/>
+                          </a:rPr>
+                          <m:t>𝑝</m:t>
+                        </m:r>
+                      </m:e>
+                      <m:sub>
+                        <m:r>
+                          <a:rPr lang="de-DE" b="0" i="1" smtClean="0">
+                            <a:latin typeface="Cambria Math" panose="02040503050406030204" pitchFamily="18" charset="0"/>
+                            <a:ea typeface="Cambria Math" panose="02040503050406030204" pitchFamily="18" charset="0"/>
+                          </a:rPr>
+                          <m:t>𝑑𝑎𝑡𝑎</m:t>
+                        </m:r>
+                      </m:sub>
+                    </m:sSub>
+                  </m:oMath>
+                </a14:m>
+                <a:endParaRPr lang="de-CH" dirty="0"/>
+              </a:p>
+            </p:txBody>
+          </p:sp>
+        </mc:Choice>
+        <mc:Fallback xmlns="">
+          <p:sp>
+            <p:nvSpPr>
+              <p:cNvPr id="11" name="Textfeld 10">
+                <a:extLst>
+                  <a:ext uri="{FF2B5EF4-FFF2-40B4-BE49-F238E27FC236}">
+                    <a16:creationId xmlns:a16="http://schemas.microsoft.com/office/drawing/2014/main" id="{BE0F18C0-7EC2-430C-A583-5A2A5E6AEDCD}"/>
+                  </a:ext>
+                </a:extLst>
+              </p:cNvPr>
+              <p:cNvSpPr txBox="1">
+                <a:spLocks noRot="1" noChangeAspect="1" noMove="1" noResize="1" noEditPoints="1" noAdjustHandles="1" noChangeArrowheads="1" noChangeShapeType="1" noTextEdit="1"/>
+              </p:cNvSpPr>
+              <p:nvPr/>
+            </p:nvSpPr>
+            <p:spPr>
+              <a:xfrm>
+                <a:off x="8186587" y="312775"/>
+                <a:ext cx="1082284" cy="369332"/>
+              </a:xfrm>
+              <a:prstGeom prst="rect">
+                <a:avLst/>
+              </a:prstGeom>
+              <a:blipFill>
+                <a:blip r:embed="rId6"/>
+                <a:stretch>
+                  <a:fillRect l="-5085" t="-8197" b="-24590"/>
+                </a:stretch>
+              </a:blipFill>
+            </p:spPr>
+            <p:txBody>
+              <a:bodyPr/>
+              <a:lstStyle/>
+              <a:p>
+                <a:r>
+                  <a:rPr lang="de-CH">
+                    <a:noFill/>
+                  </a:rPr>
+                  <a:t> </a:t>
+                </a:r>
+              </a:p>
+            </p:txBody>
+          </p:sp>
+        </mc:Fallback>
+      </mc:AlternateContent>
+      <p:pic>
+        <p:nvPicPr>
+          <p:cNvPr id="12" name="Grafik 11">
+            <a:extLst>
+              <a:ext uri="{FF2B5EF4-FFF2-40B4-BE49-F238E27FC236}">
+                <a16:creationId xmlns:a16="http://schemas.microsoft.com/office/drawing/2014/main" id="{DC4E0A49-EF1E-4EA4-A4D2-AFB3DB66E320}"/>
+              </a:ext>
+            </a:extLst>
+          </p:cNvPr>
+          <p:cNvPicPr>
+            <a:picLocks noChangeAspect="1"/>
+          </p:cNvPicPr>
+          <p:nvPr/>
+        </p:nvPicPr>
+        <p:blipFill>
+          <a:blip r:embed="rId5"/>
+          <a:stretch>
+            <a:fillRect/>
+          </a:stretch>
+        </p:blipFill>
+        <p:spPr>
+          <a:xfrm>
+            <a:off x="3307337" y="2778038"/>
+            <a:ext cx="1609200" cy="1609200"/>
+          </a:xfrm>
+          <a:prstGeom prst="rect">
+            <a:avLst/>
+          </a:prstGeom>
+        </p:spPr>
+      </p:pic>
+      <p:sp>
+        <p:nvSpPr>
+          <p:cNvPr id="13" name="Pfeil: nach rechts 12">
+            <a:extLst>
+              <a:ext uri="{FF2B5EF4-FFF2-40B4-BE49-F238E27FC236}">
+                <a16:creationId xmlns:a16="http://schemas.microsoft.com/office/drawing/2014/main" id="{8E11CFBA-AA50-4379-802A-839ACB7EBF89}"/>
+              </a:ext>
+            </a:extLst>
+          </p:cNvPr>
+          <p:cNvSpPr/>
+          <p:nvPr/>
+        </p:nvSpPr>
+        <p:spPr>
+          <a:xfrm>
+            <a:off x="5175873" y="3184864"/>
+            <a:ext cx="2363789" cy="488271"/>
+          </a:xfrm>
+          <a:prstGeom prst="rightArrow">
+            <a:avLst/>
+          </a:prstGeom>
+        </p:spPr>
+        <p:style>
+          <a:lnRef idx="2">
+            <a:schemeClr val="accent1">
+              <a:shade val="50000"/>
+            </a:schemeClr>
+          </a:lnRef>
+          <a:fillRef idx="1">
+            <a:schemeClr val="accent1"/>
+          </a:fillRef>
+          <a:effectRef idx="0">
+            <a:schemeClr val="accent1"/>
+          </a:effectRef>
+          <a:fontRef idx="minor">
+            <a:schemeClr val="lt1"/>
+          </a:fontRef>
+        </p:style>
+        <p:txBody>
+          <a:bodyPr rtlCol="0" anchor="ctr"/>
+          <a:lstStyle/>
+          <a:p>
+            <a:pPr algn="ctr"/>
+            <a:endParaRPr lang="de-CH"/>
+          </a:p>
+        </p:txBody>
+      </p:sp>
+      <mc:AlternateContent xmlns:mc="http://schemas.openxmlformats.org/markup-compatibility/2006" xmlns:a14="http://schemas.microsoft.com/office/drawing/2010/main">
+        <mc:Choice Requires="a14">
+          <p:sp>
+            <p:nvSpPr>
+              <p:cNvPr id="14" name="Textfeld 13">
+                <a:extLst>
+                  <a:ext uri="{FF2B5EF4-FFF2-40B4-BE49-F238E27FC236}">
+                    <a16:creationId xmlns:a16="http://schemas.microsoft.com/office/drawing/2014/main" id="{4B488162-E7B3-47F3-BE80-1ED5BC13974C}"/>
+                  </a:ext>
+                </a:extLst>
+              </p:cNvPr>
+              <p:cNvSpPr txBox="1"/>
+              <p:nvPr/>
+            </p:nvSpPr>
+            <p:spPr>
+              <a:xfrm>
+                <a:off x="8324039" y="3308796"/>
+                <a:ext cx="368691" cy="276999"/>
+              </a:xfrm>
+              <a:prstGeom prst="rect">
+                <a:avLst/>
+              </a:prstGeom>
+              <a:noFill/>
+            </p:spPr>
+            <p:txBody>
+              <a:bodyPr wrap="none" lIns="0" tIns="0" rIns="0" bIns="0" rtlCol="0">
+                <a:spAutoFit/>
+              </a:bodyPr>
+              <a:lstStyle/>
+              <a:p>
+                <a:pPr/>
+                <a14:m>
+                  <m:oMathPara xmlns:m="http://schemas.openxmlformats.org/officeDocument/2006/math">
+                    <m:oMathParaPr>
+                      <m:jc m:val="centerGroup"/>
+                    </m:oMathParaPr>
+                    <m:oMath xmlns:m="http://schemas.openxmlformats.org/officeDocument/2006/math">
+                      <m:r>
+                        <a:rPr lang="de-DE" b="0" i="1" smtClean="0">
+                          <a:latin typeface="Cambria Math" panose="02040503050406030204" pitchFamily="18" charset="0"/>
+                        </a:rPr>
+                        <m:t>0.8</m:t>
+                      </m:r>
+                    </m:oMath>
+                  </m:oMathPara>
+                </a14:m>
+                <a:endParaRPr lang="de-CH" dirty="0"/>
+              </a:p>
+            </p:txBody>
+          </p:sp>
+        </mc:Choice>
+        <mc:Fallback xmlns="">
+          <p:sp>
+            <p:nvSpPr>
+              <p:cNvPr id="14" name="Textfeld 13">
+                <a:extLst>
+                  <a:ext uri="{FF2B5EF4-FFF2-40B4-BE49-F238E27FC236}">
+                    <a16:creationId xmlns:a16="http://schemas.microsoft.com/office/drawing/2014/main" id="{4B488162-E7B3-47F3-BE80-1ED5BC13974C}"/>
+                  </a:ext>
+                </a:extLst>
+              </p:cNvPr>
+              <p:cNvSpPr txBox="1">
+                <a:spLocks noRot="1" noChangeAspect="1" noMove="1" noResize="1" noEditPoints="1" noAdjustHandles="1" noChangeArrowheads="1" noChangeShapeType="1" noTextEdit="1"/>
+              </p:cNvSpPr>
+              <p:nvPr/>
+            </p:nvSpPr>
+            <p:spPr>
+              <a:xfrm>
+                <a:off x="8324039" y="3308796"/>
+                <a:ext cx="368691" cy="276999"/>
+              </a:xfrm>
+              <a:prstGeom prst="rect">
+                <a:avLst/>
+              </a:prstGeom>
+              <a:blipFill>
+                <a:blip r:embed="rId7"/>
+                <a:stretch>
+                  <a:fillRect l="-13115" r="-13115" b="-11111"/>
+                </a:stretch>
+              </a:blipFill>
+            </p:spPr>
+            <p:txBody>
+              <a:bodyPr/>
+              <a:lstStyle/>
+              <a:p>
+                <a:r>
+                  <a:rPr lang="de-CH">
+                    <a:noFill/>
+                  </a:rPr>
+                  <a:t> </a:t>
+                </a:r>
+              </a:p>
+            </p:txBody>
+          </p:sp>
+        </mc:Fallback>
+      </mc:AlternateContent>
+    </p:spTree>
+    <p:extLst>
+      <p:ext uri="{BB962C8B-B14F-4D97-AF65-F5344CB8AC3E}">
+        <p14:creationId xmlns:p14="http://schemas.microsoft.com/office/powerpoint/2010/main" val="2992695250"/>
+      </p:ext>
+    </p:extLst>
+  </p:cSld>
+  <p:clrMapOvr>
+    <a:masterClrMapping/>
+  </p:clrMapOvr>
+</p:sld>
+</file>
+
+<file path=ppt/slides/slide5.xml><?xml version="1.0" encoding="utf-8"?>
+<p:sld xmlns:a="http://schemas.openxmlformats.org/drawingml/2006/main" xmlns:r="http://schemas.openxmlformats.org/officeDocument/2006/relationships" xmlns:p="http://schemas.openxmlformats.org/presentationml/2006/main">
+  <p:cSld>
+    <p:spTree>
+      <p:nvGrpSpPr>
+        <p:cNvPr id="1" name=""/>
+        <p:cNvGrpSpPr/>
+        <p:nvPr/>
+      </p:nvGrpSpPr>
+      <p:grpSpPr>
+        <a:xfrm>
+          <a:off x="0" y="0"/>
+          <a:ext cx="0" cy="0"/>
+          <a:chOff x="0" y="0"/>
+          <a:chExt cx="0" cy="0"/>
+        </a:xfrm>
+      </p:grpSpPr>
+      <p:sp>
+        <p:nvSpPr>
+          <p:cNvPr id="2" name="Titel 1">
+            <a:extLst>
+              <a:ext uri="{FF2B5EF4-FFF2-40B4-BE49-F238E27FC236}">
+                <a16:creationId xmlns:a16="http://schemas.microsoft.com/office/drawing/2014/main" id="{DA1AEEBB-D6BC-4B81-8FCE-A48554E9C0F9}"/>
+              </a:ext>
+            </a:extLst>
+          </p:cNvPr>
+          <p:cNvSpPr>
+            <a:spLocks noGrp="1"/>
+          </p:cNvSpPr>
+          <p:nvPr>
+            <p:ph type="title"/>
+          </p:nvPr>
+        </p:nvSpPr>
+        <p:spPr/>
+        <p:txBody>
+          <a:bodyPr/>
+          <a:lstStyle/>
+          <a:p>
+            <a:endParaRPr lang="de-CH"/>
+          </a:p>
+        </p:txBody>
+      </p:sp>
+      <p:sp>
+        <p:nvSpPr>
+          <p:cNvPr id="3" name="Inhaltsplatzhalter 2">
+            <a:extLst>
+              <a:ext uri="{FF2B5EF4-FFF2-40B4-BE49-F238E27FC236}">
+                <a16:creationId xmlns:a16="http://schemas.microsoft.com/office/drawing/2014/main" id="{F9F4FDD6-BC7B-4233-9C7B-77BCBDB3E867}"/>
+              </a:ext>
+            </a:extLst>
+          </p:cNvPr>
+          <p:cNvSpPr>
+            <a:spLocks noGrp="1"/>
+          </p:cNvSpPr>
+          <p:nvPr>
+            <p:ph idx="1"/>
+          </p:nvPr>
+        </p:nvSpPr>
+        <p:spPr/>
+        <p:txBody>
+          <a:bodyPr/>
+          <a:lstStyle/>
+          <a:p>
+            <a:endParaRPr lang="de-CH"/>
+          </a:p>
+        </p:txBody>
+      </p:sp>
+      <p:pic>
+        <p:nvPicPr>
+          <p:cNvPr id="4" name="Grafik 3">
+            <a:extLst>
+              <a:ext uri="{FF2B5EF4-FFF2-40B4-BE49-F238E27FC236}">
+                <a16:creationId xmlns:a16="http://schemas.microsoft.com/office/drawing/2014/main" id="{73291F7B-92EA-490B-8D16-70BF6E7B8539}"/>
+              </a:ext>
+            </a:extLst>
+          </p:cNvPr>
+          <p:cNvPicPr>
+            <a:picLocks noChangeAspect="1"/>
+          </p:cNvPicPr>
+          <p:nvPr/>
+        </p:nvPicPr>
+        <p:blipFill>
+          <a:blip r:embed="rId2"/>
+          <a:stretch>
+            <a:fillRect/>
+          </a:stretch>
+        </p:blipFill>
+        <p:spPr>
+          <a:xfrm>
+            <a:off x="2806225" y="127602"/>
+            <a:ext cx="6774859" cy="6730398"/>
+          </a:xfrm>
+          <a:prstGeom prst="rect">
+            <a:avLst/>
+          </a:prstGeom>
+        </p:spPr>
+      </p:pic>
+    </p:spTree>
+    <p:extLst>
+      <p:ext uri="{BB962C8B-B14F-4D97-AF65-F5344CB8AC3E}">
+        <p14:creationId xmlns:p14="http://schemas.microsoft.com/office/powerpoint/2010/main" val="4154966457"/>
+      </p:ext>
+    </p:extLst>
+  </p:cSld>
+  <p:clrMapOvr>
+    <a:masterClrMapping/>
+  </p:clrMapOvr>
+</p:sld>
+</file>
+
+<file path=ppt/slides/slide6.xml><?xml version="1.0" encoding="utf-8"?>
+<p:sld xmlns:a="http://schemas.openxmlformats.org/drawingml/2006/main" xmlns:r="http://schemas.openxmlformats.org/officeDocument/2006/relationships" xmlns:p="http://schemas.openxmlformats.org/presentationml/2006/main">
+  <p:cSld>
+    <p:spTree>
+      <p:nvGrpSpPr>
+        <p:cNvPr id="1" name=""/>
+        <p:cNvGrpSpPr/>
+        <p:nvPr/>
+      </p:nvGrpSpPr>
+      <p:grpSpPr>
+        <a:xfrm>
+          <a:off x="0" y="0"/>
+          <a:ext cx="0" cy="0"/>
+          <a:chOff x="0" y="0"/>
+          <a:chExt cx="0" cy="0"/>
+        </a:xfrm>
+      </p:grpSpPr>
+      <p:sp>
+        <p:nvSpPr>
+          <p:cNvPr id="2" name="Titel 1">
+            <a:extLst>
+              <a:ext uri="{FF2B5EF4-FFF2-40B4-BE49-F238E27FC236}">
+                <a16:creationId xmlns:a16="http://schemas.microsoft.com/office/drawing/2014/main" id="{7F3E37AE-A5DF-41ED-B15A-54ADF36F8C42}"/>
+              </a:ext>
+            </a:extLst>
+          </p:cNvPr>
+          <p:cNvSpPr>
+            <a:spLocks noGrp="1"/>
+          </p:cNvSpPr>
+          <p:nvPr>
+            <p:ph type="title"/>
+          </p:nvPr>
+        </p:nvSpPr>
+        <p:spPr/>
+        <p:txBody>
+          <a:bodyPr/>
+          <a:lstStyle/>
+          <a:p>
+            <a:endParaRPr lang="de-CH"/>
+          </a:p>
+        </p:txBody>
+      </p:sp>
+      <p:sp>
+        <p:nvSpPr>
+          <p:cNvPr id="3" name="Inhaltsplatzhalter 2">
+            <a:extLst>
+              <a:ext uri="{FF2B5EF4-FFF2-40B4-BE49-F238E27FC236}">
+                <a16:creationId xmlns:a16="http://schemas.microsoft.com/office/drawing/2014/main" id="{9ECA1B98-F28B-40FE-B74A-F47F6ABA4E04}"/>
+              </a:ext>
+            </a:extLst>
+          </p:cNvPr>
+          <p:cNvSpPr>
+            <a:spLocks noGrp="1"/>
+          </p:cNvSpPr>
+          <p:nvPr>
+            <p:ph idx="1"/>
+          </p:nvPr>
+        </p:nvSpPr>
+        <p:spPr/>
+        <p:txBody>
+          <a:bodyPr/>
+          <a:lstStyle/>
+          <a:p>
+            <a:endParaRPr lang="de-CH"/>
+          </a:p>
+        </p:txBody>
+      </p:sp>
+      <p:pic>
+        <p:nvPicPr>
+          <p:cNvPr id="4" name="Grafik 3">
+            <a:extLst>
+              <a:ext uri="{FF2B5EF4-FFF2-40B4-BE49-F238E27FC236}">
+                <a16:creationId xmlns:a16="http://schemas.microsoft.com/office/drawing/2014/main" id="{55E57AD0-40CA-43E6-A3DA-935A91A201F5}"/>
+              </a:ext>
+            </a:extLst>
+          </p:cNvPr>
+          <p:cNvPicPr>
+            <a:picLocks noChangeAspect="1"/>
+          </p:cNvPicPr>
+          <p:nvPr/>
+        </p:nvPicPr>
+        <p:blipFill>
+          <a:blip r:embed="rId2"/>
+          <a:stretch>
+            <a:fillRect/>
+          </a:stretch>
+        </p:blipFill>
+        <p:spPr>
+          <a:xfrm>
+            <a:off x="1429745" y="-2413263"/>
+            <a:ext cx="9332509" cy="9271263"/>
+          </a:xfrm>
+          <a:prstGeom prst="rect">
+            <a:avLst/>
+          </a:prstGeom>
+        </p:spPr>
+      </p:pic>
+    </p:spTree>
+    <p:extLst>
+      <p:ext uri="{BB962C8B-B14F-4D97-AF65-F5344CB8AC3E}">
+        <p14:creationId xmlns:p14="http://schemas.microsoft.com/office/powerpoint/2010/main" val="3131930058"/>
+      </p:ext>
+    </p:extLst>
+  </p:cSld>
+  <p:clrMapOvr>
+    <a:masterClrMapping/>
+  </p:clrMapOvr>
+</p:sld>
+</file>
+
+<file path=ppt/slides/slide7.xml><?xml version="1.0" encoding="utf-8"?>
+<p:sld xmlns:a="http://schemas.openxmlformats.org/drawingml/2006/main" xmlns:r="http://schemas.openxmlformats.org/officeDocument/2006/relationships" xmlns:p="http://schemas.openxmlformats.org/presentationml/2006/main">
+  <p:cSld>
+    <p:spTree>
+      <p:nvGrpSpPr>
+        <p:cNvPr id="1" name=""/>
+        <p:cNvGrpSpPr/>
+        <p:nvPr/>
+      </p:nvGrpSpPr>
+      <p:grpSpPr>
+        <a:xfrm>
+          <a:off x="0" y="0"/>
+          <a:ext cx="0" cy="0"/>
+          <a:chOff x="0" y="0"/>
+          <a:chExt cx="0" cy="0"/>
+        </a:xfrm>
+      </p:grpSpPr>
+      <p:sp>
+        <p:nvSpPr>
+          <p:cNvPr id="2" name="Titel 1">
+            <a:extLst>
+              <a:ext uri="{FF2B5EF4-FFF2-40B4-BE49-F238E27FC236}">
+                <a16:creationId xmlns:a16="http://schemas.microsoft.com/office/drawing/2014/main" id="{45195B82-7328-4C02-BF01-01B8AD5C2521}"/>
+              </a:ext>
+            </a:extLst>
+          </p:cNvPr>
+          <p:cNvSpPr>
+            <a:spLocks noGrp="1"/>
+          </p:cNvSpPr>
+          <p:nvPr>
+            <p:ph type="title"/>
+          </p:nvPr>
+        </p:nvSpPr>
+        <p:spPr/>
+        <p:txBody>
+          <a:bodyPr/>
+          <a:lstStyle/>
+          <a:p>
+            <a:endParaRPr lang="de-CH"/>
+          </a:p>
+        </p:txBody>
+      </p:sp>
+      <p:sp>
+        <p:nvSpPr>
+          <p:cNvPr id="3" name="Inhaltsplatzhalter 2">
+            <a:extLst>
+              <a:ext uri="{FF2B5EF4-FFF2-40B4-BE49-F238E27FC236}">
+                <a16:creationId xmlns:a16="http://schemas.microsoft.com/office/drawing/2014/main" id="{6B5C1896-A149-4292-882A-D94A2E5C5ED0}"/>
+              </a:ext>
+            </a:extLst>
+          </p:cNvPr>
+          <p:cNvSpPr>
+            <a:spLocks noGrp="1"/>
+          </p:cNvSpPr>
+          <p:nvPr>
+            <p:ph idx="1"/>
+          </p:nvPr>
+        </p:nvSpPr>
+        <p:spPr/>
+        <p:txBody>
+          <a:bodyPr/>
+          <a:lstStyle/>
+          <a:p>
+            <a:endParaRPr lang="de-CH"/>
+          </a:p>
+        </p:txBody>
+      </p:sp>
+      <p:pic>
+        <p:nvPicPr>
+          <p:cNvPr id="4" name="Grafik 3">
+            <a:extLst>
+              <a:ext uri="{FF2B5EF4-FFF2-40B4-BE49-F238E27FC236}">
+                <a16:creationId xmlns:a16="http://schemas.microsoft.com/office/drawing/2014/main" id="{69F0CA90-9D45-4F56-9D7A-C4C85C8E3B97}"/>
+              </a:ext>
+            </a:extLst>
+          </p:cNvPr>
+          <p:cNvPicPr>
+            <a:picLocks noChangeAspect="1"/>
+          </p:cNvPicPr>
+          <p:nvPr/>
+        </p:nvPicPr>
+        <p:blipFill>
+          <a:blip r:embed="rId2"/>
+          <a:stretch>
+            <a:fillRect/>
+          </a:stretch>
+        </p:blipFill>
+        <p:spPr>
+          <a:xfrm>
+            <a:off x="-2592545" y="-7308472"/>
+            <a:ext cx="14260056" cy="14166472"/>
+          </a:xfrm>
+          <a:prstGeom prst="rect">
+            <a:avLst/>
+          </a:prstGeom>
+        </p:spPr>
+      </p:pic>
+    </p:spTree>
+    <p:extLst>
+      <p:ext uri="{BB962C8B-B14F-4D97-AF65-F5344CB8AC3E}">
+        <p14:creationId xmlns:p14="http://schemas.microsoft.com/office/powerpoint/2010/main" val="4011293193"/>
+      </p:ext>
+    </p:extLst>
+  </p:cSld>
+  <p:clrMapOvr>
+    <a:masterClrMapping/>
+  </p:clrMapOvr>
+</p:sld>
+</file>
+
+<file path=ppt/slides/slide8.xml><?xml version="1.0" encoding="utf-8"?>
+<p:sld xmlns:a="http://schemas.openxmlformats.org/drawingml/2006/main" xmlns:r="http://schemas.openxmlformats.org/officeDocument/2006/relationships" xmlns:p="http://schemas.openxmlformats.org/presentationml/2006/main">
+  <p:cSld>
+    <p:spTree>
+      <p:nvGrpSpPr>
+        <p:cNvPr id="1" name=""/>
+        <p:cNvGrpSpPr/>
+        <p:nvPr/>
+      </p:nvGrpSpPr>
+      <p:grpSpPr>
+        <a:xfrm>
+          <a:off x="0" y="0"/>
+          <a:ext cx="0" cy="0"/>
+          <a:chOff x="0" y="0"/>
+          <a:chExt cx="0" cy="0"/>
+        </a:xfrm>
+      </p:grpSpPr>
+      <p:sp>
+        <p:nvSpPr>
+          <p:cNvPr id="2" name="Titel 1">
+            <a:extLst>
+              <a:ext uri="{FF2B5EF4-FFF2-40B4-BE49-F238E27FC236}">
+                <a16:creationId xmlns:a16="http://schemas.microsoft.com/office/drawing/2014/main" id="{2AC7FD4F-E389-444E-B87C-7834E15DADFA}"/>
+              </a:ext>
+            </a:extLst>
+          </p:cNvPr>
+          <p:cNvSpPr>
+            <a:spLocks noGrp="1"/>
+          </p:cNvSpPr>
+          <p:nvPr>
+            <p:ph type="title"/>
+          </p:nvPr>
+        </p:nvSpPr>
+        <p:spPr/>
+        <p:txBody>
+          <a:bodyPr/>
+          <a:lstStyle/>
+          <a:p>
+            <a:endParaRPr lang="de-CH"/>
+          </a:p>
+        </p:txBody>
+      </p:sp>
+      <p:sp>
+        <p:nvSpPr>
+          <p:cNvPr id="3" name="Inhaltsplatzhalter 2">
+            <a:extLst>
+              <a:ext uri="{FF2B5EF4-FFF2-40B4-BE49-F238E27FC236}">
+                <a16:creationId xmlns:a16="http://schemas.microsoft.com/office/drawing/2014/main" id="{B680A232-1AF9-4DAE-9272-443268BE1953}"/>
+              </a:ext>
+            </a:extLst>
+          </p:cNvPr>
+          <p:cNvSpPr>
+            <a:spLocks noGrp="1"/>
+          </p:cNvSpPr>
+          <p:nvPr>
+            <p:ph idx="1"/>
+          </p:nvPr>
+        </p:nvSpPr>
+        <p:spPr/>
+        <p:txBody>
+          <a:bodyPr/>
+          <a:lstStyle/>
+          <a:p>
+            <a:endParaRPr lang="de-CH"/>
+          </a:p>
+        </p:txBody>
+      </p:sp>
+      <p:pic>
+        <p:nvPicPr>
+          <p:cNvPr id="5" name="Grafik 4">
+            <a:extLst>
+              <a:ext uri="{FF2B5EF4-FFF2-40B4-BE49-F238E27FC236}">
+                <a16:creationId xmlns:a16="http://schemas.microsoft.com/office/drawing/2014/main" id="{0C190452-92FE-427D-9E69-4B4A922F609B}"/>
+              </a:ext>
+            </a:extLst>
+          </p:cNvPr>
+          <p:cNvPicPr>
+            <a:picLocks noChangeAspect="1"/>
+          </p:cNvPicPr>
+          <p:nvPr/>
+        </p:nvPicPr>
+        <p:blipFill>
+          <a:blip r:embed="rId2"/>
+          <a:stretch>
+            <a:fillRect/>
+          </a:stretch>
+        </p:blipFill>
+        <p:spPr>
+          <a:xfrm>
+            <a:off x="-4764024" y="-10065244"/>
+            <a:ext cx="17035039" cy="16923244"/>
+          </a:xfrm>
+          <a:prstGeom prst="rect">
+            <a:avLst/>
+          </a:prstGeom>
+        </p:spPr>
+      </p:pic>
+    </p:spTree>
+    <p:extLst>
+      <p:ext uri="{BB962C8B-B14F-4D97-AF65-F5344CB8AC3E}">
+        <p14:creationId xmlns:p14="http://schemas.microsoft.com/office/powerpoint/2010/main" val="3607469311"/>
+      </p:ext>
+    </p:extLst>
+  </p:cSld>
+  <p:clrMapOvr>
+    <a:masterClrMapping/>
+  </p:clrMapOvr>
+</p:sld>
+</file>
+
+<file path=ppt/slides/slide9.xml><?xml version="1.0" encoding="utf-8"?>
+<p:sld xmlns:a="http://schemas.openxmlformats.org/drawingml/2006/main" xmlns:r="http://schemas.openxmlformats.org/officeDocument/2006/relationships" xmlns:p="http://schemas.openxmlformats.org/presentationml/2006/main">
+  <p:cSld>
+    <p:spTree>
+      <p:nvGrpSpPr>
+        <p:cNvPr id="1" name=""/>
+        <p:cNvGrpSpPr/>
+        <p:nvPr/>
+      </p:nvGrpSpPr>
+      <p:grpSpPr>
+        <a:xfrm>
+          <a:off x="0" y="0"/>
+          <a:ext cx="0" cy="0"/>
+          <a:chOff x="0" y="0"/>
+          <a:chExt cx="0" cy="0"/>
+        </a:xfrm>
+      </p:grpSpPr>
+      <p:sp>
+        <p:nvSpPr>
+          <p:cNvPr id="2" name="Titel 1">
+            <a:extLst>
+              <a:ext uri="{FF2B5EF4-FFF2-40B4-BE49-F238E27FC236}">
+                <a16:creationId xmlns:a16="http://schemas.microsoft.com/office/drawing/2014/main" id="{E0555699-1E6C-4654-B85E-903AB060E821}"/>
+              </a:ext>
+            </a:extLst>
+          </p:cNvPr>
+          <p:cNvSpPr>
+            <a:spLocks noGrp="1"/>
+          </p:cNvSpPr>
+          <p:nvPr>
+            <p:ph type="title"/>
+          </p:nvPr>
+        </p:nvSpPr>
+        <p:spPr/>
+        <p:txBody>
+          <a:bodyPr/>
+          <a:lstStyle/>
+          <a:p>
+            <a:endParaRPr lang="de-CH"/>
+          </a:p>
+        </p:txBody>
+      </p:sp>
+      <p:sp>
+        <p:nvSpPr>
+          <p:cNvPr id="3" name="Inhaltsplatzhalter 2">
+            <a:extLst>
+              <a:ext uri="{FF2B5EF4-FFF2-40B4-BE49-F238E27FC236}">
+                <a16:creationId xmlns:a16="http://schemas.microsoft.com/office/drawing/2014/main" id="{079343FE-2A4C-4F2D-A130-09D9913AD083}"/>
+              </a:ext>
+            </a:extLst>
+          </p:cNvPr>
+          <p:cNvSpPr>
+            <a:spLocks noGrp="1"/>
+          </p:cNvSpPr>
+          <p:nvPr>
+            <p:ph idx="1"/>
+          </p:nvPr>
+        </p:nvSpPr>
+        <p:spPr/>
+        <p:txBody>
+          <a:bodyPr/>
+          <a:lstStyle/>
+          <a:p>
+            <a:endParaRPr lang="de-CH"/>
+          </a:p>
+        </p:txBody>
+      </p:sp>
+      <p:pic>
+        <p:nvPicPr>
+          <p:cNvPr id="4" name="Grafik 3">
+            <a:extLst>
+              <a:ext uri="{FF2B5EF4-FFF2-40B4-BE49-F238E27FC236}">
+                <a16:creationId xmlns:a16="http://schemas.microsoft.com/office/drawing/2014/main" id="{B471916A-4327-418A-BF23-BAB629D42F3F}"/>
+              </a:ext>
+            </a:extLst>
+          </p:cNvPr>
+          <p:cNvPicPr>
+            <a:picLocks noChangeAspect="1"/>
+          </p:cNvPicPr>
+          <p:nvPr/>
+        </p:nvPicPr>
+        <p:blipFill>
+          <a:blip r:embed="rId2"/>
+          <a:stretch>
+            <a:fillRect/>
+          </a:stretch>
+        </p:blipFill>
+        <p:spPr>
+          <a:xfrm>
+            <a:off x="-7516368" y="-13256605"/>
+            <a:ext cx="19805671" cy="19675693"/>
+          </a:xfrm>
+          <a:prstGeom prst="rect">
+            <a:avLst/>
+          </a:prstGeom>
+        </p:spPr>
+      </p:pic>
+    </p:spTree>
+    <p:extLst>
+      <p:ext uri="{BB962C8B-B14F-4D97-AF65-F5344CB8AC3E}">
+        <p14:creationId xmlns:p14="http://schemas.microsoft.com/office/powerpoint/2010/main" val="4216228212"/>
       </p:ext>
     </p:extLst>
   </p:cSld>

--- a/GAN.pptx
+++ b/GAN.pptx
@@ -321,7 +321,7 @@
             <a:fld id="{B61BEF0D-F0BB-DE4B-95CE-6DB70DBA9567}" type="datetimeFigureOut">
               <a:rPr lang="en-US" dirty="0"/>
               <a:pPr/>
-              <a:t>4/27/2021</a:t>
+              <a:t>4/29/2021</a:t>
             </a:fld>
             <a:endParaRPr lang="en-US" dirty="0"/>
           </a:p>
@@ -754,7 +754,7 @@
             <a:fld id="{B61BEF0D-F0BB-DE4B-95CE-6DB70DBA9567}" type="datetimeFigureOut">
               <a:rPr lang="en-US" dirty="0"/>
               <a:pPr/>
-              <a:t>4/27/2021</a:t>
+              <a:t>4/29/2021</a:t>
             </a:fld>
             <a:endParaRPr lang="en-US" dirty="0"/>
           </a:p>
@@ -1001,7 +1001,7 @@
             <a:fld id="{B61BEF0D-F0BB-DE4B-95CE-6DB70DBA9567}" type="datetimeFigureOut">
               <a:rPr lang="en-US" dirty="0"/>
               <a:pPr/>
-              <a:t>4/27/2021</a:t>
+              <a:t>4/29/2021</a:t>
             </a:fld>
             <a:endParaRPr lang="en-US" dirty="0"/>
           </a:p>
@@ -1306,7 +1306,7 @@
             <a:fld id="{B61BEF0D-F0BB-DE4B-95CE-6DB70DBA9567}" type="datetimeFigureOut">
               <a:rPr lang="en-US" dirty="0"/>
               <a:pPr/>
-              <a:t>4/27/2021</a:t>
+              <a:t>4/29/2021</a:t>
             </a:fld>
             <a:endParaRPr lang="en-US" dirty="0"/>
           </a:p>
@@ -1621,7 +1621,7 @@
             <a:fld id="{B61BEF0D-F0BB-DE4B-95CE-6DB70DBA9567}" type="datetimeFigureOut">
               <a:rPr lang="en-US" dirty="0"/>
               <a:pPr/>
-              <a:t>4/27/2021</a:t>
+              <a:t>4/29/2021</a:t>
             </a:fld>
             <a:endParaRPr lang="en-US" dirty="0"/>
           </a:p>
@@ -1920,7 +1920,7 @@
             <a:fld id="{B61BEF0D-F0BB-DE4B-95CE-6DB70DBA9567}" type="datetimeFigureOut">
               <a:rPr lang="en-US" dirty="0"/>
               <a:pPr/>
-              <a:t>4/27/2021</a:t>
+              <a:t>4/29/2021</a:t>
             </a:fld>
             <a:endParaRPr lang="en-US" dirty="0"/>
           </a:p>
@@ -2284,7 +2284,7 @@
             <a:fld id="{B61BEF0D-F0BB-DE4B-95CE-6DB70DBA9567}" type="datetimeFigureOut">
               <a:rPr lang="en-US" dirty="0"/>
               <a:pPr/>
-              <a:t>4/27/2021</a:t>
+              <a:t>4/29/2021</a:t>
             </a:fld>
             <a:endParaRPr lang="en-US" dirty="0"/>
           </a:p>
@@ -2455,7 +2455,7 @@
             <a:fld id="{B61BEF0D-F0BB-DE4B-95CE-6DB70DBA9567}" type="datetimeFigureOut">
               <a:rPr lang="en-US" dirty="0"/>
               <a:pPr/>
-              <a:t>4/27/2021</a:t>
+              <a:t>4/29/2021</a:t>
             </a:fld>
             <a:endParaRPr lang="en-US" dirty="0"/>
           </a:p>
@@ -2632,7 +2632,7 @@
             <a:fld id="{B61BEF0D-F0BB-DE4B-95CE-6DB70DBA9567}" type="datetimeFigureOut">
               <a:rPr lang="en-US" dirty="0"/>
               <a:pPr/>
-              <a:t>4/27/2021</a:t>
+              <a:t>4/29/2021</a:t>
             </a:fld>
             <a:endParaRPr lang="en-US" dirty="0"/>
           </a:p>
@@ -2799,7 +2799,7 @@
             <a:fld id="{B61BEF0D-F0BB-DE4B-95CE-6DB70DBA9567}" type="datetimeFigureOut">
               <a:rPr lang="en-US" dirty="0"/>
               <a:pPr/>
-              <a:t>4/27/2021</a:t>
+              <a:t>4/29/2021</a:t>
             </a:fld>
             <a:endParaRPr lang="en-US" dirty="0"/>
           </a:p>
@@ -3046,7 +3046,7 @@
             <a:fld id="{B61BEF0D-F0BB-DE4B-95CE-6DB70DBA9567}" type="datetimeFigureOut">
               <a:rPr lang="en-US" dirty="0"/>
               <a:pPr/>
-              <a:t>4/27/2021</a:t>
+              <a:t>4/29/2021</a:t>
             </a:fld>
             <a:endParaRPr lang="en-US" dirty="0"/>
           </a:p>
@@ -3279,7 +3279,7 @@
             <a:fld id="{B61BEF0D-F0BB-DE4B-95CE-6DB70DBA9567}" type="datetimeFigureOut">
               <a:rPr lang="en-US" dirty="0"/>
               <a:pPr/>
-              <a:t>4/27/2021</a:t>
+              <a:t>4/29/2021</a:t>
             </a:fld>
             <a:endParaRPr lang="en-US" dirty="0"/>
           </a:p>
@@ -3658,7 +3658,7 @@
             <a:fld id="{B61BEF0D-F0BB-DE4B-95CE-6DB70DBA9567}" type="datetimeFigureOut">
               <a:rPr lang="en-US" dirty="0"/>
               <a:pPr/>
-              <a:t>4/27/2021</a:t>
+              <a:t>4/29/2021</a:t>
             </a:fld>
             <a:endParaRPr lang="en-US" dirty="0"/>
           </a:p>
@@ -3773,7 +3773,7 @@
             <a:fld id="{B61BEF0D-F0BB-DE4B-95CE-6DB70DBA9567}" type="datetimeFigureOut">
               <a:rPr lang="en-US" dirty="0"/>
               <a:pPr/>
-              <a:t>4/27/2021</a:t>
+              <a:t>4/29/2021</a:t>
             </a:fld>
             <a:endParaRPr lang="en-US" dirty="0"/>
           </a:p>
@@ -3865,7 +3865,7 @@
             <a:fld id="{B61BEF0D-F0BB-DE4B-95CE-6DB70DBA9567}" type="datetimeFigureOut">
               <a:rPr lang="en-US" dirty="0"/>
               <a:pPr/>
-              <a:t>4/27/2021</a:t>
+              <a:t>4/29/2021</a:t>
             </a:fld>
             <a:endParaRPr lang="en-US" dirty="0"/>
           </a:p>
@@ -4117,7 +4117,7 @@
             <a:fld id="{B61BEF0D-F0BB-DE4B-95CE-6DB70DBA9567}" type="datetimeFigureOut">
               <a:rPr lang="en-US" dirty="0"/>
               <a:pPr/>
-              <a:t>4/27/2021</a:t>
+              <a:t>4/29/2021</a:t>
             </a:fld>
             <a:endParaRPr lang="en-US" dirty="0"/>
           </a:p>
@@ -4397,7 +4397,7 @@
             <a:fld id="{B61BEF0D-F0BB-DE4B-95CE-6DB70DBA9567}" type="datetimeFigureOut">
               <a:rPr lang="en-US" dirty="0"/>
               <a:pPr/>
-              <a:t>4/27/2021</a:t>
+              <a:t>4/29/2021</a:t>
             </a:fld>
             <a:endParaRPr lang="en-US" dirty="0"/>
           </a:p>
@@ -4800,7 +4800,7 @@
             <a:fld id="{B61BEF0D-F0BB-DE4B-95CE-6DB70DBA9567}" type="datetimeFigureOut">
               <a:rPr lang="en-US" dirty="0"/>
               <a:pPr/>
-              <a:t>4/27/2021</a:t>
+              <a:t>4/29/2021</a:t>
             </a:fld>
             <a:endParaRPr lang="en-US" dirty="0"/>
           </a:p>
@@ -6712,10 +6712,10 @@
       </p:sp>
       <p:pic>
         <p:nvPicPr>
-          <p:cNvPr id="4" name="Grafik 3">
+          <p:cNvPr id="5" name="Grafik 4">
             <a:extLst>
               <a:ext uri="{FF2B5EF4-FFF2-40B4-BE49-F238E27FC236}">
-                <a16:creationId xmlns:a16="http://schemas.microsoft.com/office/drawing/2014/main" id="{28F76173-CBD0-4F6D-9EA8-F5E381B179E5}"/>
+                <a16:creationId xmlns:a16="http://schemas.microsoft.com/office/drawing/2014/main" id="{57ECFF5A-9A29-4566-ADF7-10E6B6377043}"/>
               </a:ext>
             </a:extLst>
           </p:cNvPr>
@@ -6732,8 +6732,98 @@
         </p:blipFill>
         <p:spPr>
           <a:xfrm>
-            <a:off x="2628900" y="2370668"/>
-            <a:ext cx="6934200" cy="1485900"/>
+            <a:off x="3419475" y="590180"/>
+            <a:ext cx="5353050" cy="723900"/>
+          </a:xfrm>
+          <a:prstGeom prst="rect">
+            <a:avLst/>
+          </a:prstGeom>
+        </p:spPr>
+      </p:pic>
+      <p:pic>
+        <p:nvPicPr>
+          <p:cNvPr id="7" name="Grafik 6">
+            <a:extLst>
+              <a:ext uri="{FF2B5EF4-FFF2-40B4-BE49-F238E27FC236}">
+                <a16:creationId xmlns:a16="http://schemas.microsoft.com/office/drawing/2014/main" id="{697DA871-2804-4C3A-8B6C-0FF24CE75574}"/>
+              </a:ext>
+            </a:extLst>
+          </p:cNvPr>
+          <p:cNvPicPr>
+            <a:picLocks noChangeAspect="1"/>
+          </p:cNvPicPr>
+          <p:nvPr/>
+        </p:nvPicPr>
+        <p:blipFill>
+          <a:blip r:embed="rId3"/>
+          <a:stretch>
+            <a:fillRect/>
+          </a:stretch>
+        </p:blipFill>
+        <p:spPr>
+          <a:xfrm>
+            <a:off x="2516957" y="1608668"/>
+            <a:ext cx="6962775" cy="762000"/>
+          </a:xfrm>
+          <a:prstGeom prst="rect">
+            <a:avLst/>
+          </a:prstGeom>
+        </p:spPr>
+      </p:pic>
+      <p:pic>
+        <p:nvPicPr>
+          <p:cNvPr id="9" name="Grafik 8">
+            <a:extLst>
+              <a:ext uri="{FF2B5EF4-FFF2-40B4-BE49-F238E27FC236}">
+                <a16:creationId xmlns:a16="http://schemas.microsoft.com/office/drawing/2014/main" id="{D78747DD-C53C-413D-BF8F-6A3F87E68CC7}"/>
+              </a:ext>
+            </a:extLst>
+          </p:cNvPr>
+          <p:cNvPicPr>
+            <a:picLocks noChangeAspect="1"/>
+          </p:cNvPicPr>
+          <p:nvPr/>
+        </p:nvPicPr>
+        <p:blipFill>
+          <a:blip r:embed="rId4"/>
+          <a:stretch>
+            <a:fillRect/>
+          </a:stretch>
+        </p:blipFill>
+        <p:spPr>
+          <a:xfrm>
+            <a:off x="3119437" y="2743477"/>
+            <a:ext cx="5953125" cy="714375"/>
+          </a:xfrm>
+          <a:prstGeom prst="rect">
+            <a:avLst/>
+          </a:prstGeom>
+        </p:spPr>
+      </p:pic>
+      <p:pic>
+        <p:nvPicPr>
+          <p:cNvPr id="11" name="Grafik 10">
+            <a:extLst>
+              <a:ext uri="{FF2B5EF4-FFF2-40B4-BE49-F238E27FC236}">
+                <a16:creationId xmlns:a16="http://schemas.microsoft.com/office/drawing/2014/main" id="{29C0BAC6-F269-46D6-985D-59DAC36310AC}"/>
+              </a:ext>
+            </a:extLst>
+          </p:cNvPr>
+          <p:cNvPicPr>
+            <a:picLocks noChangeAspect="1"/>
+          </p:cNvPicPr>
+          <p:nvPr/>
+        </p:nvPicPr>
+        <p:blipFill>
+          <a:blip r:embed="rId5"/>
+          <a:stretch>
+            <a:fillRect/>
+          </a:stretch>
+        </p:blipFill>
+        <p:spPr>
+          <a:xfrm>
+            <a:off x="4860106" y="3821784"/>
+            <a:ext cx="2276475" cy="561975"/>
           </a:xfrm>
           <a:prstGeom prst="rect">
             <a:avLst/>

--- a/GAN.pptx
+++ b/GAN.pptx
@@ -8,21 +8,22 @@
     <p:sldId id="256" r:id="rId2"/>
     <p:sldId id="257" r:id="rId3"/>
     <p:sldId id="267" r:id="rId4"/>
-    <p:sldId id="266" r:id="rId5"/>
-    <p:sldId id="268" r:id="rId6"/>
-    <p:sldId id="269" r:id="rId7"/>
-    <p:sldId id="270" r:id="rId8"/>
-    <p:sldId id="271" r:id="rId9"/>
-    <p:sldId id="272" r:id="rId10"/>
-    <p:sldId id="273" r:id="rId11"/>
-    <p:sldId id="259" r:id="rId12"/>
-    <p:sldId id="260" r:id="rId13"/>
-    <p:sldId id="261" r:id="rId14"/>
-    <p:sldId id="274" r:id="rId15"/>
-    <p:sldId id="262" r:id="rId16"/>
-    <p:sldId id="263" r:id="rId17"/>
-    <p:sldId id="264" r:id="rId18"/>
-    <p:sldId id="265" r:id="rId19"/>
+    <p:sldId id="275" r:id="rId5"/>
+    <p:sldId id="266" r:id="rId6"/>
+    <p:sldId id="268" r:id="rId7"/>
+    <p:sldId id="269" r:id="rId8"/>
+    <p:sldId id="270" r:id="rId9"/>
+    <p:sldId id="271" r:id="rId10"/>
+    <p:sldId id="272" r:id="rId11"/>
+    <p:sldId id="273" r:id="rId12"/>
+    <p:sldId id="259" r:id="rId13"/>
+    <p:sldId id="260" r:id="rId14"/>
+    <p:sldId id="261" r:id="rId15"/>
+    <p:sldId id="274" r:id="rId16"/>
+    <p:sldId id="262" r:id="rId17"/>
+    <p:sldId id="263" r:id="rId18"/>
+    <p:sldId id="264" r:id="rId19"/>
+    <p:sldId id="265" r:id="rId20"/>
   </p:sldIdLst>
   <p:sldSz cx="12192000" cy="6858000"/>
   <p:notesSz cx="6858000" cy="9144000"/>
@@ -321,7 +322,7 @@
             <a:fld id="{B61BEF0D-F0BB-DE4B-95CE-6DB70DBA9567}" type="datetimeFigureOut">
               <a:rPr lang="en-US" dirty="0"/>
               <a:pPr/>
-              <a:t>4/29/2021</a:t>
+              <a:t>5/5/2021</a:t>
             </a:fld>
             <a:endParaRPr lang="en-US" dirty="0"/>
           </a:p>
@@ -754,7 +755,7 @@
             <a:fld id="{B61BEF0D-F0BB-DE4B-95CE-6DB70DBA9567}" type="datetimeFigureOut">
               <a:rPr lang="en-US" dirty="0"/>
               <a:pPr/>
-              <a:t>4/29/2021</a:t>
+              <a:t>5/5/2021</a:t>
             </a:fld>
             <a:endParaRPr lang="en-US" dirty="0"/>
           </a:p>
@@ -1001,7 +1002,7 @@
             <a:fld id="{B61BEF0D-F0BB-DE4B-95CE-6DB70DBA9567}" type="datetimeFigureOut">
               <a:rPr lang="en-US" dirty="0"/>
               <a:pPr/>
-              <a:t>4/29/2021</a:t>
+              <a:t>5/5/2021</a:t>
             </a:fld>
             <a:endParaRPr lang="en-US" dirty="0"/>
           </a:p>
@@ -1306,7 +1307,7 @@
             <a:fld id="{B61BEF0D-F0BB-DE4B-95CE-6DB70DBA9567}" type="datetimeFigureOut">
               <a:rPr lang="en-US" dirty="0"/>
               <a:pPr/>
-              <a:t>4/29/2021</a:t>
+              <a:t>5/5/2021</a:t>
             </a:fld>
             <a:endParaRPr lang="en-US" dirty="0"/>
           </a:p>
@@ -1621,7 +1622,7 @@
             <a:fld id="{B61BEF0D-F0BB-DE4B-95CE-6DB70DBA9567}" type="datetimeFigureOut">
               <a:rPr lang="en-US" dirty="0"/>
               <a:pPr/>
-              <a:t>4/29/2021</a:t>
+              <a:t>5/5/2021</a:t>
             </a:fld>
             <a:endParaRPr lang="en-US" dirty="0"/>
           </a:p>
@@ -1920,7 +1921,7 @@
             <a:fld id="{B61BEF0D-F0BB-DE4B-95CE-6DB70DBA9567}" type="datetimeFigureOut">
               <a:rPr lang="en-US" dirty="0"/>
               <a:pPr/>
-              <a:t>4/29/2021</a:t>
+              <a:t>5/5/2021</a:t>
             </a:fld>
             <a:endParaRPr lang="en-US" dirty="0"/>
           </a:p>
@@ -2284,7 +2285,7 @@
             <a:fld id="{B61BEF0D-F0BB-DE4B-95CE-6DB70DBA9567}" type="datetimeFigureOut">
               <a:rPr lang="en-US" dirty="0"/>
               <a:pPr/>
-              <a:t>4/29/2021</a:t>
+              <a:t>5/5/2021</a:t>
             </a:fld>
             <a:endParaRPr lang="en-US" dirty="0"/>
           </a:p>
@@ -2455,7 +2456,7 @@
             <a:fld id="{B61BEF0D-F0BB-DE4B-95CE-6DB70DBA9567}" type="datetimeFigureOut">
               <a:rPr lang="en-US" dirty="0"/>
               <a:pPr/>
-              <a:t>4/29/2021</a:t>
+              <a:t>5/5/2021</a:t>
             </a:fld>
             <a:endParaRPr lang="en-US" dirty="0"/>
           </a:p>
@@ -2632,7 +2633,7 @@
             <a:fld id="{B61BEF0D-F0BB-DE4B-95CE-6DB70DBA9567}" type="datetimeFigureOut">
               <a:rPr lang="en-US" dirty="0"/>
               <a:pPr/>
-              <a:t>4/29/2021</a:t>
+              <a:t>5/5/2021</a:t>
             </a:fld>
             <a:endParaRPr lang="en-US" dirty="0"/>
           </a:p>
@@ -2799,7 +2800,7 @@
             <a:fld id="{B61BEF0D-F0BB-DE4B-95CE-6DB70DBA9567}" type="datetimeFigureOut">
               <a:rPr lang="en-US" dirty="0"/>
               <a:pPr/>
-              <a:t>4/29/2021</a:t>
+              <a:t>5/5/2021</a:t>
             </a:fld>
             <a:endParaRPr lang="en-US" dirty="0"/>
           </a:p>
@@ -3046,7 +3047,7 @@
             <a:fld id="{B61BEF0D-F0BB-DE4B-95CE-6DB70DBA9567}" type="datetimeFigureOut">
               <a:rPr lang="en-US" dirty="0"/>
               <a:pPr/>
-              <a:t>4/29/2021</a:t>
+              <a:t>5/5/2021</a:t>
             </a:fld>
             <a:endParaRPr lang="en-US" dirty="0"/>
           </a:p>
@@ -3279,7 +3280,7 @@
             <a:fld id="{B61BEF0D-F0BB-DE4B-95CE-6DB70DBA9567}" type="datetimeFigureOut">
               <a:rPr lang="en-US" dirty="0"/>
               <a:pPr/>
-              <a:t>4/29/2021</a:t>
+              <a:t>5/5/2021</a:t>
             </a:fld>
             <a:endParaRPr lang="en-US" dirty="0"/>
           </a:p>
@@ -3658,7 +3659,7 @@
             <a:fld id="{B61BEF0D-F0BB-DE4B-95CE-6DB70DBA9567}" type="datetimeFigureOut">
               <a:rPr lang="en-US" dirty="0"/>
               <a:pPr/>
-              <a:t>4/29/2021</a:t>
+              <a:t>5/5/2021</a:t>
             </a:fld>
             <a:endParaRPr lang="en-US" dirty="0"/>
           </a:p>
@@ -3773,7 +3774,7 @@
             <a:fld id="{B61BEF0D-F0BB-DE4B-95CE-6DB70DBA9567}" type="datetimeFigureOut">
               <a:rPr lang="en-US" dirty="0"/>
               <a:pPr/>
-              <a:t>4/29/2021</a:t>
+              <a:t>5/5/2021</a:t>
             </a:fld>
             <a:endParaRPr lang="en-US" dirty="0"/>
           </a:p>
@@ -3865,7 +3866,7 @@
             <a:fld id="{B61BEF0D-F0BB-DE4B-95CE-6DB70DBA9567}" type="datetimeFigureOut">
               <a:rPr lang="en-US" dirty="0"/>
               <a:pPr/>
-              <a:t>4/29/2021</a:t>
+              <a:t>5/5/2021</a:t>
             </a:fld>
             <a:endParaRPr lang="en-US" dirty="0"/>
           </a:p>
@@ -4117,7 +4118,7 @@
             <a:fld id="{B61BEF0D-F0BB-DE4B-95CE-6DB70DBA9567}" type="datetimeFigureOut">
               <a:rPr lang="en-US" dirty="0"/>
               <a:pPr/>
-              <a:t>4/29/2021</a:t>
+              <a:t>5/5/2021</a:t>
             </a:fld>
             <a:endParaRPr lang="en-US" dirty="0"/>
           </a:p>
@@ -4397,7 +4398,7 @@
             <a:fld id="{B61BEF0D-F0BB-DE4B-95CE-6DB70DBA9567}" type="datetimeFigureOut">
               <a:rPr lang="en-US" dirty="0"/>
               <a:pPr/>
-              <a:t>4/29/2021</a:t>
+              <a:t>5/5/2021</a:t>
             </a:fld>
             <a:endParaRPr lang="en-US" dirty="0"/>
           </a:p>
@@ -4800,7 +4801,7 @@
             <a:fld id="{B61BEF0D-F0BB-DE4B-95CE-6DB70DBA9567}" type="datetimeFigureOut">
               <a:rPr lang="en-US" dirty="0"/>
               <a:pPr/>
-              <a:t>4/29/2021</a:t>
+              <a:t>5/5/2021</a:t>
             </a:fld>
             <a:endParaRPr lang="en-US" dirty="0"/>
           </a:p>
@@ -5430,6 +5431,116 @@
           <p:cNvPr id="2" name="Titel 1">
             <a:extLst>
               <a:ext uri="{FF2B5EF4-FFF2-40B4-BE49-F238E27FC236}">
+                <a16:creationId xmlns:a16="http://schemas.microsoft.com/office/drawing/2014/main" id="{E0555699-1E6C-4654-B85E-903AB060E821}"/>
+              </a:ext>
+            </a:extLst>
+          </p:cNvPr>
+          <p:cNvSpPr>
+            <a:spLocks noGrp="1"/>
+          </p:cNvSpPr>
+          <p:nvPr>
+            <p:ph type="title"/>
+          </p:nvPr>
+        </p:nvSpPr>
+        <p:spPr/>
+        <p:txBody>
+          <a:bodyPr/>
+          <a:lstStyle/>
+          <a:p>
+            <a:endParaRPr lang="de-CH"/>
+          </a:p>
+        </p:txBody>
+      </p:sp>
+      <p:sp>
+        <p:nvSpPr>
+          <p:cNvPr id="3" name="Inhaltsplatzhalter 2">
+            <a:extLst>
+              <a:ext uri="{FF2B5EF4-FFF2-40B4-BE49-F238E27FC236}">
+                <a16:creationId xmlns:a16="http://schemas.microsoft.com/office/drawing/2014/main" id="{079343FE-2A4C-4F2D-A130-09D9913AD083}"/>
+              </a:ext>
+            </a:extLst>
+          </p:cNvPr>
+          <p:cNvSpPr>
+            <a:spLocks noGrp="1"/>
+          </p:cNvSpPr>
+          <p:nvPr>
+            <p:ph idx="1"/>
+          </p:nvPr>
+        </p:nvSpPr>
+        <p:spPr/>
+        <p:txBody>
+          <a:bodyPr/>
+          <a:lstStyle/>
+          <a:p>
+            <a:endParaRPr lang="de-CH"/>
+          </a:p>
+        </p:txBody>
+      </p:sp>
+      <p:pic>
+        <p:nvPicPr>
+          <p:cNvPr id="4" name="Grafik 3">
+            <a:extLst>
+              <a:ext uri="{FF2B5EF4-FFF2-40B4-BE49-F238E27FC236}">
+                <a16:creationId xmlns:a16="http://schemas.microsoft.com/office/drawing/2014/main" id="{B471916A-4327-418A-BF23-BAB629D42F3F}"/>
+              </a:ext>
+            </a:extLst>
+          </p:cNvPr>
+          <p:cNvPicPr>
+            <a:picLocks noChangeAspect="1"/>
+          </p:cNvPicPr>
+          <p:nvPr/>
+        </p:nvPicPr>
+        <p:blipFill>
+          <a:blip r:embed="rId2"/>
+          <a:stretch>
+            <a:fillRect/>
+          </a:stretch>
+        </p:blipFill>
+        <p:spPr>
+          <a:xfrm>
+            <a:off x="-7516368" y="-13256605"/>
+            <a:ext cx="19805671" cy="19675693"/>
+          </a:xfrm>
+          <a:prstGeom prst="rect">
+            <a:avLst/>
+          </a:prstGeom>
+        </p:spPr>
+      </p:pic>
+    </p:spTree>
+    <p:extLst>
+      <p:ext uri="{BB962C8B-B14F-4D97-AF65-F5344CB8AC3E}">
+        <p14:creationId xmlns:p14="http://schemas.microsoft.com/office/powerpoint/2010/main" val="4216228212"/>
+      </p:ext>
+    </p:extLst>
+  </p:cSld>
+  <p:clrMapOvr>
+    <a:masterClrMapping/>
+  </p:clrMapOvr>
+</p:sld>
+</file>
+
+<file path=ppt/slides/slide11.xml><?xml version="1.0" encoding="utf-8"?>
+<p:sld xmlns:a="http://schemas.openxmlformats.org/drawingml/2006/main" xmlns:r="http://schemas.openxmlformats.org/officeDocument/2006/relationships" xmlns:p="http://schemas.openxmlformats.org/presentationml/2006/main">
+  <p:cSld>
+    <p:spTree>
+      <p:nvGrpSpPr>
+        <p:cNvPr id="1" name=""/>
+        <p:cNvGrpSpPr/>
+        <p:nvPr/>
+      </p:nvGrpSpPr>
+      <p:grpSpPr>
+        <a:xfrm>
+          <a:off x="0" y="0"/>
+          <a:ext cx="0" cy="0"/>
+          <a:chOff x="0" y="0"/>
+          <a:chExt cx="0" cy="0"/>
+        </a:xfrm>
+      </p:grpSpPr>
+      <p:sp>
+        <p:nvSpPr>
+          <p:cNvPr id="2" name="Titel 1">
+            <a:extLst>
+              <a:ext uri="{FF2B5EF4-FFF2-40B4-BE49-F238E27FC236}">
                 <a16:creationId xmlns:a16="http://schemas.microsoft.com/office/drawing/2014/main" id="{27C7F61E-5705-45F5-8805-F012C2950C83}"/>
               </a:ext>
             </a:extLst>
@@ -5522,7 +5633,7 @@
 </p:sld>
 </file>
 
-<file path=ppt/slides/slide11.xml><?xml version="1.0" encoding="utf-8"?>
+<file path=ppt/slides/slide12.xml><?xml version="1.0" encoding="utf-8"?>
 <p:sld xmlns:a="http://schemas.openxmlformats.org/drawingml/2006/main" xmlns:r="http://schemas.openxmlformats.org/officeDocument/2006/relationships" xmlns:p="http://schemas.openxmlformats.org/presentationml/2006/main">
   <p:cSld>
     <p:spTree>
@@ -5642,7 +5753,7 @@
 </p:sld>
 </file>
 
-<file path=ppt/slides/slide12.xml><?xml version="1.0" encoding="utf-8"?>
+<file path=ppt/slides/slide13.xml><?xml version="1.0" encoding="utf-8"?>
 <p:sld xmlns:a="http://schemas.openxmlformats.org/drawingml/2006/main" xmlns:r="http://schemas.openxmlformats.org/officeDocument/2006/relationships" xmlns:p="http://schemas.openxmlformats.org/presentationml/2006/main">
   <p:cSld>
     <p:spTree>
@@ -5829,7 +5940,7 @@
 </p:sld>
 </file>
 
-<file path=ppt/slides/slide13.xml><?xml version="1.0" encoding="utf-8"?>
+<file path=ppt/slides/slide14.xml><?xml version="1.0" encoding="utf-8"?>
 <p:sld xmlns:a="http://schemas.openxmlformats.org/drawingml/2006/main" xmlns:r="http://schemas.openxmlformats.org/officeDocument/2006/relationships" xmlns:p="http://schemas.openxmlformats.org/presentationml/2006/main">
   <p:cSld>
     <p:spTree>
@@ -5979,7 +6090,7 @@
 </p:sld>
 </file>
 
-<file path=ppt/slides/slide14.xml><?xml version="1.0" encoding="utf-8"?>
+<file path=ppt/slides/slide15.xml><?xml version="1.0" encoding="utf-8"?>
 <p:sld xmlns:a="http://schemas.openxmlformats.org/drawingml/2006/main" xmlns:r="http://schemas.openxmlformats.org/officeDocument/2006/relationships" xmlns:p="http://schemas.openxmlformats.org/presentationml/2006/main">
   <p:cSld>
     <p:spTree>
@@ -6046,10 +6157,70 @@
           <a:bodyPr/>
           <a:lstStyle/>
           <a:p>
-            <a:endParaRPr lang="de-CH"/>
-          </a:p>
-        </p:txBody>
-      </p:sp>
+            <a:endParaRPr lang="de-CH" dirty="0"/>
+          </a:p>
+        </p:txBody>
+      </p:sp>
+      <p:pic>
+        <p:nvPicPr>
+          <p:cNvPr id="5" name="Grafik 4">
+            <a:extLst>
+              <a:ext uri="{FF2B5EF4-FFF2-40B4-BE49-F238E27FC236}">
+                <a16:creationId xmlns:a16="http://schemas.microsoft.com/office/drawing/2014/main" id="{093DCEA1-6D63-4D80-987E-546E3D812F43}"/>
+              </a:ext>
+            </a:extLst>
+          </p:cNvPr>
+          <p:cNvPicPr>
+            <a:picLocks noChangeAspect="1"/>
+          </p:cNvPicPr>
+          <p:nvPr/>
+        </p:nvPicPr>
+        <p:blipFill>
+          <a:blip r:embed="rId2"/>
+          <a:stretch>
+            <a:fillRect/>
+          </a:stretch>
+        </p:blipFill>
+        <p:spPr>
+          <a:xfrm>
+            <a:off x="1628497" y="3278459"/>
+            <a:ext cx="8669969" cy="849657"/>
+          </a:xfrm>
+          <a:prstGeom prst="rect">
+            <a:avLst/>
+          </a:prstGeom>
+        </p:spPr>
+      </p:pic>
+      <p:pic>
+        <p:nvPicPr>
+          <p:cNvPr id="6" name="Grafik 5">
+            <a:extLst>
+              <a:ext uri="{FF2B5EF4-FFF2-40B4-BE49-F238E27FC236}">
+                <a16:creationId xmlns:a16="http://schemas.microsoft.com/office/drawing/2014/main" id="{553C1B0D-4B8B-4546-BE35-109EA51BC9B5}"/>
+              </a:ext>
+            </a:extLst>
+          </p:cNvPr>
+          <p:cNvPicPr>
+            <a:picLocks noChangeAspect="1"/>
+          </p:cNvPicPr>
+          <p:nvPr/>
+        </p:nvPicPr>
+        <p:blipFill>
+          <a:blip r:embed="rId3"/>
+          <a:stretch>
+            <a:fillRect/>
+          </a:stretch>
+        </p:blipFill>
+        <p:spPr>
+          <a:xfrm>
+            <a:off x="3359457" y="685800"/>
+            <a:ext cx="4479525" cy="916266"/>
+          </a:xfrm>
+          <a:prstGeom prst="rect">
+            <a:avLst/>
+          </a:prstGeom>
+        </p:spPr>
+      </p:pic>
     </p:spTree>
     <p:extLst>
       <p:ext uri="{BB962C8B-B14F-4D97-AF65-F5344CB8AC3E}">
@@ -6063,7 +6234,7 @@
 </p:sld>
 </file>
 
-<file path=ppt/slides/slide15.xml><?xml version="1.0" encoding="utf-8"?>
+<file path=ppt/slides/slide16.xml><?xml version="1.0" encoding="utf-8"?>
 <p:sld xmlns:a="http://schemas.openxmlformats.org/drawingml/2006/main" xmlns:r="http://schemas.openxmlformats.org/officeDocument/2006/relationships" xmlns:p="http://schemas.openxmlformats.org/presentationml/2006/main">
   <p:cSld>
     <p:spTree>
@@ -6156,7 +6327,7 @@
         <p:spPr>
           <a:xfrm>
             <a:off x="518289" y="845265"/>
-            <a:ext cx="6583363" cy="570558"/>
+            <a:ext cx="11143618" cy="965780"/>
           </a:xfrm>
           <a:prstGeom prst="rect">
             <a:avLst/>
@@ -6185,8 +6356,8 @@
         </p:blipFill>
         <p:spPr>
           <a:xfrm>
-            <a:off x="518289" y="1602088"/>
-            <a:ext cx="4648200" cy="504825"/>
+            <a:off x="518289" y="2118255"/>
+            <a:ext cx="11149152" cy="1210871"/>
           </a:xfrm>
           <a:prstGeom prst="rect">
             <a:avLst/>
@@ -6206,7 +6377,7 @@
 </p:sld>
 </file>
 
-<file path=ppt/slides/slide16.xml><?xml version="1.0" encoding="utf-8"?>
+<file path=ppt/slides/slide17.xml><?xml version="1.0" encoding="utf-8"?>
 <p:sld xmlns:a="http://schemas.openxmlformats.org/drawingml/2006/main" xmlns:r="http://schemas.openxmlformats.org/officeDocument/2006/relationships" xmlns:p="http://schemas.openxmlformats.org/presentationml/2006/main">
   <p:cSld>
     <p:spTree>
@@ -6344,8 +6515,8 @@
         </p:blipFill>
         <p:spPr>
           <a:xfrm>
-            <a:off x="3008312" y="726018"/>
-            <a:ext cx="4648200" cy="504825"/>
+            <a:off x="2466575" y="673101"/>
+            <a:ext cx="6965997" cy="756553"/>
           </a:xfrm>
           <a:prstGeom prst="rect">
             <a:avLst/>
@@ -6665,7 +6836,7 @@
 </p:sld>
 </file>
 
-<file path=ppt/slides/slide17.xml><?xml version="1.0" encoding="utf-8"?>
+<file path=ppt/slides/slide18.xml><?xml version="1.0" encoding="utf-8"?>
 <p:sld xmlns:a="http://schemas.openxmlformats.org/drawingml/2006/main" xmlns:r="http://schemas.openxmlformats.org/officeDocument/2006/relationships" xmlns:p="http://schemas.openxmlformats.org/presentationml/2006/main">
   <p:cSld>
     <p:spTree>
@@ -6843,7 +7014,7 @@
 </p:sld>
 </file>
 
-<file path=ppt/slides/slide18.xml><?xml version="1.0" encoding="utf-8"?>
+<file path=ppt/slides/slide19.xml><?xml version="1.0" encoding="utf-8"?>
 <p:sld xmlns:a="http://schemas.openxmlformats.org/drawingml/2006/main" xmlns:r="http://schemas.openxmlformats.org/officeDocument/2006/relationships" xmlns:p="http://schemas.openxmlformats.org/presentationml/2006/main">
   <p:cSld>
     <p:spTree>
@@ -7189,6 +7360,457 @@
 </file>
 
 <file path=ppt/slides/slide4.xml><?xml version="1.0" encoding="utf-8"?>
+<p:sld xmlns:a="http://schemas.openxmlformats.org/drawingml/2006/main" xmlns:r="http://schemas.openxmlformats.org/officeDocument/2006/relationships" xmlns:p="http://schemas.openxmlformats.org/presentationml/2006/main">
+  <p:cSld>
+    <p:spTree>
+      <p:nvGrpSpPr>
+        <p:cNvPr id="1" name=""/>
+        <p:cNvGrpSpPr/>
+        <p:nvPr/>
+      </p:nvGrpSpPr>
+      <p:grpSpPr>
+        <a:xfrm>
+          <a:off x="0" y="0"/>
+          <a:ext cx="0" cy="0"/>
+          <a:chOff x="0" y="0"/>
+          <a:chExt cx="0" cy="0"/>
+        </a:xfrm>
+      </p:grpSpPr>
+      <p:sp>
+        <p:nvSpPr>
+          <p:cNvPr id="2" name="Titel 1">
+            <a:extLst>
+              <a:ext uri="{FF2B5EF4-FFF2-40B4-BE49-F238E27FC236}">
+                <a16:creationId xmlns:a16="http://schemas.microsoft.com/office/drawing/2014/main" id="{62C1AB17-4BDC-47FD-B8E4-1C4CFBA3BD73}"/>
+              </a:ext>
+            </a:extLst>
+          </p:cNvPr>
+          <p:cNvSpPr>
+            <a:spLocks noGrp="1"/>
+          </p:cNvSpPr>
+          <p:nvPr>
+            <p:ph type="title"/>
+          </p:nvPr>
+        </p:nvSpPr>
+        <p:spPr/>
+        <p:txBody>
+          <a:bodyPr/>
+          <a:lstStyle/>
+          <a:p>
+            <a:r>
+              <a:rPr lang="de-DE" dirty="0"/>
+              <a:t>Gan - Datenräume</a:t>
+            </a:r>
+            <a:endParaRPr lang="de-CH" dirty="0"/>
+          </a:p>
+        </p:txBody>
+      </p:sp>
+      <p:sp>
+        <p:nvSpPr>
+          <p:cNvPr id="3" name="Inhaltsplatzhalter 2">
+            <a:extLst>
+              <a:ext uri="{FF2B5EF4-FFF2-40B4-BE49-F238E27FC236}">
+                <a16:creationId xmlns:a16="http://schemas.microsoft.com/office/drawing/2014/main" id="{A07C6DAB-CB14-486C-80D5-9096B99A8A31}"/>
+              </a:ext>
+            </a:extLst>
+          </p:cNvPr>
+          <p:cNvSpPr>
+            <a:spLocks noGrp="1"/>
+          </p:cNvSpPr>
+          <p:nvPr>
+            <p:ph idx="1"/>
+          </p:nvPr>
+        </p:nvSpPr>
+        <p:spPr/>
+        <p:txBody>
+          <a:bodyPr/>
+          <a:lstStyle/>
+          <a:p>
+            <a:r>
+              <a:rPr lang="de-DE" dirty="0"/>
+              <a:t>Menge zufälliger Rauschsamples</a:t>
+            </a:r>
+          </a:p>
+          <a:p>
+            <a:r>
+              <a:rPr lang="de-CH" dirty="0"/>
+              <a:t>Menge generierter Samples</a:t>
+            </a:r>
+          </a:p>
+          <a:p>
+            <a:r>
+              <a:rPr lang="de-CH" dirty="0"/>
+              <a:t>Menge originaler Samples</a:t>
+            </a:r>
+          </a:p>
+        </p:txBody>
+      </p:sp>
+      <mc:AlternateContent xmlns:mc="http://schemas.openxmlformats.org/markup-compatibility/2006">
+        <mc:Choice xmlns:a14="http://schemas.microsoft.com/office/drawing/2010/main" Requires="a14">
+          <p:sp>
+            <p:nvSpPr>
+              <p:cNvPr id="4" name="Textfeld 3">
+                <a:extLst>
+                  <a:ext uri="{FF2B5EF4-FFF2-40B4-BE49-F238E27FC236}">
+                    <a16:creationId xmlns:a16="http://schemas.microsoft.com/office/drawing/2014/main" id="{BB3DD6BA-0231-4570-ADCA-A3F5749DDC6B}"/>
+                  </a:ext>
+                </a:extLst>
+              </p:cNvPr>
+              <p:cNvSpPr txBox="1"/>
+              <p:nvPr/>
+            </p:nvSpPr>
+            <p:spPr>
+              <a:xfrm>
+                <a:off x="5217547" y="1731944"/>
+                <a:ext cx="630493" cy="523220"/>
+              </a:xfrm>
+              <a:prstGeom prst="rect">
+                <a:avLst/>
+              </a:prstGeom>
+              <a:noFill/>
+            </p:spPr>
+            <p:txBody>
+              <a:bodyPr wrap="none" rtlCol="0">
+                <a:spAutoFit/>
+              </a:bodyPr>
+              <a:lstStyle/>
+              <a:p>
+                <a:pPr/>
+                <a14:m>
+                  <m:oMathPara xmlns:m="http://schemas.openxmlformats.org/officeDocument/2006/math">
+                    <m:oMathParaPr>
+                      <m:jc m:val="centerGroup"/>
+                    </m:oMathParaPr>
+                    <m:oMath xmlns:m="http://schemas.openxmlformats.org/officeDocument/2006/math">
+                      <m:sSub>
+                        <m:sSubPr>
+                          <m:ctrlPr>
+                            <a:rPr lang="de-DE" sz="2800" b="0" i="1" smtClean="0">
+                              <a:latin typeface="Cambria Math" panose="02040503050406030204" pitchFamily="18" charset="0"/>
+                              <a:ea typeface="Cambria Math" panose="02040503050406030204" pitchFamily="18" charset="0"/>
+                            </a:rPr>
+                          </m:ctrlPr>
+                        </m:sSubPr>
+                        <m:e>
+                          <m:r>
+                            <a:rPr lang="de-DE" sz="2800" b="0" i="1" smtClean="0">
+                              <a:latin typeface="Cambria Math" panose="02040503050406030204" pitchFamily="18" charset="0"/>
+                              <a:ea typeface="Cambria Math" panose="02040503050406030204" pitchFamily="18" charset="0"/>
+                            </a:rPr>
+                            <m:t>𝑝</m:t>
+                          </m:r>
+                        </m:e>
+                        <m:sub>
+                          <m:r>
+                            <a:rPr lang="de-DE" sz="2800" b="0" i="1" smtClean="0">
+                              <a:latin typeface="Cambria Math" panose="02040503050406030204" pitchFamily="18" charset="0"/>
+                              <a:ea typeface="Cambria Math" panose="02040503050406030204" pitchFamily="18" charset="0"/>
+                            </a:rPr>
+                            <m:t>𝑧</m:t>
+                          </m:r>
+                        </m:sub>
+                      </m:sSub>
+                    </m:oMath>
+                  </m:oMathPara>
+                </a14:m>
+                <a:endParaRPr lang="de-CH" sz="2800" dirty="0"/>
+              </a:p>
+            </p:txBody>
+          </p:sp>
+        </mc:Choice>
+        <mc:Fallback>
+          <p:sp>
+            <p:nvSpPr>
+              <p:cNvPr id="4" name="Textfeld 3">
+                <a:extLst>
+                  <a:ext uri="{FF2B5EF4-FFF2-40B4-BE49-F238E27FC236}">
+                    <a16:creationId xmlns:a16="http://schemas.microsoft.com/office/drawing/2014/main" id="{BB3DD6BA-0231-4570-ADCA-A3F5749DDC6B}"/>
+                  </a:ext>
+                </a:extLst>
+              </p:cNvPr>
+              <p:cNvSpPr txBox="1">
+                <a:spLocks noRot="1" noChangeAspect="1" noMove="1" noResize="1" noEditPoints="1" noAdjustHandles="1" noChangeArrowheads="1" noChangeShapeType="1" noTextEdit="1"/>
+              </p:cNvSpPr>
+              <p:nvPr/>
+            </p:nvSpPr>
+            <p:spPr>
+              <a:xfrm>
+                <a:off x="5217547" y="1731944"/>
+                <a:ext cx="630493" cy="523220"/>
+              </a:xfrm>
+              <a:prstGeom prst="rect">
+                <a:avLst/>
+              </a:prstGeom>
+              <a:blipFill>
+                <a:blip r:embed="rId2"/>
+                <a:stretch>
+                  <a:fillRect/>
+                </a:stretch>
+              </a:blipFill>
+            </p:spPr>
+            <p:txBody>
+              <a:bodyPr/>
+              <a:lstStyle/>
+              <a:p>
+                <a:r>
+                  <a:rPr lang="de-CH">
+                    <a:noFill/>
+                  </a:rPr>
+                  <a:t> </a:t>
+                </a:r>
+              </a:p>
+            </p:txBody>
+          </p:sp>
+        </mc:Fallback>
+      </mc:AlternateContent>
+      <mc:AlternateContent xmlns:mc="http://schemas.openxmlformats.org/markup-compatibility/2006">
+        <mc:Choice xmlns:a14="http://schemas.microsoft.com/office/drawing/2010/main" Requires="a14">
+          <p:sp>
+            <p:nvSpPr>
+              <p:cNvPr id="5" name="Textfeld 4">
+                <a:extLst>
+                  <a:ext uri="{FF2B5EF4-FFF2-40B4-BE49-F238E27FC236}">
+                    <a16:creationId xmlns:a16="http://schemas.microsoft.com/office/drawing/2014/main" id="{2BFC3368-C875-4182-A789-8CC858196BA0}"/>
+                  </a:ext>
+                </a:extLst>
+              </p:cNvPr>
+              <p:cNvSpPr txBox="1"/>
+              <p:nvPr/>
+            </p:nvSpPr>
+            <p:spPr>
+              <a:xfrm>
+                <a:off x="5217547" y="2587348"/>
+                <a:ext cx="1105046" cy="523220"/>
+              </a:xfrm>
+              <a:prstGeom prst="rect">
+                <a:avLst/>
+              </a:prstGeom>
+              <a:noFill/>
+            </p:spPr>
+            <p:txBody>
+              <a:bodyPr wrap="none" rtlCol="0">
+                <a:spAutoFit/>
+              </a:bodyPr>
+              <a:lstStyle/>
+              <a:p>
+                <a14:m>
+                  <m:oMathPara xmlns:m="http://schemas.openxmlformats.org/officeDocument/2006/math">
+                    <m:oMathParaPr>
+                      <m:jc m:val="centerGroup"/>
+                    </m:oMathParaPr>
+                    <m:oMath xmlns:m="http://schemas.openxmlformats.org/officeDocument/2006/math">
+                      <m:sSub>
+                        <m:sSubPr>
+                          <m:ctrlPr>
+                            <a:rPr lang="de-DE" sz="2800" b="0" i="1" smtClean="0">
+                              <a:latin typeface="Cambria Math" panose="02040503050406030204" pitchFamily="18" charset="0"/>
+                              <a:ea typeface="Cambria Math" panose="02040503050406030204" pitchFamily="18" charset="0"/>
+                            </a:rPr>
+                          </m:ctrlPr>
+                        </m:sSubPr>
+                        <m:e>
+                          <m:r>
+                            <a:rPr lang="de-DE" sz="2800" b="0" i="1" smtClean="0">
+                              <a:latin typeface="Cambria Math" panose="02040503050406030204" pitchFamily="18" charset="0"/>
+                              <a:ea typeface="Cambria Math" panose="02040503050406030204" pitchFamily="18" charset="0"/>
+                            </a:rPr>
+                            <m:t>𝑝</m:t>
+                          </m:r>
+                        </m:e>
+                        <m:sub>
+                          <m:r>
+                            <a:rPr lang="de-DE" sz="2800" b="0" i="1" smtClean="0">
+                              <a:latin typeface="Cambria Math" panose="02040503050406030204" pitchFamily="18" charset="0"/>
+                              <a:ea typeface="Cambria Math" panose="02040503050406030204" pitchFamily="18" charset="0"/>
+                            </a:rPr>
+                            <m:t>𝑑𝑎𝑡𝑎</m:t>
+                          </m:r>
+                        </m:sub>
+                      </m:sSub>
+                    </m:oMath>
+                  </m:oMathPara>
+                </a14:m>
+                <a:endParaRPr lang="de-CH" sz="2400" dirty="0"/>
+              </a:p>
+            </p:txBody>
+          </p:sp>
+        </mc:Choice>
+        <mc:Fallback>
+          <p:sp>
+            <p:nvSpPr>
+              <p:cNvPr id="5" name="Textfeld 4">
+                <a:extLst>
+                  <a:ext uri="{FF2B5EF4-FFF2-40B4-BE49-F238E27FC236}">
+                    <a16:creationId xmlns:a16="http://schemas.microsoft.com/office/drawing/2014/main" id="{2BFC3368-C875-4182-A789-8CC858196BA0}"/>
+                  </a:ext>
+                </a:extLst>
+              </p:cNvPr>
+              <p:cNvSpPr txBox="1">
+                <a:spLocks noRot="1" noChangeAspect="1" noMove="1" noResize="1" noEditPoints="1" noAdjustHandles="1" noChangeArrowheads="1" noChangeShapeType="1" noTextEdit="1"/>
+              </p:cNvSpPr>
+              <p:nvPr/>
+            </p:nvSpPr>
+            <p:spPr>
+              <a:xfrm>
+                <a:off x="5217547" y="2587348"/>
+                <a:ext cx="1105046" cy="523220"/>
+              </a:xfrm>
+              <a:prstGeom prst="rect">
+                <a:avLst/>
+              </a:prstGeom>
+              <a:blipFill>
+                <a:blip r:embed="rId3"/>
+                <a:stretch>
+                  <a:fillRect/>
+                </a:stretch>
+              </a:blipFill>
+            </p:spPr>
+            <p:txBody>
+              <a:bodyPr/>
+              <a:lstStyle/>
+              <a:p>
+                <a:r>
+                  <a:rPr lang="de-CH">
+                    <a:noFill/>
+                  </a:rPr>
+                  <a:t> </a:t>
+                </a:r>
+              </a:p>
+            </p:txBody>
+          </p:sp>
+        </mc:Fallback>
+      </mc:AlternateContent>
+      <mc:AlternateContent xmlns:mc="http://schemas.openxmlformats.org/markup-compatibility/2006">
+        <mc:Choice xmlns:a14="http://schemas.microsoft.com/office/drawing/2010/main" Requires="a14">
+          <p:sp>
+            <p:nvSpPr>
+              <p:cNvPr id="6" name="Textfeld 5">
+                <a:extLst>
+                  <a:ext uri="{FF2B5EF4-FFF2-40B4-BE49-F238E27FC236}">
+                    <a16:creationId xmlns:a16="http://schemas.microsoft.com/office/drawing/2014/main" id="{ACB7CCD6-4DD9-4A8D-B927-611AD4344A55}"/>
+                  </a:ext>
+                </a:extLst>
+              </p:cNvPr>
+              <p:cNvSpPr txBox="1"/>
+              <p:nvPr/>
+            </p:nvSpPr>
+            <p:spPr>
+              <a:xfrm>
+                <a:off x="5217547" y="2164920"/>
+                <a:ext cx="662874" cy="558230"/>
+              </a:xfrm>
+              <a:prstGeom prst="rect">
+                <a:avLst/>
+              </a:prstGeom>
+              <a:noFill/>
+            </p:spPr>
+            <p:txBody>
+              <a:bodyPr wrap="none" rtlCol="0">
+                <a:spAutoFit/>
+              </a:bodyPr>
+              <a:lstStyle/>
+              <a:p>
+                <a14:m>
+                  <m:oMathPara xmlns:m="http://schemas.openxmlformats.org/officeDocument/2006/math">
+                    <m:oMathParaPr>
+                      <m:jc m:val="centerGroup"/>
+                    </m:oMathParaPr>
+                    <m:oMath xmlns:m="http://schemas.openxmlformats.org/officeDocument/2006/math">
+                      <m:sSub>
+                        <m:sSubPr>
+                          <m:ctrlPr>
+                            <a:rPr lang="de-DE" sz="2800" b="0" i="1" smtClean="0">
+                              <a:latin typeface="Cambria Math" panose="02040503050406030204" pitchFamily="18" charset="0"/>
+                              <a:ea typeface="Cambria Math" panose="02040503050406030204" pitchFamily="18" charset="0"/>
+                            </a:rPr>
+                          </m:ctrlPr>
+                        </m:sSubPr>
+                        <m:e>
+                          <m:r>
+                            <a:rPr lang="de-DE" sz="2800" b="0" i="1" smtClean="0">
+                              <a:latin typeface="Cambria Math" panose="02040503050406030204" pitchFamily="18" charset="0"/>
+                              <a:ea typeface="Cambria Math" panose="02040503050406030204" pitchFamily="18" charset="0"/>
+                            </a:rPr>
+                            <m:t>𝑝</m:t>
+                          </m:r>
+                        </m:e>
+                        <m:sub>
+                          <m:r>
+                            <a:rPr lang="de-DE" sz="2800" b="0" i="1" smtClean="0">
+                              <a:latin typeface="Cambria Math" panose="02040503050406030204" pitchFamily="18" charset="0"/>
+                              <a:ea typeface="Cambria Math" panose="02040503050406030204" pitchFamily="18" charset="0"/>
+                            </a:rPr>
+                            <m:t>𝑔</m:t>
+                          </m:r>
+                        </m:sub>
+                      </m:sSub>
+                    </m:oMath>
+                  </m:oMathPara>
+                </a14:m>
+                <a:endParaRPr lang="de-CH" sz="2400" dirty="0"/>
+              </a:p>
+            </p:txBody>
+          </p:sp>
+        </mc:Choice>
+        <mc:Fallback>
+          <p:sp>
+            <p:nvSpPr>
+              <p:cNvPr id="6" name="Textfeld 5">
+                <a:extLst>
+                  <a:ext uri="{FF2B5EF4-FFF2-40B4-BE49-F238E27FC236}">
+                    <a16:creationId xmlns:a16="http://schemas.microsoft.com/office/drawing/2014/main" id="{ACB7CCD6-4DD9-4A8D-B927-611AD4344A55}"/>
+                  </a:ext>
+                </a:extLst>
+              </p:cNvPr>
+              <p:cNvSpPr txBox="1">
+                <a:spLocks noRot="1" noChangeAspect="1" noMove="1" noResize="1" noEditPoints="1" noAdjustHandles="1" noChangeArrowheads="1" noChangeShapeType="1" noTextEdit="1"/>
+              </p:cNvSpPr>
+              <p:nvPr/>
+            </p:nvSpPr>
+            <p:spPr>
+              <a:xfrm>
+                <a:off x="5217547" y="2164920"/>
+                <a:ext cx="662874" cy="558230"/>
+              </a:xfrm>
+              <a:prstGeom prst="rect">
+                <a:avLst/>
+              </a:prstGeom>
+              <a:blipFill>
+                <a:blip r:embed="rId4"/>
+                <a:stretch>
+                  <a:fillRect/>
+                </a:stretch>
+              </a:blipFill>
+            </p:spPr>
+            <p:txBody>
+              <a:bodyPr/>
+              <a:lstStyle/>
+              <a:p>
+                <a:r>
+                  <a:rPr lang="de-CH">
+                    <a:noFill/>
+                  </a:rPr>
+                  <a:t> </a:t>
+                </a:r>
+              </a:p>
+            </p:txBody>
+          </p:sp>
+        </mc:Fallback>
+      </mc:AlternateContent>
+    </p:spTree>
+    <p:extLst>
+      <p:ext uri="{BB962C8B-B14F-4D97-AF65-F5344CB8AC3E}">
+        <p14:creationId xmlns:p14="http://schemas.microsoft.com/office/powerpoint/2010/main" val="2456606818"/>
+      </p:ext>
+    </p:extLst>
+  </p:cSld>
+  <p:clrMapOvr>
+    <a:masterClrMapping/>
+  </p:clrMapOvr>
+</p:sld>
+</file>
+
+<file path=ppt/slides/slide5.xml><?xml version="1.0" encoding="utf-8"?>
 <p:sld xmlns:a="http://schemas.openxmlformats.org/drawingml/2006/main" xmlns:r="http://schemas.openxmlformats.org/officeDocument/2006/relationships" xmlns:p="http://schemas.openxmlformats.org/presentationml/2006/main">
   <p:cSld>
     <p:spTree>
@@ -7815,6 +8437,351 @@
           </p:sp>
         </mc:Fallback>
       </mc:AlternateContent>
+      <p:sp>
+        <p:nvSpPr>
+          <p:cNvPr id="4" name="Textfeld 3">
+            <a:extLst>
+              <a:ext uri="{FF2B5EF4-FFF2-40B4-BE49-F238E27FC236}">
+                <a16:creationId xmlns:a16="http://schemas.microsoft.com/office/drawing/2014/main" id="{08B6087F-1D46-4A53-88E6-81986FF24829}"/>
+              </a:ext>
+            </a:extLst>
+          </p:cNvPr>
+          <p:cNvSpPr txBox="1"/>
+          <p:nvPr/>
+        </p:nvSpPr>
+        <p:spPr>
+          <a:xfrm>
+            <a:off x="9475860" y="198323"/>
+            <a:ext cx="806631" cy="2215991"/>
+          </a:xfrm>
+          <a:prstGeom prst="rect">
+            <a:avLst/>
+          </a:prstGeom>
+          <a:noFill/>
+        </p:spPr>
+        <p:txBody>
+          <a:bodyPr wrap="none" rtlCol="0">
+            <a:spAutoFit/>
+          </a:bodyPr>
+          <a:lstStyle/>
+          <a:p>
+            <a:r>
+              <a:rPr lang="de-DE" sz="13800" dirty="0"/>
+              <a:t>}</a:t>
+            </a:r>
+            <a:endParaRPr lang="de-CH" sz="13800" dirty="0"/>
+          </a:p>
+        </p:txBody>
+      </p:sp>
+      <mc:AlternateContent xmlns:mc="http://schemas.openxmlformats.org/markup-compatibility/2006">
+        <mc:Choice xmlns:a14="http://schemas.microsoft.com/office/drawing/2010/main" Requires="a14">
+          <p:sp>
+            <p:nvSpPr>
+              <p:cNvPr id="15" name="Textfeld 14">
+                <a:extLst>
+                  <a:ext uri="{FF2B5EF4-FFF2-40B4-BE49-F238E27FC236}">
+                    <a16:creationId xmlns:a16="http://schemas.microsoft.com/office/drawing/2014/main" id="{7C101E35-A815-4C6C-86B1-5C448EFCD6E7}"/>
+                  </a:ext>
+                </a:extLst>
+              </p:cNvPr>
+              <p:cNvSpPr txBox="1"/>
+              <p:nvPr/>
+            </p:nvSpPr>
+            <p:spPr>
+              <a:xfrm>
+                <a:off x="10144664" y="1286323"/>
+                <a:ext cx="750718" cy="391902"/>
+              </a:xfrm>
+              <a:prstGeom prst="rect">
+                <a:avLst/>
+              </a:prstGeom>
+              <a:noFill/>
+            </p:spPr>
+            <p:txBody>
+              <a:bodyPr wrap="none" rtlCol="0">
+                <a:spAutoFit/>
+              </a:bodyPr>
+              <a:lstStyle/>
+              <a:p>
+                <a14:m>
+                  <m:oMathPara xmlns:m="http://schemas.openxmlformats.org/officeDocument/2006/math">
+                    <m:oMathParaPr>
+                      <m:jc m:val="centerGroup"/>
+                    </m:oMathParaPr>
+                    <m:oMath xmlns:m="http://schemas.openxmlformats.org/officeDocument/2006/math">
+                      <m:r>
+                        <a:rPr lang="de-DE" b="0" i="1" smtClean="0">
+                          <a:latin typeface="Cambria Math" panose="02040503050406030204" pitchFamily="18" charset="0"/>
+                        </a:rPr>
+                        <m:t> </m:t>
+                      </m:r>
+                      <m:r>
+                        <a:rPr lang="de-DE" b="0" i="1" smtClean="0">
+                          <a:latin typeface="Cambria Math" panose="02040503050406030204" pitchFamily="18" charset="0"/>
+                          <a:ea typeface="Cambria Math" panose="02040503050406030204" pitchFamily="18" charset="0"/>
+                        </a:rPr>
+                        <m:t>∈</m:t>
+                      </m:r>
+                      <m:sSub>
+                        <m:sSubPr>
+                          <m:ctrlPr>
+                            <a:rPr lang="de-DE" b="0" i="1" smtClean="0">
+                              <a:latin typeface="Cambria Math" panose="02040503050406030204" pitchFamily="18" charset="0"/>
+                              <a:ea typeface="Cambria Math" panose="02040503050406030204" pitchFamily="18" charset="0"/>
+                            </a:rPr>
+                          </m:ctrlPr>
+                        </m:sSubPr>
+                        <m:e>
+                          <m:r>
+                            <a:rPr lang="de-DE" b="0" i="1" smtClean="0">
+                              <a:latin typeface="Cambria Math" panose="02040503050406030204" pitchFamily="18" charset="0"/>
+                              <a:ea typeface="Cambria Math" panose="02040503050406030204" pitchFamily="18" charset="0"/>
+                            </a:rPr>
+                            <m:t>𝑝</m:t>
+                          </m:r>
+                        </m:e>
+                        <m:sub>
+                          <m:r>
+                            <a:rPr lang="de-DE" b="0" i="1" smtClean="0">
+                              <a:latin typeface="Cambria Math" panose="02040503050406030204" pitchFamily="18" charset="0"/>
+                              <a:ea typeface="Cambria Math" panose="02040503050406030204" pitchFamily="18" charset="0"/>
+                            </a:rPr>
+                            <m:t>𝑔</m:t>
+                          </m:r>
+                        </m:sub>
+                      </m:sSub>
+                    </m:oMath>
+                  </m:oMathPara>
+                </a14:m>
+                <a:endParaRPr lang="de-CH" dirty="0"/>
+              </a:p>
+            </p:txBody>
+          </p:sp>
+        </mc:Choice>
+        <mc:Fallback>
+          <p:sp>
+            <p:nvSpPr>
+              <p:cNvPr id="15" name="Textfeld 14">
+                <a:extLst>
+                  <a:ext uri="{FF2B5EF4-FFF2-40B4-BE49-F238E27FC236}">
+                    <a16:creationId xmlns:a16="http://schemas.microsoft.com/office/drawing/2014/main" id="{7C101E35-A815-4C6C-86B1-5C448EFCD6E7}"/>
+                  </a:ext>
+                </a:extLst>
+              </p:cNvPr>
+              <p:cNvSpPr txBox="1">
+                <a:spLocks noRot="1" noChangeAspect="1" noMove="1" noResize="1" noEditPoints="1" noAdjustHandles="1" noChangeArrowheads="1" noChangeShapeType="1" noTextEdit="1"/>
+              </p:cNvSpPr>
+              <p:nvPr/>
+            </p:nvSpPr>
+            <p:spPr>
+              <a:xfrm>
+                <a:off x="10144664" y="1286323"/>
+                <a:ext cx="750718" cy="391902"/>
+              </a:xfrm>
+              <a:prstGeom prst="rect">
+                <a:avLst/>
+              </a:prstGeom>
+              <a:blipFill>
+                <a:blip r:embed="rId8"/>
+                <a:stretch>
+                  <a:fillRect b="-6250"/>
+                </a:stretch>
+              </a:blipFill>
+            </p:spPr>
+            <p:txBody>
+              <a:bodyPr/>
+              <a:lstStyle/>
+              <a:p>
+                <a:r>
+                  <a:rPr lang="de-CH">
+                    <a:noFill/>
+                  </a:rPr>
+                  <a:t> </a:t>
+                </a:r>
+              </a:p>
+            </p:txBody>
+          </p:sp>
+        </mc:Fallback>
+      </mc:AlternateContent>
+      <mc:AlternateContent xmlns:mc="http://schemas.openxmlformats.org/markup-compatibility/2006">
+        <mc:Choice xmlns:a14="http://schemas.microsoft.com/office/drawing/2010/main" Requires="a14">
+          <p:sp>
+            <p:nvSpPr>
+              <p:cNvPr id="16" name="Textfeld 15">
+                <a:extLst>
+                  <a:ext uri="{FF2B5EF4-FFF2-40B4-BE49-F238E27FC236}">
+                    <a16:creationId xmlns:a16="http://schemas.microsoft.com/office/drawing/2014/main" id="{1129C1D5-1312-404C-B73B-B7AF217EA1B3}"/>
+                  </a:ext>
+                </a:extLst>
+              </p:cNvPr>
+              <p:cNvSpPr txBox="1"/>
+              <p:nvPr/>
+            </p:nvSpPr>
+            <p:spPr>
+              <a:xfrm>
+                <a:off x="3390706" y="4301067"/>
+                <a:ext cx="1618135" cy="391902"/>
+              </a:xfrm>
+              <a:prstGeom prst="rect">
+                <a:avLst/>
+              </a:prstGeom>
+              <a:noFill/>
+            </p:spPr>
+            <p:txBody>
+              <a:bodyPr wrap="none" rtlCol="0">
+                <a:spAutoFit/>
+              </a:bodyPr>
+              <a:lstStyle/>
+              <a:p>
+                <a14:m>
+                  <m:oMathPara xmlns:m="http://schemas.openxmlformats.org/officeDocument/2006/math">
+                    <m:oMathParaPr>
+                      <m:jc m:val="centerGroup"/>
+                    </m:oMathParaPr>
+                    <m:oMath xmlns:m="http://schemas.openxmlformats.org/officeDocument/2006/math">
+                      <m:r>
+                        <a:rPr lang="de-DE" b="0" i="1" smtClean="0">
+                          <a:latin typeface="Cambria Math" panose="02040503050406030204" pitchFamily="18" charset="0"/>
+                        </a:rPr>
+                        <m:t> </m:t>
+                      </m:r>
+                      <m:r>
+                        <a:rPr lang="de-DE" b="0" i="1" smtClean="0">
+                          <a:latin typeface="Cambria Math" panose="02040503050406030204" pitchFamily="18" charset="0"/>
+                          <a:ea typeface="Cambria Math" panose="02040503050406030204" pitchFamily="18" charset="0"/>
+                        </a:rPr>
+                        <m:t>∈</m:t>
+                      </m:r>
+                      <m:sSub>
+                        <m:sSubPr>
+                          <m:ctrlPr>
+                            <a:rPr lang="de-DE" b="0" i="1" smtClean="0">
+                              <a:latin typeface="Cambria Math" panose="02040503050406030204" pitchFamily="18" charset="0"/>
+                              <a:ea typeface="Cambria Math" panose="02040503050406030204" pitchFamily="18" charset="0"/>
+                            </a:rPr>
+                          </m:ctrlPr>
+                        </m:sSubPr>
+                        <m:e>
+                          <m:r>
+                            <a:rPr lang="de-DE" b="0" i="1" smtClean="0">
+                              <a:latin typeface="Cambria Math" panose="02040503050406030204" pitchFamily="18" charset="0"/>
+                              <a:ea typeface="Cambria Math" panose="02040503050406030204" pitchFamily="18" charset="0"/>
+                            </a:rPr>
+                            <m:t>𝑝</m:t>
+                          </m:r>
+                        </m:e>
+                        <m:sub>
+                          <m:r>
+                            <a:rPr lang="de-DE" b="0" i="1" smtClean="0">
+                              <a:latin typeface="Cambria Math" panose="02040503050406030204" pitchFamily="18" charset="0"/>
+                              <a:ea typeface="Cambria Math" panose="02040503050406030204" pitchFamily="18" charset="0"/>
+                            </a:rPr>
+                            <m:t>𝑑𝑎𝑡𝑎</m:t>
+                          </m:r>
+                        </m:sub>
+                      </m:sSub>
+                      <m:r>
+                        <a:rPr lang="de-DE" b="0" i="1" smtClean="0">
+                          <a:latin typeface="Cambria Math" panose="02040503050406030204" pitchFamily="18" charset="0"/>
+                          <a:ea typeface="Cambria Math" panose="02040503050406030204" pitchFamily="18" charset="0"/>
+                        </a:rPr>
+                        <m:t> </m:t>
+                      </m:r>
+                      <m:r>
+                        <a:rPr lang="de-DE" b="0" i="1" smtClean="0">
+                          <a:latin typeface="Cambria Math" panose="02040503050406030204" pitchFamily="18" charset="0"/>
+                          <a:ea typeface="Cambria Math" panose="02040503050406030204" pitchFamily="18" charset="0"/>
+                        </a:rPr>
+                        <m:t>𝑜𝑟</m:t>
+                      </m:r>
+                      <m:r>
+                        <a:rPr lang="de-DE" b="0" i="1" smtClean="0">
+                          <a:latin typeface="Cambria Math" panose="02040503050406030204" pitchFamily="18" charset="0"/>
+                          <a:ea typeface="Cambria Math" panose="02040503050406030204" pitchFamily="18" charset="0"/>
+                        </a:rPr>
+                        <m:t> </m:t>
+                      </m:r>
+                      <m:sSub>
+                        <m:sSubPr>
+                          <m:ctrlPr>
+                            <a:rPr lang="de-DE" b="0" i="1" smtClean="0">
+                              <a:latin typeface="Cambria Math" panose="02040503050406030204" pitchFamily="18" charset="0"/>
+                              <a:ea typeface="Cambria Math" panose="02040503050406030204" pitchFamily="18" charset="0"/>
+                            </a:rPr>
+                          </m:ctrlPr>
+                        </m:sSubPr>
+                        <m:e>
+                          <m:r>
+                            <a:rPr lang="de-DE" b="0" i="1" smtClean="0">
+                              <a:latin typeface="Cambria Math" panose="02040503050406030204" pitchFamily="18" charset="0"/>
+                              <a:ea typeface="Cambria Math" panose="02040503050406030204" pitchFamily="18" charset="0"/>
+                            </a:rPr>
+                            <m:t>𝑝</m:t>
+                          </m:r>
+                        </m:e>
+                        <m:sub>
+                          <m:r>
+                            <a:rPr lang="de-DE" b="0" i="1" smtClean="0">
+                              <a:latin typeface="Cambria Math" panose="02040503050406030204" pitchFamily="18" charset="0"/>
+                              <a:ea typeface="Cambria Math" panose="02040503050406030204" pitchFamily="18" charset="0"/>
+                            </a:rPr>
+                            <m:t>𝑔</m:t>
+                          </m:r>
+                        </m:sub>
+                      </m:sSub>
+                    </m:oMath>
+                  </m:oMathPara>
+                </a14:m>
+                <a:endParaRPr lang="de-CH" dirty="0"/>
+              </a:p>
+            </p:txBody>
+          </p:sp>
+        </mc:Choice>
+        <mc:Fallback>
+          <p:sp>
+            <p:nvSpPr>
+              <p:cNvPr id="16" name="Textfeld 15">
+                <a:extLst>
+                  <a:ext uri="{FF2B5EF4-FFF2-40B4-BE49-F238E27FC236}">
+                    <a16:creationId xmlns:a16="http://schemas.microsoft.com/office/drawing/2014/main" id="{1129C1D5-1312-404C-B73B-B7AF217EA1B3}"/>
+                  </a:ext>
+                </a:extLst>
+              </p:cNvPr>
+              <p:cNvSpPr txBox="1">
+                <a:spLocks noRot="1" noChangeAspect="1" noMove="1" noResize="1" noEditPoints="1" noAdjustHandles="1" noChangeArrowheads="1" noChangeShapeType="1" noTextEdit="1"/>
+              </p:cNvSpPr>
+              <p:nvPr/>
+            </p:nvSpPr>
+            <p:spPr>
+              <a:xfrm>
+                <a:off x="3390706" y="4301067"/>
+                <a:ext cx="1618135" cy="391902"/>
+              </a:xfrm>
+              <a:prstGeom prst="rect">
+                <a:avLst/>
+              </a:prstGeom>
+              <a:blipFill>
+                <a:blip r:embed="rId9"/>
+                <a:stretch>
+                  <a:fillRect b="-6250"/>
+                </a:stretch>
+              </a:blipFill>
+            </p:spPr>
+            <p:txBody>
+              <a:bodyPr/>
+              <a:lstStyle/>
+              <a:p>
+                <a:r>
+                  <a:rPr lang="de-CH">
+                    <a:noFill/>
+                  </a:rPr>
+                  <a:t> </a:t>
+                </a:r>
+              </a:p>
+            </p:txBody>
+          </p:sp>
+        </mc:Fallback>
+      </mc:AlternateContent>
     </p:spTree>
     <p:extLst>
       <p:ext uri="{BB962C8B-B14F-4D97-AF65-F5344CB8AC3E}">
@@ -7828,7 +8795,7 @@
 </p:sld>
 </file>
 
-<file path=ppt/slides/slide5.xml><?xml version="1.0" encoding="utf-8"?>
+<file path=ppt/slides/slide6.xml><?xml version="1.0" encoding="utf-8"?>
 <p:sld xmlns:a="http://schemas.openxmlformats.org/drawingml/2006/main" xmlns:r="http://schemas.openxmlformats.org/officeDocument/2006/relationships" xmlns:p="http://schemas.openxmlformats.org/presentationml/2006/main">
   <p:cSld>
     <p:spTree>
@@ -7938,7 +8905,7 @@
 </p:sld>
 </file>
 
-<file path=ppt/slides/slide6.xml><?xml version="1.0" encoding="utf-8"?>
+<file path=ppt/slides/slide7.xml><?xml version="1.0" encoding="utf-8"?>
 <p:sld xmlns:a="http://schemas.openxmlformats.org/drawingml/2006/main" xmlns:r="http://schemas.openxmlformats.org/officeDocument/2006/relationships" xmlns:p="http://schemas.openxmlformats.org/presentationml/2006/main">
   <p:cSld>
     <p:spTree>
@@ -8048,7 +9015,7 @@
 </p:sld>
 </file>
 
-<file path=ppt/slides/slide7.xml><?xml version="1.0" encoding="utf-8"?>
+<file path=ppt/slides/slide8.xml><?xml version="1.0" encoding="utf-8"?>
 <p:sld xmlns:a="http://schemas.openxmlformats.org/drawingml/2006/main" xmlns:r="http://schemas.openxmlformats.org/officeDocument/2006/relationships" xmlns:p="http://schemas.openxmlformats.org/presentationml/2006/main">
   <p:cSld>
     <p:spTree>
@@ -8158,7 +9125,7 @@
 </p:sld>
 </file>
 
-<file path=ppt/slides/slide8.xml><?xml version="1.0" encoding="utf-8"?>
+<file path=ppt/slides/slide9.xml><?xml version="1.0" encoding="utf-8"?>
 <p:sld xmlns:a="http://schemas.openxmlformats.org/drawingml/2006/main" xmlns:r="http://schemas.openxmlformats.org/officeDocument/2006/relationships" xmlns:p="http://schemas.openxmlformats.org/presentationml/2006/main">
   <p:cSld>
     <p:spTree>
@@ -8259,116 +9226,6 @@
     <p:extLst>
       <p:ext uri="{BB962C8B-B14F-4D97-AF65-F5344CB8AC3E}">
         <p14:creationId xmlns:p14="http://schemas.microsoft.com/office/powerpoint/2010/main" val="3607469311"/>
-      </p:ext>
-    </p:extLst>
-  </p:cSld>
-  <p:clrMapOvr>
-    <a:masterClrMapping/>
-  </p:clrMapOvr>
-</p:sld>
-</file>
-
-<file path=ppt/slides/slide9.xml><?xml version="1.0" encoding="utf-8"?>
-<p:sld xmlns:a="http://schemas.openxmlformats.org/drawingml/2006/main" xmlns:r="http://schemas.openxmlformats.org/officeDocument/2006/relationships" xmlns:p="http://schemas.openxmlformats.org/presentationml/2006/main">
-  <p:cSld>
-    <p:spTree>
-      <p:nvGrpSpPr>
-        <p:cNvPr id="1" name=""/>
-        <p:cNvGrpSpPr/>
-        <p:nvPr/>
-      </p:nvGrpSpPr>
-      <p:grpSpPr>
-        <a:xfrm>
-          <a:off x="0" y="0"/>
-          <a:ext cx="0" cy="0"/>
-          <a:chOff x="0" y="0"/>
-          <a:chExt cx="0" cy="0"/>
-        </a:xfrm>
-      </p:grpSpPr>
-      <p:sp>
-        <p:nvSpPr>
-          <p:cNvPr id="2" name="Titel 1">
-            <a:extLst>
-              <a:ext uri="{FF2B5EF4-FFF2-40B4-BE49-F238E27FC236}">
-                <a16:creationId xmlns:a16="http://schemas.microsoft.com/office/drawing/2014/main" id="{E0555699-1E6C-4654-B85E-903AB060E821}"/>
-              </a:ext>
-            </a:extLst>
-          </p:cNvPr>
-          <p:cNvSpPr>
-            <a:spLocks noGrp="1"/>
-          </p:cNvSpPr>
-          <p:nvPr>
-            <p:ph type="title"/>
-          </p:nvPr>
-        </p:nvSpPr>
-        <p:spPr/>
-        <p:txBody>
-          <a:bodyPr/>
-          <a:lstStyle/>
-          <a:p>
-            <a:endParaRPr lang="de-CH"/>
-          </a:p>
-        </p:txBody>
-      </p:sp>
-      <p:sp>
-        <p:nvSpPr>
-          <p:cNvPr id="3" name="Inhaltsplatzhalter 2">
-            <a:extLst>
-              <a:ext uri="{FF2B5EF4-FFF2-40B4-BE49-F238E27FC236}">
-                <a16:creationId xmlns:a16="http://schemas.microsoft.com/office/drawing/2014/main" id="{079343FE-2A4C-4F2D-A130-09D9913AD083}"/>
-              </a:ext>
-            </a:extLst>
-          </p:cNvPr>
-          <p:cNvSpPr>
-            <a:spLocks noGrp="1"/>
-          </p:cNvSpPr>
-          <p:nvPr>
-            <p:ph idx="1"/>
-          </p:nvPr>
-        </p:nvSpPr>
-        <p:spPr/>
-        <p:txBody>
-          <a:bodyPr/>
-          <a:lstStyle/>
-          <a:p>
-            <a:endParaRPr lang="de-CH"/>
-          </a:p>
-        </p:txBody>
-      </p:sp>
-      <p:pic>
-        <p:nvPicPr>
-          <p:cNvPr id="4" name="Grafik 3">
-            <a:extLst>
-              <a:ext uri="{FF2B5EF4-FFF2-40B4-BE49-F238E27FC236}">
-                <a16:creationId xmlns:a16="http://schemas.microsoft.com/office/drawing/2014/main" id="{B471916A-4327-418A-BF23-BAB629D42F3F}"/>
-              </a:ext>
-            </a:extLst>
-          </p:cNvPr>
-          <p:cNvPicPr>
-            <a:picLocks noChangeAspect="1"/>
-          </p:cNvPicPr>
-          <p:nvPr/>
-        </p:nvPicPr>
-        <p:blipFill>
-          <a:blip r:embed="rId2"/>
-          <a:stretch>
-            <a:fillRect/>
-          </a:stretch>
-        </p:blipFill>
-        <p:spPr>
-          <a:xfrm>
-            <a:off x="-7516368" y="-13256605"/>
-            <a:ext cx="19805671" cy="19675693"/>
-          </a:xfrm>
-          <a:prstGeom prst="rect">
-            <a:avLst/>
-          </a:prstGeom>
-        </p:spPr>
-      </p:pic>
-    </p:spTree>
-    <p:extLst>
-      <p:ext uri="{BB962C8B-B14F-4D97-AF65-F5344CB8AC3E}">
-        <p14:creationId xmlns:p14="http://schemas.microsoft.com/office/powerpoint/2010/main" val="4216228212"/>
       </p:ext>
     </p:extLst>
   </p:cSld>

--- a/GAN.pptx
+++ b/GAN.pptx
@@ -322,7 +322,7 @@
             <a:fld id="{B61BEF0D-F0BB-DE4B-95CE-6DB70DBA9567}" type="datetimeFigureOut">
               <a:rPr lang="en-US" dirty="0"/>
               <a:pPr/>
-              <a:t>5/5/2021</a:t>
+              <a:t>5/18/2021</a:t>
             </a:fld>
             <a:endParaRPr lang="en-US" dirty="0"/>
           </a:p>
@@ -755,7 +755,7 @@
             <a:fld id="{B61BEF0D-F0BB-DE4B-95CE-6DB70DBA9567}" type="datetimeFigureOut">
               <a:rPr lang="en-US" dirty="0"/>
               <a:pPr/>
-              <a:t>5/5/2021</a:t>
+              <a:t>5/18/2021</a:t>
             </a:fld>
             <a:endParaRPr lang="en-US" dirty="0"/>
           </a:p>
@@ -1002,7 +1002,7 @@
             <a:fld id="{B61BEF0D-F0BB-DE4B-95CE-6DB70DBA9567}" type="datetimeFigureOut">
               <a:rPr lang="en-US" dirty="0"/>
               <a:pPr/>
-              <a:t>5/5/2021</a:t>
+              <a:t>5/18/2021</a:t>
             </a:fld>
             <a:endParaRPr lang="en-US" dirty="0"/>
           </a:p>
@@ -1307,7 +1307,7 @@
             <a:fld id="{B61BEF0D-F0BB-DE4B-95CE-6DB70DBA9567}" type="datetimeFigureOut">
               <a:rPr lang="en-US" dirty="0"/>
               <a:pPr/>
-              <a:t>5/5/2021</a:t>
+              <a:t>5/18/2021</a:t>
             </a:fld>
             <a:endParaRPr lang="en-US" dirty="0"/>
           </a:p>
@@ -1622,7 +1622,7 @@
             <a:fld id="{B61BEF0D-F0BB-DE4B-95CE-6DB70DBA9567}" type="datetimeFigureOut">
               <a:rPr lang="en-US" dirty="0"/>
               <a:pPr/>
-              <a:t>5/5/2021</a:t>
+              <a:t>5/18/2021</a:t>
             </a:fld>
             <a:endParaRPr lang="en-US" dirty="0"/>
           </a:p>
@@ -1921,7 +1921,7 @@
             <a:fld id="{B61BEF0D-F0BB-DE4B-95CE-6DB70DBA9567}" type="datetimeFigureOut">
               <a:rPr lang="en-US" dirty="0"/>
               <a:pPr/>
-              <a:t>5/5/2021</a:t>
+              <a:t>5/18/2021</a:t>
             </a:fld>
             <a:endParaRPr lang="en-US" dirty="0"/>
           </a:p>
@@ -2285,7 +2285,7 @@
             <a:fld id="{B61BEF0D-F0BB-DE4B-95CE-6DB70DBA9567}" type="datetimeFigureOut">
               <a:rPr lang="en-US" dirty="0"/>
               <a:pPr/>
-              <a:t>5/5/2021</a:t>
+              <a:t>5/18/2021</a:t>
             </a:fld>
             <a:endParaRPr lang="en-US" dirty="0"/>
           </a:p>
@@ -2456,7 +2456,7 @@
             <a:fld id="{B61BEF0D-F0BB-DE4B-95CE-6DB70DBA9567}" type="datetimeFigureOut">
               <a:rPr lang="en-US" dirty="0"/>
               <a:pPr/>
-              <a:t>5/5/2021</a:t>
+              <a:t>5/18/2021</a:t>
             </a:fld>
             <a:endParaRPr lang="en-US" dirty="0"/>
           </a:p>
@@ -2633,7 +2633,7 @@
             <a:fld id="{B61BEF0D-F0BB-DE4B-95CE-6DB70DBA9567}" type="datetimeFigureOut">
               <a:rPr lang="en-US" dirty="0"/>
               <a:pPr/>
-              <a:t>5/5/2021</a:t>
+              <a:t>5/18/2021</a:t>
             </a:fld>
             <a:endParaRPr lang="en-US" dirty="0"/>
           </a:p>
@@ -2800,7 +2800,7 @@
             <a:fld id="{B61BEF0D-F0BB-DE4B-95CE-6DB70DBA9567}" type="datetimeFigureOut">
               <a:rPr lang="en-US" dirty="0"/>
               <a:pPr/>
-              <a:t>5/5/2021</a:t>
+              <a:t>5/18/2021</a:t>
             </a:fld>
             <a:endParaRPr lang="en-US" dirty="0"/>
           </a:p>
@@ -3047,7 +3047,7 @@
             <a:fld id="{B61BEF0D-F0BB-DE4B-95CE-6DB70DBA9567}" type="datetimeFigureOut">
               <a:rPr lang="en-US" dirty="0"/>
               <a:pPr/>
-              <a:t>5/5/2021</a:t>
+              <a:t>5/18/2021</a:t>
             </a:fld>
             <a:endParaRPr lang="en-US" dirty="0"/>
           </a:p>
@@ -3280,7 +3280,7 @@
             <a:fld id="{B61BEF0D-F0BB-DE4B-95CE-6DB70DBA9567}" type="datetimeFigureOut">
               <a:rPr lang="en-US" dirty="0"/>
               <a:pPr/>
-              <a:t>5/5/2021</a:t>
+              <a:t>5/18/2021</a:t>
             </a:fld>
             <a:endParaRPr lang="en-US" dirty="0"/>
           </a:p>
@@ -3659,7 +3659,7 @@
             <a:fld id="{B61BEF0D-F0BB-DE4B-95CE-6DB70DBA9567}" type="datetimeFigureOut">
               <a:rPr lang="en-US" dirty="0"/>
               <a:pPr/>
-              <a:t>5/5/2021</a:t>
+              <a:t>5/18/2021</a:t>
             </a:fld>
             <a:endParaRPr lang="en-US" dirty="0"/>
           </a:p>
@@ -3774,7 +3774,7 @@
             <a:fld id="{B61BEF0D-F0BB-DE4B-95CE-6DB70DBA9567}" type="datetimeFigureOut">
               <a:rPr lang="en-US" dirty="0"/>
               <a:pPr/>
-              <a:t>5/5/2021</a:t>
+              <a:t>5/18/2021</a:t>
             </a:fld>
             <a:endParaRPr lang="en-US" dirty="0"/>
           </a:p>
@@ -3866,7 +3866,7 @@
             <a:fld id="{B61BEF0D-F0BB-DE4B-95CE-6DB70DBA9567}" type="datetimeFigureOut">
               <a:rPr lang="en-US" dirty="0"/>
               <a:pPr/>
-              <a:t>5/5/2021</a:t>
+              <a:t>5/18/2021</a:t>
             </a:fld>
             <a:endParaRPr lang="en-US" dirty="0"/>
           </a:p>
@@ -4118,7 +4118,7 @@
             <a:fld id="{B61BEF0D-F0BB-DE4B-95CE-6DB70DBA9567}" type="datetimeFigureOut">
               <a:rPr lang="en-US" dirty="0"/>
               <a:pPr/>
-              <a:t>5/5/2021</a:t>
+              <a:t>5/18/2021</a:t>
             </a:fld>
             <a:endParaRPr lang="en-US" dirty="0"/>
           </a:p>
@@ -4398,7 +4398,7 @@
             <a:fld id="{B61BEF0D-F0BB-DE4B-95CE-6DB70DBA9567}" type="datetimeFigureOut">
               <a:rPr lang="en-US" dirty="0"/>
               <a:pPr/>
-              <a:t>5/5/2021</a:t>
+              <a:t>5/18/2021</a:t>
             </a:fld>
             <a:endParaRPr lang="en-US" dirty="0"/>
           </a:p>
@@ -4801,7 +4801,7 @@
             <a:fld id="{B61BEF0D-F0BB-DE4B-95CE-6DB70DBA9567}" type="datetimeFigureOut">
               <a:rPr lang="en-US" dirty="0"/>
               <a:pPr/>
-              <a:t>5/5/2021</a:t>
+              <a:t>5/18/2021</a:t>
             </a:fld>
             <a:endParaRPr lang="en-US" dirty="0"/>
           </a:p>
@@ -6883,10 +6883,10 @@
       </p:sp>
       <p:pic>
         <p:nvPicPr>
-          <p:cNvPr id="5" name="Grafik 4">
+          <p:cNvPr id="11" name="Grafik 10">
             <a:extLst>
               <a:ext uri="{FF2B5EF4-FFF2-40B4-BE49-F238E27FC236}">
-                <a16:creationId xmlns:a16="http://schemas.microsoft.com/office/drawing/2014/main" id="{57ECFF5A-9A29-4566-ADF7-10E6B6377043}"/>
+                <a16:creationId xmlns:a16="http://schemas.microsoft.com/office/drawing/2014/main" id="{29C0BAC6-F269-46D6-985D-59DAC36310AC}"/>
               </a:ext>
             </a:extLst>
           </p:cNvPr>
@@ -6903,8 +6903,8 @@
         </p:blipFill>
         <p:spPr>
           <a:xfrm>
-            <a:off x="3419475" y="590180"/>
-            <a:ext cx="5353050" cy="723900"/>
+            <a:off x="4951412" y="3241040"/>
+            <a:ext cx="2276475" cy="561975"/>
           </a:xfrm>
           <a:prstGeom prst="rect">
             <a:avLst/>
@@ -6913,10 +6913,10 @@
       </p:pic>
       <p:pic>
         <p:nvPicPr>
-          <p:cNvPr id="7" name="Grafik 6">
+          <p:cNvPr id="4" name="Grafik 3">
             <a:extLst>
               <a:ext uri="{FF2B5EF4-FFF2-40B4-BE49-F238E27FC236}">
-                <a16:creationId xmlns:a16="http://schemas.microsoft.com/office/drawing/2014/main" id="{697DA871-2804-4C3A-8B6C-0FF24CE75574}"/>
+                <a16:creationId xmlns:a16="http://schemas.microsoft.com/office/drawing/2014/main" id="{86317B30-BF35-4955-B03E-73A9CEB105FB}"/>
               </a:ext>
             </a:extLst>
           </p:cNvPr>
@@ -6933,8 +6933,8 @@
         </p:blipFill>
         <p:spPr>
           <a:xfrm>
-            <a:off x="2516957" y="1608668"/>
-            <a:ext cx="6962775" cy="762000"/>
+            <a:off x="2881311" y="656907"/>
+            <a:ext cx="6429375" cy="809625"/>
           </a:xfrm>
           <a:prstGeom prst="rect">
             <a:avLst/>
@@ -6943,10 +6943,10 @@
       </p:pic>
       <p:pic>
         <p:nvPicPr>
-          <p:cNvPr id="9" name="Grafik 8">
+          <p:cNvPr id="8" name="Grafik 7">
             <a:extLst>
               <a:ext uri="{FF2B5EF4-FFF2-40B4-BE49-F238E27FC236}">
-                <a16:creationId xmlns:a16="http://schemas.microsoft.com/office/drawing/2014/main" id="{D78747DD-C53C-413D-BF8F-6A3F87E68CC7}"/>
+                <a16:creationId xmlns:a16="http://schemas.microsoft.com/office/drawing/2014/main" id="{754D6BA7-050E-4E94-9335-C764F2E4A9C9}"/>
               </a:ext>
             </a:extLst>
           </p:cNvPr>
@@ -6963,38 +6963,8 @@
         </p:blipFill>
         <p:spPr>
           <a:xfrm>
-            <a:off x="3119437" y="2743477"/>
-            <a:ext cx="5953125" cy="714375"/>
-          </a:xfrm>
-          <a:prstGeom prst="rect">
-            <a:avLst/>
-          </a:prstGeom>
-        </p:spPr>
-      </p:pic>
-      <p:pic>
-        <p:nvPicPr>
-          <p:cNvPr id="11" name="Grafik 10">
-            <a:extLst>
-              <a:ext uri="{FF2B5EF4-FFF2-40B4-BE49-F238E27FC236}">
-                <a16:creationId xmlns:a16="http://schemas.microsoft.com/office/drawing/2014/main" id="{29C0BAC6-F269-46D6-985D-59DAC36310AC}"/>
-              </a:ext>
-            </a:extLst>
-          </p:cNvPr>
-          <p:cNvPicPr>
-            <a:picLocks noChangeAspect="1"/>
-          </p:cNvPicPr>
-          <p:nvPr/>
-        </p:nvPicPr>
-        <p:blipFill>
-          <a:blip r:embed="rId5"/>
-          <a:stretch>
-            <a:fillRect/>
-          </a:stretch>
-        </p:blipFill>
-        <p:spPr>
-          <a:xfrm>
-            <a:off x="4860106" y="3821784"/>
-            <a:ext cx="2276475" cy="561975"/>
+            <a:off x="3133723" y="2094230"/>
+            <a:ext cx="5924550" cy="800100"/>
           </a:xfrm>
           <a:prstGeom prst="rect">
             <a:avLst/>
@@ -7427,20 +7397,32 @@
           <a:lstStyle/>
           <a:p>
             <a:r>
+              <a:rPr lang="de-DE" dirty="0" err="1"/>
+              <a:t>W‘keitsverteilung</a:t>
+            </a:r>
+            <a:r>
               <a:rPr lang="de-DE" dirty="0"/>
-              <a:t>Menge zufälliger Rauschsamples</a:t>
-            </a:r>
-          </a:p>
-          <a:p>
+              <a:t> Rauschsamples</a:t>
+            </a:r>
+          </a:p>
+          <a:p>
+            <a:r>
+              <a:rPr lang="de-DE" dirty="0" err="1"/>
+              <a:t>W‘keitsverteilung</a:t>
+            </a:r>
             <a:r>
               <a:rPr lang="de-CH" dirty="0"/>
-              <a:t>Menge generierter Samples</a:t>
-            </a:r>
-          </a:p>
-          <a:p>
+              <a:t> generierter Samples</a:t>
+            </a:r>
+          </a:p>
+          <a:p>
+            <a:r>
+              <a:rPr lang="de-DE" dirty="0" err="1"/>
+              <a:t>W‘keitsverteilung</a:t>
+            </a:r>
             <a:r>
               <a:rPr lang="de-CH" dirty="0"/>
-              <a:t>Menge originaler Samples</a:t>
+              <a:t> originaler Samples</a:t>
             </a:r>
           </a:p>
         </p:txBody>
@@ -7461,7 +7443,7 @@
             </p:nvSpPr>
             <p:spPr>
               <a:xfrm>
-                <a:off x="5217547" y="1731944"/>
+                <a:off x="5880421" y="1678678"/>
                 <a:ext cx="630493" cy="523220"/>
               </a:xfrm>
               <a:prstGeom prst="rect">
@@ -7535,7 +7517,7 @@
             </p:nvSpPr>
             <p:spPr>
               <a:xfrm>
-                <a:off x="5217547" y="1731944"/>
+                <a:off x="5880421" y="1678678"/>
                 <a:ext cx="630493" cy="523220"/>
               </a:xfrm>
               <a:prstGeom prst="rect">
@@ -7579,7 +7561,7 @@
             </p:nvSpPr>
             <p:spPr>
               <a:xfrm>
-                <a:off x="5217547" y="2587348"/>
+                <a:off x="5864230" y="2697560"/>
                 <a:ext cx="1105046" cy="523220"/>
               </a:xfrm>
               <a:prstGeom prst="rect">
@@ -7593,6 +7575,7 @@
               </a:bodyPr>
               <a:lstStyle/>
               <a:p>
+                <a:pPr/>
                 <a14:m>
                   <m:oMathPara xmlns:m="http://schemas.openxmlformats.org/officeDocument/2006/math">
                     <m:oMathParaPr>
@@ -7652,7 +7635,7 @@
             </p:nvSpPr>
             <p:spPr>
               <a:xfrm>
-                <a:off x="5217547" y="2587348"/>
+                <a:off x="5864230" y="2697560"/>
                 <a:ext cx="1105046" cy="523220"/>
               </a:xfrm>
               <a:prstGeom prst="rect">
@@ -7696,7 +7679,7 @@
             </p:nvSpPr>
             <p:spPr>
               <a:xfrm>
-                <a:off x="5217547" y="2164920"/>
+                <a:off x="5864230" y="2201898"/>
                 <a:ext cx="662874" cy="558230"/>
               </a:xfrm>
               <a:prstGeom prst="rect">
@@ -7710,6 +7693,7 @@
               </a:bodyPr>
               <a:lstStyle/>
               <a:p>
+                <a:pPr/>
                 <a14:m>
                   <m:oMathPara xmlns:m="http://schemas.openxmlformats.org/officeDocument/2006/math">
                     <m:oMathParaPr>
@@ -7769,7 +7753,7 @@
             </p:nvSpPr>
             <p:spPr>
               <a:xfrm>
-                <a:off x="5217547" y="2164920"/>
+                <a:off x="5864230" y="2201898"/>
                 <a:ext cx="662874" cy="558230"/>
               </a:xfrm>
               <a:prstGeom prst="rect">
@@ -7930,136 +7914,6 @@
           </a:prstGeom>
         </p:spPr>
       </p:pic>
-      <mc:AlternateContent xmlns:mc="http://schemas.openxmlformats.org/markup-compatibility/2006" xmlns:a14="http://schemas.microsoft.com/office/drawing/2010/main">
-        <mc:Choice Requires="a14">
-          <p:sp>
-            <p:nvSpPr>
-              <p:cNvPr id="7" name="Textfeld 6">
-                <a:extLst>
-                  <a:ext uri="{FF2B5EF4-FFF2-40B4-BE49-F238E27FC236}">
-                    <a16:creationId xmlns:a16="http://schemas.microsoft.com/office/drawing/2014/main" id="{35E6C9FF-D6E4-4FA7-9493-7EC7CE99C622}"/>
-                  </a:ext>
-                </a:extLst>
-              </p:cNvPr>
-              <p:cNvSpPr txBox="1"/>
-              <p:nvPr/>
-            </p:nvSpPr>
-            <p:spPr>
-              <a:xfrm>
-                <a:off x="3744265" y="316468"/>
-                <a:ext cx="911019" cy="369332"/>
-              </a:xfrm>
-              <a:prstGeom prst="rect">
-                <a:avLst/>
-              </a:prstGeom>
-              <a:noFill/>
-            </p:spPr>
-            <p:txBody>
-              <a:bodyPr wrap="none" rtlCol="0">
-                <a:spAutoFit/>
-              </a:bodyPr>
-              <a:lstStyle/>
-              <a:p>
-                <a:pPr/>
-                <a14:m>
-                  <m:oMathPara xmlns:m="http://schemas.openxmlformats.org/officeDocument/2006/math">
-                    <m:oMathParaPr>
-                      <m:jc m:val="centerGroup"/>
-                    </m:oMathParaPr>
-                    <m:oMath xmlns:m="http://schemas.openxmlformats.org/officeDocument/2006/math">
-                      <m:r>
-                        <a:rPr lang="de-DE" b="0" i="1" smtClean="0">
-                          <a:latin typeface="Cambria Math" panose="02040503050406030204" pitchFamily="18" charset="0"/>
-                        </a:rPr>
-                        <m:t>𝑧</m:t>
-                      </m:r>
-                      <m:r>
-                        <a:rPr lang="de-DE" b="0" i="1" smtClean="0">
-                          <a:latin typeface="Cambria Math" panose="02040503050406030204" pitchFamily="18" charset="0"/>
-                        </a:rPr>
-                        <m:t> ∈</m:t>
-                      </m:r>
-                      <m:sSub>
-                        <m:sSubPr>
-                          <m:ctrlPr>
-                            <a:rPr lang="de-DE" b="0" i="1" smtClean="0">
-                              <a:latin typeface="Cambria Math" panose="02040503050406030204" pitchFamily="18" charset="0"/>
-                              <a:ea typeface="Cambria Math" panose="02040503050406030204" pitchFamily="18" charset="0"/>
-                            </a:rPr>
-                          </m:ctrlPr>
-                        </m:sSubPr>
-                        <m:e>
-                          <m:r>
-                            <a:rPr lang="de-DE" b="0" i="1" smtClean="0">
-                              <a:latin typeface="Cambria Math" panose="02040503050406030204" pitchFamily="18" charset="0"/>
-                              <a:ea typeface="Cambria Math" panose="02040503050406030204" pitchFamily="18" charset="0"/>
-                            </a:rPr>
-                            <m:t>𝑝</m:t>
-                          </m:r>
-                        </m:e>
-                        <m:sub>
-                          <m:r>
-                            <a:rPr lang="de-DE" b="0" i="1" smtClean="0">
-                              <a:latin typeface="Cambria Math" panose="02040503050406030204" pitchFamily="18" charset="0"/>
-                              <a:ea typeface="Cambria Math" panose="02040503050406030204" pitchFamily="18" charset="0"/>
-                            </a:rPr>
-                            <m:t>𝑧</m:t>
-                          </m:r>
-                        </m:sub>
-                      </m:sSub>
-                    </m:oMath>
-                  </m:oMathPara>
-                </a14:m>
-                <a:endParaRPr lang="de-CH" dirty="0"/>
-              </a:p>
-            </p:txBody>
-          </p:sp>
-        </mc:Choice>
-        <mc:Fallback xmlns="">
-          <p:sp>
-            <p:nvSpPr>
-              <p:cNvPr id="7" name="Textfeld 6">
-                <a:extLst>
-                  <a:ext uri="{FF2B5EF4-FFF2-40B4-BE49-F238E27FC236}">
-                    <a16:creationId xmlns:a16="http://schemas.microsoft.com/office/drawing/2014/main" id="{35E6C9FF-D6E4-4FA7-9493-7EC7CE99C622}"/>
-                  </a:ext>
-                </a:extLst>
-              </p:cNvPr>
-              <p:cNvSpPr txBox="1">
-                <a:spLocks noRot="1" noChangeAspect="1" noMove="1" noResize="1" noEditPoints="1" noAdjustHandles="1" noChangeArrowheads="1" noChangeShapeType="1" noTextEdit="1"/>
-              </p:cNvSpPr>
-              <p:nvPr/>
-            </p:nvSpPr>
-            <p:spPr>
-              <a:xfrm>
-                <a:off x="3744265" y="316468"/>
-                <a:ext cx="911019" cy="369332"/>
-              </a:xfrm>
-              <a:prstGeom prst="rect">
-                <a:avLst/>
-              </a:prstGeom>
-              <a:blipFill>
-                <a:blip r:embed="rId4"/>
-                <a:stretch>
-                  <a:fillRect b="-8197"/>
-                </a:stretch>
-              </a:blipFill>
-            </p:spPr>
-            <p:txBody>
-              <a:bodyPr/>
-              <a:lstStyle/>
-              <a:p>
-                <a:r>
-                  <a:rPr lang="de-CH">
-                    <a:noFill/>
-                  </a:rPr>
-                  <a:t> </a:t>
-                </a:r>
-              </a:p>
-            </p:txBody>
-          </p:sp>
-        </mc:Fallback>
-      </mc:AlternateContent>
       <p:sp>
         <p:nvSpPr>
           <p:cNvPr id="8" name="Pfeil: nach rechts 7">
@@ -8121,7 +7975,7 @@
           <p:nvPr/>
         </p:nvPicPr>
         <p:blipFill>
-          <a:blip r:embed="rId5"/>
+          <a:blip r:embed="rId3"/>
           <a:stretch>
             <a:fillRect/>
           </a:stretch>
@@ -8136,135 +7990,6 @@
           </a:prstGeom>
         </p:spPr>
       </p:pic>
-      <mc:AlternateContent xmlns:mc="http://schemas.openxmlformats.org/markup-compatibility/2006" xmlns:a14="http://schemas.microsoft.com/office/drawing/2010/main">
-        <mc:Choice Requires="a14">
-          <p:sp>
-            <p:nvSpPr>
-              <p:cNvPr id="11" name="Textfeld 10">
-                <a:extLst>
-                  <a:ext uri="{FF2B5EF4-FFF2-40B4-BE49-F238E27FC236}">
-                    <a16:creationId xmlns:a16="http://schemas.microsoft.com/office/drawing/2014/main" id="{BE0F18C0-7EC2-430C-A583-5A2A5E6AEDCD}"/>
-                  </a:ext>
-                </a:extLst>
-              </p:cNvPr>
-              <p:cNvSpPr txBox="1"/>
-              <p:nvPr/>
-            </p:nvSpPr>
-            <p:spPr>
-              <a:xfrm>
-                <a:off x="8186587" y="312775"/>
-                <a:ext cx="1082284" cy="369332"/>
-              </a:xfrm>
-              <a:prstGeom prst="rect">
-                <a:avLst/>
-              </a:prstGeom>
-              <a:noFill/>
-            </p:spPr>
-            <p:txBody>
-              <a:bodyPr wrap="none" rtlCol="0">
-                <a:spAutoFit/>
-              </a:bodyPr>
-              <a:lstStyle/>
-              <a:p>
-                <a:r>
-                  <a:rPr lang="de-DE" b="0" dirty="0"/>
-                  <a:t>x</a:t>
-                </a:r>
-                <a14:m>
-                  <m:oMath xmlns:m="http://schemas.openxmlformats.org/officeDocument/2006/math">
-                    <m:r>
-                      <a:rPr lang="de-DE" b="0" i="1" smtClean="0">
-                        <a:latin typeface="Cambria Math" panose="02040503050406030204" pitchFamily="18" charset="0"/>
-                      </a:rPr>
-                      <m:t> </m:t>
-                    </m:r>
-                    <m:r>
-                      <a:rPr lang="de-DE" b="0" i="1" smtClean="0">
-                        <a:latin typeface="Cambria Math" panose="02040503050406030204" pitchFamily="18" charset="0"/>
-                        <a:ea typeface="Cambria Math" panose="02040503050406030204" pitchFamily="18" charset="0"/>
-                      </a:rPr>
-                      <m:t>∈</m:t>
-                    </m:r>
-                    <m:sSub>
-                      <m:sSubPr>
-                        <m:ctrlPr>
-                          <a:rPr lang="de-DE" b="0" i="1" smtClean="0">
-                            <a:latin typeface="Cambria Math" panose="02040503050406030204" pitchFamily="18" charset="0"/>
-                            <a:ea typeface="Cambria Math" panose="02040503050406030204" pitchFamily="18" charset="0"/>
-                          </a:rPr>
-                        </m:ctrlPr>
-                      </m:sSubPr>
-                      <m:e>
-                        <m:r>
-                          <a:rPr lang="de-DE" b="0" i="1" smtClean="0">
-                            <a:latin typeface="Cambria Math" panose="02040503050406030204" pitchFamily="18" charset="0"/>
-                            <a:ea typeface="Cambria Math" panose="02040503050406030204" pitchFamily="18" charset="0"/>
-                          </a:rPr>
-                          <m:t>𝑝</m:t>
-                        </m:r>
-                      </m:e>
-                      <m:sub>
-                        <m:r>
-                          <a:rPr lang="de-DE" b="0" i="1" smtClean="0">
-                            <a:latin typeface="Cambria Math" panose="02040503050406030204" pitchFamily="18" charset="0"/>
-                            <a:ea typeface="Cambria Math" panose="02040503050406030204" pitchFamily="18" charset="0"/>
-                          </a:rPr>
-                          <m:t>𝑑𝑎𝑡𝑎</m:t>
-                        </m:r>
-                      </m:sub>
-                    </m:sSub>
-                  </m:oMath>
-                </a14:m>
-                <a:endParaRPr lang="de-CH" dirty="0"/>
-              </a:p>
-            </p:txBody>
-          </p:sp>
-        </mc:Choice>
-        <mc:Fallback xmlns="">
-          <p:sp>
-            <p:nvSpPr>
-              <p:cNvPr id="11" name="Textfeld 10">
-                <a:extLst>
-                  <a:ext uri="{FF2B5EF4-FFF2-40B4-BE49-F238E27FC236}">
-                    <a16:creationId xmlns:a16="http://schemas.microsoft.com/office/drawing/2014/main" id="{BE0F18C0-7EC2-430C-A583-5A2A5E6AEDCD}"/>
-                  </a:ext>
-                </a:extLst>
-              </p:cNvPr>
-              <p:cNvSpPr txBox="1">
-                <a:spLocks noRot="1" noChangeAspect="1" noMove="1" noResize="1" noEditPoints="1" noAdjustHandles="1" noChangeArrowheads="1" noChangeShapeType="1" noTextEdit="1"/>
-              </p:cNvSpPr>
-              <p:nvPr/>
-            </p:nvSpPr>
-            <p:spPr>
-              <a:xfrm>
-                <a:off x="8186587" y="312775"/>
-                <a:ext cx="1082284" cy="369332"/>
-              </a:xfrm>
-              <a:prstGeom prst="rect">
-                <a:avLst/>
-              </a:prstGeom>
-              <a:blipFill>
-                <a:blip r:embed="rId6"/>
-                <a:stretch>
-                  <a:fillRect l="-5085" t="-8197" b="-24590"/>
-                </a:stretch>
-              </a:blipFill>
-            </p:spPr>
-            <p:txBody>
-              <a:bodyPr/>
-              <a:lstStyle/>
-              <a:p>
-                <a:r>
-                  <a:rPr lang="de-CH">
-                    <a:noFill/>
-                  </a:rPr>
-                  <a:t> </a:t>
-                </a:r>
-              </a:p>
-            </p:txBody>
-          </p:sp>
-        </mc:Fallback>
-      </mc:AlternateContent>
       <p:pic>
         <p:nvPicPr>
           <p:cNvPr id="12" name="Grafik 11">
@@ -8280,7 +8005,7 @@
           <p:nvPr/>
         </p:nvPicPr>
         <p:blipFill>
-          <a:blip r:embed="rId5"/>
+          <a:blip r:embed="rId3"/>
           <a:stretch>
             <a:fillRect/>
           </a:stretch>
@@ -8419,351 +8144,6 @@
                 <a:blip r:embed="rId7"/>
                 <a:stretch>
                   <a:fillRect l="-13115" r="-13115" b="-11111"/>
-                </a:stretch>
-              </a:blipFill>
-            </p:spPr>
-            <p:txBody>
-              <a:bodyPr/>
-              <a:lstStyle/>
-              <a:p>
-                <a:r>
-                  <a:rPr lang="de-CH">
-                    <a:noFill/>
-                  </a:rPr>
-                  <a:t> </a:t>
-                </a:r>
-              </a:p>
-            </p:txBody>
-          </p:sp>
-        </mc:Fallback>
-      </mc:AlternateContent>
-      <p:sp>
-        <p:nvSpPr>
-          <p:cNvPr id="4" name="Textfeld 3">
-            <a:extLst>
-              <a:ext uri="{FF2B5EF4-FFF2-40B4-BE49-F238E27FC236}">
-                <a16:creationId xmlns:a16="http://schemas.microsoft.com/office/drawing/2014/main" id="{08B6087F-1D46-4A53-88E6-81986FF24829}"/>
-              </a:ext>
-            </a:extLst>
-          </p:cNvPr>
-          <p:cNvSpPr txBox="1"/>
-          <p:nvPr/>
-        </p:nvSpPr>
-        <p:spPr>
-          <a:xfrm>
-            <a:off x="9475860" y="198323"/>
-            <a:ext cx="806631" cy="2215991"/>
-          </a:xfrm>
-          <a:prstGeom prst="rect">
-            <a:avLst/>
-          </a:prstGeom>
-          <a:noFill/>
-        </p:spPr>
-        <p:txBody>
-          <a:bodyPr wrap="none" rtlCol="0">
-            <a:spAutoFit/>
-          </a:bodyPr>
-          <a:lstStyle/>
-          <a:p>
-            <a:r>
-              <a:rPr lang="de-DE" sz="13800" dirty="0"/>
-              <a:t>}</a:t>
-            </a:r>
-            <a:endParaRPr lang="de-CH" sz="13800" dirty="0"/>
-          </a:p>
-        </p:txBody>
-      </p:sp>
-      <mc:AlternateContent xmlns:mc="http://schemas.openxmlformats.org/markup-compatibility/2006">
-        <mc:Choice xmlns:a14="http://schemas.microsoft.com/office/drawing/2010/main" Requires="a14">
-          <p:sp>
-            <p:nvSpPr>
-              <p:cNvPr id="15" name="Textfeld 14">
-                <a:extLst>
-                  <a:ext uri="{FF2B5EF4-FFF2-40B4-BE49-F238E27FC236}">
-                    <a16:creationId xmlns:a16="http://schemas.microsoft.com/office/drawing/2014/main" id="{7C101E35-A815-4C6C-86B1-5C448EFCD6E7}"/>
-                  </a:ext>
-                </a:extLst>
-              </p:cNvPr>
-              <p:cNvSpPr txBox="1"/>
-              <p:nvPr/>
-            </p:nvSpPr>
-            <p:spPr>
-              <a:xfrm>
-                <a:off x="10144664" y="1286323"/>
-                <a:ext cx="750718" cy="391902"/>
-              </a:xfrm>
-              <a:prstGeom prst="rect">
-                <a:avLst/>
-              </a:prstGeom>
-              <a:noFill/>
-            </p:spPr>
-            <p:txBody>
-              <a:bodyPr wrap="none" rtlCol="0">
-                <a:spAutoFit/>
-              </a:bodyPr>
-              <a:lstStyle/>
-              <a:p>
-                <a14:m>
-                  <m:oMathPara xmlns:m="http://schemas.openxmlformats.org/officeDocument/2006/math">
-                    <m:oMathParaPr>
-                      <m:jc m:val="centerGroup"/>
-                    </m:oMathParaPr>
-                    <m:oMath xmlns:m="http://schemas.openxmlformats.org/officeDocument/2006/math">
-                      <m:r>
-                        <a:rPr lang="de-DE" b="0" i="1" smtClean="0">
-                          <a:latin typeface="Cambria Math" panose="02040503050406030204" pitchFamily="18" charset="0"/>
-                        </a:rPr>
-                        <m:t> </m:t>
-                      </m:r>
-                      <m:r>
-                        <a:rPr lang="de-DE" b="0" i="1" smtClean="0">
-                          <a:latin typeface="Cambria Math" panose="02040503050406030204" pitchFamily="18" charset="0"/>
-                          <a:ea typeface="Cambria Math" panose="02040503050406030204" pitchFamily="18" charset="0"/>
-                        </a:rPr>
-                        <m:t>∈</m:t>
-                      </m:r>
-                      <m:sSub>
-                        <m:sSubPr>
-                          <m:ctrlPr>
-                            <a:rPr lang="de-DE" b="0" i="1" smtClean="0">
-                              <a:latin typeface="Cambria Math" panose="02040503050406030204" pitchFamily="18" charset="0"/>
-                              <a:ea typeface="Cambria Math" panose="02040503050406030204" pitchFamily="18" charset="0"/>
-                            </a:rPr>
-                          </m:ctrlPr>
-                        </m:sSubPr>
-                        <m:e>
-                          <m:r>
-                            <a:rPr lang="de-DE" b="0" i="1" smtClean="0">
-                              <a:latin typeface="Cambria Math" panose="02040503050406030204" pitchFamily="18" charset="0"/>
-                              <a:ea typeface="Cambria Math" panose="02040503050406030204" pitchFamily="18" charset="0"/>
-                            </a:rPr>
-                            <m:t>𝑝</m:t>
-                          </m:r>
-                        </m:e>
-                        <m:sub>
-                          <m:r>
-                            <a:rPr lang="de-DE" b="0" i="1" smtClean="0">
-                              <a:latin typeface="Cambria Math" panose="02040503050406030204" pitchFamily="18" charset="0"/>
-                              <a:ea typeface="Cambria Math" panose="02040503050406030204" pitchFamily="18" charset="0"/>
-                            </a:rPr>
-                            <m:t>𝑔</m:t>
-                          </m:r>
-                        </m:sub>
-                      </m:sSub>
-                    </m:oMath>
-                  </m:oMathPara>
-                </a14:m>
-                <a:endParaRPr lang="de-CH" dirty="0"/>
-              </a:p>
-            </p:txBody>
-          </p:sp>
-        </mc:Choice>
-        <mc:Fallback>
-          <p:sp>
-            <p:nvSpPr>
-              <p:cNvPr id="15" name="Textfeld 14">
-                <a:extLst>
-                  <a:ext uri="{FF2B5EF4-FFF2-40B4-BE49-F238E27FC236}">
-                    <a16:creationId xmlns:a16="http://schemas.microsoft.com/office/drawing/2014/main" id="{7C101E35-A815-4C6C-86B1-5C448EFCD6E7}"/>
-                  </a:ext>
-                </a:extLst>
-              </p:cNvPr>
-              <p:cNvSpPr txBox="1">
-                <a:spLocks noRot="1" noChangeAspect="1" noMove="1" noResize="1" noEditPoints="1" noAdjustHandles="1" noChangeArrowheads="1" noChangeShapeType="1" noTextEdit="1"/>
-              </p:cNvSpPr>
-              <p:nvPr/>
-            </p:nvSpPr>
-            <p:spPr>
-              <a:xfrm>
-                <a:off x="10144664" y="1286323"/>
-                <a:ext cx="750718" cy="391902"/>
-              </a:xfrm>
-              <a:prstGeom prst="rect">
-                <a:avLst/>
-              </a:prstGeom>
-              <a:blipFill>
-                <a:blip r:embed="rId8"/>
-                <a:stretch>
-                  <a:fillRect b="-6250"/>
-                </a:stretch>
-              </a:blipFill>
-            </p:spPr>
-            <p:txBody>
-              <a:bodyPr/>
-              <a:lstStyle/>
-              <a:p>
-                <a:r>
-                  <a:rPr lang="de-CH">
-                    <a:noFill/>
-                  </a:rPr>
-                  <a:t> </a:t>
-                </a:r>
-              </a:p>
-            </p:txBody>
-          </p:sp>
-        </mc:Fallback>
-      </mc:AlternateContent>
-      <mc:AlternateContent xmlns:mc="http://schemas.openxmlformats.org/markup-compatibility/2006">
-        <mc:Choice xmlns:a14="http://schemas.microsoft.com/office/drawing/2010/main" Requires="a14">
-          <p:sp>
-            <p:nvSpPr>
-              <p:cNvPr id="16" name="Textfeld 15">
-                <a:extLst>
-                  <a:ext uri="{FF2B5EF4-FFF2-40B4-BE49-F238E27FC236}">
-                    <a16:creationId xmlns:a16="http://schemas.microsoft.com/office/drawing/2014/main" id="{1129C1D5-1312-404C-B73B-B7AF217EA1B3}"/>
-                  </a:ext>
-                </a:extLst>
-              </p:cNvPr>
-              <p:cNvSpPr txBox="1"/>
-              <p:nvPr/>
-            </p:nvSpPr>
-            <p:spPr>
-              <a:xfrm>
-                <a:off x="3390706" y="4301067"/>
-                <a:ext cx="1618135" cy="391902"/>
-              </a:xfrm>
-              <a:prstGeom prst="rect">
-                <a:avLst/>
-              </a:prstGeom>
-              <a:noFill/>
-            </p:spPr>
-            <p:txBody>
-              <a:bodyPr wrap="none" rtlCol="0">
-                <a:spAutoFit/>
-              </a:bodyPr>
-              <a:lstStyle/>
-              <a:p>
-                <a14:m>
-                  <m:oMathPara xmlns:m="http://schemas.openxmlformats.org/officeDocument/2006/math">
-                    <m:oMathParaPr>
-                      <m:jc m:val="centerGroup"/>
-                    </m:oMathParaPr>
-                    <m:oMath xmlns:m="http://schemas.openxmlformats.org/officeDocument/2006/math">
-                      <m:r>
-                        <a:rPr lang="de-DE" b="0" i="1" smtClean="0">
-                          <a:latin typeface="Cambria Math" panose="02040503050406030204" pitchFamily="18" charset="0"/>
-                        </a:rPr>
-                        <m:t> </m:t>
-                      </m:r>
-                      <m:r>
-                        <a:rPr lang="de-DE" b="0" i="1" smtClean="0">
-                          <a:latin typeface="Cambria Math" panose="02040503050406030204" pitchFamily="18" charset="0"/>
-                          <a:ea typeface="Cambria Math" panose="02040503050406030204" pitchFamily="18" charset="0"/>
-                        </a:rPr>
-                        <m:t>∈</m:t>
-                      </m:r>
-                      <m:sSub>
-                        <m:sSubPr>
-                          <m:ctrlPr>
-                            <a:rPr lang="de-DE" b="0" i="1" smtClean="0">
-                              <a:latin typeface="Cambria Math" panose="02040503050406030204" pitchFamily="18" charset="0"/>
-                              <a:ea typeface="Cambria Math" panose="02040503050406030204" pitchFamily="18" charset="0"/>
-                            </a:rPr>
-                          </m:ctrlPr>
-                        </m:sSubPr>
-                        <m:e>
-                          <m:r>
-                            <a:rPr lang="de-DE" b="0" i="1" smtClean="0">
-                              <a:latin typeface="Cambria Math" panose="02040503050406030204" pitchFamily="18" charset="0"/>
-                              <a:ea typeface="Cambria Math" panose="02040503050406030204" pitchFamily="18" charset="0"/>
-                            </a:rPr>
-                            <m:t>𝑝</m:t>
-                          </m:r>
-                        </m:e>
-                        <m:sub>
-                          <m:r>
-                            <a:rPr lang="de-DE" b="0" i="1" smtClean="0">
-                              <a:latin typeface="Cambria Math" panose="02040503050406030204" pitchFamily="18" charset="0"/>
-                              <a:ea typeface="Cambria Math" panose="02040503050406030204" pitchFamily="18" charset="0"/>
-                            </a:rPr>
-                            <m:t>𝑑𝑎𝑡𝑎</m:t>
-                          </m:r>
-                        </m:sub>
-                      </m:sSub>
-                      <m:r>
-                        <a:rPr lang="de-DE" b="0" i="1" smtClean="0">
-                          <a:latin typeface="Cambria Math" panose="02040503050406030204" pitchFamily="18" charset="0"/>
-                          <a:ea typeface="Cambria Math" panose="02040503050406030204" pitchFamily="18" charset="0"/>
-                        </a:rPr>
-                        <m:t> </m:t>
-                      </m:r>
-                      <m:r>
-                        <a:rPr lang="de-DE" b="0" i="1" smtClean="0">
-                          <a:latin typeface="Cambria Math" panose="02040503050406030204" pitchFamily="18" charset="0"/>
-                          <a:ea typeface="Cambria Math" panose="02040503050406030204" pitchFamily="18" charset="0"/>
-                        </a:rPr>
-                        <m:t>𝑜𝑟</m:t>
-                      </m:r>
-                      <m:r>
-                        <a:rPr lang="de-DE" b="0" i="1" smtClean="0">
-                          <a:latin typeface="Cambria Math" panose="02040503050406030204" pitchFamily="18" charset="0"/>
-                          <a:ea typeface="Cambria Math" panose="02040503050406030204" pitchFamily="18" charset="0"/>
-                        </a:rPr>
-                        <m:t> </m:t>
-                      </m:r>
-                      <m:sSub>
-                        <m:sSubPr>
-                          <m:ctrlPr>
-                            <a:rPr lang="de-DE" b="0" i="1" smtClean="0">
-                              <a:latin typeface="Cambria Math" panose="02040503050406030204" pitchFamily="18" charset="0"/>
-                              <a:ea typeface="Cambria Math" panose="02040503050406030204" pitchFamily="18" charset="0"/>
-                            </a:rPr>
-                          </m:ctrlPr>
-                        </m:sSubPr>
-                        <m:e>
-                          <m:r>
-                            <a:rPr lang="de-DE" b="0" i="1" smtClean="0">
-                              <a:latin typeface="Cambria Math" panose="02040503050406030204" pitchFamily="18" charset="0"/>
-                              <a:ea typeface="Cambria Math" panose="02040503050406030204" pitchFamily="18" charset="0"/>
-                            </a:rPr>
-                            <m:t>𝑝</m:t>
-                          </m:r>
-                        </m:e>
-                        <m:sub>
-                          <m:r>
-                            <a:rPr lang="de-DE" b="0" i="1" smtClean="0">
-                              <a:latin typeface="Cambria Math" panose="02040503050406030204" pitchFamily="18" charset="0"/>
-                              <a:ea typeface="Cambria Math" panose="02040503050406030204" pitchFamily="18" charset="0"/>
-                            </a:rPr>
-                            <m:t>𝑔</m:t>
-                          </m:r>
-                        </m:sub>
-                      </m:sSub>
-                    </m:oMath>
-                  </m:oMathPara>
-                </a14:m>
-                <a:endParaRPr lang="de-CH" dirty="0"/>
-              </a:p>
-            </p:txBody>
-          </p:sp>
-        </mc:Choice>
-        <mc:Fallback>
-          <p:sp>
-            <p:nvSpPr>
-              <p:cNvPr id="16" name="Textfeld 15">
-                <a:extLst>
-                  <a:ext uri="{FF2B5EF4-FFF2-40B4-BE49-F238E27FC236}">
-                    <a16:creationId xmlns:a16="http://schemas.microsoft.com/office/drawing/2014/main" id="{1129C1D5-1312-404C-B73B-B7AF217EA1B3}"/>
-                  </a:ext>
-                </a:extLst>
-              </p:cNvPr>
-              <p:cNvSpPr txBox="1">
-                <a:spLocks noRot="1" noChangeAspect="1" noMove="1" noResize="1" noEditPoints="1" noAdjustHandles="1" noChangeArrowheads="1" noChangeShapeType="1" noTextEdit="1"/>
-              </p:cNvSpPr>
-              <p:nvPr/>
-            </p:nvSpPr>
-            <p:spPr>
-              <a:xfrm>
-                <a:off x="3390706" y="4301067"/>
-                <a:ext cx="1618135" cy="391902"/>
-              </a:xfrm>
-              <a:prstGeom prst="rect">
-                <a:avLst/>
-              </a:prstGeom>
-              <a:blipFill>
-                <a:blip r:embed="rId9"/>
-                <a:stretch>
-                  <a:fillRect b="-6250"/>
                 </a:stretch>
               </a:blipFill>
             </p:spPr>

--- a/GAN.pptx
+++ b/GAN.pptx
@@ -8,8 +8,8 @@
     <p:sldId id="256" r:id="rId2"/>
     <p:sldId id="257" r:id="rId3"/>
     <p:sldId id="267" r:id="rId4"/>
-    <p:sldId id="275" r:id="rId5"/>
-    <p:sldId id="266" r:id="rId6"/>
+    <p:sldId id="266" r:id="rId5"/>
+    <p:sldId id="275" r:id="rId6"/>
     <p:sldId id="268" r:id="rId7"/>
     <p:sldId id="269" r:id="rId8"/>
     <p:sldId id="270" r:id="rId9"/>
@@ -5382,15 +5382,27 @@
           <a:lstStyle/>
           <a:p>
             <a:r>
-              <a:rPr lang="de-CH" dirty="0"/>
+              <a:rPr lang="de-CH" dirty="0">
+                <a:solidFill>
+                  <a:schemeClr val="tx1"/>
+                </a:solidFill>
+              </a:rPr>
               <a:t>Generative </a:t>
             </a:r>
             <a:r>
-              <a:rPr lang="de-CH" dirty="0" err="1"/>
+              <a:rPr lang="de-CH" dirty="0" err="1">
+                <a:solidFill>
+                  <a:schemeClr val="tx1"/>
+                </a:solidFill>
+              </a:rPr>
               <a:t>Adversarial</a:t>
             </a:r>
             <a:r>
-              <a:rPr lang="de-CH" dirty="0"/>
+              <a:rPr lang="de-CH" dirty="0">
+                <a:solidFill>
+                  <a:schemeClr val="tx1"/>
+                </a:solidFill>
+              </a:rPr>
               <a:t> Networks</a:t>
             </a:r>
           </a:p>
@@ -5699,47 +5711,962 @@
             <p:ph idx="1"/>
           </p:nvPr>
         </p:nvSpPr>
-        <p:spPr/>
+        <p:spPr>
+          <a:xfrm>
+            <a:off x="153715" y="158259"/>
+            <a:ext cx="8534400" cy="3615267"/>
+          </a:xfrm>
+        </p:spPr>
         <p:txBody>
           <a:bodyPr/>
           <a:lstStyle/>
           <a:p>
             <a:r>
-              <a:rPr lang="de-CH" dirty="0"/>
+              <a:rPr lang="de-CH" dirty="0">
+                <a:solidFill>
+                  <a:schemeClr val="tx1"/>
+                </a:solidFill>
+              </a:rPr>
               <a:t>Beschreibt den Unterschied zwischen erwarteten und effektiven Werten</a:t>
             </a:r>
+          </a:p>
+        </p:txBody>
+      </p:sp>
+      <p:sp>
+        <p:nvSpPr>
+          <p:cNvPr id="4" name="Ellipse 3">
+            <a:extLst>
+              <a:ext uri="{FF2B5EF4-FFF2-40B4-BE49-F238E27FC236}">
+                <a16:creationId xmlns:a16="http://schemas.microsoft.com/office/drawing/2014/main" id="{BF4F1CDE-7EDF-4035-A248-C30213B11597}"/>
+              </a:ext>
+            </a:extLst>
+          </p:cNvPr>
+          <p:cNvSpPr/>
+          <p:nvPr/>
+        </p:nvSpPr>
+        <p:spPr>
+          <a:xfrm>
+            <a:off x="5688674" y="4109914"/>
+            <a:ext cx="808630" cy="774988"/>
+          </a:xfrm>
+          <a:prstGeom prst="ellipse">
+            <a:avLst/>
+          </a:prstGeom>
+        </p:spPr>
+        <p:style>
+          <a:lnRef idx="2">
+            <a:schemeClr val="accent1">
+              <a:shade val="50000"/>
+            </a:schemeClr>
+          </a:lnRef>
+          <a:fillRef idx="1">
+            <a:schemeClr val="accent1"/>
+          </a:fillRef>
+          <a:effectRef idx="0">
+            <a:schemeClr val="accent1"/>
+          </a:effectRef>
+          <a:fontRef idx="minor">
+            <a:schemeClr val="lt1"/>
+          </a:fontRef>
+        </p:style>
+        <p:txBody>
+          <a:bodyPr rtlCol="0" anchor="ctr"/>
+          <a:lstStyle/>
+          <a:p>
+            <a:pPr algn="ctr"/>
+            <a:endParaRPr lang="de-CH"/>
+          </a:p>
+        </p:txBody>
+      </p:sp>
+      <p:sp>
+        <p:nvSpPr>
+          <p:cNvPr id="6" name="Ellipse 5">
+            <a:extLst>
+              <a:ext uri="{FF2B5EF4-FFF2-40B4-BE49-F238E27FC236}">
+                <a16:creationId xmlns:a16="http://schemas.microsoft.com/office/drawing/2014/main" id="{79590150-DE6C-431E-BFE6-7A55DB0F89AC}"/>
+              </a:ext>
+            </a:extLst>
+          </p:cNvPr>
+          <p:cNvSpPr/>
+          <p:nvPr/>
+        </p:nvSpPr>
+        <p:spPr>
+          <a:xfrm>
+            <a:off x="5688674" y="3060448"/>
+            <a:ext cx="808630" cy="774988"/>
+          </a:xfrm>
+          <a:prstGeom prst="ellipse">
+            <a:avLst/>
+          </a:prstGeom>
+        </p:spPr>
+        <p:style>
+          <a:lnRef idx="2">
+            <a:schemeClr val="accent1">
+              <a:shade val="50000"/>
+            </a:schemeClr>
+          </a:lnRef>
+          <a:fillRef idx="1">
+            <a:schemeClr val="accent1"/>
+          </a:fillRef>
+          <a:effectRef idx="0">
+            <a:schemeClr val="accent1"/>
+          </a:effectRef>
+          <a:fontRef idx="minor">
+            <a:schemeClr val="lt1"/>
+          </a:fontRef>
+        </p:style>
+        <p:txBody>
+          <a:bodyPr rtlCol="0" anchor="ctr"/>
+          <a:lstStyle/>
+          <a:p>
+            <a:pPr algn="ctr"/>
+            <a:endParaRPr lang="de-CH"/>
+          </a:p>
+        </p:txBody>
+      </p:sp>
+      <p:sp>
+        <p:nvSpPr>
+          <p:cNvPr id="7" name="Ellipse 6">
+            <a:extLst>
+              <a:ext uri="{FF2B5EF4-FFF2-40B4-BE49-F238E27FC236}">
+                <a16:creationId xmlns:a16="http://schemas.microsoft.com/office/drawing/2014/main" id="{734B2EBE-2FCB-4E3A-8D7F-C73A43A90FC4}"/>
+              </a:ext>
+            </a:extLst>
+          </p:cNvPr>
+          <p:cNvSpPr/>
+          <p:nvPr/>
+        </p:nvSpPr>
+        <p:spPr>
+          <a:xfrm>
+            <a:off x="5694177" y="2086619"/>
+            <a:ext cx="808630" cy="774988"/>
+          </a:xfrm>
+          <a:prstGeom prst="ellipse">
+            <a:avLst/>
+          </a:prstGeom>
+        </p:spPr>
+        <p:style>
+          <a:lnRef idx="2">
+            <a:schemeClr val="accent1">
+              <a:shade val="50000"/>
+            </a:schemeClr>
+          </a:lnRef>
+          <a:fillRef idx="1">
+            <a:schemeClr val="accent1"/>
+          </a:fillRef>
+          <a:effectRef idx="0">
+            <a:schemeClr val="accent1"/>
+          </a:effectRef>
+          <a:fontRef idx="minor">
+            <a:schemeClr val="lt1"/>
+          </a:fontRef>
+        </p:style>
+        <p:txBody>
+          <a:bodyPr rtlCol="0" anchor="ctr"/>
+          <a:lstStyle/>
+          <a:p>
+            <a:pPr algn="ctr"/>
+            <a:endParaRPr lang="de-CH"/>
           </a:p>
         </p:txBody>
       </p:sp>
       <p:pic>
         <p:nvPicPr>
-          <p:cNvPr id="5" name="Grafik 4">
+          <p:cNvPr id="1026" name="Picture 2" descr="Birne - Bösch Boden Spies">
             <a:extLst>
               <a:ext uri="{FF2B5EF4-FFF2-40B4-BE49-F238E27FC236}">
-                <a16:creationId xmlns:a16="http://schemas.microsoft.com/office/drawing/2014/main" id="{91426E2D-ABCB-4FB9-994D-ED746DF9DBEC}"/>
+                <a16:creationId xmlns:a16="http://schemas.microsoft.com/office/drawing/2014/main" id="{72536049-FD65-4901-9893-251709A1811C}"/>
               </a:ext>
             </a:extLst>
           </p:cNvPr>
           <p:cNvPicPr>
-            <a:picLocks noChangeAspect="1"/>
+            <a:picLocks noChangeAspect="1" noChangeArrowheads="1"/>
           </p:cNvPicPr>
           <p:nvPr/>
         </p:nvPicPr>
-        <p:blipFill rotWithShape="1">
-          <a:blip r:embed="rId2"/>
-          <a:srcRect b="59804"/>
-          <a:stretch/>
+        <p:blipFill>
+          <a:blip r:embed="rId2">
+            <a:extLst>
+              <a:ext uri="{28A0092B-C50C-407E-A947-70E740481C1C}">
+                <a14:useLocalDpi xmlns:a14="http://schemas.microsoft.com/office/drawing/2010/main" val="0"/>
+              </a:ext>
+            </a:extLst>
+          </a:blip>
+          <a:srcRect/>
+          <a:stretch>
+            <a:fillRect/>
+          </a:stretch>
         </p:blipFill>
-        <p:spPr>
+        <p:spPr bwMode="auto">
           <a:xfrm>
-            <a:off x="2328584" y="2632074"/>
-            <a:ext cx="6543675" cy="1301751"/>
+            <a:off x="2383839" y="2324948"/>
+            <a:ext cx="2276937" cy="2276937"/>
           </a:xfrm>
           <a:prstGeom prst="rect">
             <a:avLst/>
           </a:prstGeom>
+          <a:noFill/>
+          <a:extLst>
+            <a:ext uri="{909E8E84-426E-40DD-AFC4-6F175D3DCCD1}">
+              <a14:hiddenFill xmlns:a14="http://schemas.microsoft.com/office/drawing/2010/main">
+                <a:solidFill>
+                  <a:srgbClr val="FFFFFF"/>
+                </a:solidFill>
+              </a14:hiddenFill>
+            </a:ext>
+          </a:extLst>
         </p:spPr>
       </p:pic>
+      <p:sp>
+        <p:nvSpPr>
+          <p:cNvPr id="8" name="Pfeil: nach rechts 7">
+            <a:extLst>
+              <a:ext uri="{FF2B5EF4-FFF2-40B4-BE49-F238E27FC236}">
+                <a16:creationId xmlns:a16="http://schemas.microsoft.com/office/drawing/2014/main" id="{78A5D0BE-74CD-4430-94E8-17405BAF4578}"/>
+              </a:ext>
+            </a:extLst>
+          </p:cNvPr>
+          <p:cNvSpPr/>
+          <p:nvPr/>
+        </p:nvSpPr>
+        <p:spPr>
+          <a:xfrm>
+            <a:off x="4720275" y="3342613"/>
+            <a:ext cx="701337" cy="375266"/>
+          </a:xfrm>
+          <a:prstGeom prst="rightArrow">
+            <a:avLst/>
+          </a:prstGeom>
+        </p:spPr>
+        <p:style>
+          <a:lnRef idx="2">
+            <a:schemeClr val="accent1">
+              <a:shade val="50000"/>
+            </a:schemeClr>
+          </a:lnRef>
+          <a:fillRef idx="1">
+            <a:schemeClr val="accent1"/>
+          </a:fillRef>
+          <a:effectRef idx="0">
+            <a:schemeClr val="accent1"/>
+          </a:effectRef>
+          <a:fontRef idx="minor">
+            <a:schemeClr val="lt1"/>
+          </a:fontRef>
+        </p:style>
+        <p:txBody>
+          <a:bodyPr rtlCol="0" anchor="ctr"/>
+          <a:lstStyle/>
+          <a:p>
+            <a:pPr algn="ctr"/>
+            <a:endParaRPr lang="de-CH"/>
+          </a:p>
+        </p:txBody>
+      </p:sp>
+      <p:sp>
+        <p:nvSpPr>
+          <p:cNvPr id="10" name="Ellipse 9">
+            <a:extLst>
+              <a:ext uri="{FF2B5EF4-FFF2-40B4-BE49-F238E27FC236}">
+                <a16:creationId xmlns:a16="http://schemas.microsoft.com/office/drawing/2014/main" id="{7A3E756E-6673-4C54-8297-9AAF19599441}"/>
+              </a:ext>
+            </a:extLst>
+          </p:cNvPr>
+          <p:cNvSpPr/>
+          <p:nvPr/>
+        </p:nvSpPr>
+        <p:spPr>
+          <a:xfrm>
+            <a:off x="7802243" y="4136211"/>
+            <a:ext cx="808630" cy="774988"/>
+          </a:xfrm>
+          <a:prstGeom prst="ellipse">
+            <a:avLst/>
+          </a:prstGeom>
+        </p:spPr>
+        <p:style>
+          <a:lnRef idx="2">
+            <a:schemeClr val="accent1">
+              <a:shade val="50000"/>
+            </a:schemeClr>
+          </a:lnRef>
+          <a:fillRef idx="1">
+            <a:schemeClr val="accent1"/>
+          </a:fillRef>
+          <a:effectRef idx="0">
+            <a:schemeClr val="accent1"/>
+          </a:effectRef>
+          <a:fontRef idx="minor">
+            <a:schemeClr val="lt1"/>
+          </a:fontRef>
+        </p:style>
+        <p:txBody>
+          <a:bodyPr rtlCol="0" anchor="ctr"/>
+          <a:lstStyle/>
+          <a:p>
+            <a:pPr algn="ctr"/>
+            <a:r>
+              <a:rPr lang="de-CH" dirty="0"/>
+              <a:t>0.1</a:t>
+            </a:r>
+          </a:p>
+        </p:txBody>
+      </p:sp>
+      <p:sp>
+        <p:nvSpPr>
+          <p:cNvPr id="11" name="Ellipse 10">
+            <a:extLst>
+              <a:ext uri="{FF2B5EF4-FFF2-40B4-BE49-F238E27FC236}">
+                <a16:creationId xmlns:a16="http://schemas.microsoft.com/office/drawing/2014/main" id="{1806D599-9209-4EAE-86FE-129E9A5AC61A}"/>
+              </a:ext>
+            </a:extLst>
+          </p:cNvPr>
+          <p:cNvSpPr/>
+          <p:nvPr/>
+        </p:nvSpPr>
+        <p:spPr>
+          <a:xfrm>
+            <a:off x="7771086" y="3071647"/>
+            <a:ext cx="808630" cy="774988"/>
+          </a:xfrm>
+          <a:prstGeom prst="ellipse">
+            <a:avLst/>
+          </a:prstGeom>
+        </p:spPr>
+        <p:style>
+          <a:lnRef idx="2">
+            <a:schemeClr val="accent1">
+              <a:shade val="50000"/>
+            </a:schemeClr>
+          </a:lnRef>
+          <a:fillRef idx="1">
+            <a:schemeClr val="accent1"/>
+          </a:fillRef>
+          <a:effectRef idx="0">
+            <a:schemeClr val="accent1"/>
+          </a:effectRef>
+          <a:fontRef idx="minor">
+            <a:schemeClr val="lt1"/>
+          </a:fontRef>
+        </p:style>
+        <p:txBody>
+          <a:bodyPr rtlCol="0" anchor="ctr"/>
+          <a:lstStyle/>
+          <a:p>
+            <a:pPr algn="ctr"/>
+            <a:r>
+              <a:rPr lang="de-CH" dirty="0"/>
+              <a:t>0.7</a:t>
+            </a:r>
+          </a:p>
+        </p:txBody>
+      </p:sp>
+      <p:sp>
+        <p:nvSpPr>
+          <p:cNvPr id="12" name="Ellipse 11">
+            <a:extLst>
+              <a:ext uri="{FF2B5EF4-FFF2-40B4-BE49-F238E27FC236}">
+                <a16:creationId xmlns:a16="http://schemas.microsoft.com/office/drawing/2014/main" id="{262415A9-115F-4376-9CCD-BC528FC0EDB2}"/>
+              </a:ext>
+            </a:extLst>
+          </p:cNvPr>
+          <p:cNvSpPr/>
+          <p:nvPr/>
+        </p:nvSpPr>
+        <p:spPr>
+          <a:xfrm>
+            <a:off x="7753797" y="2088724"/>
+            <a:ext cx="808630" cy="774988"/>
+          </a:xfrm>
+          <a:prstGeom prst="ellipse">
+            <a:avLst/>
+          </a:prstGeom>
+        </p:spPr>
+        <p:style>
+          <a:lnRef idx="2">
+            <a:schemeClr val="accent1">
+              <a:shade val="50000"/>
+            </a:schemeClr>
+          </a:lnRef>
+          <a:fillRef idx="1">
+            <a:schemeClr val="accent1"/>
+          </a:fillRef>
+          <a:effectRef idx="0">
+            <a:schemeClr val="accent1"/>
+          </a:effectRef>
+          <a:fontRef idx="minor">
+            <a:schemeClr val="lt1"/>
+          </a:fontRef>
+        </p:style>
+        <p:txBody>
+          <a:bodyPr rtlCol="0" anchor="ctr"/>
+          <a:lstStyle/>
+          <a:p>
+            <a:pPr algn="ctr"/>
+            <a:r>
+              <a:rPr lang="de-CH" sz="2000" dirty="0"/>
+              <a:t>0.2</a:t>
+            </a:r>
+            <a:endParaRPr lang="de-CH" sz="6000" dirty="0"/>
+          </a:p>
+        </p:txBody>
+      </p:sp>
+      <p:cxnSp>
+        <p:nvCxnSpPr>
+          <p:cNvPr id="13" name="Gerader Verbinder 12">
+            <a:extLst>
+              <a:ext uri="{FF2B5EF4-FFF2-40B4-BE49-F238E27FC236}">
+                <a16:creationId xmlns:a16="http://schemas.microsoft.com/office/drawing/2014/main" id="{FA6690A5-0742-4410-8B95-94B199974E22}"/>
+              </a:ext>
+            </a:extLst>
+          </p:cNvPr>
+          <p:cNvCxnSpPr/>
+          <p:nvPr/>
+        </p:nvCxnSpPr>
+        <p:spPr>
+          <a:xfrm>
+            <a:off x="6537432" y="2767814"/>
+            <a:ext cx="182964" cy="195309"/>
+          </a:xfrm>
+          <a:prstGeom prst="line">
+            <a:avLst/>
+          </a:prstGeom>
+          <a:ln>
+            <a:solidFill>
+              <a:schemeClr val="accent1">
+                <a:alpha val="60000"/>
+              </a:schemeClr>
+            </a:solidFill>
+          </a:ln>
+        </p:spPr>
+        <p:style>
+          <a:lnRef idx="1">
+            <a:schemeClr val="accent1"/>
+          </a:lnRef>
+          <a:fillRef idx="0">
+            <a:schemeClr val="accent1"/>
+          </a:fillRef>
+          <a:effectRef idx="0">
+            <a:schemeClr val="accent1"/>
+          </a:effectRef>
+          <a:fontRef idx="minor">
+            <a:schemeClr val="tx1"/>
+          </a:fontRef>
+        </p:style>
+      </p:cxnSp>
+      <p:cxnSp>
+        <p:nvCxnSpPr>
+          <p:cNvPr id="15" name="Gerader Verbinder 14">
+            <a:extLst>
+              <a:ext uri="{FF2B5EF4-FFF2-40B4-BE49-F238E27FC236}">
+                <a16:creationId xmlns:a16="http://schemas.microsoft.com/office/drawing/2014/main" id="{76625213-9660-44E1-AA79-6608C2C9747E}"/>
+              </a:ext>
+            </a:extLst>
+          </p:cNvPr>
+          <p:cNvCxnSpPr>
+            <a:cxnSpLocks/>
+          </p:cNvCxnSpPr>
+          <p:nvPr/>
+        </p:nvCxnSpPr>
+        <p:spPr>
+          <a:xfrm>
+            <a:off x="6570237" y="3459141"/>
+            <a:ext cx="174148" cy="4275"/>
+          </a:xfrm>
+          <a:prstGeom prst="line">
+            <a:avLst/>
+          </a:prstGeom>
+          <a:ln>
+            <a:solidFill>
+              <a:schemeClr val="accent1">
+                <a:alpha val="60000"/>
+              </a:schemeClr>
+            </a:solidFill>
+          </a:ln>
+        </p:spPr>
+        <p:style>
+          <a:lnRef idx="1">
+            <a:schemeClr val="accent1"/>
+          </a:lnRef>
+          <a:fillRef idx="0">
+            <a:schemeClr val="accent1"/>
+          </a:fillRef>
+          <a:effectRef idx="0">
+            <a:schemeClr val="accent1"/>
+          </a:effectRef>
+          <a:fontRef idx="minor">
+            <a:schemeClr val="tx1"/>
+          </a:fontRef>
+        </p:style>
+      </p:cxnSp>
+      <p:cxnSp>
+        <p:nvCxnSpPr>
+          <p:cNvPr id="17" name="Gerader Verbinder 16">
+            <a:extLst>
+              <a:ext uri="{FF2B5EF4-FFF2-40B4-BE49-F238E27FC236}">
+                <a16:creationId xmlns:a16="http://schemas.microsoft.com/office/drawing/2014/main" id="{321C3FC3-9142-47C6-B791-F2488F448B66}"/>
+              </a:ext>
+            </a:extLst>
+          </p:cNvPr>
+          <p:cNvCxnSpPr>
+            <a:cxnSpLocks/>
+          </p:cNvCxnSpPr>
+          <p:nvPr/>
+        </p:nvCxnSpPr>
+        <p:spPr>
+          <a:xfrm rot="5400000">
+            <a:off x="6603042" y="4061486"/>
+            <a:ext cx="182964" cy="195309"/>
+          </a:xfrm>
+          <a:prstGeom prst="line">
+            <a:avLst/>
+          </a:prstGeom>
+          <a:ln>
+            <a:solidFill>
+              <a:schemeClr val="accent1">
+                <a:alpha val="60000"/>
+              </a:schemeClr>
+            </a:solidFill>
+          </a:ln>
+        </p:spPr>
+        <p:style>
+          <a:lnRef idx="1">
+            <a:schemeClr val="accent1"/>
+          </a:lnRef>
+          <a:fillRef idx="0">
+            <a:schemeClr val="accent1"/>
+          </a:fillRef>
+          <a:effectRef idx="0">
+            <a:schemeClr val="accent1"/>
+          </a:effectRef>
+          <a:fontRef idx="minor">
+            <a:schemeClr val="tx1"/>
+          </a:fontRef>
+        </p:style>
+      </p:cxnSp>
+      <p:cxnSp>
+        <p:nvCxnSpPr>
+          <p:cNvPr id="18" name="Gerader Verbinder 17">
+            <a:extLst>
+              <a:ext uri="{FF2B5EF4-FFF2-40B4-BE49-F238E27FC236}">
+                <a16:creationId xmlns:a16="http://schemas.microsoft.com/office/drawing/2014/main" id="{C38F1DC8-B0E2-45F5-AD81-F26C334B23B3}"/>
+              </a:ext>
+            </a:extLst>
+          </p:cNvPr>
+          <p:cNvCxnSpPr>
+            <a:cxnSpLocks/>
+          </p:cNvCxnSpPr>
+          <p:nvPr/>
+        </p:nvCxnSpPr>
+        <p:spPr>
+          <a:xfrm rot="5400000">
+            <a:off x="7446139" y="2783969"/>
+            <a:ext cx="182964" cy="195309"/>
+          </a:xfrm>
+          <a:prstGeom prst="line">
+            <a:avLst/>
+          </a:prstGeom>
+          <a:ln>
+            <a:solidFill>
+              <a:schemeClr val="accent1">
+                <a:alpha val="60000"/>
+              </a:schemeClr>
+            </a:solidFill>
+          </a:ln>
+        </p:spPr>
+        <p:style>
+          <a:lnRef idx="1">
+            <a:schemeClr val="accent1"/>
+          </a:lnRef>
+          <a:fillRef idx="0">
+            <a:schemeClr val="accent1"/>
+          </a:fillRef>
+          <a:effectRef idx="0">
+            <a:schemeClr val="accent1"/>
+          </a:effectRef>
+          <a:fontRef idx="minor">
+            <a:schemeClr val="tx1"/>
+          </a:fontRef>
+        </p:style>
+      </p:cxnSp>
+      <p:cxnSp>
+        <p:nvCxnSpPr>
+          <p:cNvPr id="19" name="Gerader Verbinder 18">
+            <a:extLst>
+              <a:ext uri="{FF2B5EF4-FFF2-40B4-BE49-F238E27FC236}">
+                <a16:creationId xmlns:a16="http://schemas.microsoft.com/office/drawing/2014/main" id="{30236824-6F52-476E-B716-3B31201690D1}"/>
+              </a:ext>
+            </a:extLst>
+          </p:cNvPr>
+          <p:cNvCxnSpPr/>
+          <p:nvPr/>
+        </p:nvCxnSpPr>
+        <p:spPr>
+          <a:xfrm>
+            <a:off x="7479227" y="4067658"/>
+            <a:ext cx="182964" cy="195309"/>
+          </a:xfrm>
+          <a:prstGeom prst="line">
+            <a:avLst/>
+          </a:prstGeom>
+          <a:ln>
+            <a:solidFill>
+              <a:schemeClr val="accent1">
+                <a:alpha val="60000"/>
+              </a:schemeClr>
+            </a:solidFill>
+          </a:ln>
+        </p:spPr>
+        <p:style>
+          <a:lnRef idx="1">
+            <a:schemeClr val="accent1"/>
+          </a:lnRef>
+          <a:fillRef idx="0">
+            <a:schemeClr val="accent1"/>
+          </a:fillRef>
+          <a:effectRef idx="0">
+            <a:schemeClr val="accent1"/>
+          </a:effectRef>
+          <a:fontRef idx="minor">
+            <a:schemeClr val="tx1"/>
+          </a:fontRef>
+        </p:style>
+      </p:cxnSp>
+      <p:cxnSp>
+        <p:nvCxnSpPr>
+          <p:cNvPr id="20" name="Gerader Verbinder 19">
+            <a:extLst>
+              <a:ext uri="{FF2B5EF4-FFF2-40B4-BE49-F238E27FC236}">
+                <a16:creationId xmlns:a16="http://schemas.microsoft.com/office/drawing/2014/main" id="{927E45B3-327A-4D0D-B918-D02C3522FB73}"/>
+              </a:ext>
+            </a:extLst>
+          </p:cNvPr>
+          <p:cNvCxnSpPr>
+            <a:cxnSpLocks/>
+          </p:cNvCxnSpPr>
+          <p:nvPr/>
+        </p:nvCxnSpPr>
+        <p:spPr>
+          <a:xfrm>
+            <a:off x="7470828" y="3459141"/>
+            <a:ext cx="174148" cy="4275"/>
+          </a:xfrm>
+          <a:prstGeom prst="line">
+            <a:avLst/>
+          </a:prstGeom>
+          <a:ln>
+            <a:solidFill>
+              <a:schemeClr val="accent1">
+                <a:alpha val="60000"/>
+              </a:schemeClr>
+            </a:solidFill>
+          </a:ln>
+        </p:spPr>
+        <p:style>
+          <a:lnRef idx="1">
+            <a:schemeClr val="accent1"/>
+          </a:lnRef>
+          <a:fillRef idx="0">
+            <a:schemeClr val="accent1"/>
+          </a:fillRef>
+          <a:effectRef idx="0">
+            <a:schemeClr val="accent1"/>
+          </a:effectRef>
+          <a:fontRef idx="minor">
+            <a:schemeClr val="tx1"/>
+          </a:fontRef>
+        </p:style>
+      </p:cxnSp>
+      <p:sp>
+        <p:nvSpPr>
+          <p:cNvPr id="16" name="Textfeld 15">
+            <a:extLst>
+              <a:ext uri="{FF2B5EF4-FFF2-40B4-BE49-F238E27FC236}">
+                <a16:creationId xmlns:a16="http://schemas.microsoft.com/office/drawing/2014/main" id="{EF41235D-1576-48B5-8BC4-BA0D96C10D98}"/>
+              </a:ext>
+            </a:extLst>
+          </p:cNvPr>
+          <p:cNvSpPr txBox="1"/>
+          <p:nvPr/>
+        </p:nvSpPr>
+        <p:spPr>
+          <a:xfrm>
+            <a:off x="6878340" y="3262656"/>
+            <a:ext cx="415498" cy="369332"/>
+          </a:xfrm>
+          <a:prstGeom prst="rect">
+            <a:avLst/>
+          </a:prstGeom>
+          <a:noFill/>
+        </p:spPr>
+        <p:txBody>
+          <a:bodyPr wrap="none" rtlCol="0">
+            <a:spAutoFit/>
+          </a:bodyPr>
+          <a:lstStyle/>
+          <a:p>
+            <a:r>
+              <a:rPr lang="de-CH" dirty="0"/>
+              <a:t>…</a:t>
+            </a:r>
+          </a:p>
+        </p:txBody>
+      </p:sp>
+      <p:sp>
+        <p:nvSpPr>
+          <p:cNvPr id="21" name="Textfeld 20">
+            <a:extLst>
+              <a:ext uri="{FF2B5EF4-FFF2-40B4-BE49-F238E27FC236}">
+                <a16:creationId xmlns:a16="http://schemas.microsoft.com/office/drawing/2014/main" id="{5DD4E2D1-AA12-4C1B-B728-F2F636BD953B}"/>
+              </a:ext>
+            </a:extLst>
+          </p:cNvPr>
+          <p:cNvSpPr txBox="1"/>
+          <p:nvPr/>
+        </p:nvSpPr>
+        <p:spPr>
+          <a:xfrm>
+            <a:off x="8610873" y="2289447"/>
+            <a:ext cx="782587" cy="369332"/>
+          </a:xfrm>
+          <a:prstGeom prst="rect">
+            <a:avLst/>
+          </a:prstGeom>
+          <a:noFill/>
+        </p:spPr>
+        <p:txBody>
+          <a:bodyPr wrap="none" rtlCol="0">
+            <a:spAutoFit/>
+          </a:bodyPr>
+          <a:lstStyle/>
+          <a:p>
+            <a:r>
+              <a:rPr lang="de-CH" dirty="0"/>
+              <a:t>Apfel</a:t>
+            </a:r>
+          </a:p>
+        </p:txBody>
+      </p:sp>
+      <p:sp>
+        <p:nvSpPr>
+          <p:cNvPr id="23" name="Textfeld 22">
+            <a:extLst>
+              <a:ext uri="{FF2B5EF4-FFF2-40B4-BE49-F238E27FC236}">
+                <a16:creationId xmlns:a16="http://schemas.microsoft.com/office/drawing/2014/main" id="{7051AF9B-E93C-408B-98A8-2526911AF35D}"/>
+              </a:ext>
+            </a:extLst>
+          </p:cNvPr>
+          <p:cNvSpPr txBox="1"/>
+          <p:nvPr/>
+        </p:nvSpPr>
+        <p:spPr>
+          <a:xfrm>
+            <a:off x="8610873" y="3238724"/>
+            <a:ext cx="724878" cy="369332"/>
+          </a:xfrm>
+          <a:prstGeom prst="rect">
+            <a:avLst/>
+          </a:prstGeom>
+          <a:noFill/>
+        </p:spPr>
+        <p:txBody>
+          <a:bodyPr wrap="none" rtlCol="0">
+            <a:spAutoFit/>
+          </a:bodyPr>
+          <a:lstStyle/>
+          <a:p>
+            <a:r>
+              <a:rPr lang="de-CH" dirty="0"/>
+              <a:t>Birne</a:t>
+            </a:r>
+          </a:p>
+        </p:txBody>
+      </p:sp>
+      <p:sp>
+        <p:nvSpPr>
+          <p:cNvPr id="25" name="Textfeld 24">
+            <a:extLst>
+              <a:ext uri="{FF2B5EF4-FFF2-40B4-BE49-F238E27FC236}">
+                <a16:creationId xmlns:a16="http://schemas.microsoft.com/office/drawing/2014/main" id="{595494D1-94B3-4B78-A3DE-201611A22F99}"/>
+              </a:ext>
+            </a:extLst>
+          </p:cNvPr>
+          <p:cNvSpPr txBox="1"/>
+          <p:nvPr/>
+        </p:nvSpPr>
+        <p:spPr>
+          <a:xfrm>
+            <a:off x="8639727" y="4339039"/>
+            <a:ext cx="931665" cy="369332"/>
+          </a:xfrm>
+          <a:prstGeom prst="rect">
+            <a:avLst/>
+          </a:prstGeom>
+          <a:noFill/>
+        </p:spPr>
+        <p:txBody>
+          <a:bodyPr wrap="none" rtlCol="0">
+            <a:spAutoFit/>
+          </a:bodyPr>
+          <a:lstStyle/>
+          <a:p>
+            <a:r>
+              <a:rPr lang="de-CH" dirty="0"/>
+              <a:t>Zitrone</a:t>
+            </a:r>
+          </a:p>
+        </p:txBody>
+      </p:sp>
+      <p:sp>
+        <p:nvSpPr>
+          <p:cNvPr id="26" name="Ellipse 25">
+            <a:extLst>
+              <a:ext uri="{FF2B5EF4-FFF2-40B4-BE49-F238E27FC236}">
+                <a16:creationId xmlns:a16="http://schemas.microsoft.com/office/drawing/2014/main" id="{20A7BB20-D7D7-48CD-BFE9-0768E645D3D7}"/>
+              </a:ext>
+            </a:extLst>
+          </p:cNvPr>
+          <p:cNvSpPr/>
+          <p:nvPr/>
+        </p:nvSpPr>
+        <p:spPr>
+          <a:xfrm>
+            <a:off x="9907985" y="2058550"/>
+            <a:ext cx="808630" cy="774988"/>
+          </a:xfrm>
+          <a:prstGeom prst="ellipse">
+            <a:avLst/>
+          </a:prstGeom>
+        </p:spPr>
+        <p:style>
+          <a:lnRef idx="2">
+            <a:schemeClr val="accent1">
+              <a:shade val="50000"/>
+            </a:schemeClr>
+          </a:lnRef>
+          <a:fillRef idx="1">
+            <a:schemeClr val="accent1"/>
+          </a:fillRef>
+          <a:effectRef idx="0">
+            <a:schemeClr val="accent1"/>
+          </a:effectRef>
+          <a:fontRef idx="minor">
+            <a:schemeClr val="lt1"/>
+          </a:fontRef>
+        </p:style>
+        <p:txBody>
+          <a:bodyPr rtlCol="0" anchor="ctr"/>
+          <a:lstStyle/>
+          <a:p>
+            <a:pPr algn="ctr"/>
+            <a:r>
+              <a:rPr lang="de-CH" sz="2000" dirty="0"/>
+              <a:t>0</a:t>
+            </a:r>
+            <a:endParaRPr lang="de-CH" sz="6000" dirty="0"/>
+          </a:p>
+        </p:txBody>
+      </p:sp>
+      <p:sp>
+        <p:nvSpPr>
+          <p:cNvPr id="27" name="Ellipse 26">
+            <a:extLst>
+              <a:ext uri="{FF2B5EF4-FFF2-40B4-BE49-F238E27FC236}">
+                <a16:creationId xmlns:a16="http://schemas.microsoft.com/office/drawing/2014/main" id="{258EBF78-E15C-40FC-AEAF-6C2849ABCC75}"/>
+              </a:ext>
+            </a:extLst>
+          </p:cNvPr>
+          <p:cNvSpPr/>
+          <p:nvPr/>
+        </p:nvSpPr>
+        <p:spPr>
+          <a:xfrm>
+            <a:off x="9908853" y="3142752"/>
+            <a:ext cx="808630" cy="774988"/>
+          </a:xfrm>
+          <a:prstGeom prst="ellipse">
+            <a:avLst/>
+          </a:prstGeom>
+        </p:spPr>
+        <p:style>
+          <a:lnRef idx="2">
+            <a:schemeClr val="accent1">
+              <a:shade val="50000"/>
+            </a:schemeClr>
+          </a:lnRef>
+          <a:fillRef idx="1">
+            <a:schemeClr val="accent1"/>
+          </a:fillRef>
+          <a:effectRef idx="0">
+            <a:schemeClr val="accent1"/>
+          </a:effectRef>
+          <a:fontRef idx="minor">
+            <a:schemeClr val="lt1"/>
+          </a:fontRef>
+        </p:style>
+        <p:txBody>
+          <a:bodyPr rtlCol="0" anchor="ctr"/>
+          <a:lstStyle/>
+          <a:p>
+            <a:pPr algn="ctr"/>
+            <a:r>
+              <a:rPr lang="de-CH" sz="2000" dirty="0"/>
+              <a:t>1</a:t>
+            </a:r>
+            <a:endParaRPr lang="de-CH" sz="6000" dirty="0"/>
+          </a:p>
+        </p:txBody>
+      </p:sp>
+      <p:sp>
+        <p:nvSpPr>
+          <p:cNvPr id="28" name="Ellipse 27">
+            <a:extLst>
+              <a:ext uri="{FF2B5EF4-FFF2-40B4-BE49-F238E27FC236}">
+                <a16:creationId xmlns:a16="http://schemas.microsoft.com/office/drawing/2014/main" id="{887F2BB7-E87C-4BA3-AC38-C059A81F4A91}"/>
+              </a:ext>
+            </a:extLst>
+          </p:cNvPr>
+          <p:cNvSpPr/>
+          <p:nvPr/>
+        </p:nvSpPr>
+        <p:spPr>
+          <a:xfrm>
+            <a:off x="9908853" y="4214391"/>
+            <a:ext cx="808630" cy="774988"/>
+          </a:xfrm>
+          <a:prstGeom prst="ellipse">
+            <a:avLst/>
+          </a:prstGeom>
+        </p:spPr>
+        <p:style>
+          <a:lnRef idx="2">
+            <a:schemeClr val="accent1">
+              <a:shade val="50000"/>
+            </a:schemeClr>
+          </a:lnRef>
+          <a:fillRef idx="1">
+            <a:schemeClr val="accent1"/>
+          </a:fillRef>
+          <a:effectRef idx="0">
+            <a:schemeClr val="accent1"/>
+          </a:effectRef>
+          <a:fontRef idx="minor">
+            <a:schemeClr val="lt1"/>
+          </a:fontRef>
+        </p:style>
+        <p:txBody>
+          <a:bodyPr rtlCol="0" anchor="ctr"/>
+          <a:lstStyle/>
+          <a:p>
+            <a:pPr algn="ctr"/>
+            <a:r>
+              <a:rPr lang="de-CH" sz="2000" dirty="0"/>
+              <a:t>0</a:t>
+            </a:r>
+            <a:endParaRPr lang="de-CH" sz="6000" dirty="0"/>
+          </a:p>
+        </p:txBody>
+      </p:sp>
     </p:spTree>
     <p:extLst>
       <p:ext uri="{BB962C8B-B14F-4D97-AF65-F5344CB8AC3E}">
@@ -5820,14 +6747,22 @@
           <a:lstStyle/>
           <a:p>
             <a:r>
-              <a:rPr lang="de-CH" dirty="0"/>
+              <a:rPr lang="de-CH" dirty="0">
+                <a:solidFill>
+                  <a:schemeClr val="tx1"/>
+                </a:solidFill>
+              </a:rPr>
               <a:t>Gibt den Informationsgehalt an</a:t>
             </a:r>
           </a:p>
           <a:p>
             <a:r>
-              <a:rPr lang="de-CH" dirty="0"/>
-              <a:t>Sollte 0 ergeben, wenn die Wahrscheinlichkeiten schlecht verteilt sind</a:t>
+              <a:rPr lang="de-CH" dirty="0">
+                <a:solidFill>
+                  <a:schemeClr val="tx1"/>
+                </a:solidFill>
+              </a:rPr>
+              <a:t>Sollte 0 ergeben, wenn die Wahrscheinlichkeiten «schlecht» verteilt sind</a:t>
             </a:r>
           </a:p>
           <a:p>
@@ -5838,35 +6773,6 @@
           </a:p>
         </p:txBody>
       </p:sp>
-      <p:pic>
-        <p:nvPicPr>
-          <p:cNvPr id="4" name="Grafik 3">
-            <a:extLst>
-              <a:ext uri="{FF2B5EF4-FFF2-40B4-BE49-F238E27FC236}">
-                <a16:creationId xmlns:a16="http://schemas.microsoft.com/office/drawing/2014/main" id="{A4D0F4CB-BEEC-4893-9A69-ECEC10A37EF6}"/>
-              </a:ext>
-            </a:extLst>
-          </p:cNvPr>
-          <p:cNvPicPr>
-            <a:picLocks noChangeAspect="1"/>
-          </p:cNvPicPr>
-          <p:nvPr/>
-        </p:nvPicPr>
-        <p:blipFill rotWithShape="1">
-          <a:blip r:embed="rId2"/>
-          <a:srcRect b="73039"/>
-          <a:stretch/>
-        </p:blipFill>
-        <p:spPr>
-          <a:xfrm>
-            <a:off x="1804709" y="2555874"/>
-            <a:ext cx="6543675" cy="873126"/>
-          </a:xfrm>
-          <a:prstGeom prst="rect">
-            <a:avLst/>
-          </a:prstGeom>
-        </p:spPr>
-      </p:pic>
       <p:pic>
         <p:nvPicPr>
           <p:cNvPr id="8" name="Grafik 7">
@@ -5882,7 +6788,7 @@
           <p:nvPr/>
         </p:nvPicPr>
         <p:blipFill>
-          <a:blip r:embed="rId3"/>
+          <a:blip r:embed="rId2"/>
           <a:stretch>
             <a:fillRect/>
           </a:stretch>
@@ -5912,7 +6818,7 @@
           <p:nvPr/>
         </p:nvPicPr>
         <p:blipFill>
-          <a:blip r:embed="rId4"/>
+          <a:blip r:embed="rId3"/>
           <a:stretch>
             <a:fillRect/>
           </a:stretch>
@@ -5927,6 +6833,155 @@
           </a:prstGeom>
         </p:spPr>
       </p:pic>
+      <p:graphicFrame>
+        <p:nvGraphicFramePr>
+          <p:cNvPr id="5" name="Tabelle 5">
+            <a:extLst>
+              <a:ext uri="{FF2B5EF4-FFF2-40B4-BE49-F238E27FC236}">
+                <a16:creationId xmlns:a16="http://schemas.microsoft.com/office/drawing/2014/main" id="{19E4FA08-DE90-46FD-9B76-E821220D885B}"/>
+              </a:ext>
+            </a:extLst>
+          </p:cNvPr>
+          <p:cNvGraphicFramePr>
+            <a:graphicFrameLocks noGrp="1"/>
+          </p:cNvGraphicFramePr>
+          <p:nvPr>
+            <p:extLst>
+              <p:ext uri="{D42A27DB-BD31-4B8C-83A1-F6EECF244321}">
+                <p14:modId xmlns:p14="http://schemas.microsoft.com/office/powerpoint/2010/main" val="1527995200"/>
+              </p:ext>
+            </p:extLst>
+          </p:nvPr>
+        </p:nvGraphicFramePr>
+        <p:xfrm>
+          <a:off x="2555782" y="2864710"/>
+          <a:ext cx="8127999" cy="741680"/>
+        </p:xfrm>
+        <a:graphic>
+          <a:graphicData uri="http://schemas.openxmlformats.org/drawingml/2006/table">
+            <a:tbl>
+              <a:tblPr firstRow="1" bandRow="1">
+                <a:tableStyleId>{9D7B26C5-4107-4FEC-AEDC-1716B250A1EF}</a:tableStyleId>
+              </a:tblPr>
+              <a:tblGrid>
+                <a:gridCol w="2709333">
+                  <a:extLst>
+                    <a:ext uri="{9D8B030D-6E8A-4147-A177-3AD203B41FA5}">
+                      <a16:colId xmlns:a16="http://schemas.microsoft.com/office/drawing/2014/main" val="2121986258"/>
+                    </a:ext>
+                  </a:extLst>
+                </a:gridCol>
+                <a:gridCol w="2709333">
+                  <a:extLst>
+                    <a:ext uri="{9D8B030D-6E8A-4147-A177-3AD203B41FA5}">
+                      <a16:colId xmlns:a16="http://schemas.microsoft.com/office/drawing/2014/main" val="2319804612"/>
+                    </a:ext>
+                  </a:extLst>
+                </a:gridCol>
+                <a:gridCol w="2709333">
+                  <a:extLst>
+                    <a:ext uri="{9D8B030D-6E8A-4147-A177-3AD203B41FA5}">
+                      <a16:colId xmlns:a16="http://schemas.microsoft.com/office/drawing/2014/main" val="2688957651"/>
+                    </a:ext>
+                  </a:extLst>
+                </a:gridCol>
+              </a:tblGrid>
+              <a:tr h="370840">
+                <a:tc>
+                  <a:txBody>
+                    <a:bodyPr/>
+                    <a:lstStyle/>
+                    <a:p>
+                      <a:r>
+                        <a:rPr lang="de-CH" dirty="0"/>
+                        <a:t>Apfel</a:t>
+                      </a:r>
+                    </a:p>
+                  </a:txBody>
+                  <a:tcPr/>
+                </a:tc>
+                <a:tc>
+                  <a:txBody>
+                    <a:bodyPr/>
+                    <a:lstStyle/>
+                    <a:p>
+                      <a:r>
+                        <a:rPr lang="de-CH" dirty="0"/>
+                        <a:t>Birne</a:t>
+                      </a:r>
+                    </a:p>
+                  </a:txBody>
+                  <a:tcPr/>
+                </a:tc>
+                <a:tc>
+                  <a:txBody>
+                    <a:bodyPr/>
+                    <a:lstStyle/>
+                    <a:p>
+                      <a:r>
+                        <a:rPr lang="de-CH" dirty="0"/>
+                        <a:t>Zitrone</a:t>
+                      </a:r>
+                    </a:p>
+                  </a:txBody>
+                  <a:tcPr/>
+                </a:tc>
+                <a:extLst>
+                  <a:ext uri="{0D108BD9-81ED-4DB2-BD59-A6C34878D82A}">
+                    <a16:rowId xmlns:a16="http://schemas.microsoft.com/office/drawing/2014/main" val="2541614259"/>
+                  </a:ext>
+                </a:extLst>
+              </a:tr>
+              <a:tr h="370840">
+                <a:tc>
+                  <a:txBody>
+                    <a:bodyPr/>
+                    <a:lstStyle/>
+                    <a:p>
+                      <a:r>
+                        <a:rPr lang="de-CH" dirty="0"/>
+                        <a:t>0</a:t>
+                      </a:r>
+                    </a:p>
+                  </a:txBody>
+                  <a:tcPr/>
+                </a:tc>
+                <a:tc>
+                  <a:txBody>
+                    <a:bodyPr/>
+                    <a:lstStyle/>
+                    <a:p>
+                      <a:r>
+                        <a:rPr lang="de-CH" dirty="0"/>
+                        <a:t>1</a:t>
+                      </a:r>
+                    </a:p>
+                  </a:txBody>
+                  <a:tcPr/>
+                </a:tc>
+                <a:tc>
+                  <a:txBody>
+                    <a:bodyPr/>
+                    <a:lstStyle/>
+                    <a:p>
+                      <a:r>
+                        <a:rPr lang="de-CH" dirty="0"/>
+                        <a:t>0</a:t>
+                      </a:r>
+                    </a:p>
+                  </a:txBody>
+                  <a:tcPr/>
+                </a:tc>
+                <a:extLst>
+                  <a:ext uri="{0D108BD9-81ED-4DB2-BD59-A6C34878D82A}">
+                    <a16:rowId xmlns:a16="http://schemas.microsoft.com/office/drawing/2014/main" val="3143266888"/>
+                  </a:ext>
+                </a:extLst>
+              </a:tr>
+            </a:tbl>
+          </a:graphicData>
+        </a:graphic>
+      </p:graphicFrame>
     </p:spTree>
     <p:extLst>
       <p:ext uri="{BB962C8B-B14F-4D97-AF65-F5344CB8AC3E}">
@@ -6001,20 +7056,37 @@
             <p:ph idx="1"/>
           </p:nvPr>
         </p:nvSpPr>
-        <p:spPr/>
+        <p:spPr>
+          <a:xfrm>
+            <a:off x="684212" y="345439"/>
+            <a:ext cx="8534400" cy="3615267"/>
+          </a:xfrm>
+        </p:spPr>
         <p:txBody>
           <a:bodyPr/>
           <a:lstStyle/>
           <a:p>
             <a:r>
-              <a:rPr lang="de-CH" dirty="0"/>
+              <a:rPr lang="de-CH" dirty="0">
+                <a:solidFill>
+                  <a:schemeClr val="tx1"/>
+                </a:solidFill>
+              </a:rPr>
               <a:t>Beschreibt den Informationsunterschied zwischen zwei </a:t>
             </a:r>
             <a:r>
-              <a:rPr lang="de-CH" dirty="0" err="1"/>
+              <a:rPr lang="de-CH" dirty="0" err="1">
+                <a:solidFill>
+                  <a:schemeClr val="tx1"/>
+                </a:solidFill>
+              </a:rPr>
               <a:t>W’keitsverteilungen</a:t>
             </a:r>
-            <a:endParaRPr lang="de-CH" dirty="0"/>
+            <a:endParaRPr lang="de-CH" dirty="0">
+              <a:solidFill>
+                <a:schemeClr val="tx1"/>
+              </a:solidFill>
+            </a:endParaRPr>
           </a:p>
         </p:txBody>
       </p:sp>
@@ -6048,35 +7120,366 @@
           </a:prstGeom>
         </p:spPr>
       </p:pic>
-      <p:pic>
-        <p:nvPicPr>
-          <p:cNvPr id="7" name="Grafik 6">
+      <p:graphicFrame>
+        <p:nvGraphicFramePr>
+          <p:cNvPr id="6" name="Tabelle 5">
             <a:extLst>
               <a:ext uri="{FF2B5EF4-FFF2-40B4-BE49-F238E27FC236}">
-                <a16:creationId xmlns:a16="http://schemas.microsoft.com/office/drawing/2014/main" id="{B6A0A684-DC5F-459A-B655-10113BA199FE}"/>
+                <a16:creationId xmlns:a16="http://schemas.microsoft.com/office/drawing/2014/main" id="{CE41AC0C-058C-4B12-BC3D-1DA13579189B}"/>
               </a:ext>
             </a:extLst>
           </p:cNvPr>
-          <p:cNvPicPr>
-            <a:picLocks noChangeAspect="1"/>
-          </p:cNvPicPr>
-          <p:nvPr/>
-        </p:nvPicPr>
-        <p:blipFill rotWithShape="1">
-          <a:blip r:embed="rId3"/>
-          <a:srcRect t="47257" b="-1080"/>
-          <a:stretch/>
-        </p:blipFill>
-        <p:spPr>
-          <a:xfrm>
-            <a:off x="909359" y="2978680"/>
-            <a:ext cx="6543675" cy="1743075"/>
-          </a:xfrm>
-          <a:prstGeom prst="rect">
-            <a:avLst/>
-          </a:prstGeom>
-        </p:spPr>
-      </p:pic>
+          <p:cNvGraphicFramePr>
+            <a:graphicFrameLocks noGrp="1"/>
+          </p:cNvGraphicFramePr>
+          <p:nvPr>
+            <p:extLst>
+              <p:ext uri="{D42A27DB-BD31-4B8C-83A1-F6EECF244321}">
+                <p14:modId xmlns:p14="http://schemas.microsoft.com/office/powerpoint/2010/main" val="1512744439"/>
+              </p:ext>
+            </p:extLst>
+          </p:nvPr>
+        </p:nvGraphicFramePr>
+        <p:xfrm>
+          <a:off x="1588116" y="3332056"/>
+          <a:ext cx="8128000" cy="1483360"/>
+        </p:xfrm>
+        <a:graphic>
+          <a:graphicData uri="http://schemas.openxmlformats.org/drawingml/2006/table">
+            <a:tbl>
+              <a:tblPr firstRow="1" bandRow="1">
+                <a:tableStyleId>{9D7B26C5-4107-4FEC-AEDC-1716B250A1EF}</a:tableStyleId>
+              </a:tblPr>
+              <a:tblGrid>
+                <a:gridCol w="1625600">
+                  <a:extLst>
+                    <a:ext uri="{9D8B030D-6E8A-4147-A177-3AD203B41FA5}">
+                      <a16:colId xmlns:a16="http://schemas.microsoft.com/office/drawing/2014/main" val="910848949"/>
+                    </a:ext>
+                  </a:extLst>
+                </a:gridCol>
+                <a:gridCol w="1625600">
+                  <a:extLst>
+                    <a:ext uri="{9D8B030D-6E8A-4147-A177-3AD203B41FA5}">
+                      <a16:colId xmlns:a16="http://schemas.microsoft.com/office/drawing/2014/main" val="2121986258"/>
+                    </a:ext>
+                  </a:extLst>
+                </a:gridCol>
+                <a:gridCol w="1625600">
+                  <a:extLst>
+                    <a:ext uri="{9D8B030D-6E8A-4147-A177-3AD203B41FA5}">
+                      <a16:colId xmlns:a16="http://schemas.microsoft.com/office/drawing/2014/main" val="2319804612"/>
+                    </a:ext>
+                  </a:extLst>
+                </a:gridCol>
+                <a:gridCol w="1625600">
+                  <a:extLst>
+                    <a:ext uri="{9D8B030D-6E8A-4147-A177-3AD203B41FA5}">
+                      <a16:colId xmlns:a16="http://schemas.microsoft.com/office/drawing/2014/main" val="2688957651"/>
+                    </a:ext>
+                  </a:extLst>
+                </a:gridCol>
+                <a:gridCol w="1625600">
+                  <a:extLst>
+                    <a:ext uri="{9D8B030D-6E8A-4147-A177-3AD203B41FA5}">
+                      <a16:colId xmlns:a16="http://schemas.microsoft.com/office/drawing/2014/main" val="2842003046"/>
+                    </a:ext>
+                  </a:extLst>
+                </a:gridCol>
+              </a:tblGrid>
+              <a:tr h="370840">
+                <a:tc>
+                  <a:txBody>
+                    <a:bodyPr/>
+                    <a:lstStyle/>
+                    <a:p>
+                      <a:r>
+                        <a:rPr lang="de-CH" dirty="0" err="1"/>
+                        <a:t>W’keitsvert</a:t>
+                      </a:r>
+                      <a:r>
+                        <a:rPr lang="de-CH" dirty="0"/>
+                        <a:t>.</a:t>
+                      </a:r>
+                    </a:p>
+                  </a:txBody>
+                  <a:tcPr/>
+                </a:tc>
+                <a:tc>
+                  <a:txBody>
+                    <a:bodyPr/>
+                    <a:lstStyle/>
+                    <a:p>
+                      <a:r>
+                        <a:rPr lang="de-CH" dirty="0"/>
+                        <a:t>Apfel</a:t>
+                      </a:r>
+                    </a:p>
+                  </a:txBody>
+                  <a:tcPr/>
+                </a:tc>
+                <a:tc>
+                  <a:txBody>
+                    <a:bodyPr/>
+                    <a:lstStyle/>
+                    <a:p>
+                      <a:r>
+                        <a:rPr lang="de-CH" dirty="0"/>
+                        <a:t>Birne</a:t>
+                      </a:r>
+                    </a:p>
+                  </a:txBody>
+                  <a:tcPr/>
+                </a:tc>
+                <a:tc>
+                  <a:txBody>
+                    <a:bodyPr/>
+                    <a:lstStyle/>
+                    <a:p>
+                      <a:r>
+                        <a:rPr lang="de-CH" dirty="0"/>
+                        <a:t>Zitrone</a:t>
+                      </a:r>
+                    </a:p>
+                  </a:txBody>
+                  <a:tcPr/>
+                </a:tc>
+                <a:tc>
+                  <a:txBody>
+                    <a:bodyPr/>
+                    <a:lstStyle/>
+                    <a:p>
+                      <a:r>
+                        <a:rPr lang="de-CH" dirty="0"/>
+                        <a:t>Total</a:t>
+                      </a:r>
+                    </a:p>
+                  </a:txBody>
+                  <a:tcPr/>
+                </a:tc>
+                <a:extLst>
+                  <a:ext uri="{0D108BD9-81ED-4DB2-BD59-A6C34878D82A}">
+                    <a16:rowId xmlns:a16="http://schemas.microsoft.com/office/drawing/2014/main" val="2541614259"/>
+                  </a:ext>
+                </a:extLst>
+              </a:tr>
+              <a:tr h="370840">
+                <a:tc>
+                  <a:txBody>
+                    <a:bodyPr/>
+                    <a:lstStyle/>
+                    <a:p>
+                      <a:r>
+                        <a:rPr lang="de-CH" dirty="0"/>
+                        <a:t>P</a:t>
+                      </a:r>
+                    </a:p>
+                  </a:txBody>
+                  <a:tcPr/>
+                </a:tc>
+                <a:tc>
+                  <a:txBody>
+                    <a:bodyPr/>
+                    <a:lstStyle/>
+                    <a:p>
+                      <a:r>
+                        <a:rPr lang="de-CH" dirty="0"/>
+                        <a:t>0</a:t>
+                      </a:r>
+                    </a:p>
+                  </a:txBody>
+                  <a:tcPr/>
+                </a:tc>
+                <a:tc>
+                  <a:txBody>
+                    <a:bodyPr/>
+                    <a:lstStyle/>
+                    <a:p>
+                      <a:r>
+                        <a:rPr lang="de-CH" dirty="0"/>
+                        <a:t>1</a:t>
+                      </a:r>
+                    </a:p>
+                  </a:txBody>
+                  <a:tcPr/>
+                </a:tc>
+                <a:tc>
+                  <a:txBody>
+                    <a:bodyPr/>
+                    <a:lstStyle/>
+                    <a:p>
+                      <a:r>
+                        <a:rPr lang="de-CH" dirty="0"/>
+                        <a:t>0</a:t>
+                      </a:r>
+                    </a:p>
+                  </a:txBody>
+                  <a:tcPr/>
+                </a:tc>
+                <a:tc>
+                  <a:txBody>
+                    <a:bodyPr/>
+                    <a:lstStyle/>
+                    <a:p>
+                      <a:r>
+                        <a:rPr lang="de-CH" dirty="0"/>
+                        <a:t>1</a:t>
+                      </a:r>
+                    </a:p>
+                  </a:txBody>
+                  <a:tcPr/>
+                </a:tc>
+                <a:extLst>
+                  <a:ext uri="{0D108BD9-81ED-4DB2-BD59-A6C34878D82A}">
+                    <a16:rowId xmlns:a16="http://schemas.microsoft.com/office/drawing/2014/main" val="3143266888"/>
+                  </a:ext>
+                </a:extLst>
+              </a:tr>
+              <a:tr h="370840">
+                <a:tc>
+                  <a:txBody>
+                    <a:bodyPr/>
+                    <a:lstStyle/>
+                    <a:p>
+                      <a:r>
+                        <a:rPr lang="de-CH" dirty="0"/>
+                        <a:t>Q</a:t>
+                      </a:r>
+                    </a:p>
+                  </a:txBody>
+                  <a:tcPr/>
+                </a:tc>
+                <a:tc>
+                  <a:txBody>
+                    <a:bodyPr/>
+                    <a:lstStyle/>
+                    <a:p>
+                      <a:r>
+                        <a:rPr lang="de-CH" dirty="0"/>
+                        <a:t>0.2</a:t>
+                      </a:r>
+                    </a:p>
+                  </a:txBody>
+                  <a:tcPr/>
+                </a:tc>
+                <a:tc>
+                  <a:txBody>
+                    <a:bodyPr/>
+                    <a:lstStyle/>
+                    <a:p>
+                      <a:r>
+                        <a:rPr lang="de-CH" dirty="0"/>
+                        <a:t>0.7</a:t>
+                      </a:r>
+                    </a:p>
+                  </a:txBody>
+                  <a:tcPr/>
+                </a:tc>
+                <a:tc>
+                  <a:txBody>
+                    <a:bodyPr/>
+                    <a:lstStyle/>
+                    <a:p>
+                      <a:r>
+                        <a:rPr lang="de-CH" dirty="0"/>
+                        <a:t>0.1</a:t>
+                      </a:r>
+                    </a:p>
+                  </a:txBody>
+                  <a:tcPr/>
+                </a:tc>
+                <a:tc>
+                  <a:txBody>
+                    <a:bodyPr/>
+                    <a:lstStyle/>
+                    <a:p>
+                      <a:r>
+                        <a:rPr lang="de-CH" dirty="0"/>
+                        <a:t>1</a:t>
+                      </a:r>
+                    </a:p>
+                  </a:txBody>
+                  <a:tcPr/>
+                </a:tc>
+                <a:extLst>
+                  <a:ext uri="{0D108BD9-81ED-4DB2-BD59-A6C34878D82A}">
+                    <a16:rowId xmlns:a16="http://schemas.microsoft.com/office/drawing/2014/main" val="907139603"/>
+                  </a:ext>
+                </a:extLst>
+              </a:tr>
+              <a:tr h="370840">
+                <a:tc>
+                  <a:txBody>
+                    <a:bodyPr/>
+                    <a:lstStyle/>
+                    <a:p>
+                      <a:endParaRPr lang="de-CH" dirty="0"/>
+                    </a:p>
+                  </a:txBody>
+                  <a:tcPr/>
+                </a:tc>
+                <a:tc>
+                  <a:txBody>
+                    <a:bodyPr/>
+                    <a:lstStyle/>
+                    <a:p>
+                      <a:r>
+                        <a:rPr lang="de-CH" dirty="0"/>
+                        <a:t>- 0 * log(0.2)</a:t>
+                      </a:r>
+                    </a:p>
+                  </a:txBody>
+                  <a:tcPr/>
+                </a:tc>
+                <a:tc>
+                  <a:txBody>
+                    <a:bodyPr/>
+                    <a:lstStyle/>
+                    <a:p>
+                      <a:r>
+                        <a:rPr lang="de-CH" dirty="0"/>
+                        <a:t>- 1 * log(0.7)</a:t>
+                      </a:r>
+                    </a:p>
+                  </a:txBody>
+                  <a:tcPr/>
+                </a:tc>
+                <a:tc>
+                  <a:txBody>
+                    <a:bodyPr/>
+                    <a:lstStyle/>
+                    <a:p>
+                      <a:r>
+                        <a:rPr lang="de-CH" dirty="0"/>
+                        <a:t>- 0 * log(0.1)</a:t>
+                      </a:r>
+                    </a:p>
+                  </a:txBody>
+                  <a:tcPr/>
+                </a:tc>
+                <a:tc>
+                  <a:txBody>
+                    <a:bodyPr/>
+                    <a:lstStyle/>
+                    <a:p>
+                      <a:r>
+                        <a:rPr lang="de-CH" dirty="0"/>
+                        <a:t>0.514573</a:t>
+                      </a:r>
+                    </a:p>
+                  </a:txBody>
+                  <a:tcPr/>
+                </a:tc>
+                <a:extLst>
+                  <a:ext uri="{0D108BD9-81ED-4DB2-BD59-A6C34878D82A}">
+                    <a16:rowId xmlns:a16="http://schemas.microsoft.com/office/drawing/2014/main" val="2483980710"/>
+                  </a:ext>
+                </a:extLst>
+              </a:tr>
+            </a:tbl>
+          </a:graphicData>
+        </a:graphic>
+      </p:graphicFrame>
     </p:spTree>
     <p:extLst>
       <p:ext uri="{BB962C8B-B14F-4D97-AF65-F5344CB8AC3E}">
@@ -6449,13 +7852,21 @@
           <a:lstStyle/>
           <a:p>
             <a:r>
-              <a:rPr lang="de-CH" dirty="0"/>
+              <a:rPr lang="de-CH" dirty="0">
+                <a:solidFill>
+                  <a:schemeClr val="tx1"/>
+                </a:solidFill>
+              </a:rPr>
               <a:t>P(x) = {1, …, 1}</a:t>
             </a:r>
           </a:p>
           <a:p>
             <a:r>
-              <a:rPr lang="de-CH" dirty="0"/>
+              <a:rPr lang="de-CH" dirty="0">
+                <a:solidFill>
+                  <a:schemeClr val="tx1"/>
+                </a:solidFill>
+              </a:rPr>
               <a:t>Q(x) = D(x)</a:t>
             </a:r>
           </a:p>
@@ -6779,13 +8190,21 @@
           </a:lstStyle>
           <a:p>
             <a:r>
-              <a:rPr lang="de-CH" dirty="0"/>
+              <a:rPr lang="de-CH" dirty="0">
+                <a:solidFill>
+                  <a:schemeClr val="tx1"/>
+                </a:solidFill>
+              </a:rPr>
               <a:t>P(x) = {0, …, 0}</a:t>
             </a:r>
           </a:p>
           <a:p>
             <a:r>
-              <a:rPr lang="de-CH" dirty="0"/>
+              <a:rPr lang="de-CH" dirty="0">
+                <a:solidFill>
+                  <a:schemeClr val="tx1"/>
+                </a:solidFill>
+              </a:rPr>
               <a:t>Q(x) = D(G(z))</a:t>
             </a:r>
           </a:p>
@@ -6903,7 +8322,7 @@
         </p:blipFill>
         <p:spPr>
           <a:xfrm>
-            <a:off x="4951412" y="3241040"/>
+            <a:off x="4957756" y="5040469"/>
             <a:ext cx="2276475" cy="561975"/>
           </a:xfrm>
           <a:prstGeom prst="rect">
@@ -6963,8 +8382,68 @@
         </p:blipFill>
         <p:spPr>
           <a:xfrm>
-            <a:off x="3133723" y="2094230"/>
+            <a:off x="3133718" y="3963801"/>
             <a:ext cx="5924550" cy="800100"/>
+          </a:xfrm>
+          <a:prstGeom prst="rect">
+            <a:avLst/>
+          </a:prstGeom>
+        </p:spPr>
+      </p:pic>
+      <p:pic>
+        <p:nvPicPr>
+          <p:cNvPr id="5" name="Grafik 4">
+            <a:extLst>
+              <a:ext uri="{FF2B5EF4-FFF2-40B4-BE49-F238E27FC236}">
+                <a16:creationId xmlns:a16="http://schemas.microsoft.com/office/drawing/2014/main" id="{8D85A459-DF9E-4404-8A0D-4A64C2C48B07}"/>
+              </a:ext>
+            </a:extLst>
+          </p:cNvPr>
+          <p:cNvPicPr>
+            <a:picLocks noChangeAspect="1"/>
+          </p:cNvPicPr>
+          <p:nvPr/>
+        </p:nvPicPr>
+        <p:blipFill>
+          <a:blip r:embed="rId5"/>
+          <a:stretch>
+            <a:fillRect/>
+          </a:stretch>
+        </p:blipFill>
+        <p:spPr>
+          <a:xfrm>
+            <a:off x="4862507" y="1791069"/>
+            <a:ext cx="2466975" cy="790575"/>
+          </a:xfrm>
+          <a:prstGeom prst="rect">
+            <a:avLst/>
+          </a:prstGeom>
+        </p:spPr>
+      </p:pic>
+      <p:pic>
+        <p:nvPicPr>
+          <p:cNvPr id="7" name="Grafik 6">
+            <a:extLst>
+              <a:ext uri="{FF2B5EF4-FFF2-40B4-BE49-F238E27FC236}">
+                <a16:creationId xmlns:a16="http://schemas.microsoft.com/office/drawing/2014/main" id="{A277ED1E-7E07-40DD-9339-7EA2BB9E19AE}"/>
+              </a:ext>
+            </a:extLst>
+          </p:cNvPr>
+          <p:cNvPicPr>
+            <a:picLocks noChangeAspect="1"/>
+          </p:cNvPicPr>
+          <p:nvPr/>
+        </p:nvPicPr>
+        <p:blipFill>
+          <a:blip r:embed="rId6"/>
+          <a:stretch>
+            <a:fillRect/>
+          </a:stretch>
+        </p:blipFill>
+        <p:spPr>
+          <a:xfrm>
+            <a:off x="4862507" y="2681015"/>
+            <a:ext cx="2443158" cy="918413"/>
           </a:xfrm>
           <a:prstGeom prst="rect">
             <a:avLst/>
@@ -7051,19 +8530,62 @@
           <a:lstStyle/>
           <a:p>
             <a:r>
-              <a:rPr lang="de-CH" dirty="0"/>
+              <a:rPr lang="de-CH" dirty="0">
+                <a:solidFill>
+                  <a:schemeClr val="tx1"/>
+                </a:solidFill>
+              </a:rPr>
               <a:t>Gute Möglichkeit für </a:t>
             </a:r>
             <a:r>
-              <a:rPr lang="de-CH" dirty="0" err="1"/>
+              <a:rPr lang="de-CH" dirty="0" err="1">
+                <a:solidFill>
+                  <a:schemeClr val="tx1"/>
+                </a:solidFill>
+              </a:rPr>
               <a:t>Datenaugmentierung</a:t>
             </a:r>
-            <a:endParaRPr lang="de-CH" dirty="0"/>
-          </a:p>
-          <a:p>
-            <a:r>
-              <a:rPr lang="de-CH" dirty="0"/>
+            <a:endParaRPr lang="de-CH" dirty="0">
+              <a:solidFill>
+                <a:schemeClr val="tx1"/>
+              </a:solidFill>
+            </a:endParaRPr>
+          </a:p>
+          <a:p>
+            <a:r>
+              <a:rPr lang="de-CH" dirty="0">
+                <a:solidFill>
+                  <a:schemeClr val="tx1"/>
+                </a:solidFill>
+              </a:rPr>
               <a:t>Wohl eher weniger geeignet als «Künstler»</a:t>
+            </a:r>
+          </a:p>
+          <a:p>
+            <a:endParaRPr lang="de-CH" dirty="0">
+              <a:solidFill>
+                <a:schemeClr val="tx1"/>
+              </a:solidFill>
+            </a:endParaRPr>
+          </a:p>
+          <a:p>
+            <a:r>
+              <a:rPr lang="de-CH" dirty="0">
+                <a:solidFill>
+                  <a:schemeClr val="tx1"/>
+                </a:solidFill>
+              </a:rPr>
+              <a:t>Simultanes Lernen notwendig</a:t>
+            </a:r>
+          </a:p>
+          <a:p>
+            <a:r>
+              <a:rPr lang="de-CH" dirty="0">
+                <a:solidFill>
+                  <a:schemeClr val="tx1"/>
+                </a:solidFill>
+              </a:rPr>
+              <a:t>Achtung: Müssen ungefähr gleich stark sein</a:t>
             </a:r>
           </a:p>
         </p:txBody>
@@ -7148,48 +8670,31 @@
           <a:lstStyle/>
           <a:p>
             <a:r>
-              <a:rPr lang="de-CH" dirty="0"/>
+              <a:rPr lang="de-CH" dirty="0">
+                <a:solidFill>
+                  <a:schemeClr val="tx1"/>
+                </a:solidFill>
+              </a:rPr>
               <a:t>Ziel</a:t>
             </a:r>
           </a:p>
           <a:p>
             <a:r>
-              <a:rPr lang="de-CH" dirty="0"/>
+              <a:rPr lang="de-CH" dirty="0">
+                <a:solidFill>
+                  <a:schemeClr val="tx1"/>
+                </a:solidFill>
+              </a:rPr>
               <a:t>GAN</a:t>
             </a:r>
           </a:p>
           <a:p>
             <a:r>
-              <a:rPr lang="de-CH" dirty="0"/>
-              <a:t>Loss-</a:t>
-            </a:r>
-            <a:r>
-              <a:rPr lang="de-CH" dirty="0" err="1"/>
-              <a:t>Function</a:t>
-            </a:r>
-            <a:endParaRPr lang="de-CH" dirty="0"/>
-          </a:p>
-          <a:p>
-            <a:r>
-              <a:rPr lang="de-CH" dirty="0"/>
-              <a:t>Entropie</a:t>
-            </a:r>
-          </a:p>
-          <a:p>
-            <a:r>
-              <a:rPr lang="de-CH" dirty="0"/>
-              <a:t>Kreuzentropie</a:t>
-            </a:r>
-          </a:p>
-          <a:p>
-            <a:r>
-              <a:rPr lang="de-CH" dirty="0"/>
-              <a:t>Herleitung GAN-Formel</a:t>
-            </a:r>
-          </a:p>
-          <a:p>
-            <a:r>
-              <a:rPr lang="de-CH" dirty="0"/>
+              <a:rPr lang="de-CH" dirty="0">
+                <a:solidFill>
+                  <a:schemeClr val="tx1"/>
+                </a:solidFill>
+              </a:rPr>
               <a:t>Fazit</a:t>
             </a:r>
           </a:p>
@@ -7279,10 +8784,18 @@
           <a:lstStyle/>
           <a:p>
             <a:r>
-              <a:rPr lang="de-DE" dirty="0"/>
+              <a:rPr lang="de-DE" dirty="0">
+                <a:solidFill>
+                  <a:schemeClr val="tx1"/>
+                </a:solidFill>
+              </a:rPr>
               <a:t>Generiere Bilder anhand von Vorlagen</a:t>
             </a:r>
-            <a:endParaRPr lang="de-CH" dirty="0"/>
+            <a:endParaRPr lang="de-CH" dirty="0">
+              <a:solidFill>
+                <a:schemeClr val="tx1"/>
+              </a:solidFill>
+            </a:endParaRPr>
           </a:p>
         </p:txBody>
       </p:sp>
@@ -7351,6 +8864,399 @@
           <p:cNvPr id="2" name="Titel 1">
             <a:extLst>
               <a:ext uri="{FF2B5EF4-FFF2-40B4-BE49-F238E27FC236}">
+                <a16:creationId xmlns:a16="http://schemas.microsoft.com/office/drawing/2014/main" id="{A5DEF2B5-F2B0-46CA-BE12-D2C53C9C4010}"/>
+              </a:ext>
+            </a:extLst>
+          </p:cNvPr>
+          <p:cNvSpPr>
+            <a:spLocks noGrp="1"/>
+          </p:cNvSpPr>
+          <p:nvPr>
+            <p:ph type="title"/>
+          </p:nvPr>
+        </p:nvSpPr>
+        <p:spPr/>
+        <p:txBody>
+          <a:bodyPr/>
+          <a:lstStyle/>
+          <a:p>
+            <a:r>
+              <a:rPr lang="de-DE" dirty="0"/>
+              <a:t>GAN</a:t>
+            </a:r>
+            <a:endParaRPr lang="de-CH" dirty="0"/>
+          </a:p>
+        </p:txBody>
+      </p:sp>
+      <p:sp>
+        <p:nvSpPr>
+          <p:cNvPr id="3" name="Inhaltsplatzhalter 2">
+            <a:extLst>
+              <a:ext uri="{FF2B5EF4-FFF2-40B4-BE49-F238E27FC236}">
+                <a16:creationId xmlns:a16="http://schemas.microsoft.com/office/drawing/2014/main" id="{9BBAEAB6-8382-470E-A3A7-B0A632E13DC6}"/>
+              </a:ext>
+            </a:extLst>
+          </p:cNvPr>
+          <p:cNvSpPr>
+            <a:spLocks noGrp="1"/>
+          </p:cNvSpPr>
+          <p:nvPr>
+            <p:ph idx="1"/>
+          </p:nvPr>
+        </p:nvSpPr>
+        <p:spPr/>
+        <p:txBody>
+          <a:bodyPr/>
+          <a:lstStyle/>
+          <a:p>
+            <a:r>
+              <a:rPr lang="de-DE" dirty="0">
+                <a:solidFill>
+                  <a:schemeClr val="tx1"/>
+                </a:solidFill>
+              </a:rPr>
+              <a:t>Generator</a:t>
+            </a:r>
+          </a:p>
+          <a:p>
+            <a:endParaRPr lang="de-DE" dirty="0"/>
+          </a:p>
+          <a:p>
+            <a:endParaRPr lang="de-DE" dirty="0"/>
+          </a:p>
+          <a:p>
+            <a:endParaRPr lang="de-DE" dirty="0"/>
+          </a:p>
+          <a:p>
+            <a:r>
+              <a:rPr lang="de-DE" dirty="0">
+                <a:solidFill>
+                  <a:schemeClr val="tx1"/>
+                </a:solidFill>
+              </a:rPr>
+              <a:t>Diskriminator</a:t>
+            </a:r>
+            <a:endParaRPr lang="de-CH" dirty="0">
+              <a:solidFill>
+                <a:schemeClr val="tx1"/>
+              </a:solidFill>
+            </a:endParaRPr>
+          </a:p>
+        </p:txBody>
+      </p:sp>
+      <p:pic>
+        <p:nvPicPr>
+          <p:cNvPr id="6" name="Grafik 5">
+            <a:extLst>
+              <a:ext uri="{FF2B5EF4-FFF2-40B4-BE49-F238E27FC236}">
+                <a16:creationId xmlns:a16="http://schemas.microsoft.com/office/drawing/2014/main" id="{47EBF0A5-B8DD-4983-8CB4-C64BEC9A4116}"/>
+              </a:ext>
+            </a:extLst>
+          </p:cNvPr>
+          <p:cNvPicPr>
+            <a:picLocks noChangeAspect="1"/>
+          </p:cNvPicPr>
+          <p:nvPr/>
+        </p:nvPicPr>
+        <p:blipFill>
+          <a:blip r:embed="rId2"/>
+          <a:stretch>
+            <a:fillRect/>
+          </a:stretch>
+        </p:blipFill>
+        <p:spPr>
+          <a:xfrm>
+            <a:off x="3322043" y="685800"/>
+            <a:ext cx="1631698" cy="1608635"/>
+          </a:xfrm>
+          <a:prstGeom prst="rect">
+            <a:avLst/>
+          </a:prstGeom>
+        </p:spPr>
+      </p:pic>
+      <p:sp>
+        <p:nvSpPr>
+          <p:cNvPr id="8" name="Pfeil: nach rechts 7">
+            <a:extLst>
+              <a:ext uri="{FF2B5EF4-FFF2-40B4-BE49-F238E27FC236}">
+                <a16:creationId xmlns:a16="http://schemas.microsoft.com/office/drawing/2014/main" id="{8EF8EB51-7BFE-4FFB-84D0-BBE66CE78129}"/>
+              </a:ext>
+            </a:extLst>
+          </p:cNvPr>
+          <p:cNvSpPr/>
+          <p:nvPr/>
+        </p:nvSpPr>
+        <p:spPr>
+          <a:xfrm>
+            <a:off x="5227783" y="1306319"/>
+            <a:ext cx="2363789" cy="488271"/>
+          </a:xfrm>
+          <a:prstGeom prst="rightArrow">
+            <a:avLst/>
+          </a:prstGeom>
+        </p:spPr>
+        <p:style>
+          <a:lnRef idx="2">
+            <a:schemeClr val="accent1">
+              <a:shade val="50000"/>
+            </a:schemeClr>
+          </a:lnRef>
+          <a:fillRef idx="1">
+            <a:schemeClr val="accent1"/>
+          </a:fillRef>
+          <a:effectRef idx="0">
+            <a:schemeClr val="accent1"/>
+          </a:effectRef>
+          <a:fontRef idx="minor">
+            <a:schemeClr val="lt1"/>
+          </a:fontRef>
+        </p:style>
+        <p:txBody>
+          <a:bodyPr rtlCol="0" anchor="ctr"/>
+          <a:lstStyle/>
+          <a:p>
+            <a:pPr algn="ctr"/>
+            <a:endParaRPr lang="de-CH"/>
+          </a:p>
+        </p:txBody>
+      </p:sp>
+      <p:pic>
+        <p:nvPicPr>
+          <p:cNvPr id="10" name="Grafik 9">
+            <a:extLst>
+              <a:ext uri="{FF2B5EF4-FFF2-40B4-BE49-F238E27FC236}">
+                <a16:creationId xmlns:a16="http://schemas.microsoft.com/office/drawing/2014/main" id="{757E3230-C807-4791-B192-48B4D4731BC2}"/>
+              </a:ext>
+            </a:extLst>
+          </p:cNvPr>
+          <p:cNvPicPr>
+            <a:picLocks noChangeAspect="1"/>
+          </p:cNvPicPr>
+          <p:nvPr/>
+        </p:nvPicPr>
+        <p:blipFill>
+          <a:blip r:embed="rId3"/>
+          <a:stretch>
+            <a:fillRect/>
+          </a:stretch>
+        </p:blipFill>
+        <p:spPr>
+          <a:xfrm>
+            <a:off x="7888130" y="685235"/>
+            <a:ext cx="1609200" cy="1609200"/>
+          </a:xfrm>
+          <a:prstGeom prst="rect">
+            <a:avLst/>
+          </a:prstGeom>
+        </p:spPr>
+      </p:pic>
+      <p:pic>
+        <p:nvPicPr>
+          <p:cNvPr id="12" name="Grafik 11">
+            <a:extLst>
+              <a:ext uri="{FF2B5EF4-FFF2-40B4-BE49-F238E27FC236}">
+                <a16:creationId xmlns:a16="http://schemas.microsoft.com/office/drawing/2014/main" id="{DC4E0A49-EF1E-4EA4-A4D2-AFB3DB66E320}"/>
+              </a:ext>
+            </a:extLst>
+          </p:cNvPr>
+          <p:cNvPicPr>
+            <a:picLocks noChangeAspect="1"/>
+          </p:cNvPicPr>
+          <p:nvPr/>
+        </p:nvPicPr>
+        <p:blipFill>
+          <a:blip r:embed="rId3"/>
+          <a:stretch>
+            <a:fillRect/>
+          </a:stretch>
+        </p:blipFill>
+        <p:spPr>
+          <a:xfrm>
+            <a:off x="3307337" y="2778038"/>
+            <a:ext cx="1609200" cy="1609200"/>
+          </a:xfrm>
+          <a:prstGeom prst="rect">
+            <a:avLst/>
+          </a:prstGeom>
+        </p:spPr>
+      </p:pic>
+      <p:sp>
+        <p:nvSpPr>
+          <p:cNvPr id="13" name="Pfeil: nach rechts 12">
+            <a:extLst>
+              <a:ext uri="{FF2B5EF4-FFF2-40B4-BE49-F238E27FC236}">
+                <a16:creationId xmlns:a16="http://schemas.microsoft.com/office/drawing/2014/main" id="{8E11CFBA-AA50-4379-802A-839ACB7EBF89}"/>
+              </a:ext>
+            </a:extLst>
+          </p:cNvPr>
+          <p:cNvSpPr/>
+          <p:nvPr/>
+        </p:nvSpPr>
+        <p:spPr>
+          <a:xfrm>
+            <a:off x="5175873" y="3184864"/>
+            <a:ext cx="2363789" cy="488271"/>
+          </a:xfrm>
+          <a:prstGeom prst="rightArrow">
+            <a:avLst/>
+          </a:prstGeom>
+        </p:spPr>
+        <p:style>
+          <a:lnRef idx="2">
+            <a:schemeClr val="accent1">
+              <a:shade val="50000"/>
+            </a:schemeClr>
+          </a:lnRef>
+          <a:fillRef idx="1">
+            <a:schemeClr val="accent1"/>
+          </a:fillRef>
+          <a:effectRef idx="0">
+            <a:schemeClr val="accent1"/>
+          </a:effectRef>
+          <a:fontRef idx="minor">
+            <a:schemeClr val="lt1"/>
+          </a:fontRef>
+        </p:style>
+        <p:txBody>
+          <a:bodyPr rtlCol="0" anchor="ctr"/>
+          <a:lstStyle/>
+          <a:p>
+            <a:pPr algn="ctr"/>
+            <a:endParaRPr lang="de-CH"/>
+          </a:p>
+        </p:txBody>
+      </p:sp>
+      <mc:AlternateContent xmlns:mc="http://schemas.openxmlformats.org/markup-compatibility/2006">
+        <mc:Choice xmlns:a14="http://schemas.microsoft.com/office/drawing/2010/main" Requires="a14">
+          <p:sp>
+            <p:nvSpPr>
+              <p:cNvPr id="14" name="Textfeld 13">
+                <a:extLst>
+                  <a:ext uri="{FF2B5EF4-FFF2-40B4-BE49-F238E27FC236}">
+                    <a16:creationId xmlns:a16="http://schemas.microsoft.com/office/drawing/2014/main" id="{4B488162-E7B3-47F3-BE80-1ED5BC13974C}"/>
+                  </a:ext>
+                </a:extLst>
+              </p:cNvPr>
+              <p:cNvSpPr txBox="1"/>
+              <p:nvPr/>
+            </p:nvSpPr>
+            <p:spPr>
+              <a:xfrm>
+                <a:off x="8324039" y="3308796"/>
+                <a:ext cx="732572" cy="553998"/>
+              </a:xfrm>
+              <a:prstGeom prst="rect">
+                <a:avLst/>
+              </a:prstGeom>
+              <a:noFill/>
+            </p:spPr>
+            <p:txBody>
+              <a:bodyPr wrap="none" lIns="0" tIns="0" rIns="0" bIns="0" rtlCol="0">
+                <a:spAutoFit/>
+              </a:bodyPr>
+              <a:lstStyle/>
+              <a:p>
+                <a:pPr/>
+                <a14:m>
+                  <m:oMathPara xmlns:m="http://schemas.openxmlformats.org/officeDocument/2006/math">
+                    <m:oMathParaPr>
+                      <m:jc m:val="centerGroup"/>
+                    </m:oMathParaPr>
+                    <m:oMath xmlns:m="http://schemas.openxmlformats.org/officeDocument/2006/math">
+                      <m:r>
+                        <a:rPr lang="de-DE" sz="3600" b="0" i="1" smtClean="0">
+                          <a:latin typeface="Cambria Math" panose="02040503050406030204" pitchFamily="18" charset="0"/>
+                        </a:rPr>
+                        <m:t>0.8</m:t>
+                      </m:r>
+                    </m:oMath>
+                  </m:oMathPara>
+                </a14:m>
+                <a:endParaRPr lang="de-CH" sz="3600" dirty="0"/>
+              </a:p>
+            </p:txBody>
+          </p:sp>
+        </mc:Choice>
+        <mc:Fallback>
+          <p:sp>
+            <p:nvSpPr>
+              <p:cNvPr id="14" name="Textfeld 13">
+                <a:extLst>
+                  <a:ext uri="{FF2B5EF4-FFF2-40B4-BE49-F238E27FC236}">
+                    <a16:creationId xmlns:a16="http://schemas.microsoft.com/office/drawing/2014/main" id="{4B488162-E7B3-47F3-BE80-1ED5BC13974C}"/>
+                  </a:ext>
+                </a:extLst>
+              </p:cNvPr>
+              <p:cNvSpPr txBox="1">
+                <a:spLocks noRot="1" noChangeAspect="1" noMove="1" noResize="1" noEditPoints="1" noAdjustHandles="1" noChangeArrowheads="1" noChangeShapeType="1" noTextEdit="1"/>
+              </p:cNvSpPr>
+              <p:nvPr/>
+            </p:nvSpPr>
+            <p:spPr>
+              <a:xfrm>
+                <a:off x="8324039" y="3308796"/>
+                <a:ext cx="732572" cy="553998"/>
+              </a:xfrm>
+              <a:prstGeom prst="rect">
+                <a:avLst/>
+              </a:prstGeom>
+              <a:blipFill>
+                <a:blip r:embed="rId4"/>
+                <a:stretch>
+                  <a:fillRect/>
+                </a:stretch>
+              </a:blipFill>
+            </p:spPr>
+            <p:txBody>
+              <a:bodyPr/>
+              <a:lstStyle/>
+              <a:p>
+                <a:r>
+                  <a:rPr lang="de-CH">
+                    <a:noFill/>
+                  </a:rPr>
+                  <a:t> </a:t>
+                </a:r>
+              </a:p>
+            </p:txBody>
+          </p:sp>
+        </mc:Fallback>
+      </mc:AlternateContent>
+    </p:spTree>
+    <p:extLst>
+      <p:ext uri="{BB962C8B-B14F-4D97-AF65-F5344CB8AC3E}">
+        <p14:creationId xmlns:p14="http://schemas.microsoft.com/office/powerpoint/2010/main" val="2992695250"/>
+      </p:ext>
+    </p:extLst>
+  </p:cSld>
+  <p:clrMapOvr>
+    <a:masterClrMapping/>
+  </p:clrMapOvr>
+</p:sld>
+</file>
+
+<file path=ppt/slides/slide5.xml><?xml version="1.0" encoding="utf-8"?>
+<p:sld xmlns:a="http://schemas.openxmlformats.org/drawingml/2006/main" xmlns:r="http://schemas.openxmlformats.org/officeDocument/2006/relationships" xmlns:p="http://schemas.openxmlformats.org/presentationml/2006/main">
+  <p:cSld>
+    <p:spTree>
+      <p:nvGrpSpPr>
+        <p:cNvPr id="1" name=""/>
+        <p:cNvGrpSpPr/>
+        <p:nvPr/>
+      </p:nvGrpSpPr>
+      <p:grpSpPr>
+        <a:xfrm>
+          <a:off x="0" y="0"/>
+          <a:ext cx="0" cy="0"/>
+          <a:chOff x="0" y="0"/>
+          <a:chExt cx="0" cy="0"/>
+        </a:xfrm>
+      </p:grpSpPr>
+      <p:sp>
+        <p:nvSpPr>
+          <p:cNvPr id="2" name="Titel 1">
+            <a:extLst>
+              <a:ext uri="{FF2B5EF4-FFF2-40B4-BE49-F238E27FC236}">
                 <a16:creationId xmlns:a16="http://schemas.microsoft.com/office/drawing/2014/main" id="{62C1AB17-4BDC-47FD-B8E4-1C4CFBA3BD73}"/>
               </a:ext>
             </a:extLst>
@@ -7397,38 +9303,38 @@
           <a:lstStyle/>
           <a:p>
             <a:r>
-              <a:rPr lang="de-DE" dirty="0" err="1"/>
-              <a:t>W‘keitsverteilung</a:t>
-            </a:r>
-            <a:r>
-              <a:rPr lang="de-DE" dirty="0"/>
-              <a:t> Rauschsamples</a:t>
-            </a:r>
-          </a:p>
-          <a:p>
-            <a:r>
-              <a:rPr lang="de-DE" dirty="0" err="1"/>
-              <a:t>W‘keitsverteilung</a:t>
-            </a:r>
-            <a:r>
-              <a:rPr lang="de-CH" dirty="0"/>
-              <a:t> generierter Samples</a:t>
-            </a:r>
-          </a:p>
-          <a:p>
-            <a:r>
-              <a:rPr lang="de-DE" dirty="0" err="1"/>
-              <a:t>W‘keitsverteilung</a:t>
-            </a:r>
-            <a:r>
-              <a:rPr lang="de-CH" dirty="0"/>
-              <a:t> originaler Samples</a:t>
-            </a:r>
-          </a:p>
-        </p:txBody>
-      </p:sp>
-      <mc:AlternateContent xmlns:mc="http://schemas.openxmlformats.org/markup-compatibility/2006">
-        <mc:Choice xmlns:a14="http://schemas.microsoft.com/office/drawing/2010/main" Requires="a14">
+              <a:rPr lang="de-DE" dirty="0">
+                <a:solidFill>
+                  <a:schemeClr val="tx1"/>
+                </a:solidFill>
+              </a:rPr>
+              <a:t>Rauschsamples</a:t>
+            </a:r>
+          </a:p>
+          <a:p>
+            <a:r>
+              <a:rPr lang="de-CH" dirty="0">
+                <a:solidFill>
+                  <a:schemeClr val="tx1"/>
+                </a:solidFill>
+              </a:rPr>
+              <a:t>Generierte Samples</a:t>
+            </a:r>
+          </a:p>
+          <a:p>
+            <a:r>
+              <a:rPr lang="de-CH" dirty="0">
+                <a:solidFill>
+                  <a:schemeClr val="tx1"/>
+                </a:solidFill>
+              </a:rPr>
+              <a:t>Originale Samples</a:t>
+            </a:r>
+          </a:p>
+        </p:txBody>
+      </p:sp>
+      <mc:AlternateContent xmlns:mc="http://schemas.openxmlformats.org/markup-compatibility/2006" xmlns:a14="http://schemas.microsoft.com/office/drawing/2010/main">
+        <mc:Choice Requires="a14">
           <p:sp>
             <p:nvSpPr>
               <p:cNvPr id="4" name="Textfeld 3">
@@ -7500,7 +9406,7 @@
             </p:txBody>
           </p:sp>
         </mc:Choice>
-        <mc:Fallback>
+        <mc:Fallback xmlns="">
           <p:sp>
             <p:nvSpPr>
               <p:cNvPr id="4" name="Textfeld 3">
@@ -7545,8 +9451,8 @@
           </p:sp>
         </mc:Fallback>
       </mc:AlternateContent>
-      <mc:AlternateContent xmlns:mc="http://schemas.openxmlformats.org/markup-compatibility/2006">
-        <mc:Choice xmlns:a14="http://schemas.microsoft.com/office/drawing/2010/main" Requires="a14">
+      <mc:AlternateContent xmlns:mc="http://schemas.openxmlformats.org/markup-compatibility/2006" xmlns:a14="http://schemas.microsoft.com/office/drawing/2010/main">
+        <mc:Choice Requires="a14">
           <p:sp>
             <p:nvSpPr>
               <p:cNvPr id="5" name="Textfeld 4">
@@ -7618,7 +9524,7 @@
             </p:txBody>
           </p:sp>
         </mc:Choice>
-        <mc:Fallback>
+        <mc:Fallback xmlns="">
           <p:sp>
             <p:nvSpPr>
               <p:cNvPr id="5" name="Textfeld 4">
@@ -7663,8 +9569,8 @@
           </p:sp>
         </mc:Fallback>
       </mc:AlternateContent>
-      <mc:AlternateContent xmlns:mc="http://schemas.openxmlformats.org/markup-compatibility/2006">
-        <mc:Choice xmlns:a14="http://schemas.microsoft.com/office/drawing/2010/main" Requires="a14">
+      <mc:AlternateContent xmlns:mc="http://schemas.openxmlformats.org/markup-compatibility/2006" xmlns:a14="http://schemas.microsoft.com/office/drawing/2010/main">
+        <mc:Choice Requires="a14">
           <p:sp>
             <p:nvSpPr>
               <p:cNvPr id="6" name="Textfeld 5">
@@ -7736,7 +9642,7 @@
             </p:txBody>
           </p:sp>
         </mc:Choice>
-        <mc:Fallback>
+        <mc:Fallback xmlns="">
           <p:sp>
             <p:nvSpPr>
               <p:cNvPr id="6" name="Textfeld 5">
@@ -7785,387 +9691,6 @@
     <p:extLst>
       <p:ext uri="{BB962C8B-B14F-4D97-AF65-F5344CB8AC3E}">
         <p14:creationId xmlns:p14="http://schemas.microsoft.com/office/powerpoint/2010/main" val="2456606818"/>
-      </p:ext>
-    </p:extLst>
-  </p:cSld>
-  <p:clrMapOvr>
-    <a:masterClrMapping/>
-  </p:clrMapOvr>
-</p:sld>
-</file>
-
-<file path=ppt/slides/slide5.xml><?xml version="1.0" encoding="utf-8"?>
-<p:sld xmlns:a="http://schemas.openxmlformats.org/drawingml/2006/main" xmlns:r="http://schemas.openxmlformats.org/officeDocument/2006/relationships" xmlns:p="http://schemas.openxmlformats.org/presentationml/2006/main">
-  <p:cSld>
-    <p:spTree>
-      <p:nvGrpSpPr>
-        <p:cNvPr id="1" name=""/>
-        <p:cNvGrpSpPr/>
-        <p:nvPr/>
-      </p:nvGrpSpPr>
-      <p:grpSpPr>
-        <a:xfrm>
-          <a:off x="0" y="0"/>
-          <a:ext cx="0" cy="0"/>
-          <a:chOff x="0" y="0"/>
-          <a:chExt cx="0" cy="0"/>
-        </a:xfrm>
-      </p:grpSpPr>
-      <p:sp>
-        <p:nvSpPr>
-          <p:cNvPr id="2" name="Titel 1">
-            <a:extLst>
-              <a:ext uri="{FF2B5EF4-FFF2-40B4-BE49-F238E27FC236}">
-                <a16:creationId xmlns:a16="http://schemas.microsoft.com/office/drawing/2014/main" id="{A5DEF2B5-F2B0-46CA-BE12-D2C53C9C4010}"/>
-              </a:ext>
-            </a:extLst>
-          </p:cNvPr>
-          <p:cNvSpPr>
-            <a:spLocks noGrp="1"/>
-          </p:cNvSpPr>
-          <p:nvPr>
-            <p:ph type="title"/>
-          </p:nvPr>
-        </p:nvSpPr>
-        <p:spPr/>
-        <p:txBody>
-          <a:bodyPr/>
-          <a:lstStyle/>
-          <a:p>
-            <a:r>
-              <a:rPr lang="de-DE" dirty="0"/>
-              <a:t>GAN</a:t>
-            </a:r>
-            <a:endParaRPr lang="de-CH" dirty="0"/>
-          </a:p>
-        </p:txBody>
-      </p:sp>
-      <p:sp>
-        <p:nvSpPr>
-          <p:cNvPr id="3" name="Inhaltsplatzhalter 2">
-            <a:extLst>
-              <a:ext uri="{FF2B5EF4-FFF2-40B4-BE49-F238E27FC236}">
-                <a16:creationId xmlns:a16="http://schemas.microsoft.com/office/drawing/2014/main" id="{9BBAEAB6-8382-470E-A3A7-B0A632E13DC6}"/>
-              </a:ext>
-            </a:extLst>
-          </p:cNvPr>
-          <p:cNvSpPr>
-            <a:spLocks noGrp="1"/>
-          </p:cNvSpPr>
-          <p:nvPr>
-            <p:ph idx="1"/>
-          </p:nvPr>
-        </p:nvSpPr>
-        <p:spPr/>
-        <p:txBody>
-          <a:bodyPr/>
-          <a:lstStyle/>
-          <a:p>
-            <a:r>
-              <a:rPr lang="de-DE" dirty="0"/>
-              <a:t>Generator</a:t>
-            </a:r>
-          </a:p>
-          <a:p>
-            <a:endParaRPr lang="de-DE" dirty="0"/>
-          </a:p>
-          <a:p>
-            <a:endParaRPr lang="de-DE" dirty="0"/>
-          </a:p>
-          <a:p>
-            <a:endParaRPr lang="de-DE" dirty="0"/>
-          </a:p>
-          <a:p>
-            <a:r>
-              <a:rPr lang="de-DE" dirty="0"/>
-              <a:t>Diskriminator</a:t>
-            </a:r>
-            <a:endParaRPr lang="de-CH" dirty="0"/>
-          </a:p>
-        </p:txBody>
-      </p:sp>
-      <p:pic>
-        <p:nvPicPr>
-          <p:cNvPr id="6" name="Grafik 5">
-            <a:extLst>
-              <a:ext uri="{FF2B5EF4-FFF2-40B4-BE49-F238E27FC236}">
-                <a16:creationId xmlns:a16="http://schemas.microsoft.com/office/drawing/2014/main" id="{47EBF0A5-B8DD-4983-8CB4-C64BEC9A4116}"/>
-              </a:ext>
-            </a:extLst>
-          </p:cNvPr>
-          <p:cNvPicPr>
-            <a:picLocks noChangeAspect="1"/>
-          </p:cNvPicPr>
-          <p:nvPr/>
-        </p:nvPicPr>
-        <p:blipFill>
-          <a:blip r:embed="rId2"/>
-          <a:stretch>
-            <a:fillRect/>
-          </a:stretch>
-        </p:blipFill>
-        <p:spPr>
-          <a:xfrm>
-            <a:off x="3322043" y="685800"/>
-            <a:ext cx="1631698" cy="1608635"/>
-          </a:xfrm>
-          <a:prstGeom prst="rect">
-            <a:avLst/>
-          </a:prstGeom>
-        </p:spPr>
-      </p:pic>
-      <p:sp>
-        <p:nvSpPr>
-          <p:cNvPr id="8" name="Pfeil: nach rechts 7">
-            <a:extLst>
-              <a:ext uri="{FF2B5EF4-FFF2-40B4-BE49-F238E27FC236}">
-                <a16:creationId xmlns:a16="http://schemas.microsoft.com/office/drawing/2014/main" id="{8EF8EB51-7BFE-4FFB-84D0-BBE66CE78129}"/>
-              </a:ext>
-            </a:extLst>
-          </p:cNvPr>
-          <p:cNvSpPr/>
-          <p:nvPr/>
-        </p:nvSpPr>
-        <p:spPr>
-          <a:xfrm>
-            <a:off x="5227783" y="1306319"/>
-            <a:ext cx="2363789" cy="488271"/>
-          </a:xfrm>
-          <a:prstGeom prst="rightArrow">
-            <a:avLst/>
-          </a:prstGeom>
-        </p:spPr>
-        <p:style>
-          <a:lnRef idx="2">
-            <a:schemeClr val="accent1">
-              <a:shade val="50000"/>
-            </a:schemeClr>
-          </a:lnRef>
-          <a:fillRef idx="1">
-            <a:schemeClr val="accent1"/>
-          </a:fillRef>
-          <a:effectRef idx="0">
-            <a:schemeClr val="accent1"/>
-          </a:effectRef>
-          <a:fontRef idx="minor">
-            <a:schemeClr val="lt1"/>
-          </a:fontRef>
-        </p:style>
-        <p:txBody>
-          <a:bodyPr rtlCol="0" anchor="ctr"/>
-          <a:lstStyle/>
-          <a:p>
-            <a:pPr algn="ctr"/>
-            <a:endParaRPr lang="de-CH"/>
-          </a:p>
-        </p:txBody>
-      </p:sp>
-      <p:pic>
-        <p:nvPicPr>
-          <p:cNvPr id="10" name="Grafik 9">
-            <a:extLst>
-              <a:ext uri="{FF2B5EF4-FFF2-40B4-BE49-F238E27FC236}">
-                <a16:creationId xmlns:a16="http://schemas.microsoft.com/office/drawing/2014/main" id="{757E3230-C807-4791-B192-48B4D4731BC2}"/>
-              </a:ext>
-            </a:extLst>
-          </p:cNvPr>
-          <p:cNvPicPr>
-            <a:picLocks noChangeAspect="1"/>
-          </p:cNvPicPr>
-          <p:nvPr/>
-        </p:nvPicPr>
-        <p:blipFill>
-          <a:blip r:embed="rId3"/>
-          <a:stretch>
-            <a:fillRect/>
-          </a:stretch>
-        </p:blipFill>
-        <p:spPr>
-          <a:xfrm>
-            <a:off x="7888130" y="685235"/>
-            <a:ext cx="1609200" cy="1609200"/>
-          </a:xfrm>
-          <a:prstGeom prst="rect">
-            <a:avLst/>
-          </a:prstGeom>
-        </p:spPr>
-      </p:pic>
-      <p:pic>
-        <p:nvPicPr>
-          <p:cNvPr id="12" name="Grafik 11">
-            <a:extLst>
-              <a:ext uri="{FF2B5EF4-FFF2-40B4-BE49-F238E27FC236}">
-                <a16:creationId xmlns:a16="http://schemas.microsoft.com/office/drawing/2014/main" id="{DC4E0A49-EF1E-4EA4-A4D2-AFB3DB66E320}"/>
-              </a:ext>
-            </a:extLst>
-          </p:cNvPr>
-          <p:cNvPicPr>
-            <a:picLocks noChangeAspect="1"/>
-          </p:cNvPicPr>
-          <p:nvPr/>
-        </p:nvPicPr>
-        <p:blipFill>
-          <a:blip r:embed="rId3"/>
-          <a:stretch>
-            <a:fillRect/>
-          </a:stretch>
-        </p:blipFill>
-        <p:spPr>
-          <a:xfrm>
-            <a:off x="3307337" y="2778038"/>
-            <a:ext cx="1609200" cy="1609200"/>
-          </a:xfrm>
-          <a:prstGeom prst="rect">
-            <a:avLst/>
-          </a:prstGeom>
-        </p:spPr>
-      </p:pic>
-      <p:sp>
-        <p:nvSpPr>
-          <p:cNvPr id="13" name="Pfeil: nach rechts 12">
-            <a:extLst>
-              <a:ext uri="{FF2B5EF4-FFF2-40B4-BE49-F238E27FC236}">
-                <a16:creationId xmlns:a16="http://schemas.microsoft.com/office/drawing/2014/main" id="{8E11CFBA-AA50-4379-802A-839ACB7EBF89}"/>
-              </a:ext>
-            </a:extLst>
-          </p:cNvPr>
-          <p:cNvSpPr/>
-          <p:nvPr/>
-        </p:nvSpPr>
-        <p:spPr>
-          <a:xfrm>
-            <a:off x="5175873" y="3184864"/>
-            <a:ext cx="2363789" cy="488271"/>
-          </a:xfrm>
-          <a:prstGeom prst="rightArrow">
-            <a:avLst/>
-          </a:prstGeom>
-        </p:spPr>
-        <p:style>
-          <a:lnRef idx="2">
-            <a:schemeClr val="accent1">
-              <a:shade val="50000"/>
-            </a:schemeClr>
-          </a:lnRef>
-          <a:fillRef idx="1">
-            <a:schemeClr val="accent1"/>
-          </a:fillRef>
-          <a:effectRef idx="0">
-            <a:schemeClr val="accent1"/>
-          </a:effectRef>
-          <a:fontRef idx="minor">
-            <a:schemeClr val="lt1"/>
-          </a:fontRef>
-        </p:style>
-        <p:txBody>
-          <a:bodyPr rtlCol="0" anchor="ctr"/>
-          <a:lstStyle/>
-          <a:p>
-            <a:pPr algn="ctr"/>
-            <a:endParaRPr lang="de-CH"/>
-          </a:p>
-        </p:txBody>
-      </p:sp>
-      <mc:AlternateContent xmlns:mc="http://schemas.openxmlformats.org/markup-compatibility/2006" xmlns:a14="http://schemas.microsoft.com/office/drawing/2010/main">
-        <mc:Choice Requires="a14">
-          <p:sp>
-            <p:nvSpPr>
-              <p:cNvPr id="14" name="Textfeld 13">
-                <a:extLst>
-                  <a:ext uri="{FF2B5EF4-FFF2-40B4-BE49-F238E27FC236}">
-                    <a16:creationId xmlns:a16="http://schemas.microsoft.com/office/drawing/2014/main" id="{4B488162-E7B3-47F3-BE80-1ED5BC13974C}"/>
-                  </a:ext>
-                </a:extLst>
-              </p:cNvPr>
-              <p:cNvSpPr txBox="1"/>
-              <p:nvPr/>
-            </p:nvSpPr>
-            <p:spPr>
-              <a:xfrm>
-                <a:off x="8324039" y="3308796"/>
-                <a:ext cx="368691" cy="276999"/>
-              </a:xfrm>
-              <a:prstGeom prst="rect">
-                <a:avLst/>
-              </a:prstGeom>
-              <a:noFill/>
-            </p:spPr>
-            <p:txBody>
-              <a:bodyPr wrap="none" lIns="0" tIns="0" rIns="0" bIns="0" rtlCol="0">
-                <a:spAutoFit/>
-              </a:bodyPr>
-              <a:lstStyle/>
-              <a:p>
-                <a:pPr/>
-                <a14:m>
-                  <m:oMathPara xmlns:m="http://schemas.openxmlformats.org/officeDocument/2006/math">
-                    <m:oMathParaPr>
-                      <m:jc m:val="centerGroup"/>
-                    </m:oMathParaPr>
-                    <m:oMath xmlns:m="http://schemas.openxmlformats.org/officeDocument/2006/math">
-                      <m:r>
-                        <a:rPr lang="de-DE" b="0" i="1" smtClean="0">
-                          <a:latin typeface="Cambria Math" panose="02040503050406030204" pitchFamily="18" charset="0"/>
-                        </a:rPr>
-                        <m:t>0.8</m:t>
-                      </m:r>
-                    </m:oMath>
-                  </m:oMathPara>
-                </a14:m>
-                <a:endParaRPr lang="de-CH" dirty="0"/>
-              </a:p>
-            </p:txBody>
-          </p:sp>
-        </mc:Choice>
-        <mc:Fallback xmlns="">
-          <p:sp>
-            <p:nvSpPr>
-              <p:cNvPr id="14" name="Textfeld 13">
-                <a:extLst>
-                  <a:ext uri="{FF2B5EF4-FFF2-40B4-BE49-F238E27FC236}">
-                    <a16:creationId xmlns:a16="http://schemas.microsoft.com/office/drawing/2014/main" id="{4B488162-E7B3-47F3-BE80-1ED5BC13974C}"/>
-                  </a:ext>
-                </a:extLst>
-              </p:cNvPr>
-              <p:cNvSpPr txBox="1">
-                <a:spLocks noRot="1" noChangeAspect="1" noMove="1" noResize="1" noEditPoints="1" noAdjustHandles="1" noChangeArrowheads="1" noChangeShapeType="1" noTextEdit="1"/>
-              </p:cNvSpPr>
-              <p:nvPr/>
-            </p:nvSpPr>
-            <p:spPr>
-              <a:xfrm>
-                <a:off x="8324039" y="3308796"/>
-                <a:ext cx="368691" cy="276999"/>
-              </a:xfrm>
-              <a:prstGeom prst="rect">
-                <a:avLst/>
-              </a:prstGeom>
-              <a:blipFill>
-                <a:blip r:embed="rId7"/>
-                <a:stretch>
-                  <a:fillRect l="-13115" r="-13115" b="-11111"/>
-                </a:stretch>
-              </a:blipFill>
-            </p:spPr>
-            <p:txBody>
-              <a:bodyPr/>
-              <a:lstStyle/>
-              <a:p>
-                <a:r>
-                  <a:rPr lang="de-CH">
-                    <a:noFill/>
-                  </a:rPr>
-                  <a:t> </a:t>
-                </a:r>
-              </a:p>
-            </p:txBody>
-          </p:sp>
-        </mc:Fallback>
-      </mc:AlternateContent>
-    </p:spTree>
-    <p:extLst>
-      <p:ext uri="{BB962C8B-B14F-4D97-AF65-F5344CB8AC3E}">
-        <p14:creationId xmlns:p14="http://schemas.microsoft.com/office/powerpoint/2010/main" val="2992695250"/>
       </p:ext>
     </p:extLst>
   </p:cSld>

--- a/GAN.pptx
+++ b/GAN.pptx
@@ -16,14 +16,18 @@
     <p:sldId id="271" r:id="rId10"/>
     <p:sldId id="272" r:id="rId11"/>
     <p:sldId id="273" r:id="rId12"/>
-    <p:sldId id="259" r:id="rId13"/>
-    <p:sldId id="260" r:id="rId14"/>
-    <p:sldId id="261" r:id="rId15"/>
-    <p:sldId id="274" r:id="rId16"/>
-    <p:sldId id="262" r:id="rId17"/>
-    <p:sldId id="263" r:id="rId18"/>
-    <p:sldId id="264" r:id="rId19"/>
-    <p:sldId id="265" r:id="rId20"/>
+    <p:sldId id="276" r:id="rId13"/>
+    <p:sldId id="278" r:id="rId14"/>
+    <p:sldId id="277" r:id="rId15"/>
+    <p:sldId id="259" r:id="rId16"/>
+    <p:sldId id="260" r:id="rId17"/>
+    <p:sldId id="261" r:id="rId18"/>
+    <p:sldId id="274" r:id="rId19"/>
+    <p:sldId id="262" r:id="rId20"/>
+    <p:sldId id="263" r:id="rId21"/>
+    <p:sldId id="264" r:id="rId22"/>
+    <p:sldId id="279" r:id="rId23"/>
+    <p:sldId id="265" r:id="rId24"/>
   </p:sldIdLst>
   <p:sldSz cx="12192000" cy="6858000"/>
   <p:notesSz cx="6858000" cy="9144000"/>
@@ -5667,6 +5671,1290 @@
           <p:cNvPr id="2" name="Titel 1">
             <a:extLst>
               <a:ext uri="{FF2B5EF4-FFF2-40B4-BE49-F238E27FC236}">
+                <a16:creationId xmlns:a16="http://schemas.microsoft.com/office/drawing/2014/main" id="{BD74A34A-7246-48AE-8BC8-03FA78910A57}"/>
+              </a:ext>
+            </a:extLst>
+          </p:cNvPr>
+          <p:cNvSpPr>
+            <a:spLocks noGrp="1"/>
+          </p:cNvSpPr>
+          <p:nvPr>
+            <p:ph type="title"/>
+          </p:nvPr>
+        </p:nvSpPr>
+        <p:spPr/>
+        <p:txBody>
+          <a:bodyPr/>
+          <a:lstStyle/>
+          <a:p>
+            <a:r>
+              <a:rPr lang="de-CH" dirty="0"/>
+              <a:t>Fall 1</a:t>
+            </a:r>
+          </a:p>
+        </p:txBody>
+      </p:sp>
+      <p:sp>
+        <p:nvSpPr>
+          <p:cNvPr id="3" name="Inhaltsplatzhalter 2">
+            <a:extLst>
+              <a:ext uri="{FF2B5EF4-FFF2-40B4-BE49-F238E27FC236}">
+                <a16:creationId xmlns:a16="http://schemas.microsoft.com/office/drawing/2014/main" id="{DF09B292-CEA0-4D81-8F0F-EBA00F7D149F}"/>
+              </a:ext>
+            </a:extLst>
+          </p:cNvPr>
+          <p:cNvSpPr>
+            <a:spLocks noGrp="1"/>
+          </p:cNvSpPr>
+          <p:nvPr>
+            <p:ph idx="1"/>
+          </p:nvPr>
+        </p:nvSpPr>
+        <p:spPr/>
+        <p:txBody>
+          <a:bodyPr/>
+          <a:lstStyle/>
+          <a:p>
+            <a:r>
+              <a:rPr lang="de-CH" dirty="0">
+                <a:solidFill>
+                  <a:schemeClr val="tx1"/>
+                </a:solidFill>
+              </a:rPr>
+              <a:t>Diskriminator macht alles richtig</a:t>
+            </a:r>
+          </a:p>
+        </p:txBody>
+      </p:sp>
+      <p:sp>
+        <p:nvSpPr>
+          <p:cNvPr id="4" name="Inhaltsplatzhalter 2">
+            <a:extLst>
+              <a:ext uri="{FF2B5EF4-FFF2-40B4-BE49-F238E27FC236}">
+                <a16:creationId xmlns:a16="http://schemas.microsoft.com/office/drawing/2014/main" id="{289A785A-416B-4649-8801-8C3B41DBB602}"/>
+              </a:ext>
+            </a:extLst>
+          </p:cNvPr>
+          <p:cNvSpPr txBox="1">
+            <a:spLocks/>
+          </p:cNvSpPr>
+          <p:nvPr/>
+        </p:nvSpPr>
+        <p:spPr>
+          <a:xfrm>
+            <a:off x="684212" y="1724488"/>
+            <a:ext cx="4482277" cy="3615267"/>
+          </a:xfrm>
+          <a:prstGeom prst="rect">
+            <a:avLst/>
+          </a:prstGeom>
+        </p:spPr>
+        <p:txBody>
+          <a:bodyPr vert="horz" lIns="91440" tIns="45720" rIns="91440" bIns="45720" rtlCol="0" anchor="ctr">
+            <a:normAutofit/>
+          </a:bodyPr>
+          <a:lstStyle>
+            <a:lvl1pPr marL="285750" indent="-285750" algn="l" defTabSz="457200" rtl="0" eaLnBrk="1" latinLnBrk="0" hangingPunct="1">
+              <a:spcBef>
+                <a:spcPct val="20000"/>
+              </a:spcBef>
+              <a:spcAft>
+                <a:spcPts val="600"/>
+              </a:spcAft>
+              <a:buClr>
+                <a:schemeClr val="tx1"/>
+              </a:buClr>
+              <a:buSzPct val="80000"/>
+              <a:buFont typeface="Wingdings 3" panose="05040102010807070707" pitchFamily="18" charset="2"/>
+              <a:buChar char=""/>
+              <a:defRPr sz="2000" kern="1200" cap="none">
+                <a:solidFill>
+                  <a:schemeClr val="bg2">
+                    <a:lumMod val="75000"/>
+                  </a:schemeClr>
+                </a:solidFill>
+                <a:effectLst/>
+                <a:latin typeface="+mn-lt"/>
+                <a:ea typeface="+mn-ea"/>
+                <a:cs typeface="+mn-cs"/>
+              </a:defRPr>
+            </a:lvl1pPr>
+            <a:lvl2pPr marL="742950" indent="-285750" algn="l" defTabSz="457200" rtl="0" eaLnBrk="1" latinLnBrk="0" hangingPunct="1">
+              <a:spcBef>
+                <a:spcPct val="20000"/>
+              </a:spcBef>
+              <a:spcAft>
+                <a:spcPts val="600"/>
+              </a:spcAft>
+              <a:buClr>
+                <a:schemeClr val="tx1"/>
+              </a:buClr>
+              <a:buSzPct val="80000"/>
+              <a:buFont typeface="Wingdings 3" panose="05040102010807070707" pitchFamily="18" charset="2"/>
+              <a:buChar char=""/>
+              <a:defRPr sz="1800" kern="1200" cap="none">
+                <a:solidFill>
+                  <a:schemeClr val="bg2">
+                    <a:lumMod val="75000"/>
+                  </a:schemeClr>
+                </a:solidFill>
+                <a:effectLst/>
+                <a:latin typeface="+mn-lt"/>
+                <a:ea typeface="+mn-ea"/>
+                <a:cs typeface="+mn-cs"/>
+              </a:defRPr>
+            </a:lvl2pPr>
+            <a:lvl3pPr marL="1200150" indent="-285750" algn="l" defTabSz="457200" rtl="0" eaLnBrk="1" latinLnBrk="0" hangingPunct="1">
+              <a:spcBef>
+                <a:spcPct val="20000"/>
+              </a:spcBef>
+              <a:spcAft>
+                <a:spcPts val="600"/>
+              </a:spcAft>
+              <a:buClr>
+                <a:schemeClr val="tx1"/>
+              </a:buClr>
+              <a:buSzPct val="80000"/>
+              <a:buFont typeface="Wingdings 3" panose="05040102010807070707" pitchFamily="18" charset="2"/>
+              <a:buChar char=""/>
+              <a:defRPr sz="1600" kern="1200" cap="none">
+                <a:solidFill>
+                  <a:schemeClr val="bg2">
+                    <a:lumMod val="75000"/>
+                  </a:schemeClr>
+                </a:solidFill>
+                <a:effectLst/>
+                <a:latin typeface="+mn-lt"/>
+                <a:ea typeface="+mn-ea"/>
+                <a:cs typeface="+mn-cs"/>
+              </a:defRPr>
+            </a:lvl3pPr>
+            <a:lvl4pPr marL="1543050" indent="-171450" algn="l" defTabSz="457200" rtl="0" eaLnBrk="1" latinLnBrk="0" hangingPunct="1">
+              <a:spcBef>
+                <a:spcPct val="20000"/>
+              </a:spcBef>
+              <a:spcAft>
+                <a:spcPts val="600"/>
+              </a:spcAft>
+              <a:buClr>
+                <a:schemeClr val="tx1"/>
+              </a:buClr>
+              <a:buSzPct val="80000"/>
+              <a:buFont typeface="Wingdings 3" panose="05040102010807070707" pitchFamily="18" charset="2"/>
+              <a:buChar char=""/>
+              <a:defRPr sz="1400" kern="1200" cap="none">
+                <a:solidFill>
+                  <a:schemeClr val="bg2">
+                    <a:lumMod val="75000"/>
+                  </a:schemeClr>
+                </a:solidFill>
+                <a:effectLst/>
+                <a:latin typeface="+mn-lt"/>
+                <a:ea typeface="+mn-ea"/>
+                <a:cs typeface="+mn-cs"/>
+              </a:defRPr>
+            </a:lvl4pPr>
+            <a:lvl5pPr marL="2000250" indent="-171450" algn="l" defTabSz="457200" rtl="0" eaLnBrk="1" latinLnBrk="0" hangingPunct="1">
+              <a:spcBef>
+                <a:spcPct val="20000"/>
+              </a:spcBef>
+              <a:spcAft>
+                <a:spcPts val="600"/>
+              </a:spcAft>
+              <a:buClr>
+                <a:schemeClr val="tx1"/>
+              </a:buClr>
+              <a:buSzPct val="80000"/>
+              <a:buFont typeface="Wingdings 3" panose="05040102010807070707" pitchFamily="18" charset="2"/>
+              <a:buChar char=""/>
+              <a:defRPr sz="1400" kern="1200" cap="none">
+                <a:solidFill>
+                  <a:schemeClr val="bg2">
+                    <a:lumMod val="75000"/>
+                  </a:schemeClr>
+                </a:solidFill>
+                <a:effectLst/>
+                <a:latin typeface="+mn-lt"/>
+                <a:ea typeface="+mn-ea"/>
+                <a:cs typeface="+mn-cs"/>
+              </a:defRPr>
+            </a:lvl5pPr>
+            <a:lvl6pPr marL="2514600" indent="-228600" algn="l" defTabSz="457200" rtl="0" eaLnBrk="1" latinLnBrk="0" hangingPunct="1">
+              <a:spcBef>
+                <a:spcPct val="20000"/>
+              </a:spcBef>
+              <a:spcAft>
+                <a:spcPts val="600"/>
+              </a:spcAft>
+              <a:buClr>
+                <a:schemeClr val="tx1"/>
+              </a:buClr>
+              <a:buSzPct val="80000"/>
+              <a:buFont typeface="Wingdings 3" panose="05040102010807070707" pitchFamily="18" charset="2"/>
+              <a:buChar char=""/>
+              <a:defRPr sz="1400" kern="1200" cap="none">
+                <a:solidFill>
+                  <a:schemeClr val="bg2">
+                    <a:lumMod val="75000"/>
+                  </a:schemeClr>
+                </a:solidFill>
+                <a:effectLst/>
+                <a:latin typeface="+mn-lt"/>
+                <a:ea typeface="+mn-ea"/>
+                <a:cs typeface="+mn-cs"/>
+              </a:defRPr>
+            </a:lvl6pPr>
+            <a:lvl7pPr marL="2971800" indent="-228600" algn="l" defTabSz="457200" rtl="0" eaLnBrk="1" latinLnBrk="0" hangingPunct="1">
+              <a:spcBef>
+                <a:spcPct val="20000"/>
+              </a:spcBef>
+              <a:spcAft>
+                <a:spcPts val="600"/>
+              </a:spcAft>
+              <a:buClr>
+                <a:schemeClr val="tx1"/>
+              </a:buClr>
+              <a:buSzPct val="80000"/>
+              <a:buFont typeface="Wingdings 3" panose="05040102010807070707" pitchFamily="18" charset="2"/>
+              <a:buChar char=""/>
+              <a:defRPr sz="1400" kern="1200" cap="none">
+                <a:solidFill>
+                  <a:schemeClr val="bg2">
+                    <a:lumMod val="75000"/>
+                  </a:schemeClr>
+                </a:solidFill>
+                <a:effectLst/>
+                <a:latin typeface="+mn-lt"/>
+                <a:ea typeface="+mn-ea"/>
+                <a:cs typeface="+mn-cs"/>
+              </a:defRPr>
+            </a:lvl7pPr>
+            <a:lvl8pPr marL="3429000" indent="-228600" algn="l" defTabSz="457200" rtl="0" eaLnBrk="1" latinLnBrk="0" hangingPunct="1">
+              <a:spcBef>
+                <a:spcPct val="20000"/>
+              </a:spcBef>
+              <a:spcAft>
+                <a:spcPts val="600"/>
+              </a:spcAft>
+              <a:buClr>
+                <a:schemeClr val="tx1"/>
+              </a:buClr>
+              <a:buSzPct val="80000"/>
+              <a:buFont typeface="Wingdings 3" panose="05040102010807070707" pitchFamily="18" charset="2"/>
+              <a:buChar char=""/>
+              <a:defRPr sz="1400" kern="1200" cap="none">
+                <a:solidFill>
+                  <a:schemeClr val="bg2">
+                    <a:lumMod val="75000"/>
+                  </a:schemeClr>
+                </a:solidFill>
+                <a:effectLst/>
+                <a:latin typeface="+mn-lt"/>
+                <a:ea typeface="+mn-ea"/>
+                <a:cs typeface="+mn-cs"/>
+              </a:defRPr>
+            </a:lvl8pPr>
+            <a:lvl9pPr marL="3886200" indent="-228600" algn="l" defTabSz="457200" rtl="0" eaLnBrk="1" latinLnBrk="0" hangingPunct="1">
+              <a:spcBef>
+                <a:spcPct val="20000"/>
+              </a:spcBef>
+              <a:spcAft>
+                <a:spcPts val="600"/>
+              </a:spcAft>
+              <a:buClr>
+                <a:schemeClr val="tx1"/>
+              </a:buClr>
+              <a:buSzPct val="80000"/>
+              <a:buFont typeface="Wingdings 3" panose="05040102010807070707" pitchFamily="18" charset="2"/>
+              <a:buChar char=""/>
+              <a:defRPr sz="1400" kern="1200" cap="none">
+                <a:solidFill>
+                  <a:schemeClr val="bg2">
+                    <a:lumMod val="75000"/>
+                  </a:schemeClr>
+                </a:solidFill>
+                <a:effectLst/>
+                <a:latin typeface="+mn-lt"/>
+                <a:ea typeface="+mn-ea"/>
+                <a:cs typeface="+mn-cs"/>
+              </a:defRPr>
+            </a:lvl9pPr>
+          </a:lstStyle>
+          <a:p>
+            <a:r>
+              <a:rPr lang="de-CH" dirty="0">
+                <a:solidFill>
+                  <a:schemeClr val="tx1"/>
+                </a:solidFill>
+              </a:rPr>
+              <a:t>D(x) = 1 wenn x ~ </a:t>
+            </a:r>
+            <a:r>
+              <a:rPr lang="de-CH" dirty="0" err="1">
+                <a:solidFill>
+                  <a:schemeClr val="tx1"/>
+                </a:solidFill>
+              </a:rPr>
+              <a:t>p_data</a:t>
+            </a:r>
+            <a:endParaRPr lang="de-CH" dirty="0">
+              <a:solidFill>
+                <a:schemeClr val="tx1"/>
+              </a:solidFill>
+            </a:endParaRPr>
+          </a:p>
+          <a:p>
+            <a:r>
+              <a:rPr lang="de-CH" dirty="0">
+                <a:solidFill>
+                  <a:schemeClr val="tx1"/>
+                </a:solidFill>
+              </a:rPr>
+              <a:t>D(x) = 0 wenn x ~ </a:t>
+            </a:r>
+            <a:r>
+              <a:rPr lang="de-CH" dirty="0" err="1">
+                <a:solidFill>
+                  <a:schemeClr val="tx1"/>
+                </a:solidFill>
+              </a:rPr>
+              <a:t>p_g</a:t>
+            </a:r>
+            <a:endParaRPr lang="de-CH" dirty="0"/>
+          </a:p>
+        </p:txBody>
+      </p:sp>
+      <p:pic>
+        <p:nvPicPr>
+          <p:cNvPr id="6" name="Grafik 5">
+            <a:extLst>
+              <a:ext uri="{FF2B5EF4-FFF2-40B4-BE49-F238E27FC236}">
+                <a16:creationId xmlns:a16="http://schemas.microsoft.com/office/drawing/2014/main" id="{7C4C3D32-2729-4D7F-B3D6-4DC3D3C7CB55}"/>
+              </a:ext>
+            </a:extLst>
+          </p:cNvPr>
+          <p:cNvPicPr>
+            <a:picLocks noChangeAspect="1"/>
+          </p:cNvPicPr>
+          <p:nvPr/>
+        </p:nvPicPr>
+        <p:blipFill>
+          <a:blip r:embed="rId2"/>
+          <a:stretch>
+            <a:fillRect/>
+          </a:stretch>
+        </p:blipFill>
+        <p:spPr>
+          <a:xfrm>
+            <a:off x="4951412" y="3206082"/>
+            <a:ext cx="6362700" cy="800100"/>
+          </a:xfrm>
+          <a:prstGeom prst="rect">
+            <a:avLst/>
+          </a:prstGeom>
+        </p:spPr>
+      </p:pic>
+    </p:spTree>
+    <p:extLst>
+      <p:ext uri="{BB962C8B-B14F-4D97-AF65-F5344CB8AC3E}">
+        <p14:creationId xmlns:p14="http://schemas.microsoft.com/office/powerpoint/2010/main" val="963827407"/>
+      </p:ext>
+    </p:extLst>
+  </p:cSld>
+  <p:clrMapOvr>
+    <a:masterClrMapping/>
+  </p:clrMapOvr>
+</p:sld>
+</file>
+
+<file path=ppt/slides/slide13.xml><?xml version="1.0" encoding="utf-8"?>
+<p:sld xmlns:a="http://schemas.openxmlformats.org/drawingml/2006/main" xmlns:r="http://schemas.openxmlformats.org/officeDocument/2006/relationships" xmlns:p="http://schemas.openxmlformats.org/presentationml/2006/main">
+  <p:cSld>
+    <p:spTree>
+      <p:nvGrpSpPr>
+        <p:cNvPr id="1" name=""/>
+        <p:cNvGrpSpPr/>
+        <p:nvPr/>
+      </p:nvGrpSpPr>
+      <p:grpSpPr>
+        <a:xfrm>
+          <a:off x="0" y="0"/>
+          <a:ext cx="0" cy="0"/>
+          <a:chOff x="0" y="0"/>
+          <a:chExt cx="0" cy="0"/>
+        </a:xfrm>
+      </p:grpSpPr>
+      <p:sp>
+        <p:nvSpPr>
+          <p:cNvPr id="2" name="Titel 1">
+            <a:extLst>
+              <a:ext uri="{FF2B5EF4-FFF2-40B4-BE49-F238E27FC236}">
+                <a16:creationId xmlns:a16="http://schemas.microsoft.com/office/drawing/2014/main" id="{BD74A34A-7246-48AE-8BC8-03FA78910A57}"/>
+              </a:ext>
+            </a:extLst>
+          </p:cNvPr>
+          <p:cNvSpPr>
+            <a:spLocks noGrp="1"/>
+          </p:cNvSpPr>
+          <p:nvPr>
+            <p:ph type="title"/>
+          </p:nvPr>
+        </p:nvSpPr>
+        <p:spPr/>
+        <p:txBody>
+          <a:bodyPr/>
+          <a:lstStyle/>
+          <a:p>
+            <a:r>
+              <a:rPr lang="de-CH" dirty="0"/>
+              <a:t>Fall 2</a:t>
+            </a:r>
+          </a:p>
+        </p:txBody>
+      </p:sp>
+      <p:sp>
+        <p:nvSpPr>
+          <p:cNvPr id="3" name="Inhaltsplatzhalter 2">
+            <a:extLst>
+              <a:ext uri="{FF2B5EF4-FFF2-40B4-BE49-F238E27FC236}">
+                <a16:creationId xmlns:a16="http://schemas.microsoft.com/office/drawing/2014/main" id="{DF09B292-CEA0-4D81-8F0F-EBA00F7D149F}"/>
+              </a:ext>
+            </a:extLst>
+          </p:cNvPr>
+          <p:cNvSpPr>
+            <a:spLocks noGrp="1"/>
+          </p:cNvSpPr>
+          <p:nvPr>
+            <p:ph idx="1"/>
+          </p:nvPr>
+        </p:nvSpPr>
+        <p:spPr/>
+        <p:txBody>
+          <a:bodyPr/>
+          <a:lstStyle/>
+          <a:p>
+            <a:r>
+              <a:rPr lang="de-CH" dirty="0">
+                <a:solidFill>
+                  <a:schemeClr val="tx1"/>
+                </a:solidFill>
+              </a:rPr>
+              <a:t>Diskriminator kann nicht unterscheiden -&gt; globales Minimum</a:t>
+            </a:r>
+          </a:p>
+        </p:txBody>
+      </p:sp>
+      <p:sp>
+        <p:nvSpPr>
+          <p:cNvPr id="4" name="Inhaltsplatzhalter 2">
+            <a:extLst>
+              <a:ext uri="{FF2B5EF4-FFF2-40B4-BE49-F238E27FC236}">
+                <a16:creationId xmlns:a16="http://schemas.microsoft.com/office/drawing/2014/main" id="{289A785A-416B-4649-8801-8C3B41DBB602}"/>
+              </a:ext>
+            </a:extLst>
+          </p:cNvPr>
+          <p:cNvSpPr txBox="1">
+            <a:spLocks/>
+          </p:cNvSpPr>
+          <p:nvPr/>
+        </p:nvSpPr>
+        <p:spPr>
+          <a:xfrm>
+            <a:off x="684212" y="1724488"/>
+            <a:ext cx="4482277" cy="3615267"/>
+          </a:xfrm>
+          <a:prstGeom prst="rect">
+            <a:avLst/>
+          </a:prstGeom>
+        </p:spPr>
+        <p:txBody>
+          <a:bodyPr vert="horz" lIns="91440" tIns="45720" rIns="91440" bIns="45720" rtlCol="0" anchor="ctr">
+            <a:normAutofit/>
+          </a:bodyPr>
+          <a:lstStyle>
+            <a:lvl1pPr marL="285750" indent="-285750" algn="l" defTabSz="457200" rtl="0" eaLnBrk="1" latinLnBrk="0" hangingPunct="1">
+              <a:spcBef>
+                <a:spcPct val="20000"/>
+              </a:spcBef>
+              <a:spcAft>
+                <a:spcPts val="600"/>
+              </a:spcAft>
+              <a:buClr>
+                <a:schemeClr val="tx1"/>
+              </a:buClr>
+              <a:buSzPct val="80000"/>
+              <a:buFont typeface="Wingdings 3" panose="05040102010807070707" pitchFamily="18" charset="2"/>
+              <a:buChar char=""/>
+              <a:defRPr sz="2000" kern="1200" cap="none">
+                <a:solidFill>
+                  <a:schemeClr val="bg2">
+                    <a:lumMod val="75000"/>
+                  </a:schemeClr>
+                </a:solidFill>
+                <a:effectLst/>
+                <a:latin typeface="+mn-lt"/>
+                <a:ea typeface="+mn-ea"/>
+                <a:cs typeface="+mn-cs"/>
+              </a:defRPr>
+            </a:lvl1pPr>
+            <a:lvl2pPr marL="742950" indent="-285750" algn="l" defTabSz="457200" rtl="0" eaLnBrk="1" latinLnBrk="0" hangingPunct="1">
+              <a:spcBef>
+                <a:spcPct val="20000"/>
+              </a:spcBef>
+              <a:spcAft>
+                <a:spcPts val="600"/>
+              </a:spcAft>
+              <a:buClr>
+                <a:schemeClr val="tx1"/>
+              </a:buClr>
+              <a:buSzPct val="80000"/>
+              <a:buFont typeface="Wingdings 3" panose="05040102010807070707" pitchFamily="18" charset="2"/>
+              <a:buChar char=""/>
+              <a:defRPr sz="1800" kern="1200" cap="none">
+                <a:solidFill>
+                  <a:schemeClr val="bg2">
+                    <a:lumMod val="75000"/>
+                  </a:schemeClr>
+                </a:solidFill>
+                <a:effectLst/>
+                <a:latin typeface="+mn-lt"/>
+                <a:ea typeface="+mn-ea"/>
+                <a:cs typeface="+mn-cs"/>
+              </a:defRPr>
+            </a:lvl2pPr>
+            <a:lvl3pPr marL="1200150" indent="-285750" algn="l" defTabSz="457200" rtl="0" eaLnBrk="1" latinLnBrk="0" hangingPunct="1">
+              <a:spcBef>
+                <a:spcPct val="20000"/>
+              </a:spcBef>
+              <a:spcAft>
+                <a:spcPts val="600"/>
+              </a:spcAft>
+              <a:buClr>
+                <a:schemeClr val="tx1"/>
+              </a:buClr>
+              <a:buSzPct val="80000"/>
+              <a:buFont typeface="Wingdings 3" panose="05040102010807070707" pitchFamily="18" charset="2"/>
+              <a:buChar char=""/>
+              <a:defRPr sz="1600" kern="1200" cap="none">
+                <a:solidFill>
+                  <a:schemeClr val="bg2">
+                    <a:lumMod val="75000"/>
+                  </a:schemeClr>
+                </a:solidFill>
+                <a:effectLst/>
+                <a:latin typeface="+mn-lt"/>
+                <a:ea typeface="+mn-ea"/>
+                <a:cs typeface="+mn-cs"/>
+              </a:defRPr>
+            </a:lvl3pPr>
+            <a:lvl4pPr marL="1543050" indent="-171450" algn="l" defTabSz="457200" rtl="0" eaLnBrk="1" latinLnBrk="0" hangingPunct="1">
+              <a:spcBef>
+                <a:spcPct val="20000"/>
+              </a:spcBef>
+              <a:spcAft>
+                <a:spcPts val="600"/>
+              </a:spcAft>
+              <a:buClr>
+                <a:schemeClr val="tx1"/>
+              </a:buClr>
+              <a:buSzPct val="80000"/>
+              <a:buFont typeface="Wingdings 3" panose="05040102010807070707" pitchFamily="18" charset="2"/>
+              <a:buChar char=""/>
+              <a:defRPr sz="1400" kern="1200" cap="none">
+                <a:solidFill>
+                  <a:schemeClr val="bg2">
+                    <a:lumMod val="75000"/>
+                  </a:schemeClr>
+                </a:solidFill>
+                <a:effectLst/>
+                <a:latin typeface="+mn-lt"/>
+                <a:ea typeface="+mn-ea"/>
+                <a:cs typeface="+mn-cs"/>
+              </a:defRPr>
+            </a:lvl4pPr>
+            <a:lvl5pPr marL="2000250" indent="-171450" algn="l" defTabSz="457200" rtl="0" eaLnBrk="1" latinLnBrk="0" hangingPunct="1">
+              <a:spcBef>
+                <a:spcPct val="20000"/>
+              </a:spcBef>
+              <a:spcAft>
+                <a:spcPts val="600"/>
+              </a:spcAft>
+              <a:buClr>
+                <a:schemeClr val="tx1"/>
+              </a:buClr>
+              <a:buSzPct val="80000"/>
+              <a:buFont typeface="Wingdings 3" panose="05040102010807070707" pitchFamily="18" charset="2"/>
+              <a:buChar char=""/>
+              <a:defRPr sz="1400" kern="1200" cap="none">
+                <a:solidFill>
+                  <a:schemeClr val="bg2">
+                    <a:lumMod val="75000"/>
+                  </a:schemeClr>
+                </a:solidFill>
+                <a:effectLst/>
+                <a:latin typeface="+mn-lt"/>
+                <a:ea typeface="+mn-ea"/>
+                <a:cs typeface="+mn-cs"/>
+              </a:defRPr>
+            </a:lvl5pPr>
+            <a:lvl6pPr marL="2514600" indent="-228600" algn="l" defTabSz="457200" rtl="0" eaLnBrk="1" latinLnBrk="0" hangingPunct="1">
+              <a:spcBef>
+                <a:spcPct val="20000"/>
+              </a:spcBef>
+              <a:spcAft>
+                <a:spcPts val="600"/>
+              </a:spcAft>
+              <a:buClr>
+                <a:schemeClr val="tx1"/>
+              </a:buClr>
+              <a:buSzPct val="80000"/>
+              <a:buFont typeface="Wingdings 3" panose="05040102010807070707" pitchFamily="18" charset="2"/>
+              <a:buChar char=""/>
+              <a:defRPr sz="1400" kern="1200" cap="none">
+                <a:solidFill>
+                  <a:schemeClr val="bg2">
+                    <a:lumMod val="75000"/>
+                  </a:schemeClr>
+                </a:solidFill>
+                <a:effectLst/>
+                <a:latin typeface="+mn-lt"/>
+                <a:ea typeface="+mn-ea"/>
+                <a:cs typeface="+mn-cs"/>
+              </a:defRPr>
+            </a:lvl6pPr>
+            <a:lvl7pPr marL="2971800" indent="-228600" algn="l" defTabSz="457200" rtl="0" eaLnBrk="1" latinLnBrk="0" hangingPunct="1">
+              <a:spcBef>
+                <a:spcPct val="20000"/>
+              </a:spcBef>
+              <a:spcAft>
+                <a:spcPts val="600"/>
+              </a:spcAft>
+              <a:buClr>
+                <a:schemeClr val="tx1"/>
+              </a:buClr>
+              <a:buSzPct val="80000"/>
+              <a:buFont typeface="Wingdings 3" panose="05040102010807070707" pitchFamily="18" charset="2"/>
+              <a:buChar char=""/>
+              <a:defRPr sz="1400" kern="1200" cap="none">
+                <a:solidFill>
+                  <a:schemeClr val="bg2">
+                    <a:lumMod val="75000"/>
+                  </a:schemeClr>
+                </a:solidFill>
+                <a:effectLst/>
+                <a:latin typeface="+mn-lt"/>
+                <a:ea typeface="+mn-ea"/>
+                <a:cs typeface="+mn-cs"/>
+              </a:defRPr>
+            </a:lvl7pPr>
+            <a:lvl8pPr marL="3429000" indent="-228600" algn="l" defTabSz="457200" rtl="0" eaLnBrk="1" latinLnBrk="0" hangingPunct="1">
+              <a:spcBef>
+                <a:spcPct val="20000"/>
+              </a:spcBef>
+              <a:spcAft>
+                <a:spcPts val="600"/>
+              </a:spcAft>
+              <a:buClr>
+                <a:schemeClr val="tx1"/>
+              </a:buClr>
+              <a:buSzPct val="80000"/>
+              <a:buFont typeface="Wingdings 3" panose="05040102010807070707" pitchFamily="18" charset="2"/>
+              <a:buChar char=""/>
+              <a:defRPr sz="1400" kern="1200" cap="none">
+                <a:solidFill>
+                  <a:schemeClr val="bg2">
+                    <a:lumMod val="75000"/>
+                  </a:schemeClr>
+                </a:solidFill>
+                <a:effectLst/>
+                <a:latin typeface="+mn-lt"/>
+                <a:ea typeface="+mn-ea"/>
+                <a:cs typeface="+mn-cs"/>
+              </a:defRPr>
+            </a:lvl8pPr>
+            <a:lvl9pPr marL="3886200" indent="-228600" algn="l" defTabSz="457200" rtl="0" eaLnBrk="1" latinLnBrk="0" hangingPunct="1">
+              <a:spcBef>
+                <a:spcPct val="20000"/>
+              </a:spcBef>
+              <a:spcAft>
+                <a:spcPts val="600"/>
+              </a:spcAft>
+              <a:buClr>
+                <a:schemeClr val="tx1"/>
+              </a:buClr>
+              <a:buSzPct val="80000"/>
+              <a:buFont typeface="Wingdings 3" panose="05040102010807070707" pitchFamily="18" charset="2"/>
+              <a:buChar char=""/>
+              <a:defRPr sz="1400" kern="1200" cap="none">
+                <a:solidFill>
+                  <a:schemeClr val="bg2">
+                    <a:lumMod val="75000"/>
+                  </a:schemeClr>
+                </a:solidFill>
+                <a:effectLst/>
+                <a:latin typeface="+mn-lt"/>
+                <a:ea typeface="+mn-ea"/>
+                <a:cs typeface="+mn-cs"/>
+              </a:defRPr>
+            </a:lvl9pPr>
+          </a:lstStyle>
+          <a:p>
+            <a:r>
+              <a:rPr lang="de-CH" dirty="0">
+                <a:solidFill>
+                  <a:schemeClr val="tx1"/>
+                </a:solidFill>
+              </a:rPr>
+              <a:t>D(x) = 0.5 wenn x ~ </a:t>
+            </a:r>
+            <a:r>
+              <a:rPr lang="de-CH" dirty="0" err="1">
+                <a:solidFill>
+                  <a:schemeClr val="tx1"/>
+                </a:solidFill>
+              </a:rPr>
+              <a:t>p_data</a:t>
+            </a:r>
+            <a:endParaRPr lang="de-CH" dirty="0">
+              <a:solidFill>
+                <a:schemeClr val="tx1"/>
+              </a:solidFill>
+            </a:endParaRPr>
+          </a:p>
+          <a:p>
+            <a:r>
+              <a:rPr lang="de-CH" dirty="0">
+                <a:solidFill>
+                  <a:schemeClr val="tx1"/>
+                </a:solidFill>
+              </a:rPr>
+              <a:t>D(x) = 0.5 wenn x ~ </a:t>
+            </a:r>
+            <a:r>
+              <a:rPr lang="de-CH" dirty="0" err="1">
+                <a:solidFill>
+                  <a:schemeClr val="tx1"/>
+                </a:solidFill>
+              </a:rPr>
+              <a:t>p_g</a:t>
+            </a:r>
+            <a:endParaRPr lang="de-CH" dirty="0"/>
+          </a:p>
+        </p:txBody>
+      </p:sp>
+      <p:pic>
+        <p:nvPicPr>
+          <p:cNvPr id="6" name="Grafik 5">
+            <a:extLst>
+              <a:ext uri="{FF2B5EF4-FFF2-40B4-BE49-F238E27FC236}">
+                <a16:creationId xmlns:a16="http://schemas.microsoft.com/office/drawing/2014/main" id="{8F47F956-53C1-48C2-B9C1-6BB859B5F7CF}"/>
+              </a:ext>
+            </a:extLst>
+          </p:cNvPr>
+          <p:cNvPicPr>
+            <a:picLocks noChangeAspect="1"/>
+          </p:cNvPicPr>
+          <p:nvPr/>
+        </p:nvPicPr>
+        <p:blipFill>
+          <a:blip r:embed="rId2"/>
+          <a:stretch>
+            <a:fillRect/>
+          </a:stretch>
+        </p:blipFill>
+        <p:spPr>
+          <a:xfrm>
+            <a:off x="4951412" y="3027296"/>
+            <a:ext cx="6362700" cy="1009650"/>
+          </a:xfrm>
+          <a:prstGeom prst="rect">
+            <a:avLst/>
+          </a:prstGeom>
+        </p:spPr>
+      </p:pic>
+      <p:pic>
+        <p:nvPicPr>
+          <p:cNvPr id="8" name="Grafik 7">
+            <a:extLst>
+              <a:ext uri="{FF2B5EF4-FFF2-40B4-BE49-F238E27FC236}">
+                <a16:creationId xmlns:a16="http://schemas.microsoft.com/office/drawing/2014/main" id="{B1C5BD43-C72C-4496-BC3C-86CBE9857B05}"/>
+              </a:ext>
+            </a:extLst>
+          </p:cNvPr>
+          <p:cNvPicPr>
+            <a:picLocks noChangeAspect="1"/>
+          </p:cNvPicPr>
+          <p:nvPr/>
+        </p:nvPicPr>
+        <p:blipFill>
+          <a:blip r:embed="rId3"/>
+          <a:stretch>
+            <a:fillRect/>
+          </a:stretch>
+        </p:blipFill>
+        <p:spPr>
+          <a:xfrm>
+            <a:off x="5007718" y="4392471"/>
+            <a:ext cx="1456555" cy="683163"/>
+          </a:xfrm>
+          <a:prstGeom prst="rect">
+            <a:avLst/>
+          </a:prstGeom>
+        </p:spPr>
+      </p:pic>
+    </p:spTree>
+    <p:extLst>
+      <p:ext uri="{BB962C8B-B14F-4D97-AF65-F5344CB8AC3E}">
+        <p14:creationId xmlns:p14="http://schemas.microsoft.com/office/powerpoint/2010/main" val="1445995142"/>
+      </p:ext>
+    </p:extLst>
+  </p:cSld>
+  <p:clrMapOvr>
+    <a:masterClrMapping/>
+  </p:clrMapOvr>
+</p:sld>
+</file>
+
+<file path=ppt/slides/slide14.xml><?xml version="1.0" encoding="utf-8"?>
+<p:sld xmlns:a="http://schemas.openxmlformats.org/drawingml/2006/main" xmlns:r="http://schemas.openxmlformats.org/officeDocument/2006/relationships" xmlns:p="http://schemas.openxmlformats.org/presentationml/2006/main">
+  <p:cSld>
+    <p:spTree>
+      <p:nvGrpSpPr>
+        <p:cNvPr id="1" name=""/>
+        <p:cNvGrpSpPr/>
+        <p:nvPr/>
+      </p:nvGrpSpPr>
+      <p:grpSpPr>
+        <a:xfrm>
+          <a:off x="0" y="0"/>
+          <a:ext cx="0" cy="0"/>
+          <a:chOff x="0" y="0"/>
+          <a:chExt cx="0" cy="0"/>
+        </a:xfrm>
+      </p:grpSpPr>
+      <p:sp>
+        <p:nvSpPr>
+          <p:cNvPr id="2" name="Titel 1">
+            <a:extLst>
+              <a:ext uri="{FF2B5EF4-FFF2-40B4-BE49-F238E27FC236}">
+                <a16:creationId xmlns:a16="http://schemas.microsoft.com/office/drawing/2014/main" id="{BD74A34A-7246-48AE-8BC8-03FA78910A57}"/>
+              </a:ext>
+            </a:extLst>
+          </p:cNvPr>
+          <p:cNvSpPr>
+            <a:spLocks noGrp="1"/>
+          </p:cNvSpPr>
+          <p:nvPr>
+            <p:ph type="title"/>
+          </p:nvPr>
+        </p:nvSpPr>
+        <p:spPr/>
+        <p:txBody>
+          <a:bodyPr/>
+          <a:lstStyle/>
+          <a:p>
+            <a:r>
+              <a:rPr lang="de-CH" dirty="0"/>
+              <a:t>Fall 3 – Kann (Sollte) nicht eintreffen</a:t>
+            </a:r>
+          </a:p>
+        </p:txBody>
+      </p:sp>
+      <p:sp>
+        <p:nvSpPr>
+          <p:cNvPr id="3" name="Inhaltsplatzhalter 2">
+            <a:extLst>
+              <a:ext uri="{FF2B5EF4-FFF2-40B4-BE49-F238E27FC236}">
+                <a16:creationId xmlns:a16="http://schemas.microsoft.com/office/drawing/2014/main" id="{DF09B292-CEA0-4D81-8F0F-EBA00F7D149F}"/>
+              </a:ext>
+            </a:extLst>
+          </p:cNvPr>
+          <p:cNvSpPr>
+            <a:spLocks noGrp="1"/>
+          </p:cNvSpPr>
+          <p:nvPr>
+            <p:ph idx="1"/>
+          </p:nvPr>
+        </p:nvSpPr>
+        <p:spPr/>
+        <p:txBody>
+          <a:bodyPr/>
+          <a:lstStyle/>
+          <a:p>
+            <a:r>
+              <a:rPr lang="de-CH" dirty="0">
+                <a:solidFill>
+                  <a:schemeClr val="tx1"/>
+                </a:solidFill>
+              </a:rPr>
+              <a:t>Diskriminator macht alles falsch</a:t>
+            </a:r>
+          </a:p>
+        </p:txBody>
+      </p:sp>
+      <p:sp>
+        <p:nvSpPr>
+          <p:cNvPr id="4" name="Inhaltsplatzhalter 2">
+            <a:extLst>
+              <a:ext uri="{FF2B5EF4-FFF2-40B4-BE49-F238E27FC236}">
+                <a16:creationId xmlns:a16="http://schemas.microsoft.com/office/drawing/2014/main" id="{289A785A-416B-4649-8801-8C3B41DBB602}"/>
+              </a:ext>
+            </a:extLst>
+          </p:cNvPr>
+          <p:cNvSpPr txBox="1">
+            <a:spLocks/>
+          </p:cNvSpPr>
+          <p:nvPr/>
+        </p:nvSpPr>
+        <p:spPr>
+          <a:xfrm>
+            <a:off x="684212" y="1724488"/>
+            <a:ext cx="4482277" cy="3615267"/>
+          </a:xfrm>
+          <a:prstGeom prst="rect">
+            <a:avLst/>
+          </a:prstGeom>
+        </p:spPr>
+        <p:txBody>
+          <a:bodyPr vert="horz" lIns="91440" tIns="45720" rIns="91440" bIns="45720" rtlCol="0" anchor="ctr">
+            <a:normAutofit/>
+          </a:bodyPr>
+          <a:lstStyle>
+            <a:lvl1pPr marL="285750" indent="-285750" algn="l" defTabSz="457200" rtl="0" eaLnBrk="1" latinLnBrk="0" hangingPunct="1">
+              <a:spcBef>
+                <a:spcPct val="20000"/>
+              </a:spcBef>
+              <a:spcAft>
+                <a:spcPts val="600"/>
+              </a:spcAft>
+              <a:buClr>
+                <a:schemeClr val="tx1"/>
+              </a:buClr>
+              <a:buSzPct val="80000"/>
+              <a:buFont typeface="Wingdings 3" panose="05040102010807070707" pitchFamily="18" charset="2"/>
+              <a:buChar char=""/>
+              <a:defRPr sz="2000" kern="1200" cap="none">
+                <a:solidFill>
+                  <a:schemeClr val="bg2">
+                    <a:lumMod val="75000"/>
+                  </a:schemeClr>
+                </a:solidFill>
+                <a:effectLst/>
+                <a:latin typeface="+mn-lt"/>
+                <a:ea typeface="+mn-ea"/>
+                <a:cs typeface="+mn-cs"/>
+              </a:defRPr>
+            </a:lvl1pPr>
+            <a:lvl2pPr marL="742950" indent="-285750" algn="l" defTabSz="457200" rtl="0" eaLnBrk="1" latinLnBrk="0" hangingPunct="1">
+              <a:spcBef>
+                <a:spcPct val="20000"/>
+              </a:spcBef>
+              <a:spcAft>
+                <a:spcPts val="600"/>
+              </a:spcAft>
+              <a:buClr>
+                <a:schemeClr val="tx1"/>
+              </a:buClr>
+              <a:buSzPct val="80000"/>
+              <a:buFont typeface="Wingdings 3" panose="05040102010807070707" pitchFamily="18" charset="2"/>
+              <a:buChar char=""/>
+              <a:defRPr sz="1800" kern="1200" cap="none">
+                <a:solidFill>
+                  <a:schemeClr val="bg2">
+                    <a:lumMod val="75000"/>
+                  </a:schemeClr>
+                </a:solidFill>
+                <a:effectLst/>
+                <a:latin typeface="+mn-lt"/>
+                <a:ea typeface="+mn-ea"/>
+                <a:cs typeface="+mn-cs"/>
+              </a:defRPr>
+            </a:lvl2pPr>
+            <a:lvl3pPr marL="1200150" indent="-285750" algn="l" defTabSz="457200" rtl="0" eaLnBrk="1" latinLnBrk="0" hangingPunct="1">
+              <a:spcBef>
+                <a:spcPct val="20000"/>
+              </a:spcBef>
+              <a:spcAft>
+                <a:spcPts val="600"/>
+              </a:spcAft>
+              <a:buClr>
+                <a:schemeClr val="tx1"/>
+              </a:buClr>
+              <a:buSzPct val="80000"/>
+              <a:buFont typeface="Wingdings 3" panose="05040102010807070707" pitchFamily="18" charset="2"/>
+              <a:buChar char=""/>
+              <a:defRPr sz="1600" kern="1200" cap="none">
+                <a:solidFill>
+                  <a:schemeClr val="bg2">
+                    <a:lumMod val="75000"/>
+                  </a:schemeClr>
+                </a:solidFill>
+                <a:effectLst/>
+                <a:latin typeface="+mn-lt"/>
+                <a:ea typeface="+mn-ea"/>
+                <a:cs typeface="+mn-cs"/>
+              </a:defRPr>
+            </a:lvl3pPr>
+            <a:lvl4pPr marL="1543050" indent="-171450" algn="l" defTabSz="457200" rtl="0" eaLnBrk="1" latinLnBrk="0" hangingPunct="1">
+              <a:spcBef>
+                <a:spcPct val="20000"/>
+              </a:spcBef>
+              <a:spcAft>
+                <a:spcPts val="600"/>
+              </a:spcAft>
+              <a:buClr>
+                <a:schemeClr val="tx1"/>
+              </a:buClr>
+              <a:buSzPct val="80000"/>
+              <a:buFont typeface="Wingdings 3" panose="05040102010807070707" pitchFamily="18" charset="2"/>
+              <a:buChar char=""/>
+              <a:defRPr sz="1400" kern="1200" cap="none">
+                <a:solidFill>
+                  <a:schemeClr val="bg2">
+                    <a:lumMod val="75000"/>
+                  </a:schemeClr>
+                </a:solidFill>
+                <a:effectLst/>
+                <a:latin typeface="+mn-lt"/>
+                <a:ea typeface="+mn-ea"/>
+                <a:cs typeface="+mn-cs"/>
+              </a:defRPr>
+            </a:lvl4pPr>
+            <a:lvl5pPr marL="2000250" indent="-171450" algn="l" defTabSz="457200" rtl="0" eaLnBrk="1" latinLnBrk="0" hangingPunct="1">
+              <a:spcBef>
+                <a:spcPct val="20000"/>
+              </a:spcBef>
+              <a:spcAft>
+                <a:spcPts val="600"/>
+              </a:spcAft>
+              <a:buClr>
+                <a:schemeClr val="tx1"/>
+              </a:buClr>
+              <a:buSzPct val="80000"/>
+              <a:buFont typeface="Wingdings 3" panose="05040102010807070707" pitchFamily="18" charset="2"/>
+              <a:buChar char=""/>
+              <a:defRPr sz="1400" kern="1200" cap="none">
+                <a:solidFill>
+                  <a:schemeClr val="bg2">
+                    <a:lumMod val="75000"/>
+                  </a:schemeClr>
+                </a:solidFill>
+                <a:effectLst/>
+                <a:latin typeface="+mn-lt"/>
+                <a:ea typeface="+mn-ea"/>
+                <a:cs typeface="+mn-cs"/>
+              </a:defRPr>
+            </a:lvl5pPr>
+            <a:lvl6pPr marL="2514600" indent="-228600" algn="l" defTabSz="457200" rtl="0" eaLnBrk="1" latinLnBrk="0" hangingPunct="1">
+              <a:spcBef>
+                <a:spcPct val="20000"/>
+              </a:spcBef>
+              <a:spcAft>
+                <a:spcPts val="600"/>
+              </a:spcAft>
+              <a:buClr>
+                <a:schemeClr val="tx1"/>
+              </a:buClr>
+              <a:buSzPct val="80000"/>
+              <a:buFont typeface="Wingdings 3" panose="05040102010807070707" pitchFamily="18" charset="2"/>
+              <a:buChar char=""/>
+              <a:defRPr sz="1400" kern="1200" cap="none">
+                <a:solidFill>
+                  <a:schemeClr val="bg2">
+                    <a:lumMod val="75000"/>
+                  </a:schemeClr>
+                </a:solidFill>
+                <a:effectLst/>
+                <a:latin typeface="+mn-lt"/>
+                <a:ea typeface="+mn-ea"/>
+                <a:cs typeface="+mn-cs"/>
+              </a:defRPr>
+            </a:lvl6pPr>
+            <a:lvl7pPr marL="2971800" indent="-228600" algn="l" defTabSz="457200" rtl="0" eaLnBrk="1" latinLnBrk="0" hangingPunct="1">
+              <a:spcBef>
+                <a:spcPct val="20000"/>
+              </a:spcBef>
+              <a:spcAft>
+                <a:spcPts val="600"/>
+              </a:spcAft>
+              <a:buClr>
+                <a:schemeClr val="tx1"/>
+              </a:buClr>
+              <a:buSzPct val="80000"/>
+              <a:buFont typeface="Wingdings 3" panose="05040102010807070707" pitchFamily="18" charset="2"/>
+              <a:buChar char=""/>
+              <a:defRPr sz="1400" kern="1200" cap="none">
+                <a:solidFill>
+                  <a:schemeClr val="bg2">
+                    <a:lumMod val="75000"/>
+                  </a:schemeClr>
+                </a:solidFill>
+                <a:effectLst/>
+                <a:latin typeface="+mn-lt"/>
+                <a:ea typeface="+mn-ea"/>
+                <a:cs typeface="+mn-cs"/>
+              </a:defRPr>
+            </a:lvl7pPr>
+            <a:lvl8pPr marL="3429000" indent="-228600" algn="l" defTabSz="457200" rtl="0" eaLnBrk="1" latinLnBrk="0" hangingPunct="1">
+              <a:spcBef>
+                <a:spcPct val="20000"/>
+              </a:spcBef>
+              <a:spcAft>
+                <a:spcPts val="600"/>
+              </a:spcAft>
+              <a:buClr>
+                <a:schemeClr val="tx1"/>
+              </a:buClr>
+              <a:buSzPct val="80000"/>
+              <a:buFont typeface="Wingdings 3" panose="05040102010807070707" pitchFamily="18" charset="2"/>
+              <a:buChar char=""/>
+              <a:defRPr sz="1400" kern="1200" cap="none">
+                <a:solidFill>
+                  <a:schemeClr val="bg2">
+                    <a:lumMod val="75000"/>
+                  </a:schemeClr>
+                </a:solidFill>
+                <a:effectLst/>
+                <a:latin typeface="+mn-lt"/>
+                <a:ea typeface="+mn-ea"/>
+                <a:cs typeface="+mn-cs"/>
+              </a:defRPr>
+            </a:lvl8pPr>
+            <a:lvl9pPr marL="3886200" indent="-228600" algn="l" defTabSz="457200" rtl="0" eaLnBrk="1" latinLnBrk="0" hangingPunct="1">
+              <a:spcBef>
+                <a:spcPct val="20000"/>
+              </a:spcBef>
+              <a:spcAft>
+                <a:spcPts val="600"/>
+              </a:spcAft>
+              <a:buClr>
+                <a:schemeClr val="tx1"/>
+              </a:buClr>
+              <a:buSzPct val="80000"/>
+              <a:buFont typeface="Wingdings 3" panose="05040102010807070707" pitchFamily="18" charset="2"/>
+              <a:buChar char=""/>
+              <a:defRPr sz="1400" kern="1200" cap="none">
+                <a:solidFill>
+                  <a:schemeClr val="bg2">
+                    <a:lumMod val="75000"/>
+                  </a:schemeClr>
+                </a:solidFill>
+                <a:effectLst/>
+                <a:latin typeface="+mn-lt"/>
+                <a:ea typeface="+mn-ea"/>
+                <a:cs typeface="+mn-cs"/>
+              </a:defRPr>
+            </a:lvl9pPr>
+          </a:lstStyle>
+          <a:p>
+            <a:r>
+              <a:rPr lang="de-CH" dirty="0">
+                <a:solidFill>
+                  <a:schemeClr val="tx1"/>
+                </a:solidFill>
+              </a:rPr>
+              <a:t>D(x) = 0.001 wenn x ~ </a:t>
+            </a:r>
+            <a:r>
+              <a:rPr lang="de-CH" dirty="0" err="1">
+                <a:solidFill>
+                  <a:schemeClr val="tx1"/>
+                </a:solidFill>
+              </a:rPr>
+              <a:t>p_data</a:t>
+            </a:r>
+            <a:endParaRPr lang="de-CH" dirty="0">
+              <a:solidFill>
+                <a:schemeClr val="tx1"/>
+              </a:solidFill>
+            </a:endParaRPr>
+          </a:p>
+          <a:p>
+            <a:r>
+              <a:rPr lang="de-CH" dirty="0">
+                <a:solidFill>
+                  <a:schemeClr val="tx1"/>
+                </a:solidFill>
+              </a:rPr>
+              <a:t>D(x) = 0.999 wenn x ~ </a:t>
+            </a:r>
+            <a:r>
+              <a:rPr lang="de-CH" dirty="0" err="1">
+                <a:solidFill>
+                  <a:schemeClr val="tx1"/>
+                </a:solidFill>
+              </a:rPr>
+              <a:t>p_g</a:t>
+            </a:r>
+            <a:endParaRPr lang="de-CH" dirty="0"/>
+          </a:p>
+        </p:txBody>
+      </p:sp>
+      <p:pic>
+        <p:nvPicPr>
+          <p:cNvPr id="6" name="Grafik 5">
+            <a:extLst>
+              <a:ext uri="{FF2B5EF4-FFF2-40B4-BE49-F238E27FC236}">
+                <a16:creationId xmlns:a16="http://schemas.microsoft.com/office/drawing/2014/main" id="{32D6EB21-51C8-4CD1-B484-9338492CE855}"/>
+              </a:ext>
+            </a:extLst>
+          </p:cNvPr>
+          <p:cNvPicPr>
+            <a:picLocks noChangeAspect="1"/>
+          </p:cNvPicPr>
+          <p:nvPr/>
+        </p:nvPicPr>
+        <p:blipFill>
+          <a:blip r:embed="rId2"/>
+          <a:stretch>
+            <a:fillRect/>
+          </a:stretch>
+        </p:blipFill>
+        <p:spPr>
+          <a:xfrm>
+            <a:off x="4951412" y="3429000"/>
+            <a:ext cx="7181850" cy="733425"/>
+          </a:xfrm>
+          <a:prstGeom prst="rect">
+            <a:avLst/>
+          </a:prstGeom>
+        </p:spPr>
+      </p:pic>
+    </p:spTree>
+    <p:extLst>
+      <p:ext uri="{BB962C8B-B14F-4D97-AF65-F5344CB8AC3E}">
+        <p14:creationId xmlns:p14="http://schemas.microsoft.com/office/powerpoint/2010/main" val="532024207"/>
+      </p:ext>
+    </p:extLst>
+  </p:cSld>
+  <p:clrMapOvr>
+    <a:masterClrMapping/>
+  </p:clrMapOvr>
+</p:sld>
+</file>
+
+<file path=ppt/slides/slide15.xml><?xml version="1.0" encoding="utf-8"?>
+<p:sld xmlns:a="http://schemas.openxmlformats.org/drawingml/2006/main" xmlns:r="http://schemas.openxmlformats.org/officeDocument/2006/relationships" xmlns:p="http://schemas.openxmlformats.org/presentationml/2006/main">
+  <p:cSld>
+    <p:spTree>
+      <p:nvGrpSpPr>
+        <p:cNvPr id="1" name=""/>
+        <p:cNvGrpSpPr/>
+        <p:nvPr/>
+      </p:nvGrpSpPr>
+      <p:grpSpPr>
+        <a:xfrm>
+          <a:off x="0" y="0"/>
+          <a:ext cx="0" cy="0"/>
+          <a:chOff x="0" y="0"/>
+          <a:chExt cx="0" cy="0"/>
+        </a:xfrm>
+      </p:grpSpPr>
+      <p:sp>
+        <p:nvSpPr>
+          <p:cNvPr id="2" name="Titel 1">
+            <a:extLst>
+              <a:ext uri="{FF2B5EF4-FFF2-40B4-BE49-F238E27FC236}">
                 <a16:creationId xmlns:a16="http://schemas.microsoft.com/office/drawing/2014/main" id="{2F0C4001-5270-4245-BE57-2BD6540EF530}"/>
               </a:ext>
             </a:extLst>
@@ -6680,7 +7968,7 @@
 </p:sld>
 </file>
 
-<file path=ppt/slides/slide13.xml><?xml version="1.0" encoding="utf-8"?>
+<file path=ppt/slides/slide16.xml><?xml version="1.0" encoding="utf-8"?>
 <p:sld xmlns:a="http://schemas.openxmlformats.org/drawingml/2006/main" xmlns:r="http://schemas.openxmlformats.org/officeDocument/2006/relationships" xmlns:p="http://schemas.openxmlformats.org/presentationml/2006/main">
   <p:cSld>
     <p:spTree>
@@ -6795,8 +8083,8 @@
         </p:blipFill>
         <p:spPr>
           <a:xfrm>
-            <a:off x="5076546" y="1663434"/>
-            <a:ext cx="2362200" cy="476250"/>
+            <a:off x="5103178" y="1201794"/>
+            <a:ext cx="5034455" cy="1015011"/>
           </a:xfrm>
           <a:prstGeom prst="rect">
             <a:avLst/>
@@ -6995,7 +8283,7 @@
 </p:sld>
 </file>
 
-<file path=ppt/slides/slide14.xml><?xml version="1.0" encoding="utf-8"?>
+<file path=ppt/slides/slide17.xml><?xml version="1.0" encoding="utf-8"?>
 <p:sld xmlns:a="http://schemas.openxmlformats.org/drawingml/2006/main" xmlns:r="http://schemas.openxmlformats.org/officeDocument/2006/relationships" xmlns:p="http://schemas.openxmlformats.org/presentationml/2006/main">
   <p:cSld>
     <p:spTree>
@@ -7112,8 +8400,8 @@
         </p:blipFill>
         <p:spPr>
           <a:xfrm>
-            <a:off x="3581400" y="2493433"/>
-            <a:ext cx="2514600" cy="514350"/>
+            <a:off x="3602148" y="2230120"/>
+            <a:ext cx="4099935" cy="838623"/>
           </a:xfrm>
           <a:prstGeom prst="rect">
             <a:avLst/>
@@ -7135,7 +8423,7 @@
           <p:nvPr>
             <p:extLst>
               <p:ext uri="{D42A27DB-BD31-4B8C-83A1-F6EECF244321}">
-                <p14:modId xmlns:p14="http://schemas.microsoft.com/office/powerpoint/2010/main" val="1512744439"/>
+                <p14:modId xmlns:p14="http://schemas.microsoft.com/office/powerpoint/2010/main" val="3830576071"/>
               </p:ext>
             </p:extLst>
           </p:nvPr>
@@ -7464,7 +8752,7 @@
                     <a:p>
                       <a:r>
                         <a:rPr lang="de-CH" dirty="0"/>
-                        <a:t>0.514573</a:t>
+                        <a:t>0.5145</a:t>
                       </a:r>
                     </a:p>
                   </a:txBody>
@@ -7493,7 +8781,7 @@
 </p:sld>
 </file>
 
-<file path=ppt/slides/slide15.xml><?xml version="1.0" encoding="utf-8"?>
+<file path=ppt/slides/slide18.xml><?xml version="1.0" encoding="utf-8"?>
 <p:sld xmlns:a="http://schemas.openxmlformats.org/drawingml/2006/main" xmlns:r="http://schemas.openxmlformats.org/officeDocument/2006/relationships" xmlns:p="http://schemas.openxmlformats.org/presentationml/2006/main">
   <p:cSld>
     <p:spTree>
@@ -7560,7 +8848,14 @@
           <a:bodyPr/>
           <a:lstStyle/>
           <a:p>
-            <a:endParaRPr lang="de-CH" dirty="0"/>
+            <a:r>
+              <a:rPr lang="de-CH" dirty="0">
+                <a:solidFill>
+                  <a:schemeClr val="tx1"/>
+                </a:solidFill>
+              </a:rPr>
+              <a:t>P ist binär</a:t>
+            </a:r>
           </a:p>
         </p:txBody>
       </p:sp>
@@ -7586,7 +8881,7 @@
         </p:blipFill>
         <p:spPr>
           <a:xfrm>
-            <a:off x="1628497" y="3278459"/>
+            <a:off x="1361886" y="3119714"/>
             <a:ext cx="8669969" cy="849657"/>
           </a:xfrm>
           <a:prstGeom prst="rect">
@@ -7616,7 +8911,7 @@
         </p:blipFill>
         <p:spPr>
           <a:xfrm>
-            <a:off x="3359457" y="685800"/>
+            <a:off x="3457109" y="581901"/>
             <a:ext cx="4479525" cy="916266"/>
           </a:xfrm>
           <a:prstGeom prst="rect">
@@ -7637,7 +8932,7 @@
 </p:sld>
 </file>
 
-<file path=ppt/slides/slide16.xml><?xml version="1.0" encoding="utf-8"?>
+<file path=ppt/slides/slide19.xml><?xml version="1.0" encoding="utf-8"?>
 <p:sld xmlns:a="http://schemas.openxmlformats.org/drawingml/2006/main" xmlns:r="http://schemas.openxmlformats.org/officeDocument/2006/relationships" xmlns:p="http://schemas.openxmlformats.org/presentationml/2006/main">
   <p:cSld>
     <p:spTree>
@@ -7780,7 +9075,7 @@
 </p:sld>
 </file>
 
-<file path=ppt/slides/slide17.xml><?xml version="1.0" encoding="utf-8"?>
+<file path=ppt/slides/slide2.xml><?xml version="1.0" encoding="utf-8"?>
 <p:sld xmlns:a="http://schemas.openxmlformats.org/drawingml/2006/main" xmlns:r="http://schemas.openxmlformats.org/officeDocument/2006/relationships" xmlns:p="http://schemas.openxmlformats.org/presentationml/2006/main">
   <p:cSld>
     <p:spTree>
@@ -7802,6 +9097,119 @@
           <p:cNvPr id="2" name="Titel 1">
             <a:extLst>
               <a:ext uri="{FF2B5EF4-FFF2-40B4-BE49-F238E27FC236}">
+                <a16:creationId xmlns:a16="http://schemas.microsoft.com/office/drawing/2014/main" id="{AD42702C-2E3B-447E-9F7B-A49B8F35E331}"/>
+              </a:ext>
+            </a:extLst>
+          </p:cNvPr>
+          <p:cNvSpPr>
+            <a:spLocks noGrp="1"/>
+          </p:cNvSpPr>
+          <p:nvPr>
+            <p:ph type="title"/>
+          </p:nvPr>
+        </p:nvSpPr>
+        <p:spPr/>
+        <p:txBody>
+          <a:bodyPr/>
+          <a:lstStyle/>
+          <a:p>
+            <a:r>
+              <a:rPr lang="de-CH" dirty="0"/>
+              <a:t>Inhalt</a:t>
+            </a:r>
+          </a:p>
+        </p:txBody>
+      </p:sp>
+      <p:sp>
+        <p:nvSpPr>
+          <p:cNvPr id="3" name="Inhaltsplatzhalter 2">
+            <a:extLst>
+              <a:ext uri="{FF2B5EF4-FFF2-40B4-BE49-F238E27FC236}">
+                <a16:creationId xmlns:a16="http://schemas.microsoft.com/office/drawing/2014/main" id="{BF6D63E5-396A-4E40-8720-F8D138EDBA50}"/>
+              </a:ext>
+            </a:extLst>
+          </p:cNvPr>
+          <p:cNvSpPr>
+            <a:spLocks noGrp="1"/>
+          </p:cNvSpPr>
+          <p:nvPr>
+            <p:ph idx="1"/>
+          </p:nvPr>
+        </p:nvSpPr>
+        <p:spPr/>
+        <p:txBody>
+          <a:bodyPr/>
+          <a:lstStyle/>
+          <a:p>
+            <a:r>
+              <a:rPr lang="de-CH" dirty="0">
+                <a:solidFill>
+                  <a:schemeClr val="tx1"/>
+                </a:solidFill>
+              </a:rPr>
+              <a:t>Ziel</a:t>
+            </a:r>
+          </a:p>
+          <a:p>
+            <a:r>
+              <a:rPr lang="de-CH" dirty="0">
+                <a:solidFill>
+                  <a:schemeClr val="tx1"/>
+                </a:solidFill>
+              </a:rPr>
+              <a:t>GAN</a:t>
+            </a:r>
+          </a:p>
+          <a:p>
+            <a:r>
+              <a:rPr lang="de-CH" dirty="0">
+                <a:solidFill>
+                  <a:schemeClr val="tx1"/>
+                </a:solidFill>
+              </a:rPr>
+              <a:t>Fazit</a:t>
+            </a:r>
+          </a:p>
+          <a:p>
+            <a:endParaRPr lang="de-CH" dirty="0"/>
+          </a:p>
+        </p:txBody>
+      </p:sp>
+    </p:spTree>
+    <p:extLst>
+      <p:ext uri="{BB962C8B-B14F-4D97-AF65-F5344CB8AC3E}">
+        <p14:creationId xmlns:p14="http://schemas.microsoft.com/office/powerpoint/2010/main" val="3463662472"/>
+      </p:ext>
+    </p:extLst>
+  </p:cSld>
+  <p:clrMapOvr>
+    <a:masterClrMapping/>
+  </p:clrMapOvr>
+</p:sld>
+</file>
+
+<file path=ppt/slides/slide20.xml><?xml version="1.0" encoding="utf-8"?>
+<p:sld xmlns:a="http://schemas.openxmlformats.org/drawingml/2006/main" xmlns:r="http://schemas.openxmlformats.org/officeDocument/2006/relationships" xmlns:p="http://schemas.openxmlformats.org/presentationml/2006/main">
+  <p:cSld>
+    <p:spTree>
+      <p:nvGrpSpPr>
+        <p:cNvPr id="1" name=""/>
+        <p:cNvGrpSpPr/>
+        <p:nvPr/>
+      </p:nvGrpSpPr>
+      <p:grpSpPr>
+        <a:xfrm>
+          <a:off x="0" y="0"/>
+          <a:ext cx="0" cy="0"/>
+          <a:chOff x="0" y="0"/>
+          <a:chExt cx="0" cy="0"/>
+        </a:xfrm>
+      </p:grpSpPr>
+      <p:sp>
+        <p:nvSpPr>
+          <p:cNvPr id="2" name="Titel 1">
+            <a:extLst>
+              <a:ext uri="{FF2B5EF4-FFF2-40B4-BE49-F238E27FC236}">
                 <a16:creationId xmlns:a16="http://schemas.microsoft.com/office/drawing/2014/main" id="{8DA701AB-7362-4E89-97E2-1CBA194807A6}"/>
               </a:ext>
             </a:extLst>
@@ -7820,8 +9228,13 @@
           <a:p>
             <a:r>
               <a:rPr lang="de-CH" dirty="0"/>
-              <a:t>Formel 1. Teil</a:t>
-            </a:r>
+              <a:t>GAN-</a:t>
+            </a:r>
+            <a:r>
+              <a:rPr lang="de-CH" dirty="0" err="1"/>
+              <a:t>FormeL</a:t>
+            </a:r>
+            <a:endParaRPr lang="de-CH" dirty="0"/>
           </a:p>
         </p:txBody>
       </p:sp>
@@ -8255,7 +9668,7 @@
 </p:sld>
 </file>
 
-<file path=ppt/slides/slide18.xml><?xml version="1.0" encoding="utf-8"?>
+<file path=ppt/slides/slide21.xml><?xml version="1.0" encoding="utf-8"?>
 <p:sld xmlns:a="http://schemas.openxmlformats.org/drawingml/2006/main" xmlns:r="http://schemas.openxmlformats.org/officeDocument/2006/relationships" xmlns:p="http://schemas.openxmlformats.org/presentationml/2006/main">
   <p:cSld>
     <p:spTree>
@@ -8463,7 +9876,7 @@
 </p:sld>
 </file>
 
-<file path=ppt/slides/slide19.xml><?xml version="1.0" encoding="utf-8"?>
+<file path=ppt/slides/slide22.xml><?xml version="1.0" encoding="utf-8"?>
 <p:sld xmlns:a="http://schemas.openxmlformats.org/drawingml/2006/main" xmlns:r="http://schemas.openxmlformats.org/officeDocument/2006/relationships" xmlns:p="http://schemas.openxmlformats.org/presentationml/2006/main">
   <p:cSld>
     <p:spTree>
@@ -8485,7 +9898,7 @@
           <p:cNvPr id="2" name="Titel 1">
             <a:extLst>
               <a:ext uri="{FF2B5EF4-FFF2-40B4-BE49-F238E27FC236}">
-                <a16:creationId xmlns:a16="http://schemas.microsoft.com/office/drawing/2014/main" id="{D5F87995-9ABA-4794-AF72-45F2C38EBC16}"/>
+                <a16:creationId xmlns:a16="http://schemas.microsoft.com/office/drawing/2014/main" id="{ABC2A43F-A960-430F-98E5-F9A3093F472D}"/>
               </a:ext>
             </a:extLst>
           </p:cNvPr>
@@ -8503,7 +9916,7 @@
           <a:p>
             <a:r>
               <a:rPr lang="de-CH" dirty="0"/>
-              <a:t>Fazit</a:t>
+              <a:t>Zu beachten</a:t>
             </a:r>
           </a:p>
         </p:txBody>
@@ -8513,7 +9926,7 @@
           <p:cNvPr id="3" name="Inhaltsplatzhalter 2">
             <a:extLst>
               <a:ext uri="{FF2B5EF4-FFF2-40B4-BE49-F238E27FC236}">
-                <a16:creationId xmlns:a16="http://schemas.microsoft.com/office/drawing/2014/main" id="{9DD16787-4832-47CA-9264-E5ACE4723F74}"/>
+                <a16:creationId xmlns:a16="http://schemas.microsoft.com/office/drawing/2014/main" id="{F682C54F-9974-485A-AC10-D760334AA55A}"/>
               </a:ext>
             </a:extLst>
           </p:cNvPr>
@@ -8535,7 +9948,17 @@
                   <a:schemeClr val="tx1"/>
                 </a:solidFill>
               </a:rPr>
-              <a:t>Gute Möglichkeit für </a:t>
+              <a:t>Simultanes Lernen notwendig</a:t>
+            </a:r>
+          </a:p>
+          <a:p>
+            <a:r>
+              <a:rPr lang="de-CH" dirty="0">
+                <a:solidFill>
+                  <a:schemeClr val="tx1"/>
+                </a:solidFill>
+              </a:rPr>
+              <a:t>D sollte mehrfach vor G trainiert werden, um Optimum für gegebenes G zu erreichen -&gt; Konvergenz von </a:t>
             </a:r>
             <a:r>
               <a:rPr lang="de-CH" dirty="0" err="1">
@@ -8543,7 +9966,23 @@
                   <a:schemeClr val="tx1"/>
                 </a:solidFill>
               </a:rPr>
-              <a:t>Datenaugmentierung</a:t>
+              <a:t>p_g</a:t>
+            </a:r>
+            <a:r>
+              <a:rPr lang="de-CH" dirty="0">
+                <a:solidFill>
+                  <a:schemeClr val="tx1"/>
+                </a:solidFill>
+              </a:rPr>
+              <a:t> zu </a:t>
+            </a:r>
+            <a:r>
+              <a:rPr lang="de-CH" dirty="0" err="1">
+                <a:solidFill>
+                  <a:schemeClr val="tx1"/>
+                </a:solidFill>
+              </a:rPr>
+              <a:t>p_data</a:t>
             </a:r>
             <a:endParaRPr lang="de-CH" dirty="0">
               <a:solidFill>
@@ -8558,34 +9997,7 @@
                   <a:schemeClr val="tx1"/>
                 </a:solidFill>
               </a:rPr>
-              <a:t>Wohl eher weniger geeignet als «Künstler»</a:t>
-            </a:r>
-          </a:p>
-          <a:p>
-            <a:endParaRPr lang="de-CH" dirty="0">
-              <a:solidFill>
-                <a:schemeClr val="tx1"/>
-              </a:solidFill>
-            </a:endParaRPr>
-          </a:p>
-          <a:p>
-            <a:r>
-              <a:rPr lang="de-CH" dirty="0">
-                <a:solidFill>
-                  <a:schemeClr val="tx1"/>
-                </a:solidFill>
-              </a:rPr>
-              <a:t>Simultanes Lernen notwendig</a:t>
-            </a:r>
-          </a:p>
-          <a:p>
-            <a:r>
-              <a:rPr lang="de-CH" dirty="0">
-                <a:solidFill>
-                  <a:schemeClr val="tx1"/>
-                </a:solidFill>
-              </a:rPr>
-              <a:t>Achtung: Müssen ungefähr gleich stark sein</a:t>
+              <a:t>D und G müssen ungefähr gleich stark sein</a:t>
             </a:r>
           </a:p>
         </p:txBody>
@@ -8593,7 +10005,7 @@
     </p:spTree>
     <p:extLst>
       <p:ext uri="{BB962C8B-B14F-4D97-AF65-F5344CB8AC3E}">
-        <p14:creationId xmlns:p14="http://schemas.microsoft.com/office/powerpoint/2010/main" val="1776713520"/>
+        <p14:creationId xmlns:p14="http://schemas.microsoft.com/office/powerpoint/2010/main" val="2681525982"/>
       </p:ext>
     </p:extLst>
   </p:cSld>
@@ -8603,7 +10015,7 @@
 </p:sld>
 </file>
 
-<file path=ppt/slides/slide2.xml><?xml version="1.0" encoding="utf-8"?>
+<file path=ppt/slides/slide23.xml><?xml version="1.0" encoding="utf-8"?>
 <p:sld xmlns:a="http://schemas.openxmlformats.org/drawingml/2006/main" xmlns:r="http://schemas.openxmlformats.org/officeDocument/2006/relationships" xmlns:p="http://schemas.openxmlformats.org/presentationml/2006/main">
   <p:cSld>
     <p:spTree>
@@ -8625,7 +10037,7 @@
           <p:cNvPr id="2" name="Titel 1">
             <a:extLst>
               <a:ext uri="{FF2B5EF4-FFF2-40B4-BE49-F238E27FC236}">
-                <a16:creationId xmlns:a16="http://schemas.microsoft.com/office/drawing/2014/main" id="{AD42702C-2E3B-447E-9F7B-A49B8F35E331}"/>
+                <a16:creationId xmlns:a16="http://schemas.microsoft.com/office/drawing/2014/main" id="{D5F87995-9ABA-4794-AF72-45F2C38EBC16}"/>
               </a:ext>
             </a:extLst>
           </p:cNvPr>
@@ -8643,7 +10055,7 @@
           <a:p>
             <a:r>
               <a:rPr lang="de-CH" dirty="0"/>
-              <a:t>Inhalt</a:t>
+              <a:t>Fazit</a:t>
             </a:r>
           </a:p>
         </p:txBody>
@@ -8653,7 +10065,7 @@
           <p:cNvPr id="3" name="Inhaltsplatzhalter 2">
             <a:extLst>
               <a:ext uri="{FF2B5EF4-FFF2-40B4-BE49-F238E27FC236}">
-                <a16:creationId xmlns:a16="http://schemas.microsoft.com/office/drawing/2014/main" id="{BF6D63E5-396A-4E40-8720-F8D138EDBA50}"/>
+                <a16:creationId xmlns:a16="http://schemas.microsoft.com/office/drawing/2014/main" id="{9DD16787-4832-47CA-9264-E5ACE4723F74}"/>
               </a:ext>
             </a:extLst>
           </p:cNvPr>
@@ -8675,17 +10087,23 @@
                   <a:schemeClr val="tx1"/>
                 </a:solidFill>
               </a:rPr>
-              <a:t>Ziel</a:t>
-            </a:r>
-          </a:p>
-          <a:p>
+              <a:t>Gute Möglichkeit für </a:t>
+            </a:r>
+            <a:r>
+              <a:rPr lang="de-CH" dirty="0" err="1">
+                <a:solidFill>
+                  <a:schemeClr val="tx1"/>
+                </a:solidFill>
+              </a:rPr>
+              <a:t>Datenaugmentierung</a:t>
+            </a:r>
             <a:r>
               <a:rPr lang="de-CH" dirty="0">
                 <a:solidFill>
                   <a:schemeClr val="tx1"/>
                 </a:solidFill>
               </a:rPr>
-              <a:t>GAN</a:t>
+              <a:t>, Bildbearbeitungen usw.</a:t>
             </a:r>
           </a:p>
           <a:p>
@@ -8695,18 +10113,15 @@
                   <a:schemeClr val="tx1"/>
                 </a:solidFill>
               </a:rPr>
-              <a:t>Fazit</a:t>
-            </a:r>
-          </a:p>
-          <a:p>
-            <a:endParaRPr lang="de-CH" dirty="0"/>
+              <a:t>Wohl eher weniger geeignet als «Künstler»</a:t>
+            </a:r>
           </a:p>
         </p:txBody>
       </p:sp>
     </p:spTree>
     <p:extLst>
       <p:ext uri="{BB962C8B-B14F-4D97-AF65-F5344CB8AC3E}">
-        <p14:creationId xmlns:p14="http://schemas.microsoft.com/office/powerpoint/2010/main" val="3463662472"/>
+        <p14:creationId xmlns:p14="http://schemas.microsoft.com/office/powerpoint/2010/main" val="1776713520"/>
       </p:ext>
     </p:extLst>
   </p:cSld>
@@ -9126,8 +10541,8 @@
           </a:p>
         </p:txBody>
       </p:sp>
-      <mc:AlternateContent xmlns:mc="http://schemas.openxmlformats.org/markup-compatibility/2006">
-        <mc:Choice xmlns:a14="http://schemas.microsoft.com/office/drawing/2010/main" Requires="a14">
+      <mc:AlternateContent xmlns:mc="http://schemas.openxmlformats.org/markup-compatibility/2006" xmlns:a14="http://schemas.microsoft.com/office/drawing/2010/main">
+        <mc:Choice Requires="a14">
           <p:sp>
             <p:nvSpPr>
               <p:cNvPr id="14" name="Textfeld 13">
@@ -9177,7 +10592,7 @@
             </p:txBody>
           </p:sp>
         </mc:Choice>
-        <mc:Fallback>
+        <mc:Fallback xmlns="">
           <p:sp>
             <p:nvSpPr>
               <p:cNvPr id="14" name="Textfeld 13">

--- a/GAN.pptx
+++ b/GAN.pptx
@@ -18,16 +18,15 @@
     <p:sldId id="273" r:id="rId12"/>
     <p:sldId id="276" r:id="rId13"/>
     <p:sldId id="278" r:id="rId14"/>
-    <p:sldId id="277" r:id="rId15"/>
-    <p:sldId id="259" r:id="rId16"/>
-    <p:sldId id="260" r:id="rId17"/>
-    <p:sldId id="261" r:id="rId18"/>
-    <p:sldId id="274" r:id="rId19"/>
-    <p:sldId id="262" r:id="rId20"/>
-    <p:sldId id="263" r:id="rId21"/>
-    <p:sldId id="264" r:id="rId22"/>
-    <p:sldId id="279" r:id="rId23"/>
-    <p:sldId id="265" r:id="rId24"/>
+    <p:sldId id="259" r:id="rId15"/>
+    <p:sldId id="260" r:id="rId16"/>
+    <p:sldId id="261" r:id="rId17"/>
+    <p:sldId id="274" r:id="rId18"/>
+    <p:sldId id="262" r:id="rId19"/>
+    <p:sldId id="263" r:id="rId20"/>
+    <p:sldId id="264" r:id="rId21"/>
+    <p:sldId id="279" r:id="rId22"/>
+    <p:sldId id="265" r:id="rId23"/>
   </p:sldIdLst>
   <p:sldSz cx="12192000" cy="6858000"/>
   <p:notesSz cx="6858000" cy="9144000"/>
@@ -326,7 +325,7 @@
             <a:fld id="{B61BEF0D-F0BB-DE4B-95CE-6DB70DBA9567}" type="datetimeFigureOut">
               <a:rPr lang="en-US" dirty="0"/>
               <a:pPr/>
-              <a:t>5/18/2021</a:t>
+              <a:t>5/19/2021</a:t>
             </a:fld>
             <a:endParaRPr lang="en-US" dirty="0"/>
           </a:p>
@@ -759,7 +758,7 @@
             <a:fld id="{B61BEF0D-F0BB-DE4B-95CE-6DB70DBA9567}" type="datetimeFigureOut">
               <a:rPr lang="en-US" dirty="0"/>
               <a:pPr/>
-              <a:t>5/18/2021</a:t>
+              <a:t>5/19/2021</a:t>
             </a:fld>
             <a:endParaRPr lang="en-US" dirty="0"/>
           </a:p>
@@ -1006,7 +1005,7 @@
             <a:fld id="{B61BEF0D-F0BB-DE4B-95CE-6DB70DBA9567}" type="datetimeFigureOut">
               <a:rPr lang="en-US" dirty="0"/>
               <a:pPr/>
-              <a:t>5/18/2021</a:t>
+              <a:t>5/19/2021</a:t>
             </a:fld>
             <a:endParaRPr lang="en-US" dirty="0"/>
           </a:p>
@@ -1311,7 +1310,7 @@
             <a:fld id="{B61BEF0D-F0BB-DE4B-95CE-6DB70DBA9567}" type="datetimeFigureOut">
               <a:rPr lang="en-US" dirty="0"/>
               <a:pPr/>
-              <a:t>5/18/2021</a:t>
+              <a:t>5/19/2021</a:t>
             </a:fld>
             <a:endParaRPr lang="en-US" dirty="0"/>
           </a:p>
@@ -1626,7 +1625,7 @@
             <a:fld id="{B61BEF0D-F0BB-DE4B-95CE-6DB70DBA9567}" type="datetimeFigureOut">
               <a:rPr lang="en-US" dirty="0"/>
               <a:pPr/>
-              <a:t>5/18/2021</a:t>
+              <a:t>5/19/2021</a:t>
             </a:fld>
             <a:endParaRPr lang="en-US" dirty="0"/>
           </a:p>
@@ -1925,7 +1924,7 @@
             <a:fld id="{B61BEF0D-F0BB-DE4B-95CE-6DB70DBA9567}" type="datetimeFigureOut">
               <a:rPr lang="en-US" dirty="0"/>
               <a:pPr/>
-              <a:t>5/18/2021</a:t>
+              <a:t>5/19/2021</a:t>
             </a:fld>
             <a:endParaRPr lang="en-US" dirty="0"/>
           </a:p>
@@ -2289,7 +2288,7 @@
             <a:fld id="{B61BEF0D-F0BB-DE4B-95CE-6DB70DBA9567}" type="datetimeFigureOut">
               <a:rPr lang="en-US" dirty="0"/>
               <a:pPr/>
-              <a:t>5/18/2021</a:t>
+              <a:t>5/19/2021</a:t>
             </a:fld>
             <a:endParaRPr lang="en-US" dirty="0"/>
           </a:p>
@@ -2460,7 +2459,7 @@
             <a:fld id="{B61BEF0D-F0BB-DE4B-95CE-6DB70DBA9567}" type="datetimeFigureOut">
               <a:rPr lang="en-US" dirty="0"/>
               <a:pPr/>
-              <a:t>5/18/2021</a:t>
+              <a:t>5/19/2021</a:t>
             </a:fld>
             <a:endParaRPr lang="en-US" dirty="0"/>
           </a:p>
@@ -2637,7 +2636,7 @@
             <a:fld id="{B61BEF0D-F0BB-DE4B-95CE-6DB70DBA9567}" type="datetimeFigureOut">
               <a:rPr lang="en-US" dirty="0"/>
               <a:pPr/>
-              <a:t>5/18/2021</a:t>
+              <a:t>5/19/2021</a:t>
             </a:fld>
             <a:endParaRPr lang="en-US" dirty="0"/>
           </a:p>
@@ -2804,7 +2803,7 @@
             <a:fld id="{B61BEF0D-F0BB-DE4B-95CE-6DB70DBA9567}" type="datetimeFigureOut">
               <a:rPr lang="en-US" dirty="0"/>
               <a:pPr/>
-              <a:t>5/18/2021</a:t>
+              <a:t>5/19/2021</a:t>
             </a:fld>
             <a:endParaRPr lang="en-US" dirty="0"/>
           </a:p>
@@ -3051,7 +3050,7 @@
             <a:fld id="{B61BEF0D-F0BB-DE4B-95CE-6DB70DBA9567}" type="datetimeFigureOut">
               <a:rPr lang="en-US" dirty="0"/>
               <a:pPr/>
-              <a:t>5/18/2021</a:t>
+              <a:t>5/19/2021</a:t>
             </a:fld>
             <a:endParaRPr lang="en-US" dirty="0"/>
           </a:p>
@@ -3284,7 +3283,7 @@
             <a:fld id="{B61BEF0D-F0BB-DE4B-95CE-6DB70DBA9567}" type="datetimeFigureOut">
               <a:rPr lang="en-US" dirty="0"/>
               <a:pPr/>
-              <a:t>5/18/2021</a:t>
+              <a:t>5/19/2021</a:t>
             </a:fld>
             <a:endParaRPr lang="en-US" dirty="0"/>
           </a:p>
@@ -3663,7 +3662,7 @@
             <a:fld id="{B61BEF0D-F0BB-DE4B-95CE-6DB70DBA9567}" type="datetimeFigureOut">
               <a:rPr lang="en-US" dirty="0"/>
               <a:pPr/>
-              <a:t>5/18/2021</a:t>
+              <a:t>5/19/2021</a:t>
             </a:fld>
             <a:endParaRPr lang="en-US" dirty="0"/>
           </a:p>
@@ -3778,7 +3777,7 @@
             <a:fld id="{B61BEF0D-F0BB-DE4B-95CE-6DB70DBA9567}" type="datetimeFigureOut">
               <a:rPr lang="en-US" dirty="0"/>
               <a:pPr/>
-              <a:t>5/18/2021</a:t>
+              <a:t>5/19/2021</a:t>
             </a:fld>
             <a:endParaRPr lang="en-US" dirty="0"/>
           </a:p>
@@ -3870,7 +3869,7 @@
             <a:fld id="{B61BEF0D-F0BB-DE4B-95CE-6DB70DBA9567}" type="datetimeFigureOut">
               <a:rPr lang="en-US" dirty="0"/>
               <a:pPr/>
-              <a:t>5/18/2021</a:t>
+              <a:t>5/19/2021</a:t>
             </a:fld>
             <a:endParaRPr lang="en-US" dirty="0"/>
           </a:p>
@@ -4122,7 +4121,7 @@
             <a:fld id="{B61BEF0D-F0BB-DE4B-95CE-6DB70DBA9567}" type="datetimeFigureOut">
               <a:rPr lang="en-US" dirty="0"/>
               <a:pPr/>
-              <a:t>5/18/2021</a:t>
+              <a:t>5/19/2021</a:t>
             </a:fld>
             <a:endParaRPr lang="en-US" dirty="0"/>
           </a:p>
@@ -4402,7 +4401,7 @@
             <a:fld id="{B61BEF0D-F0BB-DE4B-95CE-6DB70DBA9567}" type="datetimeFigureOut">
               <a:rPr lang="en-US" dirty="0"/>
               <a:pPr/>
-              <a:t>5/18/2021</a:t>
+              <a:t>5/19/2021</a:t>
             </a:fld>
             <a:endParaRPr lang="en-US" dirty="0"/>
           </a:p>
@@ -4805,7 +4804,7 @@
             <a:fld id="{B61BEF0D-F0BB-DE4B-95CE-6DB70DBA9567}" type="datetimeFigureOut">
               <a:rPr lang="en-US" dirty="0"/>
               <a:pPr/>
-              <a:t>5/18/2021</a:t>
+              <a:t>5/19/2021</a:t>
             </a:fld>
             <a:endParaRPr lang="en-US" dirty="0"/>
           </a:p>
@@ -6139,7 +6138,7 @@
                   <a:schemeClr val="tx1"/>
                 </a:solidFill>
               </a:rPr>
-              <a:t>Diskriminator kann nicht unterscheiden -&gt; globales Minimum</a:t>
+              <a:t>Diskriminator kann nicht unterscheiden -&gt; globales Optimum</a:t>
             </a:r>
           </a:p>
         </p:txBody>
@@ -6516,424 +6515,6 @@
 </file>
 
 <file path=ppt/slides/slide14.xml><?xml version="1.0" encoding="utf-8"?>
-<p:sld xmlns:a="http://schemas.openxmlformats.org/drawingml/2006/main" xmlns:r="http://schemas.openxmlformats.org/officeDocument/2006/relationships" xmlns:p="http://schemas.openxmlformats.org/presentationml/2006/main">
-  <p:cSld>
-    <p:spTree>
-      <p:nvGrpSpPr>
-        <p:cNvPr id="1" name=""/>
-        <p:cNvGrpSpPr/>
-        <p:nvPr/>
-      </p:nvGrpSpPr>
-      <p:grpSpPr>
-        <a:xfrm>
-          <a:off x="0" y="0"/>
-          <a:ext cx="0" cy="0"/>
-          <a:chOff x="0" y="0"/>
-          <a:chExt cx="0" cy="0"/>
-        </a:xfrm>
-      </p:grpSpPr>
-      <p:sp>
-        <p:nvSpPr>
-          <p:cNvPr id="2" name="Titel 1">
-            <a:extLst>
-              <a:ext uri="{FF2B5EF4-FFF2-40B4-BE49-F238E27FC236}">
-                <a16:creationId xmlns:a16="http://schemas.microsoft.com/office/drawing/2014/main" id="{BD74A34A-7246-48AE-8BC8-03FA78910A57}"/>
-              </a:ext>
-            </a:extLst>
-          </p:cNvPr>
-          <p:cNvSpPr>
-            <a:spLocks noGrp="1"/>
-          </p:cNvSpPr>
-          <p:nvPr>
-            <p:ph type="title"/>
-          </p:nvPr>
-        </p:nvSpPr>
-        <p:spPr/>
-        <p:txBody>
-          <a:bodyPr/>
-          <a:lstStyle/>
-          <a:p>
-            <a:r>
-              <a:rPr lang="de-CH" dirty="0"/>
-              <a:t>Fall 3 – Kann (Sollte) nicht eintreffen</a:t>
-            </a:r>
-          </a:p>
-        </p:txBody>
-      </p:sp>
-      <p:sp>
-        <p:nvSpPr>
-          <p:cNvPr id="3" name="Inhaltsplatzhalter 2">
-            <a:extLst>
-              <a:ext uri="{FF2B5EF4-FFF2-40B4-BE49-F238E27FC236}">
-                <a16:creationId xmlns:a16="http://schemas.microsoft.com/office/drawing/2014/main" id="{DF09B292-CEA0-4D81-8F0F-EBA00F7D149F}"/>
-              </a:ext>
-            </a:extLst>
-          </p:cNvPr>
-          <p:cNvSpPr>
-            <a:spLocks noGrp="1"/>
-          </p:cNvSpPr>
-          <p:nvPr>
-            <p:ph idx="1"/>
-          </p:nvPr>
-        </p:nvSpPr>
-        <p:spPr/>
-        <p:txBody>
-          <a:bodyPr/>
-          <a:lstStyle/>
-          <a:p>
-            <a:r>
-              <a:rPr lang="de-CH" dirty="0">
-                <a:solidFill>
-                  <a:schemeClr val="tx1"/>
-                </a:solidFill>
-              </a:rPr>
-              <a:t>Diskriminator macht alles falsch</a:t>
-            </a:r>
-          </a:p>
-        </p:txBody>
-      </p:sp>
-      <p:sp>
-        <p:nvSpPr>
-          <p:cNvPr id="4" name="Inhaltsplatzhalter 2">
-            <a:extLst>
-              <a:ext uri="{FF2B5EF4-FFF2-40B4-BE49-F238E27FC236}">
-                <a16:creationId xmlns:a16="http://schemas.microsoft.com/office/drawing/2014/main" id="{289A785A-416B-4649-8801-8C3B41DBB602}"/>
-              </a:ext>
-            </a:extLst>
-          </p:cNvPr>
-          <p:cNvSpPr txBox="1">
-            <a:spLocks/>
-          </p:cNvSpPr>
-          <p:nvPr/>
-        </p:nvSpPr>
-        <p:spPr>
-          <a:xfrm>
-            <a:off x="684212" y="1724488"/>
-            <a:ext cx="4482277" cy="3615267"/>
-          </a:xfrm>
-          <a:prstGeom prst="rect">
-            <a:avLst/>
-          </a:prstGeom>
-        </p:spPr>
-        <p:txBody>
-          <a:bodyPr vert="horz" lIns="91440" tIns="45720" rIns="91440" bIns="45720" rtlCol="0" anchor="ctr">
-            <a:normAutofit/>
-          </a:bodyPr>
-          <a:lstStyle>
-            <a:lvl1pPr marL="285750" indent="-285750" algn="l" defTabSz="457200" rtl="0" eaLnBrk="1" latinLnBrk="0" hangingPunct="1">
-              <a:spcBef>
-                <a:spcPct val="20000"/>
-              </a:spcBef>
-              <a:spcAft>
-                <a:spcPts val="600"/>
-              </a:spcAft>
-              <a:buClr>
-                <a:schemeClr val="tx1"/>
-              </a:buClr>
-              <a:buSzPct val="80000"/>
-              <a:buFont typeface="Wingdings 3" panose="05040102010807070707" pitchFamily="18" charset="2"/>
-              <a:buChar char=""/>
-              <a:defRPr sz="2000" kern="1200" cap="none">
-                <a:solidFill>
-                  <a:schemeClr val="bg2">
-                    <a:lumMod val="75000"/>
-                  </a:schemeClr>
-                </a:solidFill>
-                <a:effectLst/>
-                <a:latin typeface="+mn-lt"/>
-                <a:ea typeface="+mn-ea"/>
-                <a:cs typeface="+mn-cs"/>
-              </a:defRPr>
-            </a:lvl1pPr>
-            <a:lvl2pPr marL="742950" indent="-285750" algn="l" defTabSz="457200" rtl="0" eaLnBrk="1" latinLnBrk="0" hangingPunct="1">
-              <a:spcBef>
-                <a:spcPct val="20000"/>
-              </a:spcBef>
-              <a:spcAft>
-                <a:spcPts val="600"/>
-              </a:spcAft>
-              <a:buClr>
-                <a:schemeClr val="tx1"/>
-              </a:buClr>
-              <a:buSzPct val="80000"/>
-              <a:buFont typeface="Wingdings 3" panose="05040102010807070707" pitchFamily="18" charset="2"/>
-              <a:buChar char=""/>
-              <a:defRPr sz="1800" kern="1200" cap="none">
-                <a:solidFill>
-                  <a:schemeClr val="bg2">
-                    <a:lumMod val="75000"/>
-                  </a:schemeClr>
-                </a:solidFill>
-                <a:effectLst/>
-                <a:latin typeface="+mn-lt"/>
-                <a:ea typeface="+mn-ea"/>
-                <a:cs typeface="+mn-cs"/>
-              </a:defRPr>
-            </a:lvl2pPr>
-            <a:lvl3pPr marL="1200150" indent="-285750" algn="l" defTabSz="457200" rtl="0" eaLnBrk="1" latinLnBrk="0" hangingPunct="1">
-              <a:spcBef>
-                <a:spcPct val="20000"/>
-              </a:spcBef>
-              <a:spcAft>
-                <a:spcPts val="600"/>
-              </a:spcAft>
-              <a:buClr>
-                <a:schemeClr val="tx1"/>
-              </a:buClr>
-              <a:buSzPct val="80000"/>
-              <a:buFont typeface="Wingdings 3" panose="05040102010807070707" pitchFamily="18" charset="2"/>
-              <a:buChar char=""/>
-              <a:defRPr sz="1600" kern="1200" cap="none">
-                <a:solidFill>
-                  <a:schemeClr val="bg2">
-                    <a:lumMod val="75000"/>
-                  </a:schemeClr>
-                </a:solidFill>
-                <a:effectLst/>
-                <a:latin typeface="+mn-lt"/>
-                <a:ea typeface="+mn-ea"/>
-                <a:cs typeface="+mn-cs"/>
-              </a:defRPr>
-            </a:lvl3pPr>
-            <a:lvl4pPr marL="1543050" indent="-171450" algn="l" defTabSz="457200" rtl="0" eaLnBrk="1" latinLnBrk="0" hangingPunct="1">
-              <a:spcBef>
-                <a:spcPct val="20000"/>
-              </a:spcBef>
-              <a:spcAft>
-                <a:spcPts val="600"/>
-              </a:spcAft>
-              <a:buClr>
-                <a:schemeClr val="tx1"/>
-              </a:buClr>
-              <a:buSzPct val="80000"/>
-              <a:buFont typeface="Wingdings 3" panose="05040102010807070707" pitchFamily="18" charset="2"/>
-              <a:buChar char=""/>
-              <a:defRPr sz="1400" kern="1200" cap="none">
-                <a:solidFill>
-                  <a:schemeClr val="bg2">
-                    <a:lumMod val="75000"/>
-                  </a:schemeClr>
-                </a:solidFill>
-                <a:effectLst/>
-                <a:latin typeface="+mn-lt"/>
-                <a:ea typeface="+mn-ea"/>
-                <a:cs typeface="+mn-cs"/>
-              </a:defRPr>
-            </a:lvl4pPr>
-            <a:lvl5pPr marL="2000250" indent="-171450" algn="l" defTabSz="457200" rtl="0" eaLnBrk="1" latinLnBrk="0" hangingPunct="1">
-              <a:spcBef>
-                <a:spcPct val="20000"/>
-              </a:spcBef>
-              <a:spcAft>
-                <a:spcPts val="600"/>
-              </a:spcAft>
-              <a:buClr>
-                <a:schemeClr val="tx1"/>
-              </a:buClr>
-              <a:buSzPct val="80000"/>
-              <a:buFont typeface="Wingdings 3" panose="05040102010807070707" pitchFamily="18" charset="2"/>
-              <a:buChar char=""/>
-              <a:defRPr sz="1400" kern="1200" cap="none">
-                <a:solidFill>
-                  <a:schemeClr val="bg2">
-                    <a:lumMod val="75000"/>
-                  </a:schemeClr>
-                </a:solidFill>
-                <a:effectLst/>
-                <a:latin typeface="+mn-lt"/>
-                <a:ea typeface="+mn-ea"/>
-                <a:cs typeface="+mn-cs"/>
-              </a:defRPr>
-            </a:lvl5pPr>
-            <a:lvl6pPr marL="2514600" indent="-228600" algn="l" defTabSz="457200" rtl="0" eaLnBrk="1" latinLnBrk="0" hangingPunct="1">
-              <a:spcBef>
-                <a:spcPct val="20000"/>
-              </a:spcBef>
-              <a:spcAft>
-                <a:spcPts val="600"/>
-              </a:spcAft>
-              <a:buClr>
-                <a:schemeClr val="tx1"/>
-              </a:buClr>
-              <a:buSzPct val="80000"/>
-              <a:buFont typeface="Wingdings 3" panose="05040102010807070707" pitchFamily="18" charset="2"/>
-              <a:buChar char=""/>
-              <a:defRPr sz="1400" kern="1200" cap="none">
-                <a:solidFill>
-                  <a:schemeClr val="bg2">
-                    <a:lumMod val="75000"/>
-                  </a:schemeClr>
-                </a:solidFill>
-                <a:effectLst/>
-                <a:latin typeface="+mn-lt"/>
-                <a:ea typeface="+mn-ea"/>
-                <a:cs typeface="+mn-cs"/>
-              </a:defRPr>
-            </a:lvl6pPr>
-            <a:lvl7pPr marL="2971800" indent="-228600" algn="l" defTabSz="457200" rtl="0" eaLnBrk="1" latinLnBrk="0" hangingPunct="1">
-              <a:spcBef>
-                <a:spcPct val="20000"/>
-              </a:spcBef>
-              <a:spcAft>
-                <a:spcPts val="600"/>
-              </a:spcAft>
-              <a:buClr>
-                <a:schemeClr val="tx1"/>
-              </a:buClr>
-              <a:buSzPct val="80000"/>
-              <a:buFont typeface="Wingdings 3" panose="05040102010807070707" pitchFamily="18" charset="2"/>
-              <a:buChar char=""/>
-              <a:defRPr sz="1400" kern="1200" cap="none">
-                <a:solidFill>
-                  <a:schemeClr val="bg2">
-                    <a:lumMod val="75000"/>
-                  </a:schemeClr>
-                </a:solidFill>
-                <a:effectLst/>
-                <a:latin typeface="+mn-lt"/>
-                <a:ea typeface="+mn-ea"/>
-                <a:cs typeface="+mn-cs"/>
-              </a:defRPr>
-            </a:lvl7pPr>
-            <a:lvl8pPr marL="3429000" indent="-228600" algn="l" defTabSz="457200" rtl="0" eaLnBrk="1" latinLnBrk="0" hangingPunct="1">
-              <a:spcBef>
-                <a:spcPct val="20000"/>
-              </a:spcBef>
-              <a:spcAft>
-                <a:spcPts val="600"/>
-              </a:spcAft>
-              <a:buClr>
-                <a:schemeClr val="tx1"/>
-              </a:buClr>
-              <a:buSzPct val="80000"/>
-              <a:buFont typeface="Wingdings 3" panose="05040102010807070707" pitchFamily="18" charset="2"/>
-              <a:buChar char=""/>
-              <a:defRPr sz="1400" kern="1200" cap="none">
-                <a:solidFill>
-                  <a:schemeClr val="bg2">
-                    <a:lumMod val="75000"/>
-                  </a:schemeClr>
-                </a:solidFill>
-                <a:effectLst/>
-                <a:latin typeface="+mn-lt"/>
-                <a:ea typeface="+mn-ea"/>
-                <a:cs typeface="+mn-cs"/>
-              </a:defRPr>
-            </a:lvl8pPr>
-            <a:lvl9pPr marL="3886200" indent="-228600" algn="l" defTabSz="457200" rtl="0" eaLnBrk="1" latinLnBrk="0" hangingPunct="1">
-              <a:spcBef>
-                <a:spcPct val="20000"/>
-              </a:spcBef>
-              <a:spcAft>
-                <a:spcPts val="600"/>
-              </a:spcAft>
-              <a:buClr>
-                <a:schemeClr val="tx1"/>
-              </a:buClr>
-              <a:buSzPct val="80000"/>
-              <a:buFont typeface="Wingdings 3" panose="05040102010807070707" pitchFamily="18" charset="2"/>
-              <a:buChar char=""/>
-              <a:defRPr sz="1400" kern="1200" cap="none">
-                <a:solidFill>
-                  <a:schemeClr val="bg2">
-                    <a:lumMod val="75000"/>
-                  </a:schemeClr>
-                </a:solidFill>
-                <a:effectLst/>
-                <a:latin typeface="+mn-lt"/>
-                <a:ea typeface="+mn-ea"/>
-                <a:cs typeface="+mn-cs"/>
-              </a:defRPr>
-            </a:lvl9pPr>
-          </a:lstStyle>
-          <a:p>
-            <a:r>
-              <a:rPr lang="de-CH" dirty="0">
-                <a:solidFill>
-                  <a:schemeClr val="tx1"/>
-                </a:solidFill>
-              </a:rPr>
-              <a:t>D(x) = 0.001 wenn x ~ </a:t>
-            </a:r>
-            <a:r>
-              <a:rPr lang="de-CH" dirty="0" err="1">
-                <a:solidFill>
-                  <a:schemeClr val="tx1"/>
-                </a:solidFill>
-              </a:rPr>
-              <a:t>p_data</a:t>
-            </a:r>
-            <a:endParaRPr lang="de-CH" dirty="0">
-              <a:solidFill>
-                <a:schemeClr val="tx1"/>
-              </a:solidFill>
-            </a:endParaRPr>
-          </a:p>
-          <a:p>
-            <a:r>
-              <a:rPr lang="de-CH" dirty="0">
-                <a:solidFill>
-                  <a:schemeClr val="tx1"/>
-                </a:solidFill>
-              </a:rPr>
-              <a:t>D(x) = 0.999 wenn x ~ </a:t>
-            </a:r>
-            <a:r>
-              <a:rPr lang="de-CH" dirty="0" err="1">
-                <a:solidFill>
-                  <a:schemeClr val="tx1"/>
-                </a:solidFill>
-              </a:rPr>
-              <a:t>p_g</a:t>
-            </a:r>
-            <a:endParaRPr lang="de-CH" dirty="0"/>
-          </a:p>
-        </p:txBody>
-      </p:sp>
-      <p:pic>
-        <p:nvPicPr>
-          <p:cNvPr id="6" name="Grafik 5">
-            <a:extLst>
-              <a:ext uri="{FF2B5EF4-FFF2-40B4-BE49-F238E27FC236}">
-                <a16:creationId xmlns:a16="http://schemas.microsoft.com/office/drawing/2014/main" id="{32D6EB21-51C8-4CD1-B484-9338492CE855}"/>
-              </a:ext>
-            </a:extLst>
-          </p:cNvPr>
-          <p:cNvPicPr>
-            <a:picLocks noChangeAspect="1"/>
-          </p:cNvPicPr>
-          <p:nvPr/>
-        </p:nvPicPr>
-        <p:blipFill>
-          <a:blip r:embed="rId2"/>
-          <a:stretch>
-            <a:fillRect/>
-          </a:stretch>
-        </p:blipFill>
-        <p:spPr>
-          <a:xfrm>
-            <a:off x="4951412" y="3429000"/>
-            <a:ext cx="7181850" cy="733425"/>
-          </a:xfrm>
-          <a:prstGeom prst="rect">
-            <a:avLst/>
-          </a:prstGeom>
-        </p:spPr>
-      </p:pic>
-    </p:spTree>
-    <p:extLst>
-      <p:ext uri="{BB962C8B-B14F-4D97-AF65-F5344CB8AC3E}">
-        <p14:creationId xmlns:p14="http://schemas.microsoft.com/office/powerpoint/2010/main" val="532024207"/>
-      </p:ext>
-    </p:extLst>
-  </p:cSld>
-  <p:clrMapOvr>
-    <a:masterClrMapping/>
-  </p:clrMapOvr>
-</p:sld>
-</file>
-
-<file path=ppt/slides/slide15.xml><?xml version="1.0" encoding="utf-8"?>
 <p:sld xmlns:a="http://schemas.openxmlformats.org/drawingml/2006/main" xmlns:r="http://schemas.openxmlformats.org/officeDocument/2006/relationships" xmlns:p="http://schemas.openxmlformats.org/presentationml/2006/main">
   <p:cSld>
     <p:spTree>
@@ -7955,6 +7536,476 @@
           </a:p>
         </p:txBody>
       </p:sp>
+      <p:graphicFrame>
+        <p:nvGraphicFramePr>
+          <p:cNvPr id="5" name="Tabelle 8">
+            <a:extLst>
+              <a:ext uri="{FF2B5EF4-FFF2-40B4-BE49-F238E27FC236}">
+                <a16:creationId xmlns:a16="http://schemas.microsoft.com/office/drawing/2014/main" id="{91D3BB86-A04F-4881-8A8E-C725EA93E358}"/>
+              </a:ext>
+            </a:extLst>
+          </p:cNvPr>
+          <p:cNvGraphicFramePr>
+            <a:graphicFrameLocks noGrp="1"/>
+          </p:cNvGraphicFramePr>
+          <p:nvPr>
+            <p:extLst>
+              <p:ext uri="{D42A27DB-BD31-4B8C-83A1-F6EECF244321}">
+                <p14:modId xmlns:p14="http://schemas.microsoft.com/office/powerpoint/2010/main" val="919462979"/>
+              </p:ext>
+            </p:extLst>
+          </p:nvPr>
+        </p:nvGraphicFramePr>
+        <p:xfrm>
+          <a:off x="2645013" y="2324948"/>
+          <a:ext cx="2006024" cy="2185790"/>
+        </p:xfrm>
+        <a:graphic>
+          <a:graphicData uri="http://schemas.openxmlformats.org/drawingml/2006/table">
+            <a:tbl>
+              <a:tblPr firstRow="1" bandRow="1">
+                <a:tableStyleId>{5940675A-B579-460E-94D1-54222C63F5DA}</a:tableStyleId>
+              </a:tblPr>
+              <a:tblGrid>
+                <a:gridCol w="501506">
+                  <a:extLst>
+                    <a:ext uri="{9D8B030D-6E8A-4147-A177-3AD203B41FA5}">
+                      <a16:colId xmlns:a16="http://schemas.microsoft.com/office/drawing/2014/main" val="3257740347"/>
+                    </a:ext>
+                  </a:extLst>
+                </a:gridCol>
+                <a:gridCol w="501506">
+                  <a:extLst>
+                    <a:ext uri="{9D8B030D-6E8A-4147-A177-3AD203B41FA5}">
+                      <a16:colId xmlns:a16="http://schemas.microsoft.com/office/drawing/2014/main" val="2360648192"/>
+                    </a:ext>
+                  </a:extLst>
+                </a:gridCol>
+                <a:gridCol w="501506">
+                  <a:extLst>
+                    <a:ext uri="{9D8B030D-6E8A-4147-A177-3AD203B41FA5}">
+                      <a16:colId xmlns:a16="http://schemas.microsoft.com/office/drawing/2014/main" val="1768681455"/>
+                    </a:ext>
+                  </a:extLst>
+                </a:gridCol>
+                <a:gridCol w="501506">
+                  <a:extLst>
+                    <a:ext uri="{9D8B030D-6E8A-4147-A177-3AD203B41FA5}">
+                      <a16:colId xmlns:a16="http://schemas.microsoft.com/office/drawing/2014/main" val="4045597145"/>
+                    </a:ext>
+                  </a:extLst>
+                </a:gridCol>
+              </a:tblGrid>
+              <a:tr h="437158">
+                <a:tc>
+                  <a:txBody>
+                    <a:bodyPr/>
+                    <a:lstStyle/>
+                    <a:p>
+                      <a:endParaRPr lang="de-CH" dirty="0"/>
+                    </a:p>
+                  </a:txBody>
+                  <a:tcPr/>
+                </a:tc>
+                <a:tc>
+                  <a:txBody>
+                    <a:bodyPr/>
+                    <a:lstStyle/>
+                    <a:p>
+                      <a:endParaRPr lang="de-CH"/>
+                    </a:p>
+                  </a:txBody>
+                  <a:tcPr/>
+                </a:tc>
+                <a:tc>
+                  <a:txBody>
+                    <a:bodyPr/>
+                    <a:lstStyle/>
+                    <a:p>
+                      <a:endParaRPr lang="de-CH"/>
+                    </a:p>
+                  </a:txBody>
+                  <a:tcPr/>
+                </a:tc>
+                <a:tc>
+                  <a:txBody>
+                    <a:bodyPr/>
+                    <a:lstStyle/>
+                    <a:p>
+                      <a:endParaRPr lang="de-CH"/>
+                    </a:p>
+                  </a:txBody>
+                  <a:tcPr/>
+                </a:tc>
+                <a:extLst>
+                  <a:ext uri="{0D108BD9-81ED-4DB2-BD59-A6C34878D82A}">
+                    <a16:rowId xmlns:a16="http://schemas.microsoft.com/office/drawing/2014/main" val="1661115359"/>
+                  </a:ext>
+                </a:extLst>
+              </a:tr>
+              <a:tr h="437158">
+                <a:tc>
+                  <a:txBody>
+                    <a:bodyPr/>
+                    <a:lstStyle/>
+                    <a:p>
+                      <a:endParaRPr lang="de-CH"/>
+                    </a:p>
+                  </a:txBody>
+                  <a:tcPr/>
+                </a:tc>
+                <a:tc>
+                  <a:txBody>
+                    <a:bodyPr/>
+                    <a:lstStyle/>
+                    <a:p>
+                      <a:endParaRPr lang="de-CH"/>
+                    </a:p>
+                  </a:txBody>
+                  <a:tcPr/>
+                </a:tc>
+                <a:tc>
+                  <a:txBody>
+                    <a:bodyPr/>
+                    <a:lstStyle/>
+                    <a:p>
+                      <a:endParaRPr lang="de-CH"/>
+                    </a:p>
+                  </a:txBody>
+                  <a:tcPr/>
+                </a:tc>
+                <a:tc>
+                  <a:txBody>
+                    <a:bodyPr/>
+                    <a:lstStyle/>
+                    <a:p>
+                      <a:endParaRPr lang="de-CH"/>
+                    </a:p>
+                  </a:txBody>
+                  <a:tcPr/>
+                </a:tc>
+                <a:extLst>
+                  <a:ext uri="{0D108BD9-81ED-4DB2-BD59-A6C34878D82A}">
+                    <a16:rowId xmlns:a16="http://schemas.microsoft.com/office/drawing/2014/main" val="2046532492"/>
+                  </a:ext>
+                </a:extLst>
+              </a:tr>
+              <a:tr h="437158">
+                <a:tc>
+                  <a:txBody>
+                    <a:bodyPr/>
+                    <a:lstStyle/>
+                    <a:p>
+                      <a:endParaRPr lang="de-CH"/>
+                    </a:p>
+                  </a:txBody>
+                  <a:tcPr/>
+                </a:tc>
+                <a:tc>
+                  <a:txBody>
+                    <a:bodyPr/>
+                    <a:lstStyle/>
+                    <a:p>
+                      <a:endParaRPr lang="de-CH"/>
+                    </a:p>
+                  </a:txBody>
+                  <a:tcPr/>
+                </a:tc>
+                <a:tc>
+                  <a:txBody>
+                    <a:bodyPr/>
+                    <a:lstStyle/>
+                    <a:p>
+                      <a:endParaRPr lang="de-CH"/>
+                    </a:p>
+                  </a:txBody>
+                  <a:tcPr/>
+                </a:tc>
+                <a:tc>
+                  <a:txBody>
+                    <a:bodyPr/>
+                    <a:lstStyle/>
+                    <a:p>
+                      <a:endParaRPr lang="de-CH"/>
+                    </a:p>
+                  </a:txBody>
+                  <a:tcPr/>
+                </a:tc>
+                <a:extLst>
+                  <a:ext uri="{0D108BD9-81ED-4DB2-BD59-A6C34878D82A}">
+                    <a16:rowId xmlns:a16="http://schemas.microsoft.com/office/drawing/2014/main" val="2083527638"/>
+                  </a:ext>
+                </a:extLst>
+              </a:tr>
+              <a:tr h="437158">
+                <a:tc>
+                  <a:txBody>
+                    <a:bodyPr/>
+                    <a:lstStyle/>
+                    <a:p>
+                      <a:endParaRPr lang="de-CH"/>
+                    </a:p>
+                  </a:txBody>
+                  <a:tcPr/>
+                </a:tc>
+                <a:tc>
+                  <a:txBody>
+                    <a:bodyPr/>
+                    <a:lstStyle/>
+                    <a:p>
+                      <a:endParaRPr lang="de-CH"/>
+                    </a:p>
+                  </a:txBody>
+                  <a:tcPr/>
+                </a:tc>
+                <a:tc>
+                  <a:txBody>
+                    <a:bodyPr/>
+                    <a:lstStyle/>
+                    <a:p>
+                      <a:endParaRPr lang="de-CH"/>
+                    </a:p>
+                  </a:txBody>
+                  <a:tcPr/>
+                </a:tc>
+                <a:tc>
+                  <a:txBody>
+                    <a:bodyPr/>
+                    <a:lstStyle/>
+                    <a:p>
+                      <a:endParaRPr lang="de-CH"/>
+                    </a:p>
+                  </a:txBody>
+                  <a:tcPr/>
+                </a:tc>
+                <a:extLst>
+                  <a:ext uri="{0D108BD9-81ED-4DB2-BD59-A6C34878D82A}">
+                    <a16:rowId xmlns:a16="http://schemas.microsoft.com/office/drawing/2014/main" val="4159720363"/>
+                  </a:ext>
+                </a:extLst>
+              </a:tr>
+              <a:tr h="437158">
+                <a:tc>
+                  <a:txBody>
+                    <a:bodyPr/>
+                    <a:lstStyle/>
+                    <a:p>
+                      <a:endParaRPr lang="de-CH"/>
+                    </a:p>
+                  </a:txBody>
+                  <a:tcPr/>
+                </a:tc>
+                <a:tc>
+                  <a:txBody>
+                    <a:bodyPr/>
+                    <a:lstStyle/>
+                    <a:p>
+                      <a:endParaRPr lang="de-CH"/>
+                    </a:p>
+                  </a:txBody>
+                  <a:tcPr/>
+                </a:tc>
+                <a:tc>
+                  <a:txBody>
+                    <a:bodyPr/>
+                    <a:lstStyle/>
+                    <a:p>
+                      <a:endParaRPr lang="de-CH"/>
+                    </a:p>
+                  </a:txBody>
+                  <a:tcPr/>
+                </a:tc>
+                <a:tc>
+                  <a:txBody>
+                    <a:bodyPr/>
+                    <a:lstStyle/>
+                    <a:p>
+                      <a:endParaRPr lang="de-CH" dirty="0"/>
+                    </a:p>
+                  </a:txBody>
+                  <a:tcPr/>
+                </a:tc>
+                <a:extLst>
+                  <a:ext uri="{0D108BD9-81ED-4DB2-BD59-A6C34878D82A}">
+                    <a16:rowId xmlns:a16="http://schemas.microsoft.com/office/drawing/2014/main" val="103809424"/>
+                  </a:ext>
+                </a:extLst>
+              </a:tr>
+            </a:tbl>
+          </a:graphicData>
+        </a:graphic>
+      </p:graphicFrame>
+      <p:cxnSp>
+        <p:nvCxnSpPr>
+          <p:cNvPr id="14" name="Gerade Verbindung mit Pfeil 13">
+            <a:extLst>
+              <a:ext uri="{FF2B5EF4-FFF2-40B4-BE49-F238E27FC236}">
+                <a16:creationId xmlns:a16="http://schemas.microsoft.com/office/drawing/2014/main" id="{10CC7EA9-A21A-451F-B8E7-78378437B957}"/>
+              </a:ext>
+            </a:extLst>
+          </p:cNvPr>
+          <p:cNvCxnSpPr/>
+          <p:nvPr/>
+        </p:nvCxnSpPr>
+        <p:spPr>
+          <a:xfrm flipV="1">
+            <a:off x="2974019" y="2446044"/>
+            <a:ext cx="3118970" cy="110725"/>
+          </a:xfrm>
+          <a:prstGeom prst="straightConnector1">
+            <a:avLst/>
+          </a:prstGeom>
+          <a:ln>
+            <a:solidFill>
+              <a:schemeClr val="tx1">
+                <a:alpha val="60000"/>
+              </a:schemeClr>
+            </a:solidFill>
+            <a:tailEnd type="triangle"/>
+          </a:ln>
+        </p:spPr>
+        <p:style>
+          <a:lnRef idx="1">
+            <a:schemeClr val="accent1"/>
+          </a:lnRef>
+          <a:fillRef idx="0">
+            <a:schemeClr val="accent1"/>
+          </a:fillRef>
+          <a:effectRef idx="0">
+            <a:schemeClr val="accent1"/>
+          </a:effectRef>
+          <a:fontRef idx="minor">
+            <a:schemeClr val="tx1"/>
+          </a:fontRef>
+        </p:style>
+      </p:cxnSp>
+      <p:cxnSp>
+        <p:nvCxnSpPr>
+          <p:cNvPr id="29" name="Gerade Verbindung mit Pfeil 28">
+            <a:extLst>
+              <a:ext uri="{FF2B5EF4-FFF2-40B4-BE49-F238E27FC236}">
+                <a16:creationId xmlns:a16="http://schemas.microsoft.com/office/drawing/2014/main" id="{ACE3F604-B586-4AC9-BECE-73B0F309F30E}"/>
+              </a:ext>
+            </a:extLst>
+          </p:cNvPr>
+          <p:cNvCxnSpPr>
+            <a:cxnSpLocks/>
+          </p:cNvCxnSpPr>
+          <p:nvPr/>
+        </p:nvCxnSpPr>
+        <p:spPr>
+          <a:xfrm>
+            <a:off x="3358554" y="2628807"/>
+            <a:ext cx="2793490" cy="818515"/>
+          </a:xfrm>
+          <a:prstGeom prst="straightConnector1">
+            <a:avLst/>
+          </a:prstGeom>
+          <a:ln>
+            <a:solidFill>
+              <a:schemeClr val="tx1">
+                <a:alpha val="60000"/>
+              </a:schemeClr>
+            </a:solidFill>
+            <a:tailEnd type="triangle"/>
+          </a:ln>
+        </p:spPr>
+        <p:style>
+          <a:lnRef idx="1">
+            <a:schemeClr val="accent1"/>
+          </a:lnRef>
+          <a:fillRef idx="0">
+            <a:schemeClr val="accent1"/>
+          </a:fillRef>
+          <a:effectRef idx="0">
+            <a:schemeClr val="accent1"/>
+          </a:effectRef>
+          <a:fontRef idx="minor">
+            <a:schemeClr val="tx1"/>
+          </a:fontRef>
+        </p:style>
+      </p:cxnSp>
+      <p:sp>
+        <p:nvSpPr>
+          <p:cNvPr id="31" name="Textfeld 30">
+            <a:extLst>
+              <a:ext uri="{FF2B5EF4-FFF2-40B4-BE49-F238E27FC236}">
+                <a16:creationId xmlns:a16="http://schemas.microsoft.com/office/drawing/2014/main" id="{D3D93CF3-5832-4138-96FB-A24E95D0A804}"/>
+              </a:ext>
+            </a:extLst>
+          </p:cNvPr>
+          <p:cNvSpPr txBox="1"/>
+          <p:nvPr/>
+        </p:nvSpPr>
+        <p:spPr>
+          <a:xfrm>
+            <a:off x="5894820" y="3709956"/>
+            <a:ext cx="415498" cy="369332"/>
+          </a:xfrm>
+          <a:prstGeom prst="rect">
+            <a:avLst/>
+          </a:prstGeom>
+          <a:noFill/>
+        </p:spPr>
+        <p:txBody>
+          <a:bodyPr wrap="none" rtlCol="0">
+            <a:spAutoFit/>
+          </a:bodyPr>
+          <a:lstStyle/>
+          <a:p>
+            <a:r>
+              <a:rPr lang="de-CH" dirty="0"/>
+              <a:t>…</a:t>
+            </a:r>
+          </a:p>
+        </p:txBody>
+      </p:sp>
+      <p:cxnSp>
+        <p:nvCxnSpPr>
+          <p:cNvPr id="32" name="Gerade Verbindung mit Pfeil 31">
+            <a:extLst>
+              <a:ext uri="{FF2B5EF4-FFF2-40B4-BE49-F238E27FC236}">
+                <a16:creationId xmlns:a16="http://schemas.microsoft.com/office/drawing/2014/main" id="{F7BB8931-7313-45F3-AE09-727F76532B59}"/>
+              </a:ext>
+            </a:extLst>
+          </p:cNvPr>
+          <p:cNvCxnSpPr>
+            <a:cxnSpLocks/>
+          </p:cNvCxnSpPr>
+          <p:nvPr/>
+        </p:nvCxnSpPr>
+        <p:spPr>
+          <a:xfrm>
+            <a:off x="4356284" y="4290752"/>
+            <a:ext cx="1609431" cy="215930"/>
+          </a:xfrm>
+          <a:prstGeom prst="straightConnector1">
+            <a:avLst/>
+          </a:prstGeom>
+          <a:ln>
+            <a:solidFill>
+              <a:schemeClr val="tx1">
+                <a:alpha val="60000"/>
+              </a:schemeClr>
+            </a:solidFill>
+            <a:tailEnd type="triangle"/>
+          </a:ln>
+        </p:spPr>
+        <p:style>
+          <a:lnRef idx="1">
+            <a:schemeClr val="accent1"/>
+          </a:lnRef>
+          <a:fillRef idx="0">
+            <a:schemeClr val="accent1"/>
+          </a:fillRef>
+          <a:effectRef idx="0">
+            <a:schemeClr val="accent1"/>
+          </a:effectRef>
+          <a:fontRef idx="minor">
+            <a:schemeClr val="tx1"/>
+          </a:fontRef>
+        </p:style>
+      </p:cxnSp>
     </p:spTree>
     <p:extLst>
       <p:ext uri="{BB962C8B-B14F-4D97-AF65-F5344CB8AC3E}">
@@ -7968,7 +8019,7 @@
 </p:sld>
 </file>
 
-<file path=ppt/slides/slide16.xml><?xml version="1.0" encoding="utf-8"?>
+<file path=ppt/slides/slide15.xml><?xml version="1.0" encoding="utf-8"?>
 <p:sld xmlns:a="http://schemas.openxmlformats.org/drawingml/2006/main" xmlns:r="http://schemas.openxmlformats.org/officeDocument/2006/relationships" xmlns:p="http://schemas.openxmlformats.org/presentationml/2006/main">
   <p:cSld>
     <p:spTree>
@@ -8283,7 +8334,7 @@
 </p:sld>
 </file>
 
-<file path=ppt/slides/slide17.xml><?xml version="1.0" encoding="utf-8"?>
+<file path=ppt/slides/slide16.xml><?xml version="1.0" encoding="utf-8"?>
 <p:sld xmlns:a="http://schemas.openxmlformats.org/drawingml/2006/main" xmlns:r="http://schemas.openxmlformats.org/officeDocument/2006/relationships" xmlns:p="http://schemas.openxmlformats.org/presentationml/2006/main">
   <p:cSld>
     <p:spTree>
@@ -8781,7 +8832,7 @@
 </p:sld>
 </file>
 
-<file path=ppt/slides/slide18.xml><?xml version="1.0" encoding="utf-8"?>
+<file path=ppt/slides/slide17.xml><?xml version="1.0" encoding="utf-8"?>
 <p:sld xmlns:a="http://schemas.openxmlformats.org/drawingml/2006/main" xmlns:r="http://schemas.openxmlformats.org/officeDocument/2006/relationships" xmlns:p="http://schemas.openxmlformats.org/presentationml/2006/main">
   <p:cSld>
     <p:spTree>
@@ -8932,7 +8983,7 @@
 </p:sld>
 </file>
 
-<file path=ppt/slides/slide19.xml><?xml version="1.0" encoding="utf-8"?>
+<file path=ppt/slides/slide18.xml><?xml version="1.0" encoding="utf-8"?>
 <p:sld xmlns:a="http://schemas.openxmlformats.org/drawingml/2006/main" xmlns:r="http://schemas.openxmlformats.org/officeDocument/2006/relationships" xmlns:p="http://schemas.openxmlformats.org/presentationml/2006/main">
   <p:cSld>
     <p:spTree>
@@ -9075,120 +9126,7 @@
 </p:sld>
 </file>
 
-<file path=ppt/slides/slide2.xml><?xml version="1.0" encoding="utf-8"?>
-<p:sld xmlns:a="http://schemas.openxmlformats.org/drawingml/2006/main" xmlns:r="http://schemas.openxmlformats.org/officeDocument/2006/relationships" xmlns:p="http://schemas.openxmlformats.org/presentationml/2006/main">
-  <p:cSld>
-    <p:spTree>
-      <p:nvGrpSpPr>
-        <p:cNvPr id="1" name=""/>
-        <p:cNvGrpSpPr/>
-        <p:nvPr/>
-      </p:nvGrpSpPr>
-      <p:grpSpPr>
-        <a:xfrm>
-          <a:off x="0" y="0"/>
-          <a:ext cx="0" cy="0"/>
-          <a:chOff x="0" y="0"/>
-          <a:chExt cx="0" cy="0"/>
-        </a:xfrm>
-      </p:grpSpPr>
-      <p:sp>
-        <p:nvSpPr>
-          <p:cNvPr id="2" name="Titel 1">
-            <a:extLst>
-              <a:ext uri="{FF2B5EF4-FFF2-40B4-BE49-F238E27FC236}">
-                <a16:creationId xmlns:a16="http://schemas.microsoft.com/office/drawing/2014/main" id="{AD42702C-2E3B-447E-9F7B-A49B8F35E331}"/>
-              </a:ext>
-            </a:extLst>
-          </p:cNvPr>
-          <p:cNvSpPr>
-            <a:spLocks noGrp="1"/>
-          </p:cNvSpPr>
-          <p:nvPr>
-            <p:ph type="title"/>
-          </p:nvPr>
-        </p:nvSpPr>
-        <p:spPr/>
-        <p:txBody>
-          <a:bodyPr/>
-          <a:lstStyle/>
-          <a:p>
-            <a:r>
-              <a:rPr lang="de-CH" dirty="0"/>
-              <a:t>Inhalt</a:t>
-            </a:r>
-          </a:p>
-        </p:txBody>
-      </p:sp>
-      <p:sp>
-        <p:nvSpPr>
-          <p:cNvPr id="3" name="Inhaltsplatzhalter 2">
-            <a:extLst>
-              <a:ext uri="{FF2B5EF4-FFF2-40B4-BE49-F238E27FC236}">
-                <a16:creationId xmlns:a16="http://schemas.microsoft.com/office/drawing/2014/main" id="{BF6D63E5-396A-4E40-8720-F8D138EDBA50}"/>
-              </a:ext>
-            </a:extLst>
-          </p:cNvPr>
-          <p:cNvSpPr>
-            <a:spLocks noGrp="1"/>
-          </p:cNvSpPr>
-          <p:nvPr>
-            <p:ph idx="1"/>
-          </p:nvPr>
-        </p:nvSpPr>
-        <p:spPr/>
-        <p:txBody>
-          <a:bodyPr/>
-          <a:lstStyle/>
-          <a:p>
-            <a:r>
-              <a:rPr lang="de-CH" dirty="0">
-                <a:solidFill>
-                  <a:schemeClr val="tx1"/>
-                </a:solidFill>
-              </a:rPr>
-              <a:t>Ziel</a:t>
-            </a:r>
-          </a:p>
-          <a:p>
-            <a:r>
-              <a:rPr lang="de-CH" dirty="0">
-                <a:solidFill>
-                  <a:schemeClr val="tx1"/>
-                </a:solidFill>
-              </a:rPr>
-              <a:t>GAN</a:t>
-            </a:r>
-          </a:p>
-          <a:p>
-            <a:r>
-              <a:rPr lang="de-CH" dirty="0">
-                <a:solidFill>
-                  <a:schemeClr val="tx1"/>
-                </a:solidFill>
-              </a:rPr>
-              <a:t>Fazit</a:t>
-            </a:r>
-          </a:p>
-          <a:p>
-            <a:endParaRPr lang="de-CH" dirty="0"/>
-          </a:p>
-        </p:txBody>
-      </p:sp>
-    </p:spTree>
-    <p:extLst>
-      <p:ext uri="{BB962C8B-B14F-4D97-AF65-F5344CB8AC3E}">
-        <p14:creationId xmlns:p14="http://schemas.microsoft.com/office/powerpoint/2010/main" val="3463662472"/>
-      </p:ext>
-    </p:extLst>
-  </p:cSld>
-  <p:clrMapOvr>
-    <a:masterClrMapping/>
-  </p:clrMapOvr>
-</p:sld>
-</file>
-
-<file path=ppt/slides/slide20.xml><?xml version="1.0" encoding="utf-8"?>
+<file path=ppt/slides/slide19.xml><?xml version="1.0" encoding="utf-8"?>
 <p:sld xmlns:a="http://schemas.openxmlformats.org/drawingml/2006/main" xmlns:r="http://schemas.openxmlformats.org/officeDocument/2006/relationships" xmlns:p="http://schemas.openxmlformats.org/presentationml/2006/main">
   <p:cSld>
     <p:spTree>
@@ -9668,7 +9606,120 @@
 </p:sld>
 </file>
 
-<file path=ppt/slides/slide21.xml><?xml version="1.0" encoding="utf-8"?>
+<file path=ppt/slides/slide2.xml><?xml version="1.0" encoding="utf-8"?>
+<p:sld xmlns:a="http://schemas.openxmlformats.org/drawingml/2006/main" xmlns:r="http://schemas.openxmlformats.org/officeDocument/2006/relationships" xmlns:p="http://schemas.openxmlformats.org/presentationml/2006/main">
+  <p:cSld>
+    <p:spTree>
+      <p:nvGrpSpPr>
+        <p:cNvPr id="1" name=""/>
+        <p:cNvGrpSpPr/>
+        <p:nvPr/>
+      </p:nvGrpSpPr>
+      <p:grpSpPr>
+        <a:xfrm>
+          <a:off x="0" y="0"/>
+          <a:ext cx="0" cy="0"/>
+          <a:chOff x="0" y="0"/>
+          <a:chExt cx="0" cy="0"/>
+        </a:xfrm>
+      </p:grpSpPr>
+      <p:sp>
+        <p:nvSpPr>
+          <p:cNvPr id="2" name="Titel 1">
+            <a:extLst>
+              <a:ext uri="{FF2B5EF4-FFF2-40B4-BE49-F238E27FC236}">
+                <a16:creationId xmlns:a16="http://schemas.microsoft.com/office/drawing/2014/main" id="{AD42702C-2E3B-447E-9F7B-A49B8F35E331}"/>
+              </a:ext>
+            </a:extLst>
+          </p:cNvPr>
+          <p:cNvSpPr>
+            <a:spLocks noGrp="1"/>
+          </p:cNvSpPr>
+          <p:nvPr>
+            <p:ph type="title"/>
+          </p:nvPr>
+        </p:nvSpPr>
+        <p:spPr/>
+        <p:txBody>
+          <a:bodyPr/>
+          <a:lstStyle/>
+          <a:p>
+            <a:r>
+              <a:rPr lang="de-CH" dirty="0"/>
+              <a:t>Inhalt</a:t>
+            </a:r>
+          </a:p>
+        </p:txBody>
+      </p:sp>
+      <p:sp>
+        <p:nvSpPr>
+          <p:cNvPr id="3" name="Inhaltsplatzhalter 2">
+            <a:extLst>
+              <a:ext uri="{FF2B5EF4-FFF2-40B4-BE49-F238E27FC236}">
+                <a16:creationId xmlns:a16="http://schemas.microsoft.com/office/drawing/2014/main" id="{BF6D63E5-396A-4E40-8720-F8D138EDBA50}"/>
+              </a:ext>
+            </a:extLst>
+          </p:cNvPr>
+          <p:cNvSpPr>
+            <a:spLocks noGrp="1"/>
+          </p:cNvSpPr>
+          <p:nvPr>
+            <p:ph idx="1"/>
+          </p:nvPr>
+        </p:nvSpPr>
+        <p:spPr/>
+        <p:txBody>
+          <a:bodyPr/>
+          <a:lstStyle/>
+          <a:p>
+            <a:r>
+              <a:rPr lang="de-CH" dirty="0">
+                <a:solidFill>
+                  <a:schemeClr val="tx1"/>
+                </a:solidFill>
+              </a:rPr>
+              <a:t>Ziel</a:t>
+            </a:r>
+          </a:p>
+          <a:p>
+            <a:r>
+              <a:rPr lang="de-CH" dirty="0">
+                <a:solidFill>
+                  <a:schemeClr val="tx1"/>
+                </a:solidFill>
+              </a:rPr>
+              <a:t>GAN</a:t>
+            </a:r>
+          </a:p>
+          <a:p>
+            <a:r>
+              <a:rPr lang="de-CH" dirty="0">
+                <a:solidFill>
+                  <a:schemeClr val="tx1"/>
+                </a:solidFill>
+              </a:rPr>
+              <a:t>Fazit</a:t>
+            </a:r>
+          </a:p>
+          <a:p>
+            <a:endParaRPr lang="de-CH" dirty="0"/>
+          </a:p>
+        </p:txBody>
+      </p:sp>
+    </p:spTree>
+    <p:extLst>
+      <p:ext uri="{BB962C8B-B14F-4D97-AF65-F5344CB8AC3E}">
+        <p14:creationId xmlns:p14="http://schemas.microsoft.com/office/powerpoint/2010/main" val="3463662472"/>
+      </p:ext>
+    </p:extLst>
+  </p:cSld>
+  <p:clrMapOvr>
+    <a:masterClrMapping/>
+  </p:clrMapOvr>
+</p:sld>
+</file>
+
+<file path=ppt/slides/slide20.xml><?xml version="1.0" encoding="utf-8"?>
 <p:sld xmlns:a="http://schemas.openxmlformats.org/drawingml/2006/main" xmlns:r="http://schemas.openxmlformats.org/officeDocument/2006/relationships" xmlns:p="http://schemas.openxmlformats.org/presentationml/2006/main">
   <p:cSld>
     <p:spTree>
@@ -9876,7 +9927,7 @@
 </p:sld>
 </file>
 
-<file path=ppt/slides/slide22.xml><?xml version="1.0" encoding="utf-8"?>
+<file path=ppt/slides/slide21.xml><?xml version="1.0" encoding="utf-8"?>
 <p:sld xmlns:a="http://schemas.openxmlformats.org/drawingml/2006/main" xmlns:r="http://schemas.openxmlformats.org/officeDocument/2006/relationships" xmlns:p="http://schemas.openxmlformats.org/presentationml/2006/main">
   <p:cSld>
     <p:spTree>
@@ -10015,7 +10066,7 @@
 </p:sld>
 </file>
 
-<file path=ppt/slides/slide23.xml><?xml version="1.0" encoding="utf-8"?>
+<file path=ppt/slides/slide22.xml><?xml version="1.0" encoding="utf-8"?>
 <p:sld xmlns:a="http://schemas.openxmlformats.org/drawingml/2006/main" xmlns:r="http://schemas.openxmlformats.org/officeDocument/2006/relationships" xmlns:p="http://schemas.openxmlformats.org/presentationml/2006/main">
   <p:cSld>
     <p:spTree>
@@ -10541,8 +10592,8 @@
           </a:p>
         </p:txBody>
       </p:sp>
-      <mc:AlternateContent xmlns:mc="http://schemas.openxmlformats.org/markup-compatibility/2006" xmlns:a14="http://schemas.microsoft.com/office/drawing/2010/main">
-        <mc:Choice Requires="a14">
+      <mc:AlternateContent xmlns:mc="http://schemas.openxmlformats.org/markup-compatibility/2006">
+        <mc:Choice xmlns:a14="http://schemas.microsoft.com/office/drawing/2010/main" Requires="a14">
           <p:sp>
             <p:nvSpPr>
               <p:cNvPr id="14" name="Textfeld 13">
@@ -10558,7 +10609,7 @@
             <p:spPr>
               <a:xfrm>
                 <a:off x="8324039" y="3308796"/>
-                <a:ext cx="732572" cy="553998"/>
+                <a:ext cx="732573" cy="553998"/>
               </a:xfrm>
               <a:prstGeom prst="rect">
                 <a:avLst/>
@@ -10582,7 +10633,7 @@
                         <a:rPr lang="de-DE" sz="3600" b="0" i="1" smtClean="0">
                           <a:latin typeface="Cambria Math" panose="02040503050406030204" pitchFamily="18" charset="0"/>
                         </a:rPr>
-                        <m:t>0.8</m:t>
+                        <m:t>0.2</m:t>
                       </m:r>
                     </m:oMath>
                   </m:oMathPara>
@@ -10592,7 +10643,7 @@
             </p:txBody>
           </p:sp>
         </mc:Choice>
-        <mc:Fallback xmlns="">
+        <mc:Fallback>
           <p:sp>
             <p:nvSpPr>
               <p:cNvPr id="14" name="Textfeld 13">
@@ -10610,7 +10661,7 @@
             <p:spPr>
               <a:xfrm>
                 <a:off x="8324039" y="3308796"/>
-                <a:ext cx="732572" cy="553998"/>
+                <a:ext cx="732573" cy="553998"/>
               </a:xfrm>
               <a:prstGeom prst="rect">
                 <a:avLst/>

--- a/GAN.pptx
+++ b/GAN.pptx
@@ -18,15 +18,16 @@
     <p:sldId id="273" r:id="rId12"/>
     <p:sldId id="276" r:id="rId13"/>
     <p:sldId id="278" r:id="rId14"/>
-    <p:sldId id="259" r:id="rId15"/>
-    <p:sldId id="260" r:id="rId16"/>
-    <p:sldId id="261" r:id="rId17"/>
-    <p:sldId id="274" r:id="rId18"/>
-    <p:sldId id="262" r:id="rId19"/>
-    <p:sldId id="263" r:id="rId20"/>
-    <p:sldId id="264" r:id="rId21"/>
-    <p:sldId id="279" r:id="rId22"/>
-    <p:sldId id="265" r:id="rId23"/>
+    <p:sldId id="280" r:id="rId15"/>
+    <p:sldId id="259" r:id="rId16"/>
+    <p:sldId id="260" r:id="rId17"/>
+    <p:sldId id="261" r:id="rId18"/>
+    <p:sldId id="274" r:id="rId19"/>
+    <p:sldId id="262" r:id="rId20"/>
+    <p:sldId id="263" r:id="rId21"/>
+    <p:sldId id="264" r:id="rId22"/>
+    <p:sldId id="279" r:id="rId23"/>
+    <p:sldId id="265" r:id="rId24"/>
   </p:sldIdLst>
   <p:sldSz cx="12192000" cy="6858000"/>
   <p:notesSz cx="6858000" cy="9144000"/>
@@ -325,7 +326,7 @@
             <a:fld id="{B61BEF0D-F0BB-DE4B-95CE-6DB70DBA9567}" type="datetimeFigureOut">
               <a:rPr lang="en-US" dirty="0"/>
               <a:pPr/>
-              <a:t>5/19/2021</a:t>
+              <a:t>5/20/2021</a:t>
             </a:fld>
             <a:endParaRPr lang="en-US" dirty="0"/>
           </a:p>
@@ -758,7 +759,7 @@
             <a:fld id="{B61BEF0D-F0BB-DE4B-95CE-6DB70DBA9567}" type="datetimeFigureOut">
               <a:rPr lang="en-US" dirty="0"/>
               <a:pPr/>
-              <a:t>5/19/2021</a:t>
+              <a:t>5/20/2021</a:t>
             </a:fld>
             <a:endParaRPr lang="en-US" dirty="0"/>
           </a:p>
@@ -1005,7 +1006,7 @@
             <a:fld id="{B61BEF0D-F0BB-DE4B-95CE-6DB70DBA9567}" type="datetimeFigureOut">
               <a:rPr lang="en-US" dirty="0"/>
               <a:pPr/>
-              <a:t>5/19/2021</a:t>
+              <a:t>5/20/2021</a:t>
             </a:fld>
             <a:endParaRPr lang="en-US" dirty="0"/>
           </a:p>
@@ -1310,7 +1311,7 @@
             <a:fld id="{B61BEF0D-F0BB-DE4B-95CE-6DB70DBA9567}" type="datetimeFigureOut">
               <a:rPr lang="en-US" dirty="0"/>
               <a:pPr/>
-              <a:t>5/19/2021</a:t>
+              <a:t>5/20/2021</a:t>
             </a:fld>
             <a:endParaRPr lang="en-US" dirty="0"/>
           </a:p>
@@ -1625,7 +1626,7 @@
             <a:fld id="{B61BEF0D-F0BB-DE4B-95CE-6DB70DBA9567}" type="datetimeFigureOut">
               <a:rPr lang="en-US" dirty="0"/>
               <a:pPr/>
-              <a:t>5/19/2021</a:t>
+              <a:t>5/20/2021</a:t>
             </a:fld>
             <a:endParaRPr lang="en-US" dirty="0"/>
           </a:p>
@@ -1924,7 +1925,7 @@
             <a:fld id="{B61BEF0D-F0BB-DE4B-95CE-6DB70DBA9567}" type="datetimeFigureOut">
               <a:rPr lang="en-US" dirty="0"/>
               <a:pPr/>
-              <a:t>5/19/2021</a:t>
+              <a:t>5/20/2021</a:t>
             </a:fld>
             <a:endParaRPr lang="en-US" dirty="0"/>
           </a:p>
@@ -2288,7 +2289,7 @@
             <a:fld id="{B61BEF0D-F0BB-DE4B-95CE-6DB70DBA9567}" type="datetimeFigureOut">
               <a:rPr lang="en-US" dirty="0"/>
               <a:pPr/>
-              <a:t>5/19/2021</a:t>
+              <a:t>5/20/2021</a:t>
             </a:fld>
             <a:endParaRPr lang="en-US" dirty="0"/>
           </a:p>
@@ -2459,7 +2460,7 @@
             <a:fld id="{B61BEF0D-F0BB-DE4B-95CE-6DB70DBA9567}" type="datetimeFigureOut">
               <a:rPr lang="en-US" dirty="0"/>
               <a:pPr/>
-              <a:t>5/19/2021</a:t>
+              <a:t>5/20/2021</a:t>
             </a:fld>
             <a:endParaRPr lang="en-US" dirty="0"/>
           </a:p>
@@ -2636,7 +2637,7 @@
             <a:fld id="{B61BEF0D-F0BB-DE4B-95CE-6DB70DBA9567}" type="datetimeFigureOut">
               <a:rPr lang="en-US" dirty="0"/>
               <a:pPr/>
-              <a:t>5/19/2021</a:t>
+              <a:t>5/20/2021</a:t>
             </a:fld>
             <a:endParaRPr lang="en-US" dirty="0"/>
           </a:p>
@@ -2803,7 +2804,7 @@
             <a:fld id="{B61BEF0D-F0BB-DE4B-95CE-6DB70DBA9567}" type="datetimeFigureOut">
               <a:rPr lang="en-US" dirty="0"/>
               <a:pPr/>
-              <a:t>5/19/2021</a:t>
+              <a:t>5/20/2021</a:t>
             </a:fld>
             <a:endParaRPr lang="en-US" dirty="0"/>
           </a:p>
@@ -3050,7 +3051,7 @@
             <a:fld id="{B61BEF0D-F0BB-DE4B-95CE-6DB70DBA9567}" type="datetimeFigureOut">
               <a:rPr lang="en-US" dirty="0"/>
               <a:pPr/>
-              <a:t>5/19/2021</a:t>
+              <a:t>5/20/2021</a:t>
             </a:fld>
             <a:endParaRPr lang="en-US" dirty="0"/>
           </a:p>
@@ -3283,7 +3284,7 @@
             <a:fld id="{B61BEF0D-F0BB-DE4B-95CE-6DB70DBA9567}" type="datetimeFigureOut">
               <a:rPr lang="en-US" dirty="0"/>
               <a:pPr/>
-              <a:t>5/19/2021</a:t>
+              <a:t>5/20/2021</a:t>
             </a:fld>
             <a:endParaRPr lang="en-US" dirty="0"/>
           </a:p>
@@ -3662,7 +3663,7 @@
             <a:fld id="{B61BEF0D-F0BB-DE4B-95CE-6DB70DBA9567}" type="datetimeFigureOut">
               <a:rPr lang="en-US" dirty="0"/>
               <a:pPr/>
-              <a:t>5/19/2021</a:t>
+              <a:t>5/20/2021</a:t>
             </a:fld>
             <a:endParaRPr lang="en-US" dirty="0"/>
           </a:p>
@@ -3777,7 +3778,7 @@
             <a:fld id="{B61BEF0D-F0BB-DE4B-95CE-6DB70DBA9567}" type="datetimeFigureOut">
               <a:rPr lang="en-US" dirty="0"/>
               <a:pPr/>
-              <a:t>5/19/2021</a:t>
+              <a:t>5/20/2021</a:t>
             </a:fld>
             <a:endParaRPr lang="en-US" dirty="0"/>
           </a:p>
@@ -3869,7 +3870,7 @@
             <a:fld id="{B61BEF0D-F0BB-DE4B-95CE-6DB70DBA9567}" type="datetimeFigureOut">
               <a:rPr lang="en-US" dirty="0"/>
               <a:pPr/>
-              <a:t>5/19/2021</a:t>
+              <a:t>5/20/2021</a:t>
             </a:fld>
             <a:endParaRPr lang="en-US" dirty="0"/>
           </a:p>
@@ -4121,7 +4122,7 @@
             <a:fld id="{B61BEF0D-F0BB-DE4B-95CE-6DB70DBA9567}" type="datetimeFigureOut">
               <a:rPr lang="en-US" dirty="0"/>
               <a:pPr/>
-              <a:t>5/19/2021</a:t>
+              <a:t>5/20/2021</a:t>
             </a:fld>
             <a:endParaRPr lang="en-US" dirty="0"/>
           </a:p>
@@ -4401,7 +4402,7 @@
             <a:fld id="{B61BEF0D-F0BB-DE4B-95CE-6DB70DBA9567}" type="datetimeFigureOut">
               <a:rPr lang="en-US" dirty="0"/>
               <a:pPr/>
-              <a:t>5/19/2021</a:t>
+              <a:t>5/20/2021</a:t>
             </a:fld>
             <a:endParaRPr lang="en-US" dirty="0"/>
           </a:p>
@@ -4804,7 +4805,7 @@
             <a:fld id="{B61BEF0D-F0BB-DE4B-95CE-6DB70DBA9567}" type="datetimeFigureOut">
               <a:rPr lang="en-US" dirty="0"/>
               <a:pPr/>
-              <a:t>5/19/2021</a:t>
+              <a:t>5/20/2021</a:t>
             </a:fld>
             <a:endParaRPr lang="en-US" dirty="0"/>
           </a:p>
@@ -6536,6 +6537,126 @@
           <p:cNvPr id="2" name="Titel 1">
             <a:extLst>
               <a:ext uri="{FF2B5EF4-FFF2-40B4-BE49-F238E27FC236}">
+                <a16:creationId xmlns:a16="http://schemas.microsoft.com/office/drawing/2014/main" id="{A2D4F645-5F53-4BBA-8B25-AEAED2244B2D}"/>
+              </a:ext>
+            </a:extLst>
+          </p:cNvPr>
+          <p:cNvSpPr>
+            <a:spLocks noGrp="1"/>
+          </p:cNvSpPr>
+          <p:nvPr>
+            <p:ph type="title"/>
+          </p:nvPr>
+        </p:nvSpPr>
+        <p:spPr/>
+        <p:txBody>
+          <a:bodyPr/>
+          <a:lstStyle/>
+          <a:p>
+            <a:r>
+              <a:rPr lang="de-DE" dirty="0"/>
+              <a:t>Minimax</a:t>
+            </a:r>
+            <a:endParaRPr lang="de-CH" dirty="0"/>
+          </a:p>
+        </p:txBody>
+      </p:sp>
+      <p:sp>
+        <p:nvSpPr>
+          <p:cNvPr id="3" name="Inhaltsplatzhalter 2">
+            <a:extLst>
+              <a:ext uri="{FF2B5EF4-FFF2-40B4-BE49-F238E27FC236}">
+                <a16:creationId xmlns:a16="http://schemas.microsoft.com/office/drawing/2014/main" id="{A3100FC2-B371-48CE-BAA5-8327D0F40245}"/>
+              </a:ext>
+            </a:extLst>
+          </p:cNvPr>
+          <p:cNvSpPr>
+            <a:spLocks noGrp="1"/>
+          </p:cNvSpPr>
+          <p:nvPr>
+            <p:ph idx="1"/>
+          </p:nvPr>
+        </p:nvSpPr>
+        <p:spPr/>
+        <p:txBody>
+          <a:bodyPr/>
+          <a:lstStyle/>
+          <a:p>
+            <a:r>
+              <a:rPr lang="de-DE" dirty="0">
+                <a:solidFill>
+                  <a:schemeClr val="tx1"/>
+                </a:solidFill>
+              </a:rPr>
+              <a:t>Diskriminator: Maximiere</a:t>
+            </a:r>
+          </a:p>
+          <a:p>
+            <a:endParaRPr lang="de-DE" dirty="0">
+              <a:solidFill>
+                <a:schemeClr val="tx1"/>
+              </a:solidFill>
+            </a:endParaRPr>
+          </a:p>
+          <a:p>
+            <a:endParaRPr lang="de-DE" dirty="0">
+              <a:solidFill>
+                <a:schemeClr val="tx1"/>
+              </a:solidFill>
+            </a:endParaRPr>
+          </a:p>
+          <a:p>
+            <a:r>
+              <a:rPr lang="de-DE" dirty="0">
+                <a:solidFill>
+                  <a:schemeClr val="tx1"/>
+                </a:solidFill>
+              </a:rPr>
+              <a:t>Generator: Minimiere</a:t>
+            </a:r>
+            <a:endParaRPr lang="de-CH" dirty="0">
+              <a:solidFill>
+                <a:schemeClr val="tx1"/>
+              </a:solidFill>
+            </a:endParaRPr>
+          </a:p>
+        </p:txBody>
+      </p:sp>
+    </p:spTree>
+    <p:extLst>
+      <p:ext uri="{BB962C8B-B14F-4D97-AF65-F5344CB8AC3E}">
+        <p14:creationId xmlns:p14="http://schemas.microsoft.com/office/powerpoint/2010/main" val="3715234220"/>
+      </p:ext>
+    </p:extLst>
+  </p:cSld>
+  <p:clrMapOvr>
+    <a:masterClrMapping/>
+  </p:clrMapOvr>
+</p:sld>
+</file>
+
+<file path=ppt/slides/slide15.xml><?xml version="1.0" encoding="utf-8"?>
+<p:sld xmlns:a="http://schemas.openxmlformats.org/drawingml/2006/main" xmlns:r="http://schemas.openxmlformats.org/officeDocument/2006/relationships" xmlns:p="http://schemas.openxmlformats.org/presentationml/2006/main">
+  <p:cSld>
+    <p:spTree>
+      <p:nvGrpSpPr>
+        <p:cNvPr id="1" name=""/>
+        <p:cNvGrpSpPr/>
+        <p:nvPr/>
+      </p:nvGrpSpPr>
+      <p:grpSpPr>
+        <a:xfrm>
+          <a:off x="0" y="0"/>
+          <a:ext cx="0" cy="0"/>
+          <a:chOff x="0" y="0"/>
+          <a:chExt cx="0" cy="0"/>
+        </a:xfrm>
+      </p:grpSpPr>
+      <p:sp>
+        <p:nvSpPr>
+          <p:cNvPr id="2" name="Titel 1">
+            <a:extLst>
+              <a:ext uri="{FF2B5EF4-FFF2-40B4-BE49-F238E27FC236}">
                 <a16:creationId xmlns:a16="http://schemas.microsoft.com/office/drawing/2014/main" id="{2F0C4001-5270-4245-BE57-2BD6540EF530}"/>
               </a:ext>
             </a:extLst>
@@ -8019,7 +8140,7 @@
 </p:sld>
 </file>
 
-<file path=ppt/slides/slide15.xml><?xml version="1.0" encoding="utf-8"?>
+<file path=ppt/slides/slide16.xml><?xml version="1.0" encoding="utf-8"?>
 <p:sld xmlns:a="http://schemas.openxmlformats.org/drawingml/2006/main" xmlns:r="http://schemas.openxmlformats.org/officeDocument/2006/relationships" xmlns:p="http://schemas.openxmlformats.org/presentationml/2006/main">
   <p:cSld>
     <p:spTree>
@@ -8334,7 +8455,7 @@
 </p:sld>
 </file>
 
-<file path=ppt/slides/slide16.xml><?xml version="1.0" encoding="utf-8"?>
+<file path=ppt/slides/slide17.xml><?xml version="1.0" encoding="utf-8"?>
 <p:sld xmlns:a="http://schemas.openxmlformats.org/drawingml/2006/main" xmlns:r="http://schemas.openxmlformats.org/officeDocument/2006/relationships" xmlns:p="http://schemas.openxmlformats.org/presentationml/2006/main">
   <p:cSld>
     <p:spTree>
@@ -8832,7 +8953,7 @@
 </p:sld>
 </file>
 
-<file path=ppt/slides/slide17.xml><?xml version="1.0" encoding="utf-8"?>
+<file path=ppt/slides/slide18.xml><?xml version="1.0" encoding="utf-8"?>
 <p:sld xmlns:a="http://schemas.openxmlformats.org/drawingml/2006/main" xmlns:r="http://schemas.openxmlformats.org/officeDocument/2006/relationships" xmlns:p="http://schemas.openxmlformats.org/presentationml/2006/main">
   <p:cSld>
     <p:spTree>
@@ -8983,7 +9104,7 @@
 </p:sld>
 </file>
 
-<file path=ppt/slides/slide18.xml><?xml version="1.0" encoding="utf-8"?>
+<file path=ppt/slides/slide19.xml><?xml version="1.0" encoding="utf-8"?>
 <p:sld xmlns:a="http://schemas.openxmlformats.org/drawingml/2006/main" xmlns:r="http://schemas.openxmlformats.org/officeDocument/2006/relationships" xmlns:p="http://schemas.openxmlformats.org/presentationml/2006/main">
   <p:cSld>
     <p:spTree>
@@ -9126,7 +9247,120 @@
 </p:sld>
 </file>
 
-<file path=ppt/slides/slide19.xml><?xml version="1.0" encoding="utf-8"?>
+<file path=ppt/slides/slide2.xml><?xml version="1.0" encoding="utf-8"?>
+<p:sld xmlns:a="http://schemas.openxmlformats.org/drawingml/2006/main" xmlns:r="http://schemas.openxmlformats.org/officeDocument/2006/relationships" xmlns:p="http://schemas.openxmlformats.org/presentationml/2006/main">
+  <p:cSld>
+    <p:spTree>
+      <p:nvGrpSpPr>
+        <p:cNvPr id="1" name=""/>
+        <p:cNvGrpSpPr/>
+        <p:nvPr/>
+      </p:nvGrpSpPr>
+      <p:grpSpPr>
+        <a:xfrm>
+          <a:off x="0" y="0"/>
+          <a:ext cx="0" cy="0"/>
+          <a:chOff x="0" y="0"/>
+          <a:chExt cx="0" cy="0"/>
+        </a:xfrm>
+      </p:grpSpPr>
+      <p:sp>
+        <p:nvSpPr>
+          <p:cNvPr id="2" name="Titel 1">
+            <a:extLst>
+              <a:ext uri="{FF2B5EF4-FFF2-40B4-BE49-F238E27FC236}">
+                <a16:creationId xmlns:a16="http://schemas.microsoft.com/office/drawing/2014/main" id="{AD42702C-2E3B-447E-9F7B-A49B8F35E331}"/>
+              </a:ext>
+            </a:extLst>
+          </p:cNvPr>
+          <p:cNvSpPr>
+            <a:spLocks noGrp="1"/>
+          </p:cNvSpPr>
+          <p:nvPr>
+            <p:ph type="title"/>
+          </p:nvPr>
+        </p:nvSpPr>
+        <p:spPr/>
+        <p:txBody>
+          <a:bodyPr/>
+          <a:lstStyle/>
+          <a:p>
+            <a:r>
+              <a:rPr lang="de-CH" dirty="0"/>
+              <a:t>Inhalt</a:t>
+            </a:r>
+          </a:p>
+        </p:txBody>
+      </p:sp>
+      <p:sp>
+        <p:nvSpPr>
+          <p:cNvPr id="3" name="Inhaltsplatzhalter 2">
+            <a:extLst>
+              <a:ext uri="{FF2B5EF4-FFF2-40B4-BE49-F238E27FC236}">
+                <a16:creationId xmlns:a16="http://schemas.microsoft.com/office/drawing/2014/main" id="{BF6D63E5-396A-4E40-8720-F8D138EDBA50}"/>
+              </a:ext>
+            </a:extLst>
+          </p:cNvPr>
+          <p:cNvSpPr>
+            <a:spLocks noGrp="1"/>
+          </p:cNvSpPr>
+          <p:nvPr>
+            <p:ph idx="1"/>
+          </p:nvPr>
+        </p:nvSpPr>
+        <p:spPr/>
+        <p:txBody>
+          <a:bodyPr/>
+          <a:lstStyle/>
+          <a:p>
+            <a:r>
+              <a:rPr lang="de-CH" dirty="0">
+                <a:solidFill>
+                  <a:schemeClr val="tx1"/>
+                </a:solidFill>
+              </a:rPr>
+              <a:t>Ziel</a:t>
+            </a:r>
+          </a:p>
+          <a:p>
+            <a:r>
+              <a:rPr lang="de-CH" dirty="0">
+                <a:solidFill>
+                  <a:schemeClr val="tx1"/>
+                </a:solidFill>
+              </a:rPr>
+              <a:t>GAN</a:t>
+            </a:r>
+          </a:p>
+          <a:p>
+            <a:r>
+              <a:rPr lang="de-CH" dirty="0">
+                <a:solidFill>
+                  <a:schemeClr val="tx1"/>
+                </a:solidFill>
+              </a:rPr>
+              <a:t>Fazit</a:t>
+            </a:r>
+          </a:p>
+          <a:p>
+            <a:endParaRPr lang="de-CH" dirty="0"/>
+          </a:p>
+        </p:txBody>
+      </p:sp>
+    </p:spTree>
+    <p:extLst>
+      <p:ext uri="{BB962C8B-B14F-4D97-AF65-F5344CB8AC3E}">
+        <p14:creationId xmlns:p14="http://schemas.microsoft.com/office/powerpoint/2010/main" val="3463662472"/>
+      </p:ext>
+    </p:extLst>
+  </p:cSld>
+  <p:clrMapOvr>
+    <a:masterClrMapping/>
+  </p:clrMapOvr>
+</p:sld>
+</file>
+
+<file path=ppt/slides/slide20.xml><?xml version="1.0" encoding="utf-8"?>
 <p:sld xmlns:a="http://schemas.openxmlformats.org/drawingml/2006/main" xmlns:r="http://schemas.openxmlformats.org/officeDocument/2006/relationships" xmlns:p="http://schemas.openxmlformats.org/presentationml/2006/main">
   <p:cSld>
     <p:spTree>
@@ -9606,120 +9840,7 @@
 </p:sld>
 </file>
 
-<file path=ppt/slides/slide2.xml><?xml version="1.0" encoding="utf-8"?>
-<p:sld xmlns:a="http://schemas.openxmlformats.org/drawingml/2006/main" xmlns:r="http://schemas.openxmlformats.org/officeDocument/2006/relationships" xmlns:p="http://schemas.openxmlformats.org/presentationml/2006/main">
-  <p:cSld>
-    <p:spTree>
-      <p:nvGrpSpPr>
-        <p:cNvPr id="1" name=""/>
-        <p:cNvGrpSpPr/>
-        <p:nvPr/>
-      </p:nvGrpSpPr>
-      <p:grpSpPr>
-        <a:xfrm>
-          <a:off x="0" y="0"/>
-          <a:ext cx="0" cy="0"/>
-          <a:chOff x="0" y="0"/>
-          <a:chExt cx="0" cy="0"/>
-        </a:xfrm>
-      </p:grpSpPr>
-      <p:sp>
-        <p:nvSpPr>
-          <p:cNvPr id="2" name="Titel 1">
-            <a:extLst>
-              <a:ext uri="{FF2B5EF4-FFF2-40B4-BE49-F238E27FC236}">
-                <a16:creationId xmlns:a16="http://schemas.microsoft.com/office/drawing/2014/main" id="{AD42702C-2E3B-447E-9F7B-A49B8F35E331}"/>
-              </a:ext>
-            </a:extLst>
-          </p:cNvPr>
-          <p:cNvSpPr>
-            <a:spLocks noGrp="1"/>
-          </p:cNvSpPr>
-          <p:nvPr>
-            <p:ph type="title"/>
-          </p:nvPr>
-        </p:nvSpPr>
-        <p:spPr/>
-        <p:txBody>
-          <a:bodyPr/>
-          <a:lstStyle/>
-          <a:p>
-            <a:r>
-              <a:rPr lang="de-CH" dirty="0"/>
-              <a:t>Inhalt</a:t>
-            </a:r>
-          </a:p>
-        </p:txBody>
-      </p:sp>
-      <p:sp>
-        <p:nvSpPr>
-          <p:cNvPr id="3" name="Inhaltsplatzhalter 2">
-            <a:extLst>
-              <a:ext uri="{FF2B5EF4-FFF2-40B4-BE49-F238E27FC236}">
-                <a16:creationId xmlns:a16="http://schemas.microsoft.com/office/drawing/2014/main" id="{BF6D63E5-396A-4E40-8720-F8D138EDBA50}"/>
-              </a:ext>
-            </a:extLst>
-          </p:cNvPr>
-          <p:cNvSpPr>
-            <a:spLocks noGrp="1"/>
-          </p:cNvSpPr>
-          <p:nvPr>
-            <p:ph idx="1"/>
-          </p:nvPr>
-        </p:nvSpPr>
-        <p:spPr/>
-        <p:txBody>
-          <a:bodyPr/>
-          <a:lstStyle/>
-          <a:p>
-            <a:r>
-              <a:rPr lang="de-CH" dirty="0">
-                <a:solidFill>
-                  <a:schemeClr val="tx1"/>
-                </a:solidFill>
-              </a:rPr>
-              <a:t>Ziel</a:t>
-            </a:r>
-          </a:p>
-          <a:p>
-            <a:r>
-              <a:rPr lang="de-CH" dirty="0">
-                <a:solidFill>
-                  <a:schemeClr val="tx1"/>
-                </a:solidFill>
-              </a:rPr>
-              <a:t>GAN</a:t>
-            </a:r>
-          </a:p>
-          <a:p>
-            <a:r>
-              <a:rPr lang="de-CH" dirty="0">
-                <a:solidFill>
-                  <a:schemeClr val="tx1"/>
-                </a:solidFill>
-              </a:rPr>
-              <a:t>Fazit</a:t>
-            </a:r>
-          </a:p>
-          <a:p>
-            <a:endParaRPr lang="de-CH" dirty="0"/>
-          </a:p>
-        </p:txBody>
-      </p:sp>
-    </p:spTree>
-    <p:extLst>
-      <p:ext uri="{BB962C8B-B14F-4D97-AF65-F5344CB8AC3E}">
-        <p14:creationId xmlns:p14="http://schemas.microsoft.com/office/powerpoint/2010/main" val="3463662472"/>
-      </p:ext>
-    </p:extLst>
-  </p:cSld>
-  <p:clrMapOvr>
-    <a:masterClrMapping/>
-  </p:clrMapOvr>
-</p:sld>
-</file>
-
-<file path=ppt/slides/slide20.xml><?xml version="1.0" encoding="utf-8"?>
+<file path=ppt/slides/slide21.xml><?xml version="1.0" encoding="utf-8"?>
 <p:sld xmlns:a="http://schemas.openxmlformats.org/drawingml/2006/main" xmlns:r="http://schemas.openxmlformats.org/officeDocument/2006/relationships" xmlns:p="http://schemas.openxmlformats.org/presentationml/2006/main">
   <p:cSld>
     <p:spTree>
@@ -9927,145 +10048,6 @@
 </p:sld>
 </file>
 
-<file path=ppt/slides/slide21.xml><?xml version="1.0" encoding="utf-8"?>
-<p:sld xmlns:a="http://schemas.openxmlformats.org/drawingml/2006/main" xmlns:r="http://schemas.openxmlformats.org/officeDocument/2006/relationships" xmlns:p="http://schemas.openxmlformats.org/presentationml/2006/main">
-  <p:cSld>
-    <p:spTree>
-      <p:nvGrpSpPr>
-        <p:cNvPr id="1" name=""/>
-        <p:cNvGrpSpPr/>
-        <p:nvPr/>
-      </p:nvGrpSpPr>
-      <p:grpSpPr>
-        <a:xfrm>
-          <a:off x="0" y="0"/>
-          <a:ext cx="0" cy="0"/>
-          <a:chOff x="0" y="0"/>
-          <a:chExt cx="0" cy="0"/>
-        </a:xfrm>
-      </p:grpSpPr>
-      <p:sp>
-        <p:nvSpPr>
-          <p:cNvPr id="2" name="Titel 1">
-            <a:extLst>
-              <a:ext uri="{FF2B5EF4-FFF2-40B4-BE49-F238E27FC236}">
-                <a16:creationId xmlns:a16="http://schemas.microsoft.com/office/drawing/2014/main" id="{ABC2A43F-A960-430F-98E5-F9A3093F472D}"/>
-              </a:ext>
-            </a:extLst>
-          </p:cNvPr>
-          <p:cNvSpPr>
-            <a:spLocks noGrp="1"/>
-          </p:cNvSpPr>
-          <p:nvPr>
-            <p:ph type="title"/>
-          </p:nvPr>
-        </p:nvSpPr>
-        <p:spPr/>
-        <p:txBody>
-          <a:bodyPr/>
-          <a:lstStyle/>
-          <a:p>
-            <a:r>
-              <a:rPr lang="de-CH" dirty="0"/>
-              <a:t>Zu beachten</a:t>
-            </a:r>
-          </a:p>
-        </p:txBody>
-      </p:sp>
-      <p:sp>
-        <p:nvSpPr>
-          <p:cNvPr id="3" name="Inhaltsplatzhalter 2">
-            <a:extLst>
-              <a:ext uri="{FF2B5EF4-FFF2-40B4-BE49-F238E27FC236}">
-                <a16:creationId xmlns:a16="http://schemas.microsoft.com/office/drawing/2014/main" id="{F682C54F-9974-485A-AC10-D760334AA55A}"/>
-              </a:ext>
-            </a:extLst>
-          </p:cNvPr>
-          <p:cNvSpPr>
-            <a:spLocks noGrp="1"/>
-          </p:cNvSpPr>
-          <p:nvPr>
-            <p:ph idx="1"/>
-          </p:nvPr>
-        </p:nvSpPr>
-        <p:spPr/>
-        <p:txBody>
-          <a:bodyPr/>
-          <a:lstStyle/>
-          <a:p>
-            <a:r>
-              <a:rPr lang="de-CH" dirty="0">
-                <a:solidFill>
-                  <a:schemeClr val="tx1"/>
-                </a:solidFill>
-              </a:rPr>
-              <a:t>Simultanes Lernen notwendig</a:t>
-            </a:r>
-          </a:p>
-          <a:p>
-            <a:r>
-              <a:rPr lang="de-CH" dirty="0">
-                <a:solidFill>
-                  <a:schemeClr val="tx1"/>
-                </a:solidFill>
-              </a:rPr>
-              <a:t>D sollte mehrfach vor G trainiert werden, um Optimum für gegebenes G zu erreichen -&gt; Konvergenz von </a:t>
-            </a:r>
-            <a:r>
-              <a:rPr lang="de-CH" dirty="0" err="1">
-                <a:solidFill>
-                  <a:schemeClr val="tx1"/>
-                </a:solidFill>
-              </a:rPr>
-              <a:t>p_g</a:t>
-            </a:r>
-            <a:r>
-              <a:rPr lang="de-CH" dirty="0">
-                <a:solidFill>
-                  <a:schemeClr val="tx1"/>
-                </a:solidFill>
-              </a:rPr>
-              <a:t> zu </a:t>
-            </a:r>
-            <a:r>
-              <a:rPr lang="de-CH" dirty="0" err="1">
-                <a:solidFill>
-                  <a:schemeClr val="tx1"/>
-                </a:solidFill>
-              </a:rPr>
-              <a:t>p_data</a:t>
-            </a:r>
-            <a:endParaRPr lang="de-CH" dirty="0">
-              <a:solidFill>
-                <a:schemeClr val="tx1"/>
-              </a:solidFill>
-            </a:endParaRPr>
-          </a:p>
-          <a:p>
-            <a:r>
-              <a:rPr lang="de-CH" dirty="0">
-                <a:solidFill>
-                  <a:schemeClr val="tx1"/>
-                </a:solidFill>
-              </a:rPr>
-              <a:t>D und G müssen ungefähr gleich stark sein</a:t>
-            </a:r>
-          </a:p>
-        </p:txBody>
-      </p:sp>
-    </p:spTree>
-    <p:extLst>
-      <p:ext uri="{BB962C8B-B14F-4D97-AF65-F5344CB8AC3E}">
-        <p14:creationId xmlns:p14="http://schemas.microsoft.com/office/powerpoint/2010/main" val="2681525982"/>
-      </p:ext>
-    </p:extLst>
-  </p:cSld>
-  <p:clrMapOvr>
-    <a:masterClrMapping/>
-  </p:clrMapOvr>
-</p:sld>
-</file>
-
 <file path=ppt/slides/slide22.xml><?xml version="1.0" encoding="utf-8"?>
 <p:sld xmlns:a="http://schemas.openxmlformats.org/drawingml/2006/main" xmlns:r="http://schemas.openxmlformats.org/officeDocument/2006/relationships" xmlns:p="http://schemas.openxmlformats.org/presentationml/2006/main">
   <p:cSld>
@@ -10088,6 +10070,145 @@
           <p:cNvPr id="2" name="Titel 1">
             <a:extLst>
               <a:ext uri="{FF2B5EF4-FFF2-40B4-BE49-F238E27FC236}">
+                <a16:creationId xmlns:a16="http://schemas.microsoft.com/office/drawing/2014/main" id="{ABC2A43F-A960-430F-98E5-F9A3093F472D}"/>
+              </a:ext>
+            </a:extLst>
+          </p:cNvPr>
+          <p:cNvSpPr>
+            <a:spLocks noGrp="1"/>
+          </p:cNvSpPr>
+          <p:nvPr>
+            <p:ph type="title"/>
+          </p:nvPr>
+        </p:nvSpPr>
+        <p:spPr/>
+        <p:txBody>
+          <a:bodyPr/>
+          <a:lstStyle/>
+          <a:p>
+            <a:r>
+              <a:rPr lang="de-CH" dirty="0"/>
+              <a:t>Zu beachten</a:t>
+            </a:r>
+          </a:p>
+        </p:txBody>
+      </p:sp>
+      <p:sp>
+        <p:nvSpPr>
+          <p:cNvPr id="3" name="Inhaltsplatzhalter 2">
+            <a:extLst>
+              <a:ext uri="{FF2B5EF4-FFF2-40B4-BE49-F238E27FC236}">
+                <a16:creationId xmlns:a16="http://schemas.microsoft.com/office/drawing/2014/main" id="{F682C54F-9974-485A-AC10-D760334AA55A}"/>
+              </a:ext>
+            </a:extLst>
+          </p:cNvPr>
+          <p:cNvSpPr>
+            <a:spLocks noGrp="1"/>
+          </p:cNvSpPr>
+          <p:nvPr>
+            <p:ph idx="1"/>
+          </p:nvPr>
+        </p:nvSpPr>
+        <p:spPr/>
+        <p:txBody>
+          <a:bodyPr/>
+          <a:lstStyle/>
+          <a:p>
+            <a:r>
+              <a:rPr lang="de-CH" dirty="0">
+                <a:solidFill>
+                  <a:schemeClr val="tx1"/>
+                </a:solidFill>
+              </a:rPr>
+              <a:t>Simultanes Lernen notwendig</a:t>
+            </a:r>
+          </a:p>
+          <a:p>
+            <a:r>
+              <a:rPr lang="de-CH" dirty="0">
+                <a:solidFill>
+                  <a:schemeClr val="tx1"/>
+                </a:solidFill>
+              </a:rPr>
+              <a:t>D sollte mehrfach vor G trainiert werden, um Optimum für gegebenes G zu erreichen -&gt; Konvergenz von </a:t>
+            </a:r>
+            <a:r>
+              <a:rPr lang="de-CH" dirty="0" err="1">
+                <a:solidFill>
+                  <a:schemeClr val="tx1"/>
+                </a:solidFill>
+              </a:rPr>
+              <a:t>p_g</a:t>
+            </a:r>
+            <a:r>
+              <a:rPr lang="de-CH" dirty="0">
+                <a:solidFill>
+                  <a:schemeClr val="tx1"/>
+                </a:solidFill>
+              </a:rPr>
+              <a:t> zu </a:t>
+            </a:r>
+            <a:r>
+              <a:rPr lang="de-CH" dirty="0" err="1">
+                <a:solidFill>
+                  <a:schemeClr val="tx1"/>
+                </a:solidFill>
+              </a:rPr>
+              <a:t>p_data</a:t>
+            </a:r>
+            <a:endParaRPr lang="de-CH" dirty="0">
+              <a:solidFill>
+                <a:schemeClr val="tx1"/>
+              </a:solidFill>
+            </a:endParaRPr>
+          </a:p>
+          <a:p>
+            <a:r>
+              <a:rPr lang="de-CH" dirty="0">
+                <a:solidFill>
+                  <a:schemeClr val="tx1"/>
+                </a:solidFill>
+              </a:rPr>
+              <a:t>D und G müssen ungefähr gleich stark sein</a:t>
+            </a:r>
+          </a:p>
+        </p:txBody>
+      </p:sp>
+    </p:spTree>
+    <p:extLst>
+      <p:ext uri="{BB962C8B-B14F-4D97-AF65-F5344CB8AC3E}">
+        <p14:creationId xmlns:p14="http://schemas.microsoft.com/office/powerpoint/2010/main" val="2681525982"/>
+      </p:ext>
+    </p:extLst>
+  </p:cSld>
+  <p:clrMapOvr>
+    <a:masterClrMapping/>
+  </p:clrMapOvr>
+</p:sld>
+</file>
+
+<file path=ppt/slides/slide23.xml><?xml version="1.0" encoding="utf-8"?>
+<p:sld xmlns:a="http://schemas.openxmlformats.org/drawingml/2006/main" xmlns:r="http://schemas.openxmlformats.org/officeDocument/2006/relationships" xmlns:p="http://schemas.openxmlformats.org/presentationml/2006/main">
+  <p:cSld>
+    <p:spTree>
+      <p:nvGrpSpPr>
+        <p:cNvPr id="1" name=""/>
+        <p:cNvGrpSpPr/>
+        <p:nvPr/>
+      </p:nvGrpSpPr>
+      <p:grpSpPr>
+        <a:xfrm>
+          <a:off x="0" y="0"/>
+          <a:ext cx="0" cy="0"/>
+          <a:chOff x="0" y="0"/>
+          <a:chExt cx="0" cy="0"/>
+        </a:xfrm>
+      </p:grpSpPr>
+      <p:sp>
+        <p:nvSpPr>
+          <p:cNvPr id="2" name="Titel 1">
+            <a:extLst>
+              <a:ext uri="{FF2B5EF4-FFF2-40B4-BE49-F238E27FC236}">
                 <a16:creationId xmlns:a16="http://schemas.microsoft.com/office/drawing/2014/main" id="{D5F87995-9ABA-4794-AF72-45F2C38EBC16}"/>
               </a:ext>
             </a:extLst>
@@ -10138,7 +10259,7 @@
                   <a:schemeClr val="tx1"/>
                 </a:solidFill>
               </a:rPr>
-              <a:t>Gute Möglichkeit für </a:t>
+              <a:t>Gute Möglichkeit für «</a:t>
             </a:r>
             <a:r>
               <a:rPr lang="de-CH" dirty="0" err="1">
@@ -10154,7 +10275,17 @@
                   <a:schemeClr val="tx1"/>
                 </a:solidFill>
               </a:rPr>
-              <a:t>, Bildbearbeitungen usw.</a:t>
+              <a:t>», Bildbearbeitungen usw.</a:t>
+            </a:r>
+          </a:p>
+          <a:p>
+            <a:r>
+              <a:rPr lang="de-CH" dirty="0">
+                <a:solidFill>
+                  <a:schemeClr val="tx1"/>
+                </a:solidFill>
+              </a:rPr>
+              <a:t>Generator kennt Originale nicht</a:t>
             </a:r>
           </a:p>
           <a:p>
@@ -10592,8 +10723,8 @@
           </a:p>
         </p:txBody>
       </p:sp>
-      <mc:AlternateContent xmlns:mc="http://schemas.openxmlformats.org/markup-compatibility/2006">
-        <mc:Choice xmlns:a14="http://schemas.microsoft.com/office/drawing/2010/main" Requires="a14">
+      <mc:AlternateContent xmlns:mc="http://schemas.openxmlformats.org/markup-compatibility/2006" xmlns:a14="http://schemas.microsoft.com/office/drawing/2010/main">
+        <mc:Choice Requires="a14">
           <p:sp>
             <p:nvSpPr>
               <p:cNvPr id="14" name="Textfeld 13">
@@ -10643,7 +10774,7 @@
             </p:txBody>
           </p:sp>
         </mc:Choice>
-        <mc:Fallback>
+        <mc:Fallback xmlns="">
           <p:sp>
             <p:nvSpPr>
               <p:cNvPr id="14" name="Textfeld 13">

--- a/GAN.pptx
+++ b/GAN.pptx
@@ -326,7 +326,7 @@
             <a:fld id="{B61BEF0D-F0BB-DE4B-95CE-6DB70DBA9567}" type="datetimeFigureOut">
               <a:rPr lang="en-US" dirty="0"/>
               <a:pPr/>
-              <a:t>5/20/2021</a:t>
+              <a:t>5/21/2021</a:t>
             </a:fld>
             <a:endParaRPr lang="en-US" dirty="0"/>
           </a:p>
@@ -759,7 +759,7 @@
             <a:fld id="{B61BEF0D-F0BB-DE4B-95CE-6DB70DBA9567}" type="datetimeFigureOut">
               <a:rPr lang="en-US" dirty="0"/>
               <a:pPr/>
-              <a:t>5/20/2021</a:t>
+              <a:t>5/21/2021</a:t>
             </a:fld>
             <a:endParaRPr lang="en-US" dirty="0"/>
           </a:p>
@@ -1006,7 +1006,7 @@
             <a:fld id="{B61BEF0D-F0BB-DE4B-95CE-6DB70DBA9567}" type="datetimeFigureOut">
               <a:rPr lang="en-US" dirty="0"/>
               <a:pPr/>
-              <a:t>5/20/2021</a:t>
+              <a:t>5/21/2021</a:t>
             </a:fld>
             <a:endParaRPr lang="en-US" dirty="0"/>
           </a:p>
@@ -1311,7 +1311,7 @@
             <a:fld id="{B61BEF0D-F0BB-DE4B-95CE-6DB70DBA9567}" type="datetimeFigureOut">
               <a:rPr lang="en-US" dirty="0"/>
               <a:pPr/>
-              <a:t>5/20/2021</a:t>
+              <a:t>5/21/2021</a:t>
             </a:fld>
             <a:endParaRPr lang="en-US" dirty="0"/>
           </a:p>
@@ -1626,7 +1626,7 @@
             <a:fld id="{B61BEF0D-F0BB-DE4B-95CE-6DB70DBA9567}" type="datetimeFigureOut">
               <a:rPr lang="en-US" dirty="0"/>
               <a:pPr/>
-              <a:t>5/20/2021</a:t>
+              <a:t>5/21/2021</a:t>
             </a:fld>
             <a:endParaRPr lang="en-US" dirty="0"/>
           </a:p>
@@ -1925,7 +1925,7 @@
             <a:fld id="{B61BEF0D-F0BB-DE4B-95CE-6DB70DBA9567}" type="datetimeFigureOut">
               <a:rPr lang="en-US" dirty="0"/>
               <a:pPr/>
-              <a:t>5/20/2021</a:t>
+              <a:t>5/21/2021</a:t>
             </a:fld>
             <a:endParaRPr lang="en-US" dirty="0"/>
           </a:p>
@@ -2289,7 +2289,7 @@
             <a:fld id="{B61BEF0D-F0BB-DE4B-95CE-6DB70DBA9567}" type="datetimeFigureOut">
               <a:rPr lang="en-US" dirty="0"/>
               <a:pPr/>
-              <a:t>5/20/2021</a:t>
+              <a:t>5/21/2021</a:t>
             </a:fld>
             <a:endParaRPr lang="en-US" dirty="0"/>
           </a:p>
@@ -2460,7 +2460,7 @@
             <a:fld id="{B61BEF0D-F0BB-DE4B-95CE-6DB70DBA9567}" type="datetimeFigureOut">
               <a:rPr lang="en-US" dirty="0"/>
               <a:pPr/>
-              <a:t>5/20/2021</a:t>
+              <a:t>5/21/2021</a:t>
             </a:fld>
             <a:endParaRPr lang="en-US" dirty="0"/>
           </a:p>
@@ -2637,7 +2637,7 @@
             <a:fld id="{B61BEF0D-F0BB-DE4B-95CE-6DB70DBA9567}" type="datetimeFigureOut">
               <a:rPr lang="en-US" dirty="0"/>
               <a:pPr/>
-              <a:t>5/20/2021</a:t>
+              <a:t>5/21/2021</a:t>
             </a:fld>
             <a:endParaRPr lang="en-US" dirty="0"/>
           </a:p>
@@ -2804,7 +2804,7 @@
             <a:fld id="{B61BEF0D-F0BB-DE4B-95CE-6DB70DBA9567}" type="datetimeFigureOut">
               <a:rPr lang="en-US" dirty="0"/>
               <a:pPr/>
-              <a:t>5/20/2021</a:t>
+              <a:t>5/21/2021</a:t>
             </a:fld>
             <a:endParaRPr lang="en-US" dirty="0"/>
           </a:p>
@@ -3051,7 +3051,7 @@
             <a:fld id="{B61BEF0D-F0BB-DE4B-95CE-6DB70DBA9567}" type="datetimeFigureOut">
               <a:rPr lang="en-US" dirty="0"/>
               <a:pPr/>
-              <a:t>5/20/2021</a:t>
+              <a:t>5/21/2021</a:t>
             </a:fld>
             <a:endParaRPr lang="en-US" dirty="0"/>
           </a:p>
@@ -3284,7 +3284,7 @@
             <a:fld id="{B61BEF0D-F0BB-DE4B-95CE-6DB70DBA9567}" type="datetimeFigureOut">
               <a:rPr lang="en-US" dirty="0"/>
               <a:pPr/>
-              <a:t>5/20/2021</a:t>
+              <a:t>5/21/2021</a:t>
             </a:fld>
             <a:endParaRPr lang="en-US" dirty="0"/>
           </a:p>
@@ -3663,7 +3663,7 @@
             <a:fld id="{B61BEF0D-F0BB-DE4B-95CE-6DB70DBA9567}" type="datetimeFigureOut">
               <a:rPr lang="en-US" dirty="0"/>
               <a:pPr/>
-              <a:t>5/20/2021</a:t>
+              <a:t>5/21/2021</a:t>
             </a:fld>
             <a:endParaRPr lang="en-US" dirty="0"/>
           </a:p>
@@ -3778,7 +3778,7 @@
             <a:fld id="{B61BEF0D-F0BB-DE4B-95CE-6DB70DBA9567}" type="datetimeFigureOut">
               <a:rPr lang="en-US" dirty="0"/>
               <a:pPr/>
-              <a:t>5/20/2021</a:t>
+              <a:t>5/21/2021</a:t>
             </a:fld>
             <a:endParaRPr lang="en-US" dirty="0"/>
           </a:p>
@@ -3870,7 +3870,7 @@
             <a:fld id="{B61BEF0D-F0BB-DE4B-95CE-6DB70DBA9567}" type="datetimeFigureOut">
               <a:rPr lang="en-US" dirty="0"/>
               <a:pPr/>
-              <a:t>5/20/2021</a:t>
+              <a:t>5/21/2021</a:t>
             </a:fld>
             <a:endParaRPr lang="en-US" dirty="0"/>
           </a:p>
@@ -4122,7 +4122,7 @@
             <a:fld id="{B61BEF0D-F0BB-DE4B-95CE-6DB70DBA9567}" type="datetimeFigureOut">
               <a:rPr lang="en-US" dirty="0"/>
               <a:pPr/>
-              <a:t>5/20/2021</a:t>
+              <a:t>5/21/2021</a:t>
             </a:fld>
             <a:endParaRPr lang="en-US" dirty="0"/>
           </a:p>
@@ -4402,7 +4402,7 @@
             <a:fld id="{B61BEF0D-F0BB-DE4B-95CE-6DB70DBA9567}" type="datetimeFigureOut">
               <a:rPr lang="en-US" dirty="0"/>
               <a:pPr/>
-              <a:t>5/20/2021</a:t>
+              <a:t>5/21/2021</a:t>
             </a:fld>
             <a:endParaRPr lang="en-US" dirty="0"/>
           </a:p>
@@ -4805,7 +4805,7 @@
             <a:fld id="{B61BEF0D-F0BB-DE4B-95CE-6DB70DBA9567}" type="datetimeFigureOut">
               <a:rPr lang="en-US" dirty="0"/>
               <a:pPr/>
-              <a:t>5/20/2021</a:t>
+              <a:t>5/21/2021</a:t>
             </a:fld>
             <a:endParaRPr lang="en-US" dirty="0"/>
           </a:p>
@@ -6606,6 +6606,20 @@
             </a:endParaRPr>
           </a:p>
           <a:p>
+            <a:endParaRPr lang="de-DE" dirty="0">
+              <a:solidFill>
+                <a:schemeClr val="tx1"/>
+              </a:solidFill>
+            </a:endParaRPr>
+          </a:p>
+          <a:p>
+            <a:endParaRPr lang="de-DE" dirty="0">
+              <a:solidFill>
+                <a:schemeClr val="tx1"/>
+              </a:solidFill>
+            </a:endParaRPr>
+          </a:p>
+          <a:p>
             <a:r>
               <a:rPr lang="de-DE" dirty="0">
                 <a:solidFill>
@@ -6622,6 +6636,36 @@
           </a:p>
         </p:txBody>
       </p:sp>
+      <p:pic>
+        <p:nvPicPr>
+          <p:cNvPr id="4" name="Inhaltsplatzhalter 4">
+            <a:extLst>
+              <a:ext uri="{FF2B5EF4-FFF2-40B4-BE49-F238E27FC236}">
+                <a16:creationId xmlns:a16="http://schemas.microsoft.com/office/drawing/2014/main" id="{662C1B79-729C-446C-9F4A-008E996E4052}"/>
+              </a:ext>
+            </a:extLst>
+          </p:cNvPr>
+          <p:cNvPicPr>
+            <a:picLocks noChangeAspect="1"/>
+          </p:cNvPicPr>
+          <p:nvPr/>
+        </p:nvPicPr>
+        <p:blipFill>
+          <a:blip r:embed="rId2"/>
+          <a:stretch>
+            <a:fillRect/>
+          </a:stretch>
+        </p:blipFill>
+        <p:spPr>
+          <a:xfrm>
+            <a:off x="1776166" y="2081855"/>
+            <a:ext cx="9497954" cy="823156"/>
+          </a:xfrm>
+          <a:prstGeom prst="rect">
+            <a:avLst/>
+          </a:prstGeom>
+        </p:spPr>
+      </p:pic>
     </p:spTree>
     <p:extLst>
       <p:ext uri="{BB962C8B-B14F-4D97-AF65-F5344CB8AC3E}">
@@ -8532,7 +8576,7 @@
                   <a:schemeClr val="tx1"/>
                 </a:solidFill>
               </a:rPr>
-              <a:t>Beschreibt den Informationsunterschied zwischen zwei </a:t>
+              <a:t>Quantifiziere Differenz zwischen zwei </a:t>
             </a:r>
             <a:r>
               <a:rPr lang="de-CH" dirty="0" err="1">
@@ -8542,6 +8586,20 @@
               </a:rPr>
               <a:t>W’keitsverteilungen</a:t>
             </a:r>
+            <a:endParaRPr lang="de-CH" dirty="0">
+              <a:solidFill>
+                <a:schemeClr val="tx1"/>
+              </a:solidFill>
+            </a:endParaRPr>
+          </a:p>
+          <a:p>
+            <a:endParaRPr lang="de-CH" dirty="0">
+              <a:solidFill>
+                <a:schemeClr val="tx1"/>
+              </a:solidFill>
+            </a:endParaRPr>
+          </a:p>
+          <a:p>
             <a:endParaRPr lang="de-CH" dirty="0">
               <a:solidFill>
                 <a:schemeClr val="tx1"/>
@@ -8572,7 +8630,7 @@
         </p:blipFill>
         <p:spPr>
           <a:xfrm>
-            <a:off x="3602148" y="2230120"/>
+            <a:off x="3602148" y="2079199"/>
             <a:ext cx="4099935" cy="838623"/>
           </a:xfrm>
           <a:prstGeom prst="rect">
@@ -10872,7 +10930,11 @@
           <a:p>
             <a:r>
               <a:rPr lang="de-DE" dirty="0"/>
-              <a:t>Gan - Datenräume</a:t>
+              <a:t>Gan - </a:t>
+            </a:r>
+            <a:r>
+              <a:rPr lang="de-DE" dirty="0" err="1"/>
+              <a:t>DatenMengen</a:t>
             </a:r>
             <a:endParaRPr lang="de-CH" dirty="0"/>
           </a:p>

--- a/GAN.pptx
+++ b/GAN.pptx
@@ -326,7 +326,7 @@
             <a:fld id="{B61BEF0D-F0BB-DE4B-95CE-6DB70DBA9567}" type="datetimeFigureOut">
               <a:rPr lang="en-US" dirty="0"/>
               <a:pPr/>
-              <a:t>5/21/2021</a:t>
+              <a:t>5/25/2021</a:t>
             </a:fld>
             <a:endParaRPr lang="en-US" dirty="0"/>
           </a:p>
@@ -759,7 +759,7 @@
             <a:fld id="{B61BEF0D-F0BB-DE4B-95CE-6DB70DBA9567}" type="datetimeFigureOut">
               <a:rPr lang="en-US" dirty="0"/>
               <a:pPr/>
-              <a:t>5/21/2021</a:t>
+              <a:t>5/25/2021</a:t>
             </a:fld>
             <a:endParaRPr lang="en-US" dirty="0"/>
           </a:p>
@@ -1006,7 +1006,7 @@
             <a:fld id="{B61BEF0D-F0BB-DE4B-95CE-6DB70DBA9567}" type="datetimeFigureOut">
               <a:rPr lang="en-US" dirty="0"/>
               <a:pPr/>
-              <a:t>5/21/2021</a:t>
+              <a:t>5/25/2021</a:t>
             </a:fld>
             <a:endParaRPr lang="en-US" dirty="0"/>
           </a:p>
@@ -1311,7 +1311,7 @@
             <a:fld id="{B61BEF0D-F0BB-DE4B-95CE-6DB70DBA9567}" type="datetimeFigureOut">
               <a:rPr lang="en-US" dirty="0"/>
               <a:pPr/>
-              <a:t>5/21/2021</a:t>
+              <a:t>5/25/2021</a:t>
             </a:fld>
             <a:endParaRPr lang="en-US" dirty="0"/>
           </a:p>
@@ -1626,7 +1626,7 @@
             <a:fld id="{B61BEF0D-F0BB-DE4B-95CE-6DB70DBA9567}" type="datetimeFigureOut">
               <a:rPr lang="en-US" dirty="0"/>
               <a:pPr/>
-              <a:t>5/21/2021</a:t>
+              <a:t>5/25/2021</a:t>
             </a:fld>
             <a:endParaRPr lang="en-US" dirty="0"/>
           </a:p>
@@ -1925,7 +1925,7 @@
             <a:fld id="{B61BEF0D-F0BB-DE4B-95CE-6DB70DBA9567}" type="datetimeFigureOut">
               <a:rPr lang="en-US" dirty="0"/>
               <a:pPr/>
-              <a:t>5/21/2021</a:t>
+              <a:t>5/25/2021</a:t>
             </a:fld>
             <a:endParaRPr lang="en-US" dirty="0"/>
           </a:p>
@@ -2289,7 +2289,7 @@
             <a:fld id="{B61BEF0D-F0BB-DE4B-95CE-6DB70DBA9567}" type="datetimeFigureOut">
               <a:rPr lang="en-US" dirty="0"/>
               <a:pPr/>
-              <a:t>5/21/2021</a:t>
+              <a:t>5/25/2021</a:t>
             </a:fld>
             <a:endParaRPr lang="en-US" dirty="0"/>
           </a:p>
@@ -2460,7 +2460,7 @@
             <a:fld id="{B61BEF0D-F0BB-DE4B-95CE-6DB70DBA9567}" type="datetimeFigureOut">
               <a:rPr lang="en-US" dirty="0"/>
               <a:pPr/>
-              <a:t>5/21/2021</a:t>
+              <a:t>5/25/2021</a:t>
             </a:fld>
             <a:endParaRPr lang="en-US" dirty="0"/>
           </a:p>
@@ -2637,7 +2637,7 @@
             <a:fld id="{B61BEF0D-F0BB-DE4B-95CE-6DB70DBA9567}" type="datetimeFigureOut">
               <a:rPr lang="en-US" dirty="0"/>
               <a:pPr/>
-              <a:t>5/21/2021</a:t>
+              <a:t>5/25/2021</a:t>
             </a:fld>
             <a:endParaRPr lang="en-US" dirty="0"/>
           </a:p>
@@ -2804,7 +2804,7 @@
             <a:fld id="{B61BEF0D-F0BB-DE4B-95CE-6DB70DBA9567}" type="datetimeFigureOut">
               <a:rPr lang="en-US" dirty="0"/>
               <a:pPr/>
-              <a:t>5/21/2021</a:t>
+              <a:t>5/25/2021</a:t>
             </a:fld>
             <a:endParaRPr lang="en-US" dirty="0"/>
           </a:p>
@@ -3051,7 +3051,7 @@
             <a:fld id="{B61BEF0D-F0BB-DE4B-95CE-6DB70DBA9567}" type="datetimeFigureOut">
               <a:rPr lang="en-US" dirty="0"/>
               <a:pPr/>
-              <a:t>5/21/2021</a:t>
+              <a:t>5/25/2021</a:t>
             </a:fld>
             <a:endParaRPr lang="en-US" dirty="0"/>
           </a:p>
@@ -3284,7 +3284,7 @@
             <a:fld id="{B61BEF0D-F0BB-DE4B-95CE-6DB70DBA9567}" type="datetimeFigureOut">
               <a:rPr lang="en-US" dirty="0"/>
               <a:pPr/>
-              <a:t>5/21/2021</a:t>
+              <a:t>5/25/2021</a:t>
             </a:fld>
             <a:endParaRPr lang="en-US" dirty="0"/>
           </a:p>
@@ -3663,7 +3663,7 @@
             <a:fld id="{B61BEF0D-F0BB-DE4B-95CE-6DB70DBA9567}" type="datetimeFigureOut">
               <a:rPr lang="en-US" dirty="0"/>
               <a:pPr/>
-              <a:t>5/21/2021</a:t>
+              <a:t>5/25/2021</a:t>
             </a:fld>
             <a:endParaRPr lang="en-US" dirty="0"/>
           </a:p>
@@ -3778,7 +3778,7 @@
             <a:fld id="{B61BEF0D-F0BB-DE4B-95CE-6DB70DBA9567}" type="datetimeFigureOut">
               <a:rPr lang="en-US" dirty="0"/>
               <a:pPr/>
-              <a:t>5/21/2021</a:t>
+              <a:t>5/25/2021</a:t>
             </a:fld>
             <a:endParaRPr lang="en-US" dirty="0"/>
           </a:p>
@@ -3870,7 +3870,7 @@
             <a:fld id="{B61BEF0D-F0BB-DE4B-95CE-6DB70DBA9567}" type="datetimeFigureOut">
               <a:rPr lang="en-US" dirty="0"/>
               <a:pPr/>
-              <a:t>5/21/2021</a:t>
+              <a:t>5/25/2021</a:t>
             </a:fld>
             <a:endParaRPr lang="en-US" dirty="0"/>
           </a:p>
@@ -4122,7 +4122,7 @@
             <a:fld id="{B61BEF0D-F0BB-DE4B-95CE-6DB70DBA9567}" type="datetimeFigureOut">
               <a:rPr lang="en-US" dirty="0"/>
               <a:pPr/>
-              <a:t>5/21/2021</a:t>
+              <a:t>5/25/2021</a:t>
             </a:fld>
             <a:endParaRPr lang="en-US" dirty="0"/>
           </a:p>
@@ -4402,7 +4402,7 @@
             <a:fld id="{B61BEF0D-F0BB-DE4B-95CE-6DB70DBA9567}" type="datetimeFigureOut">
               <a:rPr lang="en-US" dirty="0"/>
               <a:pPr/>
-              <a:t>5/21/2021</a:t>
+              <a:t>5/25/2021</a:t>
             </a:fld>
             <a:endParaRPr lang="en-US" dirty="0"/>
           </a:p>
@@ -4805,7 +4805,7 @@
             <a:fld id="{B61BEF0D-F0BB-DE4B-95CE-6DB70DBA9567}" type="datetimeFigureOut">
               <a:rPr lang="en-US" dirty="0"/>
               <a:pPr/>
-              <a:t>5/21/2021</a:t>
+              <a:t>5/25/2021</a:t>
             </a:fld>
             <a:endParaRPr lang="en-US" dirty="0"/>
           </a:p>
@@ -9500,7 +9500,7 @@
                   <a:schemeClr val="tx1"/>
                 </a:solidFill>
               </a:rPr>
-              <a:t>P(x) = {1, …, 1}</a:t>
+              <a:t>P(x) = 1</a:t>
             </a:r>
           </a:p>
           <a:p>
@@ -9838,7 +9838,7 @@
                   <a:schemeClr val="tx1"/>
                 </a:solidFill>
               </a:rPr>
-              <a:t>P(x) = {0, …, 0}</a:t>
+              <a:t>P(x) = 0</a:t>
             </a:r>
           </a:p>
           <a:p>
@@ -10343,18 +10343,21 @@
                   <a:schemeClr val="tx1"/>
                 </a:solidFill>
               </a:rPr>
-              <a:t>Generator kennt Originale nicht</a:t>
-            </a:r>
-          </a:p>
-          <a:p>
-            <a:r>
-              <a:rPr lang="de-CH" dirty="0">
+              <a:t>Generator kennt </a:t>
+            </a:r>
+            <a:r>
+              <a:rPr lang="de-CH">
                 <a:solidFill>
                   <a:schemeClr val="tx1"/>
                 </a:solidFill>
               </a:rPr>
-              <a:t>Wohl eher weniger geeignet als «Künstler»</a:t>
-            </a:r>
+              <a:t>Originale nicht</a:t>
+            </a:r>
+            <a:endParaRPr lang="de-CH" dirty="0">
+              <a:solidFill>
+                <a:schemeClr val="tx1"/>
+              </a:solidFill>
+            </a:endParaRPr>
           </a:p>
         </p:txBody>
       </p:sp>
